--- a/Whiteboard design session/WDS trainer presentation - Continuous delivery in Azure DevOps.pptx
+++ b/Whiteboard design session/WDS trainer presentation - Continuous delivery in Azure DevOps.pptx
@@ -232,7 +232,7 @@
           <a:p>
             <a:fld id="{52A13B17-C506-4D51-BB37-16B365906619}" type="datetimeFigureOut">
               <a:rPr lang="en-US" smtClean="0"/>
-              <a:t>1/19/19</a:t>
+              <a:t>4/3/19</a:t>
             </a:fld>
             <a:endParaRPr lang="en-US" dirty="0"/>
           </a:p>
@@ -3248,7 +3248,7 @@
                   <a:prstClr val="black"/>
                 </a:solidFill>
               </a:rPr>
-              <a:t>1/19/19 4:03 PM</a:t>
+              <a:t>4/3/19 12:05 PM</a:t>
             </a:fld>
             <a:endParaRPr lang="en-US" dirty="0">
               <a:solidFill>
@@ -25295,7 +25295,7 @@
             </a:pPr>
             <a:r>
               <a:rPr lang="en-US" sz="2800" dirty="0"/>
-              <a:t>He is also been tasked with automating the entire process of testing, building, and deploying to the cloud for both of the developers, so they cannot deploy any builds that fail the test suite and for the QA team, and they can fully test new builds in a realistic cloud environment.</a:t>
+              <a:t>He has also been tasked with automating the entire process of testing, building, and deploying to the cloud for both the developers, so they cannot deploy any builds that fail the test suite, and the QA team, so they can fully test new builds in a realistic cloud environment.</a:t>
             </a:r>
           </a:p>
           <a:p>

--- a/Whiteboard design session/WDS trainer presentation - Continuous delivery in Azure DevOps.pptx
+++ b/Whiteboard design session/WDS trainer presentation - Continuous delivery in Azure DevOps.pptx
@@ -6,7 +6,7 @@
     <p:sldMasterId id="2147483665" r:id="rId2"/>
   </p:sldMasterIdLst>
   <p:notesMasterIdLst>
-    <p:notesMasterId r:id="rId35"/>
+    <p:notesMasterId r:id="rId34"/>
   </p:notesMasterIdLst>
   <p:sldIdLst>
     <p:sldId id="300" r:id="rId3"/>
@@ -33,14 +33,13 @@
     <p:sldId id="355" r:id="rId24"/>
     <p:sldId id="356" r:id="rId25"/>
     <p:sldId id="357" r:id="rId26"/>
-    <p:sldId id="358" r:id="rId27"/>
-    <p:sldId id="342" r:id="rId28"/>
-    <p:sldId id="345" r:id="rId29"/>
-    <p:sldId id="346" r:id="rId30"/>
-    <p:sldId id="348" r:id="rId31"/>
-    <p:sldId id="347" r:id="rId32"/>
-    <p:sldId id="318" r:id="rId33"/>
-    <p:sldId id="315" r:id="rId34"/>
+    <p:sldId id="342" r:id="rId27"/>
+    <p:sldId id="345" r:id="rId28"/>
+    <p:sldId id="346" r:id="rId29"/>
+    <p:sldId id="348" r:id="rId30"/>
+    <p:sldId id="347" r:id="rId31"/>
+    <p:sldId id="318" r:id="rId32"/>
+    <p:sldId id="315" r:id="rId33"/>
   </p:sldIdLst>
   <p:sldSz cx="12192000" cy="6858000"/>
   <p:notesSz cx="6858000" cy="9144000"/>
@@ -232,7 +231,7 @@
           <a:p>
             <a:fld id="{52A13B17-C506-4D51-BB37-16B365906619}" type="datetimeFigureOut">
               <a:rPr lang="en-US" smtClean="0"/>
-              <a:t>4/3/19</a:t>
+              <a:t>8/11/19</a:t>
             </a:fld>
             <a:endParaRPr lang="en-US" dirty="0"/>
           </a:p>
@@ -981,7 +980,7 @@
             <a:spLocks noGrp="1"/>
           </p:cNvSpPr>
           <p:nvPr>
-            <p:ph type="sldNum" sz="quarter" idx="10"/>
+            <p:ph type="sldNum" sz="quarter" idx="5"/>
           </p:nvPr>
         </p:nvSpPr>
         <p:spPr/>
@@ -991,7 +990,7 @@
           <a:p>
             <a:fld id="{0998D5BB-B127-481F-BC0A-2F77C576BB34}" type="slidenum">
               <a:rPr lang="en-US" smtClean="0"/>
-              <a:t>14</a:t>
+              <a:t>13</a:t>
             </a:fld>
             <a:endParaRPr lang="en-US" dirty="0"/>
           </a:p>
@@ -1000,7 +999,7 @@
     </p:spTree>
     <p:extLst>
       <p:ext uri="{BB962C8B-B14F-4D97-AF65-F5344CB8AC3E}">
-        <p14:creationId xmlns:p14="http://schemas.microsoft.com/office/powerpoint/2010/main" val="3229744285"/>
+        <p14:creationId xmlns:p14="http://schemas.microsoft.com/office/powerpoint/2010/main" val="2893201572"/>
       </p:ext>
     </p:extLst>
   </p:cSld>
@@ -1075,7 +1074,7 @@
           <a:p>
             <a:fld id="{0998D5BB-B127-481F-BC0A-2F77C576BB34}" type="slidenum">
               <a:rPr lang="en-US" smtClean="0"/>
-              <a:t>15</a:t>
+              <a:t>14</a:t>
             </a:fld>
             <a:endParaRPr lang="en-US" dirty="0"/>
           </a:p>
@@ -1084,7 +1083,7 @@
     </p:spTree>
     <p:extLst>
       <p:ext uri="{BB962C8B-B14F-4D97-AF65-F5344CB8AC3E}">
-        <p14:creationId xmlns:p14="http://schemas.microsoft.com/office/powerpoint/2010/main" val="937226927"/>
+        <p14:creationId xmlns:p14="http://schemas.microsoft.com/office/powerpoint/2010/main" val="3229744285"/>
       </p:ext>
     </p:extLst>
   </p:cSld>
@@ -1159,7 +1158,7 @@
           <a:p>
             <a:fld id="{0998D5BB-B127-481F-BC0A-2F77C576BB34}" type="slidenum">
               <a:rPr lang="en-US" smtClean="0"/>
-              <a:t>16</a:t>
+              <a:t>15</a:t>
             </a:fld>
             <a:endParaRPr lang="en-US" dirty="0"/>
           </a:p>
@@ -1168,7 +1167,7 @@
     </p:spTree>
     <p:extLst>
       <p:ext uri="{BB962C8B-B14F-4D97-AF65-F5344CB8AC3E}">
-        <p14:creationId xmlns:p14="http://schemas.microsoft.com/office/powerpoint/2010/main" val="1568657202"/>
+        <p14:creationId xmlns:p14="http://schemas.microsoft.com/office/powerpoint/2010/main" val="937226927"/>
       </p:ext>
     </p:extLst>
   </p:cSld>
@@ -1243,7 +1242,7 @@
           <a:p>
             <a:fld id="{0998D5BB-B127-481F-BC0A-2F77C576BB34}" type="slidenum">
               <a:rPr lang="en-US" smtClean="0"/>
-              <a:t>17</a:t>
+              <a:t>16</a:t>
             </a:fld>
             <a:endParaRPr lang="en-US" dirty="0"/>
           </a:p>
@@ -1252,7 +1251,7 @@
     </p:spTree>
     <p:extLst>
       <p:ext uri="{BB962C8B-B14F-4D97-AF65-F5344CB8AC3E}">
-        <p14:creationId xmlns:p14="http://schemas.microsoft.com/office/powerpoint/2010/main" val="1579283386"/>
+        <p14:creationId xmlns:p14="http://schemas.microsoft.com/office/powerpoint/2010/main" val="1568657202"/>
       </p:ext>
     </p:extLst>
   </p:cSld>
@@ -1327,7 +1326,7 @@
           <a:p>
             <a:fld id="{0998D5BB-B127-481F-BC0A-2F77C576BB34}" type="slidenum">
               <a:rPr lang="en-US" smtClean="0"/>
-              <a:t>19</a:t>
+              <a:t>17</a:t>
             </a:fld>
             <a:endParaRPr lang="en-US" dirty="0"/>
           </a:p>
@@ -1336,7 +1335,7 @@
     </p:spTree>
     <p:extLst>
       <p:ext uri="{BB962C8B-B14F-4D97-AF65-F5344CB8AC3E}">
-        <p14:creationId xmlns:p14="http://schemas.microsoft.com/office/powerpoint/2010/main" val="1695423897"/>
+        <p14:creationId xmlns:p14="http://schemas.microsoft.com/office/powerpoint/2010/main" val="1579283386"/>
       </p:ext>
     </p:extLst>
   </p:cSld>
@@ -1390,351 +1389,6 @@
           <a:bodyPr/>
           <a:lstStyle/>
           <a:p>
-            <a:r>
-              <a:rPr lang="en-US" sz="1200" b="0" i="1" kern="1200" dirty="0">
-                <a:solidFill>
-                  <a:schemeClr val="tx1"/>
-                </a:solidFill>
-                <a:effectLst/>
-                <a:latin typeface="+mn-lt"/>
-                <a:ea typeface="+mn-ea"/>
-                <a:cs typeface="+mn-cs"/>
-              </a:rPr>
-              <a:t>Continuous Integration and Deployment</a:t>
-            </a:r>
-            <a:endParaRPr lang="en-US" sz="1200" b="0" i="0" kern="1200" dirty="0">
-              <a:solidFill>
-                <a:schemeClr val="tx1"/>
-              </a:solidFill>
-              <a:effectLst/>
-              <a:latin typeface="+mn-lt"/>
-              <a:ea typeface="+mn-ea"/>
-              <a:cs typeface="+mn-cs"/>
-            </a:endParaRPr>
-          </a:p>
-          <a:p>
-            <a:r>
-              <a:rPr lang="en-US" sz="1200" b="0" i="0" kern="1200" dirty="0">
-                <a:solidFill>
-                  <a:schemeClr val="tx1"/>
-                </a:solidFill>
-                <a:effectLst/>
-                <a:latin typeface="+mn-lt"/>
-                <a:ea typeface="+mn-ea"/>
-                <a:cs typeface="+mn-cs"/>
-              </a:rPr>
-              <a:t>What available system should you use to automate software builds and deployments of the application?</a:t>
-            </a:r>
-          </a:p>
-          <a:p>
-            <a:r>
-              <a:rPr lang="en-US" sz="1200" b="0" i="0" kern="1200" dirty="0">
-                <a:solidFill>
-                  <a:schemeClr val="tx1"/>
-                </a:solidFill>
-                <a:effectLst/>
-                <a:latin typeface="+mn-lt"/>
-                <a:ea typeface="+mn-ea"/>
-                <a:cs typeface="+mn-cs"/>
-              </a:rPr>
-              <a:t>Azure DevOps' build and release management features are a complete end to end solution for automating builds deployment for the solutions. From there, you can customize the gates your solution needs to promote the solution from environment to environment. You're in complete control of how the CI/CD process is implemented.</a:t>
-            </a:r>
-          </a:p>
-          <a:p>
-            <a:r>
-              <a:rPr lang="en-US" sz="1200" b="0" i="0" kern="1200" dirty="0">
-                <a:solidFill>
-                  <a:schemeClr val="tx1"/>
-                </a:solidFill>
-                <a:effectLst/>
-                <a:latin typeface="+mn-lt"/>
-                <a:ea typeface="+mn-ea"/>
-                <a:cs typeface="+mn-cs"/>
-              </a:rPr>
-              <a:t>Once we have the build definition producing build artifacts, we create a release pipeline using the Release Management features of Azure DevOps.</a:t>
-            </a:r>
-          </a:p>
-          <a:p>
-            <a:r>
-              <a:rPr lang="en-US" sz="1200" b="0" i="0" kern="1200" dirty="0">
-                <a:solidFill>
-                  <a:schemeClr val="tx1"/>
-                </a:solidFill>
-                <a:effectLst/>
-                <a:latin typeface="+mn-lt"/>
-                <a:ea typeface="+mn-ea"/>
-                <a:cs typeface="+mn-cs"/>
-              </a:rPr>
-              <a:t>The release pipeline is like the build definition in that it is a series to steps or tasks that we put together to produce an outcome. In this case...we produce the deployment of a release to one or more environments and perform some level of validation and verification of each release.</a:t>
-            </a:r>
-          </a:p>
-          <a:p>
-            <a:r>
-              <a:rPr lang="en-US" sz="1200" b="0" i="0" kern="1200" dirty="0">
-                <a:solidFill>
-                  <a:schemeClr val="tx1"/>
-                </a:solidFill>
-                <a:effectLst/>
-                <a:latin typeface="+mn-lt"/>
-                <a:ea typeface="+mn-ea"/>
-                <a:cs typeface="+mn-cs"/>
-              </a:rPr>
-              <a:t>We can then configure approval steps between each environment as quality stage gates. This allows us to control the flow of releases as they proceed through the environments.</a:t>
-            </a:r>
-          </a:p>
-          <a:p>
-            <a:r>
-              <a:rPr lang="en-US" sz="1200" b="0" i="0" kern="1200" dirty="0">
-                <a:solidFill>
-                  <a:schemeClr val="tx1"/>
-                </a:solidFill>
-                <a:effectLst/>
-                <a:latin typeface="+mn-lt"/>
-                <a:ea typeface="+mn-ea"/>
-                <a:cs typeface="+mn-cs"/>
-              </a:rPr>
-              <a:t>The pipeline for development would simply deploy upon a successful build from the build pipeline.</a:t>
-            </a:r>
-          </a:p>
-          <a:p>
-            <a:r>
-              <a:rPr lang="en-US" sz="1200" b="0" i="0" kern="1200" dirty="0">
-                <a:solidFill>
-                  <a:schemeClr val="tx1"/>
-                </a:solidFill>
-                <a:effectLst/>
-                <a:latin typeface="+mn-lt"/>
-                <a:ea typeface="+mn-ea"/>
-                <a:cs typeface="+mn-cs"/>
-              </a:rPr>
-              <a:t>Then, before we deploy to test, we may want the QA team to decide when to deploy the release into the environment. If that were the case, we would configure a manual approval and the deployment, although still automated, would not occur until a member of the QA team approved it to be deployed. This is useful when a QA team may be reviewing an existing release (previously deployed) and does not want the current release to be overwritten in their test environment.</a:t>
-            </a:r>
-          </a:p>
-          <a:p>
-            <a:r>
-              <a:rPr lang="en-US" sz="1200" b="0" i="0" kern="1200" dirty="0">
-                <a:solidFill>
-                  <a:schemeClr val="tx1"/>
-                </a:solidFill>
-                <a:effectLst/>
-                <a:latin typeface="+mn-lt"/>
-                <a:ea typeface="+mn-ea"/>
-                <a:cs typeface="+mn-cs"/>
-              </a:rPr>
-              <a:t>Once the deployment to test occurs, we would likely have additional acceptance tests executed.</a:t>
-            </a:r>
-          </a:p>
-          <a:p>
-            <a:r>
-              <a:rPr lang="en-US" sz="1200" b="0" i="0" kern="1200" dirty="0">
-                <a:solidFill>
-                  <a:schemeClr val="tx1"/>
-                </a:solidFill>
-                <a:effectLst/>
-                <a:latin typeface="+mn-lt"/>
-                <a:ea typeface="+mn-ea"/>
-                <a:cs typeface="+mn-cs"/>
-              </a:rPr>
-              <a:t>If these acceptance tests pass, we could then trigger the deployment to production.</a:t>
-            </a:r>
-          </a:p>
-          <a:p>
-            <a:r>
-              <a:rPr lang="en-US" sz="1200" b="0" i="0" kern="1200" dirty="0">
-                <a:solidFill>
-                  <a:schemeClr val="tx1"/>
-                </a:solidFill>
-                <a:effectLst/>
-                <a:latin typeface="+mn-lt"/>
-                <a:ea typeface="+mn-ea"/>
-                <a:cs typeface="+mn-cs"/>
-              </a:rPr>
-              <a:t>It is important to note that each environment can have its own set of tasks as often times, the deployment and validation steps vary by environment.</a:t>
-            </a:r>
-          </a:p>
-          <a:p>
-            <a:r>
-              <a:rPr lang="en-US" sz="1200" b="0" i="0" kern="1200" dirty="0">
-                <a:solidFill>
-                  <a:schemeClr val="tx1"/>
-                </a:solidFill>
-                <a:effectLst/>
-                <a:latin typeface="+mn-lt"/>
-                <a:ea typeface="+mn-ea"/>
-                <a:cs typeface="+mn-cs"/>
-              </a:rPr>
-              <a:t>Explain how you can continuously deploy new builds directly to the cloud without interfering with the production site.</a:t>
-            </a:r>
-          </a:p>
-          <a:p>
-            <a:r>
-              <a:rPr lang="en-US" sz="1200" b="0" i="0" kern="1200" dirty="0">
-                <a:solidFill>
-                  <a:schemeClr val="tx1"/>
-                </a:solidFill>
-                <a:effectLst/>
-                <a:latin typeface="+mn-lt"/>
-                <a:ea typeface="+mn-ea"/>
-                <a:cs typeface="+mn-cs"/>
-              </a:rPr>
-              <a:t>For a production deployment, the customer wants to maintain the uptime of the application. Thus, when we are deploying a new release, we want the application to remain available.</a:t>
-            </a:r>
-          </a:p>
-          <a:p>
-            <a:r>
-              <a:rPr lang="en-US" sz="1200" b="0" i="0" kern="1200" dirty="0">
-                <a:solidFill>
-                  <a:schemeClr val="tx1"/>
-                </a:solidFill>
-                <a:effectLst/>
-                <a:latin typeface="+mn-lt"/>
-                <a:ea typeface="+mn-ea"/>
-                <a:cs typeface="+mn-cs"/>
-              </a:rPr>
-              <a:t>Azure App Services have a deployment slot feature specifically to enable this scenario. Each App Service has, by default, a production deployment slot. This is not to be confused with a production environment. For the purposes of this case study, we could add a new deployment slot named "staging."</a:t>
-            </a:r>
-          </a:p>
-          <a:p>
-            <a:r>
-              <a:rPr lang="en-US" sz="1200" b="0" i="0" kern="1200" dirty="0">
-                <a:solidFill>
-                  <a:schemeClr val="tx1"/>
-                </a:solidFill>
-                <a:effectLst/>
-                <a:latin typeface="+mn-lt"/>
-                <a:ea typeface="+mn-ea"/>
-                <a:cs typeface="+mn-cs"/>
-              </a:rPr>
-              <a:t>To do this, we add an additional deployment slot to the Azure App Service and configure the release pipeline to deploy to the newly created deployment slot.</a:t>
-            </a:r>
-          </a:p>
-          <a:p>
-            <a:r>
-              <a:rPr lang="en-US" sz="1200" b="0" i="0" kern="1200" dirty="0">
-                <a:solidFill>
-                  <a:schemeClr val="tx1"/>
-                </a:solidFill>
-                <a:effectLst/>
-                <a:latin typeface="+mn-lt"/>
-                <a:ea typeface="+mn-ea"/>
-                <a:cs typeface="+mn-cs"/>
-              </a:rPr>
-              <a:t>Assuming a successful deployment and verification to the staging slot, we add an additional task to the deployment that switches the staging deployment slot with the production deployment slot and all new requests will be directed to the newly deployed application. All of this is done with no downtime to the application.</a:t>
-            </a:r>
-          </a:p>
-          <a:p>
-            <a:r>
-              <a:rPr lang="en-US" sz="1200" b="0" i="0" kern="1200" dirty="0">
-                <a:solidFill>
-                  <a:schemeClr val="tx1"/>
-                </a:solidFill>
-                <a:effectLst/>
-                <a:latin typeface="+mn-lt"/>
-                <a:ea typeface="+mn-ea"/>
-                <a:cs typeface="+mn-cs"/>
-              </a:rPr>
-              <a:t>Document how to integrate unit tests into the continuous delivery process such that when a test fails to pass, the deployment process is flagged and stopped.</a:t>
-            </a:r>
-          </a:p>
-          <a:p>
-            <a:r>
-              <a:rPr lang="en-US" sz="1200" b="0" i="0" kern="1200" dirty="0">
-                <a:solidFill>
-                  <a:schemeClr val="tx1"/>
-                </a:solidFill>
-                <a:effectLst/>
-                <a:latin typeface="+mn-lt"/>
-                <a:ea typeface="+mn-ea"/>
-                <a:cs typeface="+mn-cs"/>
-              </a:rPr>
-              <a:t>Let's assume your solution already includes a test project with unit tests. You can create or edit your build definition to include a task (Visual Studio Test task) that runs unit tests. After your build starts, this task automatically runs all the unit tests in your solution. If one or more tests fail, the continuous delivery process will halt for that particular build. You could then also configure the test task to create a new work item when a test fails.</a:t>
-            </a:r>
-          </a:p>
-          <a:p>
-            <a:r>
-              <a:rPr lang="en-US" sz="1200" b="0" i="0" kern="1200" dirty="0">
-                <a:solidFill>
-                  <a:schemeClr val="tx1"/>
-                </a:solidFill>
-                <a:effectLst/>
-                <a:latin typeface="+mn-lt"/>
-                <a:ea typeface="+mn-ea"/>
-                <a:cs typeface="+mn-cs"/>
-              </a:rPr>
-              <a:t>Explain how you can test a new build simultaneously with an existing build, like an A/B test?</a:t>
-            </a:r>
-          </a:p>
-          <a:p>
-            <a:r>
-              <a:rPr lang="en-US" sz="1200" b="0" i="0" kern="1200" dirty="0">
-                <a:solidFill>
-                  <a:schemeClr val="tx1"/>
-                </a:solidFill>
-                <a:effectLst/>
-                <a:latin typeface="+mn-lt"/>
-                <a:ea typeface="+mn-ea"/>
-                <a:cs typeface="+mn-cs"/>
-              </a:rPr>
-              <a:t>The most common technique to meet this requirement is to create a deployment slots where your App Service variation can be deployed to. Then, configure the release pipeline to deploy to the preferred deployment slot. Using the Azure Portal you can configure the Traffic Routing feature, specifying which percentage of users should go to the primary site and each deployment slot when they browse to your site's URL. Additionally, you could use Application Insights to measure the effectiveness of each version of the site.</a:t>
-            </a:r>
-          </a:p>
-          <a:p>
-            <a:r>
-              <a:rPr lang="en-US" sz="1200" b="0" i="0" kern="1200" dirty="0">
-                <a:solidFill>
-                  <a:schemeClr val="tx1"/>
-                </a:solidFill>
-                <a:effectLst/>
-                <a:latin typeface="+mn-lt"/>
-                <a:ea typeface="+mn-ea"/>
-                <a:cs typeface="+mn-cs"/>
-              </a:rPr>
-              <a:t>Why shouldn't we have multiple long lived branches in source control?</a:t>
-            </a:r>
-          </a:p>
-          <a:p>
-            <a:r>
-              <a:rPr lang="en-US" sz="1200" b="0" i="0" kern="1200" dirty="0">
-                <a:solidFill>
-                  <a:schemeClr val="tx1"/>
-                </a:solidFill>
-                <a:effectLst/>
-                <a:latin typeface="+mn-lt"/>
-                <a:ea typeface="+mn-ea"/>
-                <a:cs typeface="+mn-cs"/>
-              </a:rPr>
-              <a:t>If you think if your work as delta off of a master...the size of the delta increases as your branch incorporates more and more work. As the size of your team grows, the amount of work hidden from each other increases. And the chances that your assumptions about the state of the code hold true decreases the more you use long lived branches. If you merge your code back to master frequently, you demonstrate the direction you're taking the code. When you merge your code more frequently to master, the pain of integration happens at the beginning instead of the end of your work. This allows you to find issues faster and fix them at the earliest possible moment. Merging your code frequently also results in fewer merge conflicts. If you're developing a large feature, consider using feature flags so that you can continue to merge your code frequently.</a:t>
-            </a:r>
-          </a:p>
-          <a:p>
-            <a:r>
-              <a:rPr lang="en-US" sz="1200" b="0" i="0" kern="1200" dirty="0">
-                <a:solidFill>
-                  <a:schemeClr val="tx1"/>
-                </a:solidFill>
-                <a:effectLst/>
-                <a:latin typeface="+mn-lt"/>
-                <a:ea typeface="+mn-ea"/>
-                <a:cs typeface="+mn-cs"/>
-              </a:rPr>
-              <a:t>Create a plan on how to switch the source control location from Azure DevOps to GitHub.</a:t>
-            </a:r>
-          </a:p>
-          <a:p>
-            <a:r>
-              <a:rPr lang="en-US" sz="1200" b="0" i="0" kern="1200" dirty="0">
-                <a:solidFill>
-                  <a:schemeClr val="tx1"/>
-                </a:solidFill>
-                <a:effectLst/>
-                <a:latin typeface="+mn-lt"/>
-                <a:ea typeface="+mn-ea"/>
-                <a:cs typeface="+mn-cs"/>
-              </a:rPr>
-              <a:t>Let's assume you have already uploaded your codebase to GitHub from Azure DevOps. First, start by editing your existing build definition. When you initially configured the build definition, you selected Azure DevOps as the source for your code. You would now change the "Get sources" item to select GitHub. This, in turn, will require you to authenticate to GitHub (if you have not previously done so). Finally, you select the specifics for your Repository and Default branch. The rest of the build and release process remains unchanged.</a:t>
-            </a:r>
-          </a:p>
-          <a:p>
             <a:endParaRPr lang="en-US" dirty="0"/>
           </a:p>
         </p:txBody>
@@ -1756,7 +1410,7 @@
           <a:p>
             <a:fld id="{0998D5BB-B127-481F-BC0A-2F77C576BB34}" type="slidenum">
               <a:rPr lang="en-US" smtClean="0"/>
-              <a:t>20</a:t>
+              <a:t>19</a:t>
             </a:fld>
             <a:endParaRPr lang="en-US" dirty="0"/>
           </a:p>
@@ -1765,7 +1419,7 @@
     </p:spTree>
     <p:extLst>
       <p:ext uri="{BB962C8B-B14F-4D97-AF65-F5344CB8AC3E}">
-        <p14:creationId xmlns:p14="http://schemas.microsoft.com/office/powerpoint/2010/main" val="2523297250"/>
+        <p14:creationId xmlns:p14="http://schemas.microsoft.com/office/powerpoint/2010/main" val="1695423897"/>
       </p:ext>
     </p:extLst>
   </p:cSld>
@@ -1820,6 +1474,169 @@
           <a:lstStyle/>
           <a:p>
             <a:r>
+              <a:rPr lang="en-US" sz="1200" b="0" i="1" kern="1200" dirty="0">
+                <a:solidFill>
+                  <a:schemeClr val="tx1"/>
+                </a:solidFill>
+                <a:effectLst/>
+                <a:latin typeface="+mn-lt"/>
+                <a:ea typeface="+mn-ea"/>
+                <a:cs typeface="+mn-cs"/>
+              </a:rPr>
+              <a:t>Continuous Integration and Deployment</a:t>
+            </a:r>
+            <a:endParaRPr lang="en-US" sz="1200" b="0" i="0" kern="1200" dirty="0">
+              <a:solidFill>
+                <a:schemeClr val="tx1"/>
+              </a:solidFill>
+              <a:effectLst/>
+              <a:latin typeface="+mn-lt"/>
+              <a:ea typeface="+mn-ea"/>
+              <a:cs typeface="+mn-cs"/>
+            </a:endParaRPr>
+          </a:p>
+          <a:p>
+            <a:r>
+              <a:rPr lang="en-US" sz="1200" b="0" i="0" kern="1200" dirty="0">
+                <a:solidFill>
+                  <a:schemeClr val="tx1"/>
+                </a:solidFill>
+                <a:effectLst/>
+                <a:latin typeface="+mn-lt"/>
+                <a:ea typeface="+mn-ea"/>
+                <a:cs typeface="+mn-cs"/>
+              </a:rPr>
+              <a:t>What available system should you use to automate software builds and deployments of the application?</a:t>
+            </a:r>
+          </a:p>
+          <a:p>
+            <a:r>
+              <a:rPr lang="en-US" sz="1200" b="0" i="0" kern="1200" dirty="0">
+                <a:solidFill>
+                  <a:schemeClr val="tx1"/>
+                </a:solidFill>
+                <a:effectLst/>
+                <a:latin typeface="+mn-lt"/>
+                <a:ea typeface="+mn-ea"/>
+                <a:cs typeface="+mn-cs"/>
+              </a:rPr>
+              <a:t>Azure DevOps' build and release management features are a complete end to end solution for automating builds deployment for the solutions. From there, you can customize the gates your solution needs to promote the solution from environment to environment. You're in complete control of how the CI/CD process is implemented.</a:t>
+            </a:r>
+          </a:p>
+          <a:p>
+            <a:r>
+              <a:rPr lang="en-US" sz="1200" b="0" i="0" kern="1200" dirty="0">
+                <a:solidFill>
+                  <a:schemeClr val="tx1"/>
+                </a:solidFill>
+                <a:effectLst/>
+                <a:latin typeface="+mn-lt"/>
+                <a:ea typeface="+mn-ea"/>
+                <a:cs typeface="+mn-cs"/>
+              </a:rPr>
+              <a:t>Once we have the build definition producing build artifacts, we create a release pipeline using the Release Management features of Azure DevOps.</a:t>
+            </a:r>
+          </a:p>
+          <a:p>
+            <a:r>
+              <a:rPr lang="en-US" sz="1200" b="0" i="0" kern="1200" dirty="0">
+                <a:solidFill>
+                  <a:schemeClr val="tx1"/>
+                </a:solidFill>
+                <a:effectLst/>
+                <a:latin typeface="+mn-lt"/>
+                <a:ea typeface="+mn-ea"/>
+                <a:cs typeface="+mn-cs"/>
+              </a:rPr>
+              <a:t>The release pipeline is like the build definition in that it is a series to steps or tasks that we put together to produce an outcome. In this case...we produce the deployment of a release to one or more environments and perform some level of validation and verification of each release.</a:t>
+            </a:r>
+          </a:p>
+          <a:p>
+            <a:r>
+              <a:rPr lang="en-US" sz="1200" b="0" i="0" kern="1200" dirty="0">
+                <a:solidFill>
+                  <a:schemeClr val="tx1"/>
+                </a:solidFill>
+                <a:effectLst/>
+                <a:latin typeface="+mn-lt"/>
+                <a:ea typeface="+mn-ea"/>
+                <a:cs typeface="+mn-cs"/>
+              </a:rPr>
+              <a:t>We can then configure approval steps between each environment as quality stage gates. This allows us to control the flow of releases as they proceed through the environments.</a:t>
+            </a:r>
+          </a:p>
+          <a:p>
+            <a:r>
+              <a:rPr lang="en-US" sz="1200" b="0" i="0" kern="1200" dirty="0">
+                <a:solidFill>
+                  <a:schemeClr val="tx1"/>
+                </a:solidFill>
+                <a:effectLst/>
+                <a:latin typeface="+mn-lt"/>
+                <a:ea typeface="+mn-ea"/>
+                <a:cs typeface="+mn-cs"/>
+              </a:rPr>
+              <a:t>The pipeline for development would simply deploy upon a successful build from the build pipeline.</a:t>
+            </a:r>
+          </a:p>
+          <a:p>
+            <a:r>
+              <a:rPr lang="en-US" sz="1200" b="0" i="0" kern="1200" dirty="0">
+                <a:solidFill>
+                  <a:schemeClr val="tx1"/>
+                </a:solidFill>
+                <a:effectLst/>
+                <a:latin typeface="+mn-lt"/>
+                <a:ea typeface="+mn-ea"/>
+                <a:cs typeface="+mn-cs"/>
+              </a:rPr>
+              <a:t>Then, before we deploy to test, we may want the QA team to decide when to deploy the release into the environment. If that were the case, we would configure a manual approval and the deployment, although still automated, would not occur until a member of the QA team approved it to be deployed. This is useful when a QA team may be reviewing an existing release (previously deployed) and does not want the current release to be overwritten in their test environment.</a:t>
+            </a:r>
+          </a:p>
+          <a:p>
+            <a:r>
+              <a:rPr lang="en-US" sz="1200" b="0" i="0" kern="1200" dirty="0">
+                <a:solidFill>
+                  <a:schemeClr val="tx1"/>
+                </a:solidFill>
+                <a:effectLst/>
+                <a:latin typeface="+mn-lt"/>
+                <a:ea typeface="+mn-ea"/>
+                <a:cs typeface="+mn-cs"/>
+              </a:rPr>
+              <a:t>Once the deployment to test occurs, we would likely have additional acceptance tests executed.</a:t>
+            </a:r>
+          </a:p>
+          <a:p>
+            <a:r>
+              <a:rPr lang="en-US" sz="1200" b="0" i="0" kern="1200" dirty="0">
+                <a:solidFill>
+                  <a:schemeClr val="tx1"/>
+                </a:solidFill>
+                <a:effectLst/>
+                <a:latin typeface="+mn-lt"/>
+                <a:ea typeface="+mn-ea"/>
+                <a:cs typeface="+mn-cs"/>
+              </a:rPr>
+              <a:t>If these acceptance tests pass, we could then trigger the deployment to production.</a:t>
+            </a:r>
+          </a:p>
+          <a:p>
+            <a:r>
+              <a:rPr lang="en-US" sz="1200" b="0" i="0" kern="1200" dirty="0">
+                <a:solidFill>
+                  <a:schemeClr val="tx1"/>
+                </a:solidFill>
+                <a:effectLst/>
+                <a:latin typeface="+mn-lt"/>
+                <a:ea typeface="+mn-ea"/>
+                <a:cs typeface="+mn-cs"/>
+              </a:rPr>
+              <a:t>It is important to note that each environment can have its own set of tasks as often times, the deployment and validation steps vary by environment.</a:t>
+            </a:r>
+          </a:p>
+          <a:p>
+            <a:r>
               <a:rPr lang="en-US" sz="1200" b="0" i="0" kern="1200" dirty="0">
                 <a:solidFill>
                   <a:schemeClr val="tx1"/>
@@ -1857,7 +1674,7 @@
                 <a:ea typeface="+mn-ea"/>
                 <a:cs typeface="+mn-cs"/>
               </a:rPr>
-              <a:t>Azure App Services have a deployment slot feature specifically to enable this scenario. Each App Service has, by default, a production deployment slot. This is not to be confused with a production environment. For the purposes of this case study, we could add a new deployment slot named “staging.”</a:t>
+              <a:t>Azure App Services have a deployment slot feature specifically to enable this scenario. Each App Service has, by default, a production deployment slot. This is not to be confused with a production environment. For the purposes of this case study, we could add a new deployment slot named "staging."</a:t>
             </a:r>
           </a:p>
           <a:p>
@@ -1886,6 +1703,118 @@
                 <a:cs typeface="+mn-cs"/>
               </a:rPr>
               <a:t>Assuming a successful deployment and verification to the staging slot, we add an additional task to the deployment that switches the staging deployment slot with the production deployment slot and all new requests will be directed to the newly deployed application. All of this is done with no downtime to the application.</a:t>
+            </a:r>
+          </a:p>
+          <a:p>
+            <a:r>
+              <a:rPr lang="en-US" sz="1200" b="0" i="0" kern="1200" dirty="0">
+                <a:solidFill>
+                  <a:schemeClr val="tx1"/>
+                </a:solidFill>
+                <a:effectLst/>
+                <a:latin typeface="+mn-lt"/>
+                <a:ea typeface="+mn-ea"/>
+                <a:cs typeface="+mn-cs"/>
+              </a:rPr>
+              <a:t>Document how to integrate unit tests into the continuous delivery process such that when a test fails to pass, the deployment process is flagged and stopped.</a:t>
+            </a:r>
+          </a:p>
+          <a:p>
+            <a:r>
+              <a:rPr lang="en-US" sz="1200" b="0" i="0" kern="1200" dirty="0">
+                <a:solidFill>
+                  <a:schemeClr val="tx1"/>
+                </a:solidFill>
+                <a:effectLst/>
+                <a:latin typeface="+mn-lt"/>
+                <a:ea typeface="+mn-ea"/>
+                <a:cs typeface="+mn-cs"/>
+              </a:rPr>
+              <a:t>Let's assume your solution already includes a test project with unit tests. You can create or edit your build definition to include a task (Visual Studio Test task) that runs unit tests. After your build starts, this task automatically runs all the unit tests in your solution. If one or more tests fail, the continuous delivery process will halt for that particular build. You could then also configure the test task to create a new work item when a test fails.</a:t>
+            </a:r>
+          </a:p>
+          <a:p>
+            <a:r>
+              <a:rPr lang="en-US" sz="1200" b="0" i="0" kern="1200" dirty="0">
+                <a:solidFill>
+                  <a:schemeClr val="tx1"/>
+                </a:solidFill>
+                <a:effectLst/>
+                <a:latin typeface="+mn-lt"/>
+                <a:ea typeface="+mn-ea"/>
+                <a:cs typeface="+mn-cs"/>
+              </a:rPr>
+              <a:t>Explain how you can test a new build simultaneously with an existing build, like an A/B test?</a:t>
+            </a:r>
+          </a:p>
+          <a:p>
+            <a:r>
+              <a:rPr lang="en-US" sz="1200" b="0" i="0" kern="1200" dirty="0">
+                <a:solidFill>
+                  <a:schemeClr val="tx1"/>
+                </a:solidFill>
+                <a:effectLst/>
+                <a:latin typeface="+mn-lt"/>
+                <a:ea typeface="+mn-ea"/>
+                <a:cs typeface="+mn-cs"/>
+              </a:rPr>
+              <a:t>The most common technique to meet this requirement is to create a deployment slots where your App Service variation can be deployed to. Then, configure the release pipeline to deploy to the preferred deployment slot. Using the Azure Portal you can configure the Traffic Routing feature, specifying which percentage of users should go to the primary site and each deployment slot when they browse to your site's URL. Additionally, you could use Application Insights to measure the effectiveness of each version of the site.</a:t>
+            </a:r>
+          </a:p>
+          <a:p>
+            <a:r>
+              <a:rPr lang="en-US" sz="1200" b="0" i="0" kern="1200" dirty="0">
+                <a:solidFill>
+                  <a:schemeClr val="tx1"/>
+                </a:solidFill>
+                <a:effectLst/>
+                <a:latin typeface="+mn-lt"/>
+                <a:ea typeface="+mn-ea"/>
+                <a:cs typeface="+mn-cs"/>
+              </a:rPr>
+              <a:t>Why shouldn't we have multiple long lived branches in source control?</a:t>
+            </a:r>
+          </a:p>
+          <a:p>
+            <a:r>
+              <a:rPr lang="en-US" sz="1200" b="0" i="0" kern="1200" dirty="0">
+                <a:solidFill>
+                  <a:schemeClr val="tx1"/>
+                </a:solidFill>
+                <a:effectLst/>
+                <a:latin typeface="+mn-lt"/>
+                <a:ea typeface="+mn-ea"/>
+                <a:cs typeface="+mn-cs"/>
+              </a:rPr>
+              <a:t>If you think if your work as delta off of a master...the size of the delta increases as your branch incorporates more and more work. As the size of your team grows, the amount of work hidden from each other increases. And the chances that your assumptions about the state of the code hold true decreases the more you use long lived branches. If you merge your code back to master frequently, you demonstrate the direction you're taking the code. When you merge your code more frequently to master, the pain of integration happens at the beginning instead of the end of your work. This allows you to find issues faster and fix them at the earliest possible moment. Merging your code frequently also results in fewer merge conflicts. If you're developing a large feature, consider using feature flags so that you can continue to merge your code frequently.</a:t>
+            </a:r>
+          </a:p>
+          <a:p>
+            <a:r>
+              <a:rPr lang="en-US" sz="1200" b="0" i="0" kern="1200" dirty="0">
+                <a:solidFill>
+                  <a:schemeClr val="tx1"/>
+                </a:solidFill>
+                <a:effectLst/>
+                <a:latin typeface="+mn-lt"/>
+                <a:ea typeface="+mn-ea"/>
+                <a:cs typeface="+mn-cs"/>
+              </a:rPr>
+              <a:t>Create a plan on how to switch the source control location from Azure DevOps to GitHub.</a:t>
+            </a:r>
+          </a:p>
+          <a:p>
+            <a:r>
+              <a:rPr lang="en-US" sz="1200" b="0" i="0" kern="1200" dirty="0">
+                <a:solidFill>
+                  <a:schemeClr val="tx1"/>
+                </a:solidFill>
+                <a:effectLst/>
+                <a:latin typeface="+mn-lt"/>
+                <a:ea typeface="+mn-ea"/>
+                <a:cs typeface="+mn-cs"/>
+              </a:rPr>
+              <a:t>Let's assume you have already uploaded your codebase to GitHub from Azure DevOps. First, start by editing your existing build definition. When you initially configured the build definition, you selected Azure DevOps as the source for your code. You would now change the "Get sources" item to select GitHub. This, in turn, will require you to authenticate to GitHub (if you have not previously done so). Finally, you select the specifics for your Repository and Default branch. The rest of the build and release process remains unchanged.</a:t>
             </a:r>
           </a:p>
           <a:p>
@@ -1910,7 +1839,7 @@
           <a:p>
             <a:fld id="{0998D5BB-B127-481F-BC0A-2F77C576BB34}" type="slidenum">
               <a:rPr lang="en-US" smtClean="0"/>
-              <a:t>21</a:t>
+              <a:t>20</a:t>
             </a:fld>
             <a:endParaRPr lang="en-US" dirty="0"/>
           </a:p>
@@ -1919,7 +1848,7 @@
     </p:spTree>
     <p:extLst>
       <p:ext uri="{BB962C8B-B14F-4D97-AF65-F5344CB8AC3E}">
-        <p14:creationId xmlns:p14="http://schemas.microsoft.com/office/powerpoint/2010/main" val="3586545278"/>
+        <p14:creationId xmlns:p14="http://schemas.microsoft.com/office/powerpoint/2010/main" val="2523297250"/>
       </p:ext>
     </p:extLst>
   </p:cSld>
@@ -2067,7 +1996,7 @@
                 <a:ea typeface="+mn-ea"/>
                 <a:cs typeface="+mn-cs"/>
               </a:rPr>
-              <a:t>Document how to integrate unit tests into the continuous delivery process such that when a test fails to pass, the deployment process is flagged and stopped.</a:t>
+              <a:t>Explain how you can continuously deploy new builds directly to the cloud without interfering with the production site.</a:t>
             </a:r>
           </a:p>
           <a:p>
@@ -2081,7 +2010,49 @@
                 <a:ea typeface="+mn-ea"/>
                 <a:cs typeface="+mn-cs"/>
               </a:rPr>
-              <a:t>Let’s assume your solution already includes a test project with unit tests. You can create or edit your build definition to include a task (Visual Studio Test task) that runs unit tests. After your build starts, this task automatically runs all the unit tests in your solution. If one or more tests fail, the continuous delivery process will halt for that particular build. You could then also configure the test task to create a new work item when a test fails.</a:t>
+              <a:t>For a production deployment, the customer wants to maintain the uptime of the application. Thus, when we are deploying a new release, we want the application to remain available.</a:t>
+            </a:r>
+          </a:p>
+          <a:p>
+            <a:r>
+              <a:rPr lang="en-US" sz="1200" b="0" i="0" kern="1200" dirty="0">
+                <a:solidFill>
+                  <a:schemeClr val="tx1"/>
+                </a:solidFill>
+                <a:effectLst/>
+                <a:latin typeface="+mn-lt"/>
+                <a:ea typeface="+mn-ea"/>
+                <a:cs typeface="+mn-cs"/>
+              </a:rPr>
+              <a:t>Azure App Services have a deployment slot feature specifically to enable this scenario. Each App Service has, by default, a production deployment slot. This is not to be confused with a production environment. For the purposes of this case study, we could add a new deployment slot named “staging.”</a:t>
+            </a:r>
+          </a:p>
+          <a:p>
+            <a:r>
+              <a:rPr lang="en-US" sz="1200" b="0" i="0" kern="1200" dirty="0">
+                <a:solidFill>
+                  <a:schemeClr val="tx1"/>
+                </a:solidFill>
+                <a:effectLst/>
+                <a:latin typeface="+mn-lt"/>
+                <a:ea typeface="+mn-ea"/>
+                <a:cs typeface="+mn-cs"/>
+              </a:rPr>
+              <a:t>To do this, we add an additional deployment slot to the Azure App Service and configure the release pipeline to deploy to the newly created deployment slot.</a:t>
+            </a:r>
+          </a:p>
+          <a:p>
+            <a:r>
+              <a:rPr lang="en-US" sz="1200" b="0" i="0" kern="1200" dirty="0">
+                <a:solidFill>
+                  <a:schemeClr val="tx1"/>
+                </a:solidFill>
+                <a:effectLst/>
+                <a:latin typeface="+mn-lt"/>
+                <a:ea typeface="+mn-ea"/>
+                <a:cs typeface="+mn-cs"/>
+              </a:rPr>
+              <a:t>Assuming a successful deployment and verification to the staging slot, we add an additional task to the deployment that switches the staging deployment slot with the production deployment slot and all new requests will be directed to the newly deployed application. All of this is done with no downtime to the application.</a:t>
             </a:r>
           </a:p>
           <a:p>
@@ -2106,7 +2077,7 @@
           <a:p>
             <a:fld id="{0998D5BB-B127-481F-BC0A-2F77C576BB34}" type="slidenum">
               <a:rPr lang="en-US" smtClean="0"/>
-              <a:t>22</a:t>
+              <a:t>21</a:t>
             </a:fld>
             <a:endParaRPr lang="en-US" dirty="0"/>
           </a:p>
@@ -2115,7 +2086,7 @@
     </p:spTree>
     <p:extLst>
       <p:ext uri="{BB962C8B-B14F-4D97-AF65-F5344CB8AC3E}">
-        <p14:creationId xmlns:p14="http://schemas.microsoft.com/office/powerpoint/2010/main" val="2509644115"/>
+        <p14:creationId xmlns:p14="http://schemas.microsoft.com/office/powerpoint/2010/main" val="3586545278"/>
       </p:ext>
     </p:extLst>
   </p:cSld>
@@ -2179,7 +2150,7 @@
                 <a:ea typeface="+mn-ea"/>
                 <a:cs typeface="+mn-cs"/>
               </a:rPr>
-              <a:t>Explain how you can test a new build simultaneously with an existing build, like an A/B test?</a:t>
+              <a:t>Document how to integrate unit tests into the continuous delivery process such that when a test fails to pass, the deployment process is flagged and stopped.</a:t>
             </a:r>
           </a:p>
           <a:p>
@@ -2193,7 +2164,7 @@
                 <a:ea typeface="+mn-ea"/>
                 <a:cs typeface="+mn-cs"/>
               </a:rPr>
-              <a:t>The most common technique to meet this requirement is to create a deployment slots where your App Service variation can be deployed to. Then, configure the release pipeline to deploy to the preferred deployment slot. Using the Azure Portal you can configure the Traffic Routing feature, specifying which percentage of users should go to the primary site and each deployment slot when they browse to your site’s URL. Additionally, you could use Application Insights to measure the effectiveness of each version of the site.</a:t>
+              <a:t>Let’s assume your solution already includes a test project with unit tests. You can create or edit your build definition to include a task (Visual Studio Test task) that runs unit tests. After your build starts, this task automatically runs all the unit tests in your solution. If one or more tests fail, the continuous delivery process will halt for that particular build. You could then also configure the test task to create a new work item when a test fails.</a:t>
             </a:r>
           </a:p>
           <a:p>
@@ -2218,7 +2189,7 @@
           <a:p>
             <a:fld id="{0998D5BB-B127-481F-BC0A-2F77C576BB34}" type="slidenum">
               <a:rPr lang="en-US" smtClean="0"/>
-              <a:t>23</a:t>
+              <a:t>22</a:t>
             </a:fld>
             <a:endParaRPr lang="en-US" dirty="0"/>
           </a:p>
@@ -2227,7 +2198,7 @@
     </p:spTree>
     <p:extLst>
       <p:ext uri="{BB962C8B-B14F-4D97-AF65-F5344CB8AC3E}">
-        <p14:creationId xmlns:p14="http://schemas.microsoft.com/office/powerpoint/2010/main" val="1332120254"/>
+        <p14:creationId xmlns:p14="http://schemas.microsoft.com/office/powerpoint/2010/main" val="2509644115"/>
       </p:ext>
     </p:extLst>
   </p:cSld>
@@ -2291,19 +2262,8 @@
                 <a:ea typeface="+mn-ea"/>
                 <a:cs typeface="+mn-cs"/>
               </a:rPr>
-              <a:t>Why shouldn’t we have multiple long lived branches in source control?</a:t>
-            </a:r>
-          </a:p>
-          <a:p>
-            <a:endParaRPr lang="en-US" sz="1200" b="0" i="0" kern="1200" dirty="0">
-              <a:solidFill>
-                <a:schemeClr val="tx1"/>
-              </a:solidFill>
-              <a:effectLst/>
-              <a:latin typeface="+mn-lt"/>
-              <a:ea typeface="+mn-ea"/>
-              <a:cs typeface="+mn-cs"/>
-            </a:endParaRPr>
+              <a:t>Explain how you can test a new build simultaneously with an existing build, like an A/B test?</a:t>
+            </a:r>
           </a:p>
           <a:p>
             <a:r>
@@ -2316,46 +2276,7 @@
                 <a:ea typeface="+mn-ea"/>
                 <a:cs typeface="+mn-cs"/>
               </a:rPr>
-              <a:t>If you think if your work as delta off of a master…the size of the delta increases as your branch incorporates more and more work. As the size of your team grows, the amount of work hidden from each other increases. And the chances that your assumptions about the state of the code hold true decreases the more you use long lived branches. If you merge your code back to master frequently, you demonstrate the direction you’re taking the code. When you merge your code more frequently to master, the pain of integration happens at the beginning instead of the end of your work. This allows you to find issues faster and fix them at the earliest possible moment. Merging your code frequently also results in fewer merge conflicts. If you’re developing a large feature, consider using feature flags so that you can continue to merge your code frequently.</a:t>
-            </a:r>
-          </a:p>
-          <a:p>
-            <a:endParaRPr lang="en-US" sz="1200" b="0" i="0" kern="1200" dirty="0">
-              <a:solidFill>
-                <a:schemeClr val="tx1"/>
-              </a:solidFill>
-              <a:effectLst/>
-              <a:latin typeface="+mn-lt"/>
-              <a:ea typeface="+mn-ea"/>
-              <a:cs typeface="+mn-cs"/>
-            </a:endParaRPr>
-          </a:p>
-          <a:p>
-            <a:r>
-              <a:rPr lang="en-US" sz="1200" b="0" i="0" kern="1200" dirty="0">
-                <a:solidFill>
-                  <a:schemeClr val="tx1"/>
-                </a:solidFill>
-                <a:effectLst/>
-                <a:latin typeface="+mn-lt"/>
-                <a:ea typeface="+mn-ea"/>
-                <a:cs typeface="+mn-cs"/>
-              </a:rPr>
-              <a:t>Create a plan on how to switch the source control location from Azure DevOps to GitHub.</a:t>
-            </a:r>
-          </a:p>
-          <a:p>
-            <a:r>
-              <a:rPr lang="en-US" sz="1200" b="0" i="0" kern="1200" dirty="0">
-                <a:solidFill>
-                  <a:schemeClr val="tx1"/>
-                </a:solidFill>
-                <a:effectLst/>
-                <a:latin typeface="+mn-lt"/>
-                <a:ea typeface="+mn-ea"/>
-                <a:cs typeface="+mn-cs"/>
-              </a:rPr>
-              <a:t>Let’s assume you have already uploaded your codebase to GitHub from Azure DevOps. First, start by editing your existing build definition. When you initially configured the build definition, you selected Azure DevOps as the source for your code. You would now change the “Get sources” item to select GitHub. This, in turn, will require you to authenticate to GitHub (if you have not previously done so). Finally, you select the specifics for your Repository and Default branch. The rest of the build and release process remains unchanged.</a:t>
+              <a:t>The most common technique to meet this requirement is to create a deployment slots where your App Service variation can be deployed to. Then, configure the release pipeline to deploy to the preferred deployment slot. Using the Azure Portal you can configure the Traffic Routing feature, specifying which percentage of users should go to the primary site and each deployment slot when they browse to your site’s URL. Additionally, you could use Application Insights to measure the effectiveness of each version of the site.</a:t>
             </a:r>
           </a:p>
           <a:p>
@@ -2380,7 +2301,7 @@
           <a:p>
             <a:fld id="{0998D5BB-B127-481F-BC0A-2F77C576BB34}" type="slidenum">
               <a:rPr lang="en-US" smtClean="0"/>
-              <a:t>24</a:t>
+              <a:t>23</a:t>
             </a:fld>
             <a:endParaRPr lang="en-US" dirty="0"/>
           </a:p>
@@ -2389,7 +2310,7 @@
     </p:spTree>
     <p:extLst>
       <p:ext uri="{BB962C8B-B14F-4D97-AF65-F5344CB8AC3E}">
-        <p14:creationId xmlns:p14="http://schemas.microsoft.com/office/powerpoint/2010/main" val="1086881654"/>
+        <p14:creationId xmlns:p14="http://schemas.microsoft.com/office/powerpoint/2010/main" val="1332120254"/>
       </p:ext>
     </p:extLst>
   </p:cSld>
@@ -2453,8 +2374,19 @@
                 <a:ea typeface="+mn-ea"/>
                 <a:cs typeface="+mn-cs"/>
               </a:rPr>
-              <a:t>The website logs can be easily and significantly enhanced by enabling Application Insights in the project. To do this, you need to get the Application Insights Software Developer Kit SDK from NuGet, and configure it for use within the app. Application Insights is configured in the ApplicationInsights.config file in the solution, and this file should be added to the source control repository.</a:t>
-            </a:r>
+              <a:t>Why shouldn’t we have multiple long lived branches in source control?</a:t>
+            </a:r>
+          </a:p>
+          <a:p>
+            <a:endParaRPr lang="en-US" sz="1200" b="0" i="0" kern="1200" dirty="0">
+              <a:solidFill>
+                <a:schemeClr val="tx1"/>
+              </a:solidFill>
+              <a:effectLst/>
+              <a:latin typeface="+mn-lt"/>
+              <a:ea typeface="+mn-ea"/>
+              <a:cs typeface="+mn-cs"/>
+            </a:endParaRPr>
           </a:p>
           <a:p>
             <a:r>
@@ -2467,8 +2399,19 @@
                 <a:ea typeface="+mn-ea"/>
                 <a:cs typeface="+mn-cs"/>
               </a:rPr>
-              <a:t>After Application Insights has been configured within the application, you need to create an App Insights service instance in the Azure Portal to collect the log data. Do not forget to configure the application with the correct Instrumentation Key and log settings to connect to the App Insights service where it sends its collected data.</a:t>
-            </a:r>
+              <a:t>If you think if your work as delta off of a master…the size of the delta increases as your branch incorporates more and more work. As the size of your team grows, the amount of work hidden from each other increases. And the chances that your assumptions about the state of the code hold true decreases the more you use long lived branches. If you merge your code back to master frequently, you demonstrate the direction you’re taking the code. When you merge your code more frequently to master, the pain of integration happens at the beginning instead of the end of your work. This allows you to find issues faster and fix them at the earliest possible moment. Merging your code frequently also results in fewer merge conflicts. If you’re developing a large feature, consider using feature flags so that you can continue to merge your code frequently.</a:t>
+            </a:r>
+          </a:p>
+          <a:p>
+            <a:endParaRPr lang="en-US" sz="1200" b="0" i="0" kern="1200" dirty="0">
+              <a:solidFill>
+                <a:schemeClr val="tx1"/>
+              </a:solidFill>
+              <a:effectLst/>
+              <a:latin typeface="+mn-lt"/>
+              <a:ea typeface="+mn-ea"/>
+              <a:cs typeface="+mn-cs"/>
+            </a:endParaRPr>
           </a:p>
           <a:p>
             <a:r>
@@ -2481,7 +2424,7 @@
                 <a:ea typeface="+mn-ea"/>
                 <a:cs typeface="+mn-cs"/>
               </a:rPr>
-              <a:t>By using App Insights now, you need to adapt the App Service deployment slots by creating slot-bound settings for the App Insights Instrumentation Key. That way, staging and production can report independent log analytics even after a swap.</a:t>
+              <a:t>Create a plan on how to switch the source control location from Azure DevOps to GitHub.</a:t>
             </a:r>
           </a:p>
           <a:p>
@@ -2495,21 +2438,7 @@
                 <a:ea typeface="+mn-ea"/>
                 <a:cs typeface="+mn-cs"/>
               </a:rPr>
-              <a:t>From the Application Insights Portal, we can see detailed metrics from our solution and get a visual layout of the dependency relationships between our application components using App map. Each component displays specific KPIs such as load, performance, failures, and alerts. By clicking on the App Analytics on one of the application components, we can open the Application Insights Analytics feature. This will provide a query language for analyzing all of the data collected by Application Insights.</a:t>
-            </a:r>
-          </a:p>
-          <a:p>
-            <a:r>
-              <a:rPr lang="en-US" sz="1200" b="0" i="0" kern="1200" dirty="0">
-                <a:solidFill>
-                  <a:schemeClr val="tx1"/>
-                </a:solidFill>
-                <a:effectLst/>
-                <a:latin typeface="+mn-lt"/>
-                <a:ea typeface="+mn-ea"/>
-                <a:cs typeface="+mn-cs"/>
-              </a:rPr>
-              <a:t>To get custom information about our users, the Users panel in Application Insights, will allow us to understand important details in a variety of ways. We can use this panel to understand such information as where our users are connecting from, the browser type they are using, and what areas of the application they’re accessing.</a:t>
+              <a:t>Let’s assume you have already uploaded your codebase to GitHub from Azure DevOps. First, start by editing your existing build definition. When you initially configured the build definition, you selected Azure DevOps as the source for your code. You would now change the “Get sources” item to select GitHub. This, in turn, will require you to authenticate to GitHub (if you have not previously done so). Finally, you select the specifics for your Repository and Default branch. The rest of the build and release process remains unchanged.</a:t>
             </a:r>
           </a:p>
           <a:p>
@@ -2534,7 +2463,7 @@
           <a:p>
             <a:fld id="{0998D5BB-B127-481F-BC0A-2F77C576BB34}" type="slidenum">
               <a:rPr lang="en-US" smtClean="0"/>
-              <a:t>25</a:t>
+              <a:t>24</a:t>
             </a:fld>
             <a:endParaRPr lang="en-US" dirty="0"/>
           </a:p>
@@ -2543,7 +2472,7 @@
     </p:spTree>
     <p:extLst>
       <p:ext uri="{BB962C8B-B14F-4D97-AF65-F5344CB8AC3E}">
-        <p14:creationId xmlns:p14="http://schemas.microsoft.com/office/powerpoint/2010/main" val="2319480985"/>
+        <p14:creationId xmlns:p14="http://schemas.microsoft.com/office/powerpoint/2010/main" val="1086881654"/>
       </p:ext>
     </p:extLst>
   </p:cSld>
@@ -2618,7 +2547,7 @@
           <a:p>
             <a:fld id="{0998D5BB-B127-481F-BC0A-2F77C576BB34}" type="slidenum">
               <a:rPr lang="en-US" smtClean="0"/>
-              <a:t>26</a:t>
+              <a:t>25</a:t>
             </a:fld>
             <a:endParaRPr lang="en-US" dirty="0"/>
           </a:p>
@@ -2702,7 +2631,7 @@
           <a:p>
             <a:fld id="{0998D5BB-B127-481F-BC0A-2F77C576BB34}" type="slidenum">
               <a:rPr lang="en-US" smtClean="0"/>
-              <a:t>27</a:t>
+              <a:t>26</a:t>
             </a:fld>
             <a:endParaRPr lang="en-US" dirty="0"/>
           </a:p>
@@ -2786,7 +2715,7 @@
           <a:p>
             <a:fld id="{0998D5BB-B127-481F-BC0A-2F77C576BB34}" type="slidenum">
               <a:rPr lang="en-US" smtClean="0"/>
-              <a:t>28</a:t>
+              <a:t>27</a:t>
             </a:fld>
             <a:endParaRPr lang="en-US" dirty="0"/>
           </a:p>
@@ -2870,7 +2799,7 @@
           <a:p>
             <a:fld id="{0998D5BB-B127-481F-BC0A-2F77C576BB34}" type="slidenum">
               <a:rPr lang="en-US" smtClean="0"/>
-              <a:t>29</a:t>
+              <a:t>28</a:t>
             </a:fld>
             <a:endParaRPr lang="en-US" dirty="0"/>
           </a:p>
@@ -2954,7 +2883,7 @@
           <a:p>
             <a:fld id="{0998D5BB-B127-481F-BC0A-2F77C576BB34}" type="slidenum">
               <a:rPr lang="en-US" smtClean="0"/>
-              <a:t>30</a:t>
+              <a:t>29</a:t>
             </a:fld>
             <a:endParaRPr lang="en-US" dirty="0"/>
           </a:p>
@@ -3038,7 +2967,7 @@
           <a:p>
             <a:fld id="{0998D5BB-B127-481F-BC0A-2F77C576BB34}" type="slidenum">
               <a:rPr lang="en-US" smtClean="0"/>
-              <a:t>31</a:t>
+              <a:t>30</a:t>
             </a:fld>
             <a:endParaRPr lang="en-US" dirty="0"/>
           </a:p>
@@ -3248,7 +3177,7 @@
                   <a:prstClr val="black"/>
                 </a:solidFill>
               </a:rPr>
-              <a:t>4/3/19 12:05 PM</a:t>
+              <a:t>8/11/19 10:53 PM</a:t>
             </a:fld>
             <a:endParaRPr lang="en-US" dirty="0">
               <a:solidFill>
@@ -3280,7 +3209,7 @@
                 </a:solidFill>
               </a:rPr>
               <a:pPr/>
-              <a:t>32</a:t>
+              <a:t>31</a:t>
             </a:fld>
             <a:endParaRPr lang="en-US" dirty="0">
               <a:solidFill>
@@ -4062,7 +3991,7 @@
       </p:transition>
     </mc:Fallback>
   </mc:AlternateContent>
-  <p:extLst mod="1">
+  <p:extLst>
     <p:ext uri="{DCECCB84-F9BA-43D5-87BE-67443E8EF086}">
       <p15:sldGuideLst xmlns:p15="http://schemas.microsoft.com/office/powerpoint/2012/main">
         <p15:guide id="1" pos="288">
@@ -15067,7 +14996,7 @@
       </a:lvl9pPr>
     </p:otherStyle>
   </p:txStyles>
-  <p:extLst mod="1">
+  <p:extLst>
     <p:ext uri="{27BBF7A9-308A-43DC-89C8-2F10F3537804}">
       <p15:sldGuideLst xmlns:p15="http://schemas.microsoft.com/office/powerpoint/2012/main">
         <p15:guide id="1" orient="horz" pos="187">
@@ -15682,7 +15611,7 @@
       </a:lvl9pPr>
     </p:otherStyle>
   </p:txStyles>
-  <p:extLst mod="1">
+  <p:extLst>
     <p:ext uri="{27BBF7A9-308A-43DC-89C8-2F10F3537804}">
       <p15:sldGuideLst xmlns:p15="http://schemas.microsoft.com/office/powerpoint/2012/main">
         <p15:guide id="1" orient="horz" pos="187">
@@ -15958,23 +15887,65 @@
       </p:grpSpPr>
       <p:sp>
         <p:nvSpPr>
-          <p:cNvPr id="2" name="Title 1"/>
-          <p:cNvSpPr>
-            <a:spLocks noGrp="1"/>
+          <p:cNvPr id="40" name="Title 1">
+            <a:extLst>
+              <a:ext uri="{FF2B5EF4-FFF2-40B4-BE49-F238E27FC236}">
+                <a16:creationId xmlns:a16="http://schemas.microsoft.com/office/drawing/2014/main" id="{800E309D-D3E2-4D48-8D86-DDC4599A0398}"/>
+              </a:ext>
+            </a:extLst>
+          </p:cNvPr>
+          <p:cNvSpPr txBox="1">
+            <a:spLocks/>
           </p:cNvSpPr>
-          <p:nvPr>
-            <p:ph type="title"/>
-          </p:nvPr>
+          <p:nvPr/>
         </p:nvSpPr>
-        <p:spPr/>
+        <p:spPr>
+          <a:xfrm>
+            <a:off x="269240" y="289511"/>
+            <a:ext cx="11655840" cy="899665"/>
+          </a:xfrm>
+          <a:prstGeom prst="rect">
+            <a:avLst/>
+          </a:prstGeom>
+        </p:spPr>
         <p:txBody>
-          <a:bodyPr>
+          <a:bodyPr vert="horz" wrap="square" lIns="146304" tIns="91440" rIns="146304" bIns="91440" rtlCol="0" anchor="t">
             <a:normAutofit/>
           </a:bodyPr>
-          <a:lstStyle/>
-          <a:p>
-            <a:r>
-              <a:rPr lang="en-US" sz="4400" dirty="0">
+          <a:lstStyle>
+            <a:lvl1pPr algn="l" defTabSz="914367" rtl="0" eaLnBrk="1" latinLnBrk="0" hangingPunct="1">
+              <a:lnSpc>
+                <a:spcPct val="90000"/>
+              </a:lnSpc>
+              <a:spcBef>
+                <a:spcPct val="0"/>
+              </a:spcBef>
+              <a:buNone/>
+              <a:defRPr lang="en-US" sz="4705" b="0" kern="1200" cap="none" spc="-100" baseline="0" dirty="0" smtClean="0">
+                <a:ln w="3175">
+                  <a:noFill/>
+                </a:ln>
+                <a:gradFill>
+                  <a:gsLst>
+                    <a:gs pos="1250">
+                      <a:schemeClr val="tx1"/>
+                    </a:gs>
+                    <a:gs pos="100000">
+                      <a:schemeClr val="tx1"/>
+                    </a:gs>
+                  </a:gsLst>
+                  <a:lin ang="5400000" scaled="0"/>
+                </a:gradFill>
+                <a:effectLst/>
+                <a:latin typeface="+mj-lt"/>
+                <a:ea typeface="+mn-ea"/>
+                <a:cs typeface="Segoe UI" pitchFamily="34" charset="0"/>
+              </a:defRPr>
+            </a:lvl1pPr>
+          </a:lstStyle>
+          <a:p>
+            <a:r>
+              <a:rPr lang="en-US" sz="4400">
                 <a:solidFill>
                   <a:schemeClr val="tx1"/>
                 </a:solidFill>
@@ -15988,10 +15959,10 @@
       </p:sp>
       <p:sp>
         <p:nvSpPr>
-          <p:cNvPr id="20" name="Rectangle 19">
+          <p:cNvPr id="41" name="Rectangle 40">
             <a:extLst>
               <a:ext uri="{FF2B5EF4-FFF2-40B4-BE49-F238E27FC236}">
-                <a16:creationId xmlns:a16="http://schemas.microsoft.com/office/drawing/2014/main" id="{A7DF9AD5-882F-4D4B-90F0-DA4ABC4F92A0}"/>
+                <a16:creationId xmlns:a16="http://schemas.microsoft.com/office/drawing/2014/main" id="{41A52B96-7B08-D242-93CF-FF1AD53540AE}"/>
               </a:ext>
             </a:extLst>
           </p:cNvPr>
@@ -16013,23 +15984,63 @@
           </a:bodyPr>
           <a:lstStyle/>
           <a:p>
-            <a:r>
-              <a:rPr lang="en-US" i="1" dirty="0">
+            <a:pPr marL="0" marR="0" lvl="0" indent="0" algn="l" defTabSz="914400" rtl="0" eaLnBrk="1" fontAlgn="auto" latinLnBrk="0" hangingPunct="1">
+              <a:lnSpc>
+                <a:spcPct val="100000"/>
+              </a:lnSpc>
+              <a:spcBef>
+                <a:spcPts val="0"/>
+              </a:spcBef>
+              <a:spcAft>
+                <a:spcPts val="0"/>
+              </a:spcAft>
+              <a:buClrTx/>
+              <a:buSzTx/>
+              <a:buFontTx/>
+              <a:buNone/>
+              <a:tabLst/>
+              <a:defRPr/>
+            </a:pPr>
+            <a:r>
+              <a:rPr kumimoji="0" lang="en-US" sz="1800" b="0" i="1" u="none" strike="noStrike" kern="1200" cap="none" spc="0" normalizeH="0" baseline="0" noProof="0" dirty="0">
+                <a:ln>
+                  <a:noFill/>
+                </a:ln>
+                <a:solidFill>
+                  <a:srgbClr val="FFFFFF"/>
+                </a:solidFill>
+                <a:effectLst/>
+                <a:uLnTx/>
+                <a:uFillTx/>
                 <a:latin typeface="Segoe UI Semilight" panose="020B0402040204020203" pitchFamily="34" charset="0"/>
+                <a:ea typeface="+mn-ea"/>
                 <a:cs typeface="Segoe UI Semilight" panose="020B0402040204020203" pitchFamily="34" charset="0"/>
               </a:rPr>
               <a:t>Current Process</a:t>
             </a:r>
-            <a:endParaRPr lang="en-US" i="1" dirty="0"/>
+            <a:endParaRPr kumimoji="0" lang="en-US" sz="1800" b="0" i="1" u="none" strike="noStrike" kern="1200" cap="none" spc="0" normalizeH="0" baseline="0" noProof="0" dirty="0">
+              <a:ln>
+                <a:noFill/>
+              </a:ln>
+              <a:solidFill>
+                <a:srgbClr val="FFFFFF"/>
+              </a:solidFill>
+              <a:effectLst/>
+              <a:uLnTx/>
+              <a:uFillTx/>
+              <a:latin typeface="Segoe UI Semilight"/>
+              <a:ea typeface="+mn-ea"/>
+              <a:cs typeface="+mn-cs"/>
+            </a:endParaRPr>
           </a:p>
         </p:txBody>
       </p:sp>
       <p:grpSp>
         <p:nvGrpSpPr>
-          <p:cNvPr id="72" name="Group 71">
+          <p:cNvPr id="42" name="Group 41">
             <a:extLst>
               <a:ext uri="{FF2B5EF4-FFF2-40B4-BE49-F238E27FC236}">
-                <a16:creationId xmlns:a16="http://schemas.microsoft.com/office/drawing/2014/main" id="{5C2FA496-1A5B-6B45-9D4B-3662D39B3F85}"/>
+                <a16:creationId xmlns:a16="http://schemas.microsoft.com/office/drawing/2014/main" id="{2E990415-33D0-DE4D-8C7C-9891F6654DBE}"/>
               </a:ext>
             </a:extLst>
           </p:cNvPr>
@@ -16038,7 +16049,7 @@
         </p:nvGrpSpPr>
         <p:grpSpPr>
           <a:xfrm>
-            <a:off x="622299" y="1815207"/>
+            <a:off x="622299" y="2115254"/>
             <a:ext cx="10932448" cy="4284400"/>
             <a:chOff x="622299" y="2115254"/>
             <a:chExt cx="10932448" cy="4284400"/>
@@ -16046,10 +16057,10 @@
         </p:grpSpPr>
         <p:grpSp>
           <p:nvGrpSpPr>
-            <p:cNvPr id="73" name="Alt text group" descr="This is a diagram of Tailspin Toys' existing solution architecture. On the left is a Visual Studio icon and the words “development,” “test,” and “master,” which represents the development team hosting its source control in Visual Studio Team Services with branches set up for development, test, and master environments.&#10;&#10;Three arrows point from these environments to a server and monitor icon on the right labeled Manual internal code review &amp; QA on local developer machines.&#10;&#10;An arrow points from this icon to another Visual Studio icon on the right labeled Visual Studio/FTP, which represents developers manually deploying updates through Visual Studio or FTP.&#10;&#10;Two arrows point from this icon to two icons on the right: on the top, Azure App Service with Web App (S3 Instance), and on the bottom, Azure SQL Database (S1 Instance)." title="Existing solution architecture diagram">
+            <p:cNvPr id="43" name="Alt text group" descr="This is a diagram of Tailspin Toys' existing solution architecture. On the left is a Visual Studio icon and the words “development,” “test,” and “master,” which represents the development team hosting its source control in Visual Studio Team Services with branches set up for development, test, and master environments.&#10;&#10;Three arrows point from these environments to a server and monitor icon on the right labeled Manual internal code review &amp; QA on local developer machines.&#10;&#10;An arrow points from this icon to another Visual Studio icon on the right labeled Visual Studio/FTP, which represents developers manually deploying updates through Visual Studio or FTP.&#10;&#10;Two arrows point from this icon to two icons on the right: on the top, Azure App Service with Web App (S3 Instance), and on the bottom, Azure SQL Database (S1 Instance)." title="Existing solution architecture diagram">
               <a:extLst>
                 <a:ext uri="{FF2B5EF4-FFF2-40B4-BE49-F238E27FC236}">
-                  <a16:creationId xmlns:a16="http://schemas.microsoft.com/office/drawing/2014/main" id="{B0013183-FAE3-6F41-99F3-8E236FEFF6E6}"/>
+                  <a16:creationId xmlns:a16="http://schemas.microsoft.com/office/drawing/2014/main" id="{F4B2A987-E31C-D144-8B9C-9E1E1ACC6E89}"/>
                 </a:ext>
               </a:extLst>
             </p:cNvPr>
@@ -16066,10 +16077,10 @@
           </p:grpSpPr>
           <p:sp>
             <p:nvSpPr>
-              <p:cNvPr id="75" name="Rectangle 74" descr="Tailspin Toys current process. Code is hosted in Azure DevOps, but manual processes are used to deploy the code to Azure.">
+              <p:cNvPr id="45" name="Rectangle 44">
                 <a:extLst>
                   <a:ext uri="{FF2B5EF4-FFF2-40B4-BE49-F238E27FC236}">
-                    <a16:creationId xmlns:a16="http://schemas.microsoft.com/office/drawing/2014/main" id="{1FD0B547-9CF5-B745-A273-5CF66CCD3AE7}"/>
+                    <a16:creationId xmlns:a16="http://schemas.microsoft.com/office/drawing/2014/main" id="{65C3D07A-AECF-D94A-8B54-EB080692FF76}"/>
                   </a:ext>
                 </a:extLst>
               </p:cNvPr>
@@ -16153,10 +16164,10 @@
           </p:sp>
           <p:pic>
             <p:nvPicPr>
-              <p:cNvPr id="76" name="Picture 75">
+              <p:cNvPr id="46" name="Picture 45">
                 <a:extLst>
                   <a:ext uri="{FF2B5EF4-FFF2-40B4-BE49-F238E27FC236}">
-                    <a16:creationId xmlns:a16="http://schemas.microsoft.com/office/drawing/2014/main" id="{ED08AF1C-A8A0-2548-966A-E9D2AB98D061}"/>
+                    <a16:creationId xmlns:a16="http://schemas.microsoft.com/office/drawing/2014/main" id="{8DDE795C-8023-D141-8675-7D92B7F85798}"/>
                   </a:ext>
                 </a:extLst>
               </p:cNvPr>
@@ -16187,48 +16198,12 @@
               </a:prstGeom>
             </p:spPr>
           </p:pic>
-          <p:pic>
-            <p:nvPicPr>
-              <p:cNvPr id="77" name="Content Placeholder 12">
+          <p:sp>
+            <p:nvSpPr>
+              <p:cNvPr id="47" name="TextBox 46">
                 <a:extLst>
                   <a:ext uri="{FF2B5EF4-FFF2-40B4-BE49-F238E27FC236}">
-                    <a16:creationId xmlns:a16="http://schemas.microsoft.com/office/drawing/2014/main" id="{EBB418BB-7E69-1A48-ACAE-9C32C710ECA3}"/>
-                  </a:ext>
-                </a:extLst>
-              </p:cNvPr>
-              <p:cNvPicPr>
-                <a:picLocks noChangeAspect="1"/>
-              </p:cNvPicPr>
-              <p:nvPr/>
-            </p:nvPicPr>
-            <p:blipFill>
-              <a:blip r:embed="rId4" cstate="print">
-                <a:extLst>
-                  <a:ext uri="{28A0092B-C50C-407E-A947-70E740481C1C}">
-                    <a14:useLocalDpi xmlns:a14="http://schemas.microsoft.com/office/drawing/2010/main" val="0"/>
-                  </a:ext>
-                </a:extLst>
-              </a:blip>
-              <a:stretch>
-                <a:fillRect/>
-              </a:stretch>
-            </p:blipFill>
-            <p:spPr>
-              <a:xfrm>
-                <a:off x="10512114" y="4601497"/>
-                <a:ext cx="702724" cy="702724"/>
-              </a:xfrm>
-              <a:prstGeom prst="rect">
-                <a:avLst/>
-              </a:prstGeom>
-            </p:spPr>
-          </p:pic>
-          <p:sp>
-            <p:nvSpPr>
-              <p:cNvPr id="78" name="TextBox 77">
-                <a:extLst>
-                  <a:ext uri="{FF2B5EF4-FFF2-40B4-BE49-F238E27FC236}">
-                    <a16:creationId xmlns:a16="http://schemas.microsoft.com/office/drawing/2014/main" id="{B93AD374-6F7F-6947-86E1-8104F523FA0F}"/>
+                    <a16:creationId xmlns:a16="http://schemas.microsoft.com/office/drawing/2014/main" id="{67F0F8AC-847A-AA46-9383-6CBD523D5421}"/>
                   </a:ext>
                 </a:extLst>
               </p:cNvPr>
@@ -16326,10 +16301,10 @@
           </p:sp>
           <p:sp>
             <p:nvSpPr>
-              <p:cNvPr id="79" name="TextBox 78">
+              <p:cNvPr id="48" name="TextBox 47">
                 <a:extLst>
                   <a:ext uri="{FF2B5EF4-FFF2-40B4-BE49-F238E27FC236}">
-                    <a16:creationId xmlns:a16="http://schemas.microsoft.com/office/drawing/2014/main" id="{738F7439-6EE6-4746-BBB7-1751C8596AEB}"/>
+                    <a16:creationId xmlns:a16="http://schemas.microsoft.com/office/drawing/2014/main" id="{F63D6C82-A73A-4E44-A8AE-054E12B93302}"/>
                   </a:ext>
                 </a:extLst>
               </p:cNvPr>
@@ -16427,10 +16402,10 @@
           </p:sp>
           <p:cxnSp>
             <p:nvCxnSpPr>
-              <p:cNvPr id="80" name="Straight Connector 79">
+              <p:cNvPr id="49" name="Straight Connector 48">
                 <a:extLst>
                   <a:ext uri="{FF2B5EF4-FFF2-40B4-BE49-F238E27FC236}">
-                    <a16:creationId xmlns:a16="http://schemas.microsoft.com/office/drawing/2014/main" id="{5955CD1E-1763-5347-86A8-44FD07017A71}"/>
+                    <a16:creationId xmlns:a16="http://schemas.microsoft.com/office/drawing/2014/main" id="{416E899D-9A98-0541-BAF3-9C98C4AB8C58}"/>
                   </a:ext>
                 </a:extLst>
               </p:cNvPr>
@@ -16470,10 +16445,10 @@
           </p:cxnSp>
           <p:grpSp>
             <p:nvGrpSpPr>
-              <p:cNvPr id="81" name="Group 80">
+              <p:cNvPr id="50" name="Group 49">
                 <a:extLst>
                   <a:ext uri="{FF2B5EF4-FFF2-40B4-BE49-F238E27FC236}">
-                    <a16:creationId xmlns:a16="http://schemas.microsoft.com/office/drawing/2014/main" id="{19618318-347A-8B46-B8DA-2CAE5DD45EF3}"/>
+                    <a16:creationId xmlns:a16="http://schemas.microsoft.com/office/drawing/2014/main" id="{4F21C7CA-BA45-B64E-90EB-36D3454373F9}"/>
                   </a:ext>
                 </a:extLst>
               </p:cNvPr>
@@ -16490,10 +16465,10 @@
             </p:grpSpPr>
             <p:pic>
               <p:nvPicPr>
-                <p:cNvPr id="104" name="Picture 103">
+                <p:cNvPr id="107" name="Picture 106">
                   <a:extLst>
                     <a:ext uri="{FF2B5EF4-FFF2-40B4-BE49-F238E27FC236}">
-                      <a16:creationId xmlns:a16="http://schemas.microsoft.com/office/drawing/2014/main" id="{409FD3A8-2FD8-3042-90CF-CC0FDF868A25}"/>
+                      <a16:creationId xmlns:a16="http://schemas.microsoft.com/office/drawing/2014/main" id="{3E2E791E-6567-EE47-AE01-FE518BDD3C21}"/>
                     </a:ext>
                   </a:extLst>
                 </p:cNvPr>
@@ -16503,7 +16478,7 @@
                 <p:nvPr/>
               </p:nvPicPr>
               <p:blipFill>
-                <a:blip r:embed="rId5" cstate="print">
+                <a:blip r:embed="rId4" cstate="print">
                   <a:extLst>
                     <a:ext uri="{28A0092B-C50C-407E-A947-70E740481C1C}">
                       <a14:useLocalDpi xmlns:a14="http://schemas.microsoft.com/office/drawing/2010/main" val="0"/>
@@ -16526,10 +16501,10 @@
             </p:pic>
             <p:sp>
               <p:nvSpPr>
-                <p:cNvPr id="105" name="TextBox 104">
+                <p:cNvPr id="108" name="TextBox 107">
                   <a:extLst>
                     <a:ext uri="{FF2B5EF4-FFF2-40B4-BE49-F238E27FC236}">
-                      <a16:creationId xmlns:a16="http://schemas.microsoft.com/office/drawing/2014/main" id="{E636C698-F980-9449-A331-3EFB0785C10D}"/>
+                      <a16:creationId xmlns:a16="http://schemas.microsoft.com/office/drawing/2014/main" id="{EC56732A-9E54-1C4B-A62F-19E6B9CAFE0D}"/>
                     </a:ext>
                   </a:extLst>
                 </p:cNvPr>
@@ -16592,10 +16567,10 @@
           </p:grpSp>
           <p:grpSp>
             <p:nvGrpSpPr>
-              <p:cNvPr id="82" name="Group 81">
+              <p:cNvPr id="51" name="Group 50">
                 <a:extLst>
                   <a:ext uri="{FF2B5EF4-FFF2-40B4-BE49-F238E27FC236}">
-                    <a16:creationId xmlns:a16="http://schemas.microsoft.com/office/drawing/2014/main" id="{610329CE-A3CC-E144-A35A-3F1E1D578EDE}"/>
+                    <a16:creationId xmlns:a16="http://schemas.microsoft.com/office/drawing/2014/main" id="{1C179660-75AA-744A-A34E-A5FF6DC06F46}"/>
                   </a:ext>
                 </a:extLst>
               </p:cNvPr>
@@ -16612,10 +16587,10 @@
             </p:grpSpPr>
             <p:pic>
               <p:nvPicPr>
-                <p:cNvPr id="102" name="Picture 101">
+                <p:cNvPr id="71" name="Picture 70">
                   <a:extLst>
                     <a:ext uri="{FF2B5EF4-FFF2-40B4-BE49-F238E27FC236}">
-                      <a16:creationId xmlns:a16="http://schemas.microsoft.com/office/drawing/2014/main" id="{5147620B-C029-BE44-9909-1C5A3AAB4A9E}"/>
+                      <a16:creationId xmlns:a16="http://schemas.microsoft.com/office/drawing/2014/main" id="{137E7540-F2C4-0C4B-977F-9924F2BA172F}"/>
                     </a:ext>
                   </a:extLst>
                 </p:cNvPr>
@@ -16625,7 +16600,7 @@
                 <p:nvPr/>
               </p:nvPicPr>
               <p:blipFill>
-                <a:blip r:embed="rId6" cstate="print">
+                <a:blip r:embed="rId5" cstate="print">
                   <a:extLst>
                     <a:ext uri="{28A0092B-C50C-407E-A947-70E740481C1C}">
                       <a14:useLocalDpi xmlns:a14="http://schemas.microsoft.com/office/drawing/2010/main" val="0"/>
@@ -16648,10 +16623,10 @@
             </p:pic>
             <p:sp>
               <p:nvSpPr>
-                <p:cNvPr id="103" name="TextBox 102">
+                <p:cNvPr id="106" name="TextBox 105">
                   <a:extLst>
                     <a:ext uri="{FF2B5EF4-FFF2-40B4-BE49-F238E27FC236}">
-                      <a16:creationId xmlns:a16="http://schemas.microsoft.com/office/drawing/2014/main" id="{BFDE8194-47E2-5245-8183-6D6006F43C28}"/>
+                      <a16:creationId xmlns:a16="http://schemas.microsoft.com/office/drawing/2014/main" id="{CF6641AA-B43D-FB47-A05D-70F7F8B64BA4}"/>
                     </a:ext>
                   </a:extLst>
                 </p:cNvPr>
@@ -16714,10 +16689,10 @@
           </p:grpSp>
           <p:cxnSp>
             <p:nvCxnSpPr>
-              <p:cNvPr id="83" name="Straight Connector 82">
+              <p:cNvPr id="52" name="Straight Connector 51">
                 <a:extLst>
                   <a:ext uri="{FF2B5EF4-FFF2-40B4-BE49-F238E27FC236}">
-                    <a16:creationId xmlns:a16="http://schemas.microsoft.com/office/drawing/2014/main" id="{FC3A35CA-B795-4548-94DF-F0B986C04E95}"/>
+                    <a16:creationId xmlns:a16="http://schemas.microsoft.com/office/drawing/2014/main" id="{D99AD6FA-8F55-F948-9416-C8D90DC8F056}"/>
                   </a:ext>
                 </a:extLst>
               </p:cNvPr>
@@ -16761,10 +16736,10 @@
           </p:cxnSp>
           <p:sp>
             <p:nvSpPr>
-              <p:cNvPr id="84" name="TextBox 83">
+              <p:cNvPr id="53" name="TextBox 52">
                 <a:extLst>
                   <a:ext uri="{FF2B5EF4-FFF2-40B4-BE49-F238E27FC236}">
-                    <a16:creationId xmlns:a16="http://schemas.microsoft.com/office/drawing/2014/main" id="{02CC1E9F-2896-544F-AD3D-D30D5C5E2F37}"/>
+                    <a16:creationId xmlns:a16="http://schemas.microsoft.com/office/drawing/2014/main" id="{BBA30D36-C9AC-CB4C-84EB-6614AC91279A}"/>
                   </a:ext>
                 </a:extLst>
               </p:cNvPr>
@@ -16826,10 +16801,10 @@
           </p:sp>
           <p:grpSp>
             <p:nvGrpSpPr>
-              <p:cNvPr id="85" name="Group 84">
+              <p:cNvPr id="54" name="Group 53">
                 <a:extLst>
                   <a:ext uri="{FF2B5EF4-FFF2-40B4-BE49-F238E27FC236}">
-                    <a16:creationId xmlns:a16="http://schemas.microsoft.com/office/drawing/2014/main" id="{E1B7AB5F-1958-6E4D-BD1C-0D636D5D1CC5}"/>
+                    <a16:creationId xmlns:a16="http://schemas.microsoft.com/office/drawing/2014/main" id="{662E25BB-9F71-FC41-AEC1-DE7093220246}"/>
                   </a:ext>
                 </a:extLst>
               </p:cNvPr>
@@ -16846,10 +16821,10 @@
             </p:grpSpPr>
             <p:grpSp>
               <p:nvGrpSpPr>
-                <p:cNvPr id="92" name="Group 91">
+                <p:cNvPr id="61" name="Group 60">
                   <a:extLst>
                     <a:ext uri="{FF2B5EF4-FFF2-40B4-BE49-F238E27FC236}">
-                      <a16:creationId xmlns:a16="http://schemas.microsoft.com/office/drawing/2014/main" id="{282B8373-44BE-5449-BEA9-978F20FB84CE}"/>
+                      <a16:creationId xmlns:a16="http://schemas.microsoft.com/office/drawing/2014/main" id="{630E68E0-669A-1A40-BF57-A14DFBC2C2E6}"/>
                     </a:ext>
                   </a:extLst>
                 </p:cNvPr>
@@ -16866,10 +16841,10 @@
               </p:grpSpPr>
               <p:grpSp>
                 <p:nvGrpSpPr>
-                  <p:cNvPr id="96" name="Group 95">
+                  <p:cNvPr id="65" name="Group 64">
                     <a:extLst>
                       <a:ext uri="{FF2B5EF4-FFF2-40B4-BE49-F238E27FC236}">
-                        <a16:creationId xmlns:a16="http://schemas.microsoft.com/office/drawing/2014/main" id="{BA6FE0DD-5185-C24D-9F62-A8084161EC01}"/>
+                        <a16:creationId xmlns:a16="http://schemas.microsoft.com/office/drawing/2014/main" id="{63B657DA-2990-BF44-BF07-2375788BDFFB}"/>
                       </a:ext>
                     </a:extLst>
                   </p:cNvPr>
@@ -16886,10 +16861,10 @@
                 </p:grpSpPr>
                 <p:grpSp>
                   <p:nvGrpSpPr>
-                    <p:cNvPr id="98" name="Group 97">
+                    <p:cNvPr id="67" name="Group 66">
                       <a:extLst>
                         <a:ext uri="{FF2B5EF4-FFF2-40B4-BE49-F238E27FC236}">
-                          <a16:creationId xmlns:a16="http://schemas.microsoft.com/office/drawing/2014/main" id="{074ACDC1-395A-154E-9DED-165808D5CF78}"/>
+                          <a16:creationId xmlns:a16="http://schemas.microsoft.com/office/drawing/2014/main" id="{DE932628-CF40-5B4C-940C-549BB3EA62BD}"/>
                         </a:ext>
                       </a:extLst>
                     </p:cNvPr>
@@ -16906,10 +16881,10 @@
                   </p:grpSpPr>
                   <p:pic>
                     <p:nvPicPr>
-                      <p:cNvPr id="100" name="Picture 99">
+                      <p:cNvPr id="69" name="Picture 68">
                         <a:extLst>
                           <a:ext uri="{FF2B5EF4-FFF2-40B4-BE49-F238E27FC236}">
-                            <a16:creationId xmlns:a16="http://schemas.microsoft.com/office/drawing/2014/main" id="{F0F12380-A185-214A-8ECC-E6AC107635C1}"/>
+                            <a16:creationId xmlns:a16="http://schemas.microsoft.com/office/drawing/2014/main" id="{1C5A8A26-7AB0-9245-BA4B-BE493031BA57}"/>
                           </a:ext>
                         </a:extLst>
                       </p:cNvPr>
@@ -16919,7 +16894,7 @@
                       <p:nvPr/>
                     </p:nvPicPr>
                     <p:blipFill>
-                      <a:blip r:embed="rId7" cstate="print">
+                      <a:blip r:embed="rId6" cstate="print">
                         <a:extLst>
                           <a:ext uri="{28A0092B-C50C-407E-A947-70E740481C1C}">
                             <a14:useLocalDpi xmlns:a14="http://schemas.microsoft.com/office/drawing/2010/main" val="0"/>
@@ -16942,10 +16917,10 @@
                   </p:pic>
                   <p:sp>
                     <p:nvSpPr>
-                      <p:cNvPr id="101" name="TextBox 100">
+                      <p:cNvPr id="70" name="TextBox 69">
                         <a:extLst>
                           <a:ext uri="{FF2B5EF4-FFF2-40B4-BE49-F238E27FC236}">
-                            <a16:creationId xmlns:a16="http://schemas.microsoft.com/office/drawing/2014/main" id="{ED573C42-9D62-F34F-96E7-E0BD770DF494}"/>
+                            <a16:creationId xmlns:a16="http://schemas.microsoft.com/office/drawing/2014/main" id="{C55FA7D7-655A-D848-BEF0-53CDC1563A88}"/>
                           </a:ext>
                         </a:extLst>
                       </p:cNvPr>
@@ -17008,10 +16983,10 @@
                 </p:grpSp>
                 <p:sp>
                   <p:nvSpPr>
-                    <p:cNvPr id="99" name="TextBox 98">
+                    <p:cNvPr id="68" name="TextBox 67">
                       <a:extLst>
                         <a:ext uri="{FF2B5EF4-FFF2-40B4-BE49-F238E27FC236}">
-                          <a16:creationId xmlns:a16="http://schemas.microsoft.com/office/drawing/2014/main" id="{5840BDCD-1A56-2342-8699-CC4DCC47956B}"/>
+                          <a16:creationId xmlns:a16="http://schemas.microsoft.com/office/drawing/2014/main" id="{B93A9F17-CBED-314E-905D-149570437E6D}"/>
                         </a:ext>
                       </a:extLst>
                     </p:cNvPr>
@@ -17074,10 +17049,10 @@
               </p:grpSp>
               <p:sp>
                 <p:nvSpPr>
-                  <p:cNvPr id="97" name="TextBox 96">
+                  <p:cNvPr id="66" name="TextBox 65">
                     <a:extLst>
                       <a:ext uri="{FF2B5EF4-FFF2-40B4-BE49-F238E27FC236}">
-                        <a16:creationId xmlns:a16="http://schemas.microsoft.com/office/drawing/2014/main" id="{CCFC0B25-26A2-564A-A747-CFBC0B18D305}"/>
+                        <a16:creationId xmlns:a16="http://schemas.microsoft.com/office/drawing/2014/main" id="{6BD03632-3A1E-804A-B1F9-BD63773FB47A}"/>
                       </a:ext>
                     </a:extLst>
                   </p:cNvPr>
@@ -17140,10 +17115,10 @@
             </p:grpSp>
             <p:cxnSp>
               <p:nvCxnSpPr>
-                <p:cNvPr id="93" name="Straight Connector 92">
+                <p:cNvPr id="62" name="Straight Connector 61">
                   <a:extLst>
                     <a:ext uri="{FF2B5EF4-FFF2-40B4-BE49-F238E27FC236}">
-                      <a16:creationId xmlns:a16="http://schemas.microsoft.com/office/drawing/2014/main" id="{4B8E0874-AFD0-BB43-B89B-FFC0DCFAC396}"/>
+                      <a16:creationId xmlns:a16="http://schemas.microsoft.com/office/drawing/2014/main" id="{00F9ABB1-9FEF-D44D-ABF5-1A316E9D1185}"/>
                     </a:ext>
                   </a:extLst>
                 </p:cNvPr>
@@ -17187,10 +17162,10 @@
             </p:cxnSp>
             <p:cxnSp>
               <p:nvCxnSpPr>
-                <p:cNvPr id="94" name="Straight Connector 93">
+                <p:cNvPr id="63" name="Straight Connector 62">
                   <a:extLst>
                     <a:ext uri="{FF2B5EF4-FFF2-40B4-BE49-F238E27FC236}">
-                      <a16:creationId xmlns:a16="http://schemas.microsoft.com/office/drawing/2014/main" id="{E9C99397-7702-A84D-8EE1-5939AE6D5C32}"/>
+                      <a16:creationId xmlns:a16="http://schemas.microsoft.com/office/drawing/2014/main" id="{83DCD002-A61F-844A-8241-655A82D7ED08}"/>
                     </a:ext>
                   </a:extLst>
                 </p:cNvPr>
@@ -17234,10 +17209,10 @@
             </p:cxnSp>
             <p:cxnSp>
               <p:nvCxnSpPr>
-                <p:cNvPr id="95" name="Straight Connector 94">
+                <p:cNvPr id="64" name="Straight Connector 63">
                   <a:extLst>
                     <a:ext uri="{FF2B5EF4-FFF2-40B4-BE49-F238E27FC236}">
-                      <a16:creationId xmlns:a16="http://schemas.microsoft.com/office/drawing/2014/main" id="{8E1D5DC8-65C9-2B4F-B35A-173FBE0858DF}"/>
+                      <a16:creationId xmlns:a16="http://schemas.microsoft.com/office/drawing/2014/main" id="{8FEC06DC-ADC5-E04B-B7A3-B568A4D9CCD9}"/>
                     </a:ext>
                   </a:extLst>
                 </p:cNvPr>
@@ -17282,10 +17257,10 @@
           </p:grpSp>
           <p:cxnSp>
             <p:nvCxnSpPr>
-              <p:cNvPr id="86" name="Straight Arrow Connector 85">
+              <p:cNvPr id="55" name="Straight Arrow Connector 54">
                 <a:extLst>
                   <a:ext uri="{FF2B5EF4-FFF2-40B4-BE49-F238E27FC236}">
-                    <a16:creationId xmlns:a16="http://schemas.microsoft.com/office/drawing/2014/main" id="{F500820F-67CE-8D42-9F08-5248B0E4886B}"/>
+                    <a16:creationId xmlns:a16="http://schemas.microsoft.com/office/drawing/2014/main" id="{2BC8E8A3-1AFB-394B-A317-DE507897BDE0}"/>
                   </a:ext>
                 </a:extLst>
               </p:cNvPr>
@@ -17329,10 +17304,10 @@
           </p:cxnSp>
           <p:cxnSp>
             <p:nvCxnSpPr>
-              <p:cNvPr id="87" name="Straight Arrow Connector 86">
+              <p:cNvPr id="56" name="Straight Arrow Connector 55">
                 <a:extLst>
                   <a:ext uri="{FF2B5EF4-FFF2-40B4-BE49-F238E27FC236}">
-                    <a16:creationId xmlns:a16="http://schemas.microsoft.com/office/drawing/2014/main" id="{E4FFA5CE-2235-A24D-8B71-1E3C92970FFF}"/>
+                    <a16:creationId xmlns:a16="http://schemas.microsoft.com/office/drawing/2014/main" id="{CACA4DF4-480B-6B4E-B080-0911265CA161}"/>
                   </a:ext>
                 </a:extLst>
               </p:cNvPr>
@@ -17376,10 +17351,10 @@
           </p:cxnSp>
           <p:cxnSp>
             <p:nvCxnSpPr>
-              <p:cNvPr id="88" name="Straight Arrow Connector 87">
+              <p:cNvPr id="57" name="Straight Arrow Connector 56">
                 <a:extLst>
                   <a:ext uri="{FF2B5EF4-FFF2-40B4-BE49-F238E27FC236}">
-                    <a16:creationId xmlns:a16="http://schemas.microsoft.com/office/drawing/2014/main" id="{76E7760B-009E-A046-B5CC-BBE655668482}"/>
+                    <a16:creationId xmlns:a16="http://schemas.microsoft.com/office/drawing/2014/main" id="{F9626C54-CDC9-5344-BA4A-C69EC1F9AB3F}"/>
                   </a:ext>
                 </a:extLst>
               </p:cNvPr>
@@ -17423,10 +17398,10 @@
           </p:cxnSp>
           <p:cxnSp>
             <p:nvCxnSpPr>
-              <p:cNvPr id="89" name="Straight Arrow Connector 88">
+              <p:cNvPr id="58" name="Straight Arrow Connector 57">
                 <a:extLst>
                   <a:ext uri="{FF2B5EF4-FFF2-40B4-BE49-F238E27FC236}">
-                    <a16:creationId xmlns:a16="http://schemas.microsoft.com/office/drawing/2014/main" id="{CF6718DF-50F4-834F-98AD-15316D130091}"/>
+                    <a16:creationId xmlns:a16="http://schemas.microsoft.com/office/drawing/2014/main" id="{3EBAA87C-2E46-7242-A3BF-E6B76F25B89E}"/>
                   </a:ext>
                 </a:extLst>
               </p:cNvPr>
@@ -17470,10 +17445,10 @@
           </p:cxnSp>
           <p:cxnSp>
             <p:nvCxnSpPr>
-              <p:cNvPr id="90" name="Straight Arrow Connector 89">
+              <p:cNvPr id="59" name="Straight Arrow Connector 58">
                 <a:extLst>
                   <a:ext uri="{FF2B5EF4-FFF2-40B4-BE49-F238E27FC236}">
-                    <a16:creationId xmlns:a16="http://schemas.microsoft.com/office/drawing/2014/main" id="{537AFE7E-D1FA-524A-8BED-C541711CB7BA}"/>
+                    <a16:creationId xmlns:a16="http://schemas.microsoft.com/office/drawing/2014/main" id="{DEC603F4-910F-A04A-B9AD-97C1F23E7B10}"/>
                   </a:ext>
                 </a:extLst>
               </p:cNvPr>
@@ -17517,10 +17492,10 @@
           </p:cxnSp>
           <p:cxnSp>
             <p:nvCxnSpPr>
-              <p:cNvPr id="91" name="Straight Arrow Connector 90">
+              <p:cNvPr id="60" name="Straight Arrow Connector 59">
                 <a:extLst>
                   <a:ext uri="{FF2B5EF4-FFF2-40B4-BE49-F238E27FC236}">
-                    <a16:creationId xmlns:a16="http://schemas.microsoft.com/office/drawing/2014/main" id="{E282495A-3328-8B40-BBA7-4A6C66D8C608}"/>
+                    <a16:creationId xmlns:a16="http://schemas.microsoft.com/office/drawing/2014/main" id="{3C270B36-599D-594F-B0B5-D093C718AF6F}"/>
                   </a:ext>
                 </a:extLst>
               </p:cNvPr>
@@ -17565,10 +17540,10 @@
         </p:grpSp>
         <p:pic>
           <p:nvPicPr>
-            <p:cNvPr id="74" name="Picture 73">
+            <p:cNvPr id="44" name="Picture 43">
               <a:extLst>
                 <a:ext uri="{FF2B5EF4-FFF2-40B4-BE49-F238E27FC236}">
-                  <a16:creationId xmlns:a16="http://schemas.microsoft.com/office/drawing/2014/main" id="{73314A86-D8AA-4C4C-8E88-3E9346D71BFA}"/>
+                  <a16:creationId xmlns:a16="http://schemas.microsoft.com/office/drawing/2014/main" id="{4ECE8C4B-26BB-9F40-AA82-43E8076DEB4B}"/>
                 </a:ext>
               </a:extLst>
             </p:cNvPr>
@@ -17578,7 +17553,7 @@
             <p:nvPr/>
           </p:nvPicPr>
           <p:blipFill>
-            <a:blip r:embed="rId8"/>
+            <a:blip r:embed="rId7"/>
             <a:stretch>
               <a:fillRect/>
             </a:stretch>
@@ -17594,6 +17569,45 @@
           </p:spPr>
         </p:pic>
       </p:grpSp>
+      <p:pic>
+        <p:nvPicPr>
+          <p:cNvPr id="109" name="Graphic 108">
+            <a:extLst>
+              <a:ext uri="{FF2B5EF4-FFF2-40B4-BE49-F238E27FC236}">
+                <a16:creationId xmlns:a16="http://schemas.microsoft.com/office/drawing/2014/main" id="{0F381CC5-3924-0E4B-BD26-7CBEE002B377}"/>
+              </a:ext>
+            </a:extLst>
+          </p:cNvPr>
+          <p:cNvPicPr>
+            <a:picLocks noChangeAspect="1"/>
+          </p:cNvPicPr>
+          <p:nvPr/>
+        </p:nvPicPr>
+        <p:blipFill>
+          <a:blip r:embed="rId8">
+            <a:extLst>
+              <a:ext uri="{28A0092B-C50C-407E-A947-70E740481C1C}">
+                <a14:useLocalDpi xmlns:a14="http://schemas.microsoft.com/office/drawing/2010/main" val="0"/>
+              </a:ext>
+              <a:ext uri="{96DAC541-7B7A-43D3-8B79-37D633B846F1}">
+                <asvg:svgBlip xmlns:asvg="http://schemas.microsoft.com/office/drawing/2016/SVG/main" r:embed="rId9"/>
+              </a:ext>
+            </a:extLst>
+          </a:blip>
+          <a:stretch>
+            <a:fillRect/>
+          </a:stretch>
+        </p:blipFill>
+        <p:spPr>
+          <a:xfrm>
+            <a:off x="10447936" y="4675452"/>
+            <a:ext cx="414427" cy="560036"/>
+          </a:xfrm>
+          <a:prstGeom prst="rect">
+            <a:avLst/>
+          </a:prstGeom>
+        </p:spPr>
+      </p:pic>
     </p:spTree>
     <p:extLst>
       <p:ext uri="{BB962C8B-B14F-4D97-AF65-F5344CB8AC3E}">
@@ -18019,10 +18033,10 @@
       </p:sp>
       <p:grpSp>
         <p:nvGrpSpPr>
-          <p:cNvPr id="27" name="Group 26" descr="Common scenarios include the use of: Azure DevOps, Azure Repos, Azure DevOps with GitHub, Application Insights, Azure Web Apps, Azure SQL Database.">
+          <p:cNvPr id="88" name="Group 87">
             <a:extLst>
               <a:ext uri="{FF2B5EF4-FFF2-40B4-BE49-F238E27FC236}">
-                <a16:creationId xmlns:a16="http://schemas.microsoft.com/office/drawing/2014/main" id="{2A1C7CCD-5964-1047-B006-860517D05ADB}"/>
+                <a16:creationId xmlns:a16="http://schemas.microsoft.com/office/drawing/2014/main" id="{E9676A41-2DC5-884D-B94C-FDFACB27B51B}"/>
               </a:ext>
             </a:extLst>
           </p:cNvPr>
@@ -18031,7 +18045,7 @@
         </p:nvGrpSpPr>
         <p:grpSpPr>
           <a:xfrm>
-            <a:off x="569142" y="1790420"/>
+            <a:off x="596740" y="1949030"/>
             <a:ext cx="11996998" cy="3110851"/>
             <a:chOff x="426262" y="1747556"/>
             <a:chExt cx="11996998" cy="3110851"/>
@@ -18039,10 +18053,10 @@
         </p:grpSpPr>
         <p:pic>
           <p:nvPicPr>
-            <p:cNvPr id="28" name="Picture 27">
+            <p:cNvPr id="89" name="Picture 88">
               <a:extLst>
                 <a:ext uri="{FF2B5EF4-FFF2-40B4-BE49-F238E27FC236}">
-                  <a16:creationId xmlns:a16="http://schemas.microsoft.com/office/drawing/2014/main" id="{F22007F4-D9D2-9048-AB1B-8B670DFFEC9B}"/>
+                  <a16:creationId xmlns:a16="http://schemas.microsoft.com/office/drawing/2014/main" id="{6276561F-EBC2-0A45-B589-1BBFEF85A9DA}"/>
                 </a:ext>
               </a:extLst>
             </p:cNvPr>
@@ -18052,7 +18066,7 @@
             <p:nvPr/>
           </p:nvPicPr>
           <p:blipFill>
-            <a:blip r:embed="rId2">
+            <a:blip r:embed="rId3">
               <a:extLst>
                 <a:ext uri="{28A0092B-C50C-407E-A947-70E740481C1C}">
                   <a14:useLocalDpi xmlns:a14="http://schemas.microsoft.com/office/drawing/2010/main" val="0"/>
@@ -18075,10 +18089,10 @@
         </p:pic>
         <p:sp>
           <p:nvSpPr>
-            <p:cNvPr id="29" name="TextBox 28">
+            <p:cNvPr id="90" name="TextBox 89">
               <a:extLst>
                 <a:ext uri="{FF2B5EF4-FFF2-40B4-BE49-F238E27FC236}">
-                  <a16:creationId xmlns:a16="http://schemas.microsoft.com/office/drawing/2014/main" id="{66DBE1EC-DCEE-0640-B494-B36A2F4494E4}"/>
+                  <a16:creationId xmlns:a16="http://schemas.microsoft.com/office/drawing/2014/main" id="{F5107D4E-FDF7-5144-9B0B-67BC47016A7A}"/>
                 </a:ext>
               </a:extLst>
             </p:cNvPr>
@@ -18102,11 +18116,7 @@
             <a:lstStyle/>
             <a:p>
               <a:r>
-                <a:rPr lang="en-US" sz="2000" dirty="0">
-                  <a:solidFill>
-                    <a:schemeClr val="bg1"/>
-                  </a:solidFill>
-                </a:rPr>
+                <a:rPr lang="en-US" sz="2000" dirty="0"/>
                 <a:t>Azure DevOps</a:t>
               </a:r>
             </a:p>
@@ -18114,10 +18124,10 @@
         </p:sp>
         <p:sp>
           <p:nvSpPr>
-            <p:cNvPr id="30" name="TextBox 29">
+            <p:cNvPr id="91" name="TextBox 90">
               <a:extLst>
                 <a:ext uri="{FF2B5EF4-FFF2-40B4-BE49-F238E27FC236}">
-                  <a16:creationId xmlns:a16="http://schemas.microsoft.com/office/drawing/2014/main" id="{53B39047-C175-8042-A116-0BD20635F885}"/>
+                  <a16:creationId xmlns:a16="http://schemas.microsoft.com/office/drawing/2014/main" id="{2551AD69-BCF9-234C-A556-8243E7EBC1B7}"/>
                 </a:ext>
               </a:extLst>
             </p:cNvPr>
@@ -18141,11 +18151,7 @@
             <a:lstStyle/>
             <a:p>
               <a:r>
-                <a:rPr lang="en-US" sz="2000" dirty="0">
-                  <a:solidFill>
-                    <a:schemeClr val="bg1"/>
-                  </a:solidFill>
-                </a:rPr>
+                <a:rPr lang="en-US" sz="2000" dirty="0"/>
                 <a:t>Azure Repos</a:t>
               </a:r>
             </a:p>
@@ -18153,10 +18159,10 @@
         </p:sp>
         <p:sp>
           <p:nvSpPr>
-            <p:cNvPr id="31" name="TextBox 30">
+            <p:cNvPr id="92" name="TextBox 91">
               <a:extLst>
                 <a:ext uri="{FF2B5EF4-FFF2-40B4-BE49-F238E27FC236}">
-                  <a16:creationId xmlns:a16="http://schemas.microsoft.com/office/drawing/2014/main" id="{4D3B16BC-57EC-9143-9359-CE2F07FEF9CF}"/>
+                  <a16:creationId xmlns:a16="http://schemas.microsoft.com/office/drawing/2014/main" id="{3E3E1ADB-2DB6-784D-9B2A-1E82D13A8507}"/>
                 </a:ext>
               </a:extLst>
             </p:cNvPr>
@@ -18180,11 +18186,7 @@
             <a:lstStyle/>
             <a:p>
               <a:r>
-                <a:rPr lang="en-US" sz="2000" dirty="0">
-                  <a:solidFill>
-                    <a:schemeClr val="bg1"/>
-                  </a:solidFill>
-                </a:rPr>
+                <a:rPr lang="en-US" sz="2000" dirty="0"/>
                 <a:t>Azure DevOps with GitHub</a:t>
               </a:r>
             </a:p>
@@ -18192,85 +18194,10 @@
         </p:sp>
         <p:pic>
           <p:nvPicPr>
-            <p:cNvPr id="32" name="Picture 31">
+            <p:cNvPr id="93" name="Picture 92">
               <a:extLst>
                 <a:ext uri="{FF2B5EF4-FFF2-40B4-BE49-F238E27FC236}">
-                  <a16:creationId xmlns:a16="http://schemas.microsoft.com/office/drawing/2014/main" id="{4E123101-F078-FB40-88B7-9E3C07EDDB52}"/>
-                </a:ext>
-              </a:extLst>
-            </p:cNvPr>
-            <p:cNvPicPr>
-              <a:picLocks noChangeAspect="1"/>
-            </p:cNvPicPr>
-            <p:nvPr/>
-          </p:nvPicPr>
-          <p:blipFill>
-            <a:blip r:embed="rId3">
-              <a:extLst>
-                <a:ext uri="{28A0092B-C50C-407E-A947-70E740481C1C}">
-                  <a14:useLocalDpi xmlns:a14="http://schemas.microsoft.com/office/drawing/2010/main" val="0"/>
-                </a:ext>
-              </a:extLst>
-            </a:blip>
-            <a:stretch>
-              <a:fillRect/>
-            </a:stretch>
-          </p:blipFill>
-          <p:spPr>
-            <a:xfrm>
-              <a:off x="5990335" y="1815367"/>
-              <a:ext cx="481585" cy="481585"/>
-            </a:xfrm>
-            <a:prstGeom prst="rect">
-              <a:avLst/>
-            </a:prstGeom>
-          </p:spPr>
-        </p:pic>
-        <p:sp>
-          <p:nvSpPr>
-            <p:cNvPr id="33" name="TextBox 32">
-              <a:extLst>
-                <a:ext uri="{FF2B5EF4-FFF2-40B4-BE49-F238E27FC236}">
-                  <a16:creationId xmlns:a16="http://schemas.microsoft.com/office/drawing/2014/main" id="{48BFE2AA-3147-CC4A-BD4B-B8ABFB60576D}"/>
-                </a:ext>
-              </a:extLst>
-            </p:cNvPr>
-            <p:cNvSpPr txBox="1"/>
-            <p:nvPr/>
-          </p:nvSpPr>
-          <p:spPr>
-            <a:xfrm>
-              <a:off x="6680200" y="1814155"/>
-              <a:ext cx="5725280" cy="400110"/>
-            </a:xfrm>
-            <a:prstGeom prst="rect">
-              <a:avLst/>
-            </a:prstGeom>
-            <a:noFill/>
-          </p:spPr>
-          <p:txBody>
-            <a:bodyPr wrap="square" rtlCol="0">
-              <a:spAutoFit/>
-            </a:bodyPr>
-            <a:lstStyle/>
-            <a:p>
-              <a:r>
-                <a:rPr lang="en-US" sz="2000" dirty="0">
-                  <a:solidFill>
-                    <a:schemeClr val="bg1"/>
-                  </a:solidFill>
-                </a:rPr>
-                <a:t>Application Insights</a:t>
-              </a:r>
-            </a:p>
-          </p:txBody>
-        </p:sp>
-        <p:pic>
-          <p:nvPicPr>
-            <p:cNvPr id="34" name="Picture 33">
-              <a:extLst>
-                <a:ext uri="{FF2B5EF4-FFF2-40B4-BE49-F238E27FC236}">
-                  <a16:creationId xmlns:a16="http://schemas.microsoft.com/office/drawing/2014/main" id="{E58F324B-A0B5-7B49-BEA7-8F09A936CD64}"/>
+                  <a16:creationId xmlns:a16="http://schemas.microsoft.com/office/drawing/2014/main" id="{DE94B35E-10CD-7344-84CC-01F874BBF2DD}"/>
                 </a:ext>
               </a:extLst>
             </p:cNvPr>
@@ -18293,44 +18220,8 @@
           </p:blipFill>
           <p:spPr>
             <a:xfrm>
-              <a:off x="6033931" y="2496905"/>
+              <a:off x="6033931" y="2453363"/>
               <a:ext cx="414427" cy="414427"/>
-            </a:xfrm>
-            <a:prstGeom prst="rect">
-              <a:avLst/>
-            </a:prstGeom>
-          </p:spPr>
-        </p:pic>
-        <p:pic>
-          <p:nvPicPr>
-            <p:cNvPr id="35" name="Picture 34">
-              <a:extLst>
-                <a:ext uri="{FF2B5EF4-FFF2-40B4-BE49-F238E27FC236}">
-                  <a16:creationId xmlns:a16="http://schemas.microsoft.com/office/drawing/2014/main" id="{F68D8413-EC01-454C-ADE8-DA6DF6B4BA1D}"/>
-                </a:ext>
-              </a:extLst>
-            </p:cNvPr>
-            <p:cNvPicPr>
-              <a:picLocks noChangeAspect="1"/>
-            </p:cNvPicPr>
-            <p:nvPr/>
-          </p:nvPicPr>
-          <p:blipFill>
-            <a:blip r:embed="rId5">
-              <a:extLst>
-                <a:ext uri="{28A0092B-C50C-407E-A947-70E740481C1C}">
-                  <a14:useLocalDpi xmlns:a14="http://schemas.microsoft.com/office/drawing/2010/main" val="0"/>
-                </a:ext>
-              </a:extLst>
-            </a:blip>
-            <a:stretch>
-              <a:fillRect/>
-            </a:stretch>
-          </p:blipFill>
-          <p:spPr>
-            <a:xfrm>
-              <a:off x="6061871" y="3183727"/>
-              <a:ext cx="476505" cy="476505"/>
             </a:xfrm>
             <a:prstGeom prst="rect">
               <a:avLst/>
@@ -18339,10 +18230,10 @@
         </p:pic>
         <p:sp>
           <p:nvSpPr>
-            <p:cNvPr id="36" name="TextBox 35">
+            <p:cNvPr id="94" name="TextBox 93">
               <a:extLst>
                 <a:ext uri="{FF2B5EF4-FFF2-40B4-BE49-F238E27FC236}">
-                  <a16:creationId xmlns:a16="http://schemas.microsoft.com/office/drawing/2014/main" id="{C5557128-9697-EE40-AF22-6BB15BDB30B5}"/>
+                  <a16:creationId xmlns:a16="http://schemas.microsoft.com/office/drawing/2014/main" id="{1137E064-AB24-4E4B-8EEC-606BF4C9ACE6}"/>
                 </a:ext>
               </a:extLst>
             </p:cNvPr>
@@ -18366,11 +18257,7 @@
             <a:lstStyle/>
             <a:p>
               <a:r>
-                <a:rPr lang="en-US" sz="2000" dirty="0">
-                  <a:solidFill>
-                    <a:schemeClr val="bg1"/>
-                  </a:solidFill>
-                </a:rPr>
+                <a:rPr lang="en-US" sz="2000" dirty="0"/>
                 <a:t>Azure Web Apps</a:t>
               </a:r>
             </a:p>
@@ -18378,10 +18265,10 @@
         </p:sp>
         <p:sp>
           <p:nvSpPr>
-            <p:cNvPr id="37" name="TextBox 36">
+            <p:cNvPr id="95" name="TextBox 94">
               <a:extLst>
                 <a:ext uri="{FF2B5EF4-FFF2-40B4-BE49-F238E27FC236}">
-                  <a16:creationId xmlns:a16="http://schemas.microsoft.com/office/drawing/2014/main" id="{0099853C-C5D7-4841-9EA1-9E44C4D308C9}"/>
+                  <a16:creationId xmlns:a16="http://schemas.microsoft.com/office/drawing/2014/main" id="{A4E4334B-62CC-BA42-8923-2B43F0112C64}"/>
                 </a:ext>
               </a:extLst>
             </p:cNvPr>
@@ -18390,7 +18277,7 @@
           </p:nvSpPr>
           <p:spPr>
             <a:xfrm>
-              <a:off x="6659880" y="3171859"/>
+              <a:off x="6697980" y="3150181"/>
               <a:ext cx="5725280" cy="400110"/>
             </a:xfrm>
             <a:prstGeom prst="rect">
@@ -18405,29 +18292,25 @@
             <a:lstStyle/>
             <a:p>
               <a:r>
-                <a:rPr lang="en-US" sz="2000" dirty="0">
-                  <a:solidFill>
-                    <a:schemeClr val="bg1"/>
-                  </a:solidFill>
-                </a:rPr>
-                <a:t>Azure SQL Database</a:t>
+                <a:rPr lang="en-US" sz="2000" dirty="0"/>
+                <a:t>Azure PostreSQL Database</a:t>
               </a:r>
             </a:p>
           </p:txBody>
         </p:sp>
         <p:cxnSp>
           <p:nvCxnSpPr>
-            <p:cNvPr id="38" name="Straight Arrow Connector 37">
+            <p:cNvPr id="96" name="Straight Arrow Connector 95">
               <a:extLst>
                 <a:ext uri="{FF2B5EF4-FFF2-40B4-BE49-F238E27FC236}">
-                  <a16:creationId xmlns:a16="http://schemas.microsoft.com/office/drawing/2014/main" id="{57CF36C1-EE55-C247-862A-0BFA1B0053FA}"/>
+                  <a16:creationId xmlns:a16="http://schemas.microsoft.com/office/drawing/2014/main" id="{D3A0320F-285E-B344-9A30-657BFD4A5593}"/>
                 </a:ext>
               </a:extLst>
             </p:cNvPr>
             <p:cNvCxnSpPr>
               <a:cxnSpLocks/>
-              <a:stCxn id="42" idx="3"/>
-              <a:endCxn id="43" idx="1"/>
+              <a:stCxn id="100" idx="3"/>
+              <a:endCxn id="101" idx="1"/>
             </p:cNvCxnSpPr>
             <p:nvPr/>
           </p:nvCxnSpPr>
@@ -18466,17 +18349,17 @@
         </p:cxnSp>
         <p:cxnSp>
           <p:nvCxnSpPr>
-            <p:cNvPr id="39" name="Straight Arrow Connector 38">
+            <p:cNvPr id="97" name="Straight Arrow Connector 96">
               <a:extLst>
                 <a:ext uri="{FF2B5EF4-FFF2-40B4-BE49-F238E27FC236}">
-                  <a16:creationId xmlns:a16="http://schemas.microsoft.com/office/drawing/2014/main" id="{F843752D-26EA-B14F-9AEB-1EB1803F77C1}"/>
+                  <a16:creationId xmlns:a16="http://schemas.microsoft.com/office/drawing/2014/main" id="{BC4BAE5C-7CBB-2645-B693-B5918A80E60A}"/>
                 </a:ext>
               </a:extLst>
             </p:cNvPr>
             <p:cNvCxnSpPr>
               <a:cxnSpLocks/>
-              <a:stCxn id="43" idx="3"/>
-              <a:endCxn id="44" idx="1"/>
+              <a:stCxn id="101" idx="3"/>
+              <a:endCxn id="102" idx="1"/>
             </p:cNvCxnSpPr>
             <p:nvPr/>
           </p:nvCxnSpPr>
@@ -18515,17 +18398,17 @@
         </p:cxnSp>
         <p:cxnSp>
           <p:nvCxnSpPr>
-            <p:cNvPr id="40" name="Straight Arrow Connector 39">
+            <p:cNvPr id="98" name="Straight Arrow Connector 97">
               <a:extLst>
                 <a:ext uri="{FF2B5EF4-FFF2-40B4-BE49-F238E27FC236}">
-                  <a16:creationId xmlns:a16="http://schemas.microsoft.com/office/drawing/2014/main" id="{42A12A54-8ECD-D240-BA4B-7F7457D6220A}"/>
+                  <a16:creationId xmlns:a16="http://schemas.microsoft.com/office/drawing/2014/main" id="{D0D3FAA1-451B-144B-A568-5F736357D4EC}"/>
                 </a:ext>
               </a:extLst>
             </p:cNvPr>
             <p:cNvCxnSpPr>
               <a:cxnSpLocks/>
-              <a:stCxn id="44" idx="3"/>
-              <a:endCxn id="45" idx="1"/>
+              <a:stCxn id="102" idx="3"/>
+              <a:endCxn id="103" idx="1"/>
             </p:cNvCxnSpPr>
             <p:nvPr/>
           </p:nvCxnSpPr>
@@ -18564,17 +18447,17 @@
         </p:cxnSp>
         <p:cxnSp>
           <p:nvCxnSpPr>
-            <p:cNvPr id="41" name="Straight Arrow Connector 40">
+            <p:cNvPr id="99" name="Straight Arrow Connector 98">
               <a:extLst>
                 <a:ext uri="{FF2B5EF4-FFF2-40B4-BE49-F238E27FC236}">
-                  <a16:creationId xmlns:a16="http://schemas.microsoft.com/office/drawing/2014/main" id="{91E484E9-96C1-8A44-8F11-1BBC54693432}"/>
+                  <a16:creationId xmlns:a16="http://schemas.microsoft.com/office/drawing/2014/main" id="{30435B2B-6826-7842-B0FF-05D2012A05FD}"/>
                 </a:ext>
               </a:extLst>
             </p:cNvPr>
             <p:cNvCxnSpPr>
               <a:cxnSpLocks/>
-              <a:stCxn id="45" idx="3"/>
-              <a:endCxn id="46" idx="1"/>
+              <a:stCxn id="103" idx="3"/>
+              <a:endCxn id="104" idx="1"/>
             </p:cNvCxnSpPr>
             <p:nvPr/>
           </p:nvCxnSpPr>
@@ -18613,10 +18496,10 @@
         </p:cxnSp>
         <p:sp>
           <p:nvSpPr>
-            <p:cNvPr id="42" name="Rectangle 41">
+            <p:cNvPr id="100" name="Rectangle 99">
               <a:extLst>
                 <a:ext uri="{FF2B5EF4-FFF2-40B4-BE49-F238E27FC236}">
-                  <a16:creationId xmlns:a16="http://schemas.microsoft.com/office/drawing/2014/main" id="{F287FCDA-44F4-F84C-A95F-92465609DD8A}"/>
+                  <a16:creationId xmlns:a16="http://schemas.microsoft.com/office/drawing/2014/main" id="{576729F6-E197-FA4C-8E9D-DCE4120B2FEE}"/>
                 </a:ext>
               </a:extLst>
             </p:cNvPr>
@@ -18711,10 +18594,10 @@
         </p:sp>
         <p:sp>
           <p:nvSpPr>
-            <p:cNvPr id="43" name="Rectangle 42">
+            <p:cNvPr id="101" name="Rectangle 100">
               <a:extLst>
                 <a:ext uri="{FF2B5EF4-FFF2-40B4-BE49-F238E27FC236}">
-                  <a16:creationId xmlns:a16="http://schemas.microsoft.com/office/drawing/2014/main" id="{DD6B0566-FC8A-7144-8705-55EA7F0179EC}"/>
+                  <a16:creationId xmlns:a16="http://schemas.microsoft.com/office/drawing/2014/main" id="{6938DFFB-2E41-6B44-ABA0-FF6C35412EFF}"/>
                 </a:ext>
               </a:extLst>
             </p:cNvPr>
@@ -18809,10 +18692,10 @@
         </p:sp>
         <p:sp>
           <p:nvSpPr>
-            <p:cNvPr id="44" name="Rectangle 43">
+            <p:cNvPr id="102" name="Rectangle 101">
               <a:extLst>
                 <a:ext uri="{FF2B5EF4-FFF2-40B4-BE49-F238E27FC236}">
-                  <a16:creationId xmlns:a16="http://schemas.microsoft.com/office/drawing/2014/main" id="{CCB77853-079F-0647-8CFD-720043CD1C25}"/>
+                  <a16:creationId xmlns:a16="http://schemas.microsoft.com/office/drawing/2014/main" id="{79C21FAA-E266-0745-A345-C8F9B36EE244}"/>
                 </a:ext>
               </a:extLst>
             </p:cNvPr>
@@ -18907,10 +18790,10 @@
         </p:sp>
         <p:sp>
           <p:nvSpPr>
-            <p:cNvPr id="45" name="Rectangle 44">
+            <p:cNvPr id="103" name="Rectangle 102">
               <a:extLst>
                 <a:ext uri="{FF2B5EF4-FFF2-40B4-BE49-F238E27FC236}">
-                  <a16:creationId xmlns:a16="http://schemas.microsoft.com/office/drawing/2014/main" id="{FCE3FA5F-57C9-0E4F-99FF-BC58E443BC15}"/>
+                  <a16:creationId xmlns:a16="http://schemas.microsoft.com/office/drawing/2014/main" id="{C43ED478-8C63-4543-93C0-28F25717B8CF}"/>
                 </a:ext>
               </a:extLst>
             </p:cNvPr>
@@ -19005,10 +18888,10 @@
         </p:sp>
         <p:sp>
           <p:nvSpPr>
-            <p:cNvPr id="46" name="Rectangle 45">
+            <p:cNvPr id="104" name="Rectangle 103">
               <a:extLst>
                 <a:ext uri="{FF2B5EF4-FFF2-40B4-BE49-F238E27FC236}">
-                  <a16:creationId xmlns:a16="http://schemas.microsoft.com/office/drawing/2014/main" id="{57487DC0-8DD9-E046-A190-055F40EEE8D9}"/>
+                  <a16:creationId xmlns:a16="http://schemas.microsoft.com/office/drawing/2014/main" id="{73DAE83E-EDA8-F94C-B4D7-6A4394E24EDF}"/>
                 </a:ext>
               </a:extLst>
             </p:cNvPr>
@@ -19103,10 +18986,40 @@
         </p:sp>
         <p:pic>
           <p:nvPicPr>
-            <p:cNvPr id="47" name="Picture 46">
+            <p:cNvPr id="105" name="Picture 104">
               <a:extLst>
                 <a:ext uri="{FF2B5EF4-FFF2-40B4-BE49-F238E27FC236}">
-                  <a16:creationId xmlns:a16="http://schemas.microsoft.com/office/drawing/2014/main" id="{4DAF3537-251F-0345-A0CF-D9373178DB5D}"/>
+                  <a16:creationId xmlns:a16="http://schemas.microsoft.com/office/drawing/2014/main" id="{BCB726B6-7291-E342-8FD5-DEED6C776B1A}"/>
+                </a:ext>
+              </a:extLst>
+            </p:cNvPr>
+            <p:cNvPicPr>
+              <a:picLocks noChangeAspect="1"/>
+            </p:cNvPicPr>
+            <p:nvPr/>
+          </p:nvPicPr>
+          <p:blipFill>
+            <a:blip r:embed="rId5"/>
+            <a:stretch>
+              <a:fillRect/>
+            </a:stretch>
+          </p:blipFill>
+          <p:spPr>
+            <a:xfrm>
+              <a:off x="427878" y="2403332"/>
+              <a:ext cx="508000" cy="508000"/>
+            </a:xfrm>
+            <a:prstGeom prst="rect">
+              <a:avLst/>
+            </a:prstGeom>
+          </p:spPr>
+        </p:pic>
+        <p:pic>
+          <p:nvPicPr>
+            <p:cNvPr id="106" name="Picture 105">
+              <a:extLst>
+                <a:ext uri="{FF2B5EF4-FFF2-40B4-BE49-F238E27FC236}">
+                  <a16:creationId xmlns:a16="http://schemas.microsoft.com/office/drawing/2014/main" id="{AE06475A-4E4E-A942-AA53-7ABC22F78264}"/>
                 </a:ext>
               </a:extLst>
             </p:cNvPr>
@@ -19123,36 +19036,6 @@
           </p:blipFill>
           <p:spPr>
             <a:xfrm>
-              <a:off x="427878" y="2403332"/>
-              <a:ext cx="508000" cy="508000"/>
-            </a:xfrm>
-            <a:prstGeom prst="rect">
-              <a:avLst/>
-            </a:prstGeom>
-          </p:spPr>
-        </p:pic>
-        <p:pic>
-          <p:nvPicPr>
-            <p:cNvPr id="48" name="Picture 47">
-              <a:extLst>
-                <a:ext uri="{FF2B5EF4-FFF2-40B4-BE49-F238E27FC236}">
-                  <a16:creationId xmlns:a16="http://schemas.microsoft.com/office/drawing/2014/main" id="{48EA22AD-2A54-B848-812F-328F65C6F175}"/>
-                </a:ext>
-              </a:extLst>
-            </p:cNvPr>
-            <p:cNvPicPr>
-              <a:picLocks noChangeAspect="1"/>
-            </p:cNvPicPr>
-            <p:nvPr/>
-          </p:nvPicPr>
-          <p:blipFill>
-            <a:blip r:embed="rId7"/>
-            <a:stretch>
-              <a:fillRect/>
-            </a:stretch>
-          </p:blipFill>
-          <p:spPr>
-            <a:xfrm>
               <a:off x="426262" y="1747556"/>
               <a:ext cx="508000" cy="508000"/>
             </a:xfrm>
@@ -19162,6 +19045,240 @@
           </p:spPr>
         </p:pic>
       </p:grpSp>
+      <p:pic>
+        <p:nvPicPr>
+          <p:cNvPr id="107" name="Graphic 106">
+            <a:extLst>
+              <a:ext uri="{FF2B5EF4-FFF2-40B4-BE49-F238E27FC236}">
+                <a16:creationId xmlns:a16="http://schemas.microsoft.com/office/drawing/2014/main" id="{BD091D20-4BD0-E144-881E-CFF31FBF5AE4}"/>
+              </a:ext>
+            </a:extLst>
+          </p:cNvPr>
+          <p:cNvPicPr>
+            <a:picLocks noChangeAspect="1"/>
+          </p:cNvPicPr>
+          <p:nvPr/>
+        </p:nvPicPr>
+        <p:blipFill>
+          <a:blip r:embed="rId7">
+            <a:extLst>
+              <a:ext uri="{28A0092B-C50C-407E-A947-70E740481C1C}">
+                <a14:useLocalDpi xmlns:a14="http://schemas.microsoft.com/office/drawing/2010/main" val="0"/>
+              </a:ext>
+              <a:ext uri="{96DAC541-7B7A-43D3-8B79-37D633B846F1}">
+                <asvg:svgBlip xmlns:asvg="http://schemas.microsoft.com/office/drawing/2016/SVG/main" r:embed="rId8"/>
+              </a:ext>
+            </a:extLst>
+          </a:blip>
+          <a:stretch>
+            <a:fillRect/>
+          </a:stretch>
+        </p:blipFill>
+        <p:spPr>
+          <a:xfrm>
+            <a:off x="6219910" y="3212940"/>
+            <a:ext cx="414427" cy="560036"/>
+          </a:xfrm>
+          <a:prstGeom prst="rect">
+            <a:avLst/>
+          </a:prstGeom>
+        </p:spPr>
+      </p:pic>
+      <p:sp>
+        <p:nvSpPr>
+          <p:cNvPr id="108" name="TextBox 107">
+            <a:extLst>
+              <a:ext uri="{FF2B5EF4-FFF2-40B4-BE49-F238E27FC236}">
+                <a16:creationId xmlns:a16="http://schemas.microsoft.com/office/drawing/2014/main" id="{3EAE9738-6906-6E41-8021-F437458C873A}"/>
+              </a:ext>
+            </a:extLst>
+          </p:cNvPr>
+          <p:cNvSpPr txBox="1"/>
+          <p:nvPr/>
+        </p:nvSpPr>
+        <p:spPr>
+          <a:xfrm>
+            <a:off x="1222391" y="1972801"/>
+            <a:ext cx="4363720" cy="400110"/>
+          </a:xfrm>
+          <a:prstGeom prst="rect">
+            <a:avLst/>
+          </a:prstGeom>
+          <a:noFill/>
+        </p:spPr>
+        <p:txBody>
+          <a:bodyPr wrap="square" rtlCol="0">
+            <a:spAutoFit/>
+          </a:bodyPr>
+          <a:lstStyle/>
+          <a:p>
+            <a:r>
+              <a:rPr lang="en-US" sz="2000" dirty="0">
+                <a:solidFill>
+                  <a:schemeClr val="bg1"/>
+                </a:solidFill>
+              </a:rPr>
+              <a:t>Azure DevOps</a:t>
+            </a:r>
+          </a:p>
+        </p:txBody>
+      </p:sp>
+      <p:sp>
+        <p:nvSpPr>
+          <p:cNvPr id="109" name="TextBox 108">
+            <a:extLst>
+              <a:ext uri="{FF2B5EF4-FFF2-40B4-BE49-F238E27FC236}">
+                <a16:creationId xmlns:a16="http://schemas.microsoft.com/office/drawing/2014/main" id="{FABC9352-B884-EF47-956D-E75340C7ABB0}"/>
+              </a:ext>
+            </a:extLst>
+          </p:cNvPr>
+          <p:cNvSpPr txBox="1"/>
+          <p:nvPr/>
+        </p:nvSpPr>
+        <p:spPr>
+          <a:xfrm>
+            <a:off x="1242711" y="2631699"/>
+            <a:ext cx="5725280" cy="400110"/>
+          </a:xfrm>
+          <a:prstGeom prst="rect">
+            <a:avLst/>
+          </a:prstGeom>
+          <a:noFill/>
+        </p:spPr>
+        <p:txBody>
+          <a:bodyPr wrap="square" rtlCol="0">
+            <a:spAutoFit/>
+          </a:bodyPr>
+          <a:lstStyle/>
+          <a:p>
+            <a:r>
+              <a:rPr lang="en-US" sz="2000" dirty="0">
+                <a:solidFill>
+                  <a:schemeClr val="bg1"/>
+                </a:solidFill>
+              </a:rPr>
+              <a:t>Azure Repos</a:t>
+            </a:r>
+          </a:p>
+        </p:txBody>
+      </p:sp>
+      <p:sp>
+        <p:nvSpPr>
+          <p:cNvPr id="110" name="TextBox 109">
+            <a:extLst>
+              <a:ext uri="{FF2B5EF4-FFF2-40B4-BE49-F238E27FC236}">
+                <a16:creationId xmlns:a16="http://schemas.microsoft.com/office/drawing/2014/main" id="{D4029EF5-23B2-744F-A2BC-B83DCEF141EF}"/>
+              </a:ext>
+            </a:extLst>
+          </p:cNvPr>
+          <p:cNvSpPr txBox="1"/>
+          <p:nvPr/>
+        </p:nvSpPr>
+        <p:spPr>
+          <a:xfrm>
+            <a:off x="1242711" y="3302581"/>
+            <a:ext cx="5725280" cy="400110"/>
+          </a:xfrm>
+          <a:prstGeom prst="rect">
+            <a:avLst/>
+          </a:prstGeom>
+          <a:noFill/>
+        </p:spPr>
+        <p:txBody>
+          <a:bodyPr wrap="square" rtlCol="0">
+            <a:spAutoFit/>
+          </a:bodyPr>
+          <a:lstStyle/>
+          <a:p>
+            <a:r>
+              <a:rPr lang="en-US" sz="2000" dirty="0">
+                <a:solidFill>
+                  <a:schemeClr val="bg1"/>
+                </a:solidFill>
+              </a:rPr>
+              <a:t>Azure DevOps with GitHub</a:t>
+            </a:r>
+          </a:p>
+        </p:txBody>
+      </p:sp>
+      <p:sp>
+        <p:nvSpPr>
+          <p:cNvPr id="111" name="TextBox 110">
+            <a:extLst>
+              <a:ext uri="{FF2B5EF4-FFF2-40B4-BE49-F238E27FC236}">
+                <a16:creationId xmlns:a16="http://schemas.microsoft.com/office/drawing/2014/main" id="{2F698E33-5102-3148-A2C2-2A079B5994E1}"/>
+              </a:ext>
+            </a:extLst>
+          </p:cNvPr>
+          <p:cNvSpPr txBox="1"/>
+          <p:nvPr/>
+        </p:nvSpPr>
+        <p:spPr>
+          <a:xfrm>
+            <a:off x="6850380" y="2637437"/>
+            <a:ext cx="5725280" cy="400110"/>
+          </a:xfrm>
+          <a:prstGeom prst="rect">
+            <a:avLst/>
+          </a:prstGeom>
+          <a:noFill/>
+        </p:spPr>
+        <p:txBody>
+          <a:bodyPr wrap="square" rtlCol="0">
+            <a:spAutoFit/>
+          </a:bodyPr>
+          <a:lstStyle/>
+          <a:p>
+            <a:r>
+              <a:rPr lang="en-US" sz="2000" dirty="0">
+                <a:solidFill>
+                  <a:schemeClr val="bg1"/>
+                </a:solidFill>
+              </a:rPr>
+              <a:t>Azure Web Apps</a:t>
+            </a:r>
+          </a:p>
+        </p:txBody>
+      </p:sp>
+      <p:sp>
+        <p:nvSpPr>
+          <p:cNvPr id="112" name="TextBox 111">
+            <a:extLst>
+              <a:ext uri="{FF2B5EF4-FFF2-40B4-BE49-F238E27FC236}">
+                <a16:creationId xmlns:a16="http://schemas.microsoft.com/office/drawing/2014/main" id="{8B5B08B5-E947-C444-BF2A-F0C66BCCCC14}"/>
+              </a:ext>
+            </a:extLst>
+          </p:cNvPr>
+          <p:cNvSpPr txBox="1"/>
+          <p:nvPr/>
+        </p:nvSpPr>
+        <p:spPr>
+          <a:xfrm>
+            <a:off x="6850380" y="3302581"/>
+            <a:ext cx="5725280" cy="400110"/>
+          </a:xfrm>
+          <a:prstGeom prst="rect">
+            <a:avLst/>
+          </a:prstGeom>
+          <a:noFill/>
+        </p:spPr>
+        <p:txBody>
+          <a:bodyPr wrap="square" rtlCol="0">
+            <a:spAutoFit/>
+          </a:bodyPr>
+          <a:lstStyle/>
+          <a:p>
+            <a:r>
+              <a:rPr lang="en-US" sz="2000" dirty="0">
+                <a:solidFill>
+                  <a:schemeClr val="bg1"/>
+                </a:solidFill>
+              </a:rPr>
+              <a:t>Azure PostreSQL Database</a:t>
+            </a:r>
+          </a:p>
+        </p:txBody>
+      </p:sp>
     </p:spTree>
     <p:extLst>
       <p:ext uri="{BB962C8B-B14F-4D97-AF65-F5344CB8AC3E}">
@@ -19527,9 +19644,7 @@
           <p:cNvGraphicFramePr>
             <a:graphicFrameLocks noGrp="1"/>
           </p:cNvGraphicFramePr>
-          <p:nvPr>
-            <p:extLst/>
-          </p:nvPr>
+          <p:nvPr/>
         </p:nvGraphicFramePr>
         <p:xfrm>
           <a:off x="3095545" y="3791921"/>
@@ -20562,7 +20677,13 @@
       </p:grpSpPr>
       <p:sp>
         <p:nvSpPr>
-          <p:cNvPr id="2" name="Title 1"/>
+          <p:cNvPr id="105" name="Title 1">
+            <a:extLst>
+              <a:ext uri="{FF2B5EF4-FFF2-40B4-BE49-F238E27FC236}">
+                <a16:creationId xmlns:a16="http://schemas.microsoft.com/office/drawing/2014/main" id="{84D8721F-24B7-724C-BC56-211601AC2E47}"/>
+              </a:ext>
+            </a:extLst>
+          </p:cNvPr>
           <p:cNvSpPr>
             <a:spLocks noGrp="1"/>
           </p:cNvSpPr>
@@ -20570,7 +20691,12 @@
             <p:ph type="title"/>
           </p:nvPr>
         </p:nvSpPr>
-        <p:spPr/>
+        <p:spPr>
+          <a:xfrm>
+            <a:off x="269240" y="289511"/>
+            <a:ext cx="11655840" cy="899665"/>
+          </a:xfrm>
+        </p:spPr>
         <p:txBody>
           <a:bodyPr>
             <a:normAutofit/>
@@ -20592,10 +20718,10 @@
       </p:sp>
       <p:grpSp>
         <p:nvGrpSpPr>
-          <p:cNvPr id="4" name="Group 3">
+          <p:cNvPr id="106" name="Group 105">
             <a:extLst>
               <a:ext uri="{FF2B5EF4-FFF2-40B4-BE49-F238E27FC236}">
-                <a16:creationId xmlns:a16="http://schemas.microsoft.com/office/drawing/2014/main" id="{238DAF7E-70EF-CB40-B552-5F405360D44D}"/>
+                <a16:creationId xmlns:a16="http://schemas.microsoft.com/office/drawing/2014/main" id="{1EBEBB7F-5E39-EC4D-B80C-012AB563942D}"/>
               </a:ext>
             </a:extLst>
           </p:cNvPr>
@@ -20604,7 +20730,7 @@
         </p:nvGrpSpPr>
         <p:grpSpPr>
           <a:xfrm>
-            <a:off x="440566" y="1958796"/>
+            <a:off x="340550" y="1958796"/>
             <a:ext cx="11128289" cy="3164850"/>
             <a:chOff x="340550" y="1958796"/>
             <a:chExt cx="11128289" cy="3164850"/>
@@ -20612,10 +20738,10 @@
         </p:grpSpPr>
         <p:grpSp>
           <p:nvGrpSpPr>
-            <p:cNvPr id="6" name="Alt text group" descr="This diagram moves from left to right with arrows between icons that point in a straight line until the lines fork off to three icons in the Azure group at the far right.&#10;&#10;The Edit code (Visual Studio) icon points to an icon labeled Commit and push local branch to VSTS. This points to four icons that are collectively labeled Visual Studio Team Services. From left to right, they are Create a Pull Request for peer review, Merge to master, Continuous Integration (Build (+tests)), and Continuous Deployment (Release Management). &#10;&#10;The Continuous Deployment icon points at three groups of icons that are collectively labeled Azure and Application Insights. The three groups are development, test, and production, and each group includes App Service icons and Azure SQL icons." title="Preferred solution diagram">
+            <p:cNvPr id="107" name="Alt text group" descr="This diagram moves from left to right with arrows between icons that point in a straight line until the lines fork off to three icons in the Azure group at the far right.&#10;&#10;The Edit code (Visual Studio) icon points to an icon labeled Commit and push local branch to VSTS. This points to four icons that are collectively labeled Visual Studio Team Services. From left to right, they are Create a Pull Request for peer review, Merge to master, Continuous Integration (Build (+tests)), and Continuous Deployment (Release Management). &#10;&#10;The Continuous Deployment icon points at three groups of icons that are collectively labeled Azure and Application Insights. The three groups are development, test, and production, and each group includes App Service icons and Azure SQL icons." title="Preferred solution diagram">
               <a:extLst>
                 <a:ext uri="{FF2B5EF4-FFF2-40B4-BE49-F238E27FC236}">
-                  <a16:creationId xmlns:a16="http://schemas.microsoft.com/office/drawing/2014/main" id="{C6ADA85E-0B81-A94B-805E-5F868DC3A72C}"/>
+                  <a16:creationId xmlns:a16="http://schemas.microsoft.com/office/drawing/2014/main" id="{0E0B3E3D-4F7A-0C4E-B15F-FF4ABC292203}"/>
                 </a:ext>
               </a:extLst>
             </p:cNvPr>
@@ -20632,10 +20758,10 @@
           </p:grpSpPr>
           <p:sp>
             <p:nvSpPr>
-              <p:cNvPr id="8" name="Rectangle 7" descr="Preferred solution includes editing the code and pushing it to a branch in Azure DevOps. Then, we could create a pull request and merge the code into master to kickoff the build and release pipelines.">
+              <p:cNvPr id="109" name="Rectangle 108">
                 <a:extLst>
                   <a:ext uri="{FF2B5EF4-FFF2-40B4-BE49-F238E27FC236}">
-                    <a16:creationId xmlns:a16="http://schemas.microsoft.com/office/drawing/2014/main" id="{D7E7982A-8965-C64D-9A2E-E86AC50EA2F0}"/>
+                    <a16:creationId xmlns:a16="http://schemas.microsoft.com/office/drawing/2014/main" id="{BA66AB8B-0673-E84A-AECA-866A6A6599C2}"/>
                   </a:ext>
                 </a:extLst>
               </p:cNvPr>
@@ -20694,7 +20820,7 @@
                     <a:spcPct val="0"/>
                   </a:spcAft>
                 </a:pPr>
-                <a:endParaRPr lang="en-US" sz="2400" dirty="0" err="1">
+                <a:endParaRPr lang="en-US" sz="2400" dirty="0">
                   <a:gradFill>
                     <a:gsLst>
                       <a:gs pos="0">
@@ -20706,18 +20832,19 @@
                     </a:gsLst>
                     <a:lin ang="5400000" scaled="0"/>
                   </a:gradFill>
+                  <a:latin typeface="Arial" panose="020B0604020202020204" pitchFamily="34" charset="0"/>
                   <a:ea typeface="Segoe UI" pitchFamily="34" charset="0"/>
-                  <a:cs typeface="Segoe UI" pitchFamily="34" charset="0"/>
+                  <a:cs typeface="Arial" panose="020B0604020202020204" pitchFamily="34" charset="0"/>
                 </a:endParaRPr>
               </a:p>
             </p:txBody>
           </p:sp>
           <p:sp>
             <p:nvSpPr>
-              <p:cNvPr id="9" name="Rectangle 8">
+              <p:cNvPr id="110" name="Rectangle 109">
                 <a:extLst>
                   <a:ext uri="{FF2B5EF4-FFF2-40B4-BE49-F238E27FC236}">
-                    <a16:creationId xmlns:a16="http://schemas.microsoft.com/office/drawing/2014/main" id="{ADD73611-0DA9-0C41-886B-3710726C1E94}"/>
+                    <a16:creationId xmlns:a16="http://schemas.microsoft.com/office/drawing/2014/main" id="{CFBF312F-AB44-D64F-B33D-D0F72D94C57B}"/>
                   </a:ext>
                 </a:extLst>
               </p:cNvPr>
@@ -20779,7 +20906,7 @@
                     <a:spcPct val="0"/>
                   </a:spcAft>
                 </a:pPr>
-                <a:endParaRPr lang="en-US" sz="2400" dirty="0" err="1">
+                <a:endParaRPr lang="en-US" sz="2400" dirty="0">
                   <a:gradFill>
                     <a:gsLst>
                       <a:gs pos="0">
@@ -20791,18 +20918,19 @@
                     </a:gsLst>
                     <a:lin ang="5400000" scaled="0"/>
                   </a:gradFill>
+                  <a:latin typeface="Arial" panose="020B0604020202020204" pitchFamily="34" charset="0"/>
                   <a:ea typeface="Segoe UI" pitchFamily="34" charset="0"/>
-                  <a:cs typeface="Segoe UI" pitchFamily="34" charset="0"/>
+                  <a:cs typeface="Arial" panose="020B0604020202020204" pitchFamily="34" charset="0"/>
                 </a:endParaRPr>
               </a:p>
             </p:txBody>
           </p:sp>
           <p:sp>
             <p:nvSpPr>
-              <p:cNvPr id="10" name="TextBox 9">
+              <p:cNvPr id="111" name="TextBox 110">
                 <a:extLst>
                   <a:ext uri="{FF2B5EF4-FFF2-40B4-BE49-F238E27FC236}">
-                    <a16:creationId xmlns:a16="http://schemas.microsoft.com/office/drawing/2014/main" id="{18746EAA-D046-7341-8BED-1BC369591172}"/>
+                    <a16:creationId xmlns:a16="http://schemas.microsoft.com/office/drawing/2014/main" id="{93CA964F-1C4F-714F-8112-CD0B28E107B9}"/>
                   </a:ext>
                 </a:extLst>
               </p:cNvPr>
@@ -20834,10 +20962,12 @@
                   </a:spcAft>
                 </a:pPr>
                 <a:r>
-                  <a:rPr lang="en-US" sz="1600" b="1" dirty="0">
+                  <a:rPr lang="en-US" sz="1600" dirty="0">
                     <a:solidFill>
                       <a:schemeClr val="bg1"/>
                     </a:solidFill>
+                    <a:latin typeface="Arial" panose="020B0604020202020204" pitchFamily="34" charset="0"/>
+                    <a:cs typeface="Arial" panose="020B0604020202020204" pitchFamily="34" charset="0"/>
                   </a:rPr>
                   <a:t>Azure DevOps</a:t>
                 </a:r>
@@ -20846,10 +20976,10 @@
           </p:sp>
           <p:sp>
             <p:nvSpPr>
-              <p:cNvPr id="11" name="TextBox 10">
+              <p:cNvPr id="112" name="TextBox 111">
                 <a:extLst>
                   <a:ext uri="{FF2B5EF4-FFF2-40B4-BE49-F238E27FC236}">
-                    <a16:creationId xmlns:a16="http://schemas.microsoft.com/office/drawing/2014/main" id="{DB308826-5BE2-3242-8A8C-257A3BC048E3}"/>
+                    <a16:creationId xmlns:a16="http://schemas.microsoft.com/office/drawing/2014/main" id="{0B34B5D1-2EBA-6545-AA0A-57989452B198}"/>
                   </a:ext>
                 </a:extLst>
               </p:cNvPr>
@@ -20859,7 +20989,7 @@
             <p:spPr>
               <a:xfrm>
                 <a:off x="1176624" y="3547434"/>
-                <a:ext cx="1317555" cy="960263"/>
+                <a:ext cx="1317555" cy="904863"/>
               </a:xfrm>
               <a:prstGeom prst="rect">
                 <a:avLst/>
@@ -20881,10 +21011,12 @@
                   </a:spcAft>
                 </a:pPr>
                 <a:r>
-                  <a:rPr lang="en-US" sz="1200" b="1" dirty="0">
+                  <a:rPr lang="en-US" sz="1100" dirty="0">
                     <a:solidFill>
                       <a:schemeClr val="bg1"/>
                     </a:solidFill>
+                    <a:latin typeface="Arial" panose="020B0604020202020204" pitchFamily="34" charset="0"/>
+                    <a:cs typeface="Arial" panose="020B0604020202020204" pitchFamily="34" charset="0"/>
                   </a:rPr>
                   <a:t>Commit and push local branch to Azure DevOps</a:t>
                 </a:r>
@@ -20893,10 +21025,10 @@
           </p:sp>
           <p:pic>
             <p:nvPicPr>
-              <p:cNvPr id="12" name="Picture 11">
+              <p:cNvPr id="113" name="Picture 112">
                 <a:extLst>
                   <a:ext uri="{FF2B5EF4-FFF2-40B4-BE49-F238E27FC236}">
-                    <a16:creationId xmlns:a16="http://schemas.microsoft.com/office/drawing/2014/main" id="{72685527-6428-5144-B53B-61596BAA5DC0}"/>
+                    <a16:creationId xmlns:a16="http://schemas.microsoft.com/office/drawing/2014/main" id="{68F4B73E-43E8-F844-8AEA-F9A192842095}"/>
                   </a:ext>
                 </a:extLst>
               </p:cNvPr>
@@ -20929,10 +21061,10 @@
           </p:pic>
           <p:pic>
             <p:nvPicPr>
-              <p:cNvPr id="13" name="Picture 12">
+              <p:cNvPr id="114" name="Picture 113">
                 <a:extLst>
                   <a:ext uri="{FF2B5EF4-FFF2-40B4-BE49-F238E27FC236}">
-                    <a16:creationId xmlns:a16="http://schemas.microsoft.com/office/drawing/2014/main" id="{8C1E1896-9A16-6F48-B7D2-C019C31543A5}"/>
+                    <a16:creationId xmlns:a16="http://schemas.microsoft.com/office/drawing/2014/main" id="{762448C4-363D-6047-A2E2-203102AE997B}"/>
                   </a:ext>
                 </a:extLst>
               </p:cNvPr>
@@ -20965,10 +21097,10 @@
           </p:pic>
           <p:sp>
             <p:nvSpPr>
-              <p:cNvPr id="14" name="TextBox 13">
+              <p:cNvPr id="115" name="TextBox 114">
                 <a:extLst>
                   <a:ext uri="{FF2B5EF4-FFF2-40B4-BE49-F238E27FC236}">
-                    <a16:creationId xmlns:a16="http://schemas.microsoft.com/office/drawing/2014/main" id="{4F0E7CE0-C093-0A46-8827-57570A4B8317}"/>
+                    <a16:creationId xmlns:a16="http://schemas.microsoft.com/office/drawing/2014/main" id="{68BDDCEB-F0EB-4C41-8BEE-BA09A20E41F9}"/>
                   </a:ext>
                 </a:extLst>
               </p:cNvPr>
@@ -20978,7 +21110,7 @@
             <p:spPr>
               <a:xfrm>
                 <a:off x="340550" y="3593674"/>
-                <a:ext cx="851333" cy="627864"/>
+                <a:ext cx="851333" cy="600164"/>
               </a:xfrm>
               <a:prstGeom prst="rect">
                 <a:avLst/>
@@ -21000,10 +21132,12 @@
                   </a:spcAft>
                 </a:pPr>
                 <a:r>
-                  <a:rPr lang="en-US" sz="1200" b="1" dirty="0">
+                  <a:rPr lang="en-US" sz="1100" dirty="0">
                     <a:solidFill>
                       <a:schemeClr val="bg1"/>
                     </a:solidFill>
+                    <a:latin typeface="Arial" panose="020B0604020202020204" pitchFamily="34" charset="0"/>
+                    <a:cs typeface="Arial" panose="020B0604020202020204" pitchFamily="34" charset="0"/>
                   </a:rPr>
                   <a:t>Edit code</a:t>
                 </a:r>
@@ -21012,10 +21146,10 @@
           </p:sp>
           <p:sp>
             <p:nvSpPr>
-              <p:cNvPr id="15" name="Rectangle 14">
+              <p:cNvPr id="116" name="Rectangle 115">
                 <a:extLst>
                   <a:ext uri="{FF2B5EF4-FFF2-40B4-BE49-F238E27FC236}">
-                    <a16:creationId xmlns:a16="http://schemas.microsoft.com/office/drawing/2014/main" id="{2AB80459-7BAF-6F48-9E77-9E87C7195F22}"/>
+                    <a16:creationId xmlns:a16="http://schemas.microsoft.com/office/drawing/2014/main" id="{06CBDF83-924E-594A-90C8-F6E28292A4C2}"/>
                   </a:ext>
                 </a:extLst>
               </p:cNvPr>
@@ -21087,8 +21221,9 @@
                       </a:gsLst>
                       <a:lin ang="5400000" scaled="0"/>
                     </a:gradFill>
+                    <a:latin typeface="Arial" panose="020B0604020202020204" pitchFamily="34" charset="0"/>
                     <a:ea typeface="Segoe UI" pitchFamily="34" charset="0"/>
-                    <a:cs typeface="Segoe UI" pitchFamily="34" charset="0"/>
+                    <a:cs typeface="Arial" panose="020B0604020202020204" pitchFamily="34" charset="0"/>
                   </a:rPr>
                   <a:t>Build (+tests)</a:t>
                 </a:r>
@@ -21097,10 +21232,10 @@
           </p:sp>
           <p:sp>
             <p:nvSpPr>
-              <p:cNvPr id="16" name="Rectangle 15">
+              <p:cNvPr id="117" name="Rectangle 116">
                 <a:extLst>
                   <a:ext uri="{FF2B5EF4-FFF2-40B4-BE49-F238E27FC236}">
-                    <a16:creationId xmlns:a16="http://schemas.microsoft.com/office/drawing/2014/main" id="{BF0C8708-3017-D54E-BAB1-B7E47C976315}"/>
+                    <a16:creationId xmlns:a16="http://schemas.microsoft.com/office/drawing/2014/main" id="{CCB9C95A-CB21-F646-B177-A1F3A88E39ED}"/>
                   </a:ext>
                 </a:extLst>
               </p:cNvPr>
@@ -21172,8 +21307,9 @@
                       </a:gsLst>
                       <a:lin ang="5400000" scaled="0"/>
                     </a:gradFill>
+                    <a:latin typeface="Arial" panose="020B0604020202020204" pitchFamily="34" charset="0"/>
                     <a:ea typeface="Segoe UI" pitchFamily="34" charset="0"/>
-                    <a:cs typeface="Segoe UI" pitchFamily="34" charset="0"/>
+                    <a:cs typeface="Arial" panose="020B0604020202020204" pitchFamily="34" charset="0"/>
                   </a:rPr>
                   <a:t>Release Management</a:t>
                 </a:r>
@@ -21182,10 +21318,10 @@
           </p:sp>
           <p:sp>
             <p:nvSpPr>
-              <p:cNvPr id="17" name="TextBox 16">
+              <p:cNvPr id="118" name="TextBox 117">
                 <a:extLst>
                   <a:ext uri="{FF2B5EF4-FFF2-40B4-BE49-F238E27FC236}">
-                    <a16:creationId xmlns:a16="http://schemas.microsoft.com/office/drawing/2014/main" id="{E351D218-BE04-F146-9B89-0A15A4CF6626}"/>
+                    <a16:creationId xmlns:a16="http://schemas.microsoft.com/office/drawing/2014/main" id="{04324AB9-FB0D-8E49-BBF1-CD9FEC5351E0}"/>
                   </a:ext>
                 </a:extLst>
               </p:cNvPr>
@@ -21195,7 +21331,7 @@
             <p:spPr>
               <a:xfrm>
                 <a:off x="5008146" y="3827099"/>
-                <a:ext cx="1128713" cy="627864"/>
+                <a:ext cx="1128713" cy="600164"/>
               </a:xfrm>
               <a:prstGeom prst="rect">
                 <a:avLst/>
@@ -21217,10 +21353,12 @@
                   </a:spcAft>
                 </a:pPr>
                 <a:r>
-                  <a:rPr lang="en-US" sz="1200" b="1" dirty="0">
+                  <a:rPr lang="en-US" sz="1100" dirty="0">
                     <a:solidFill>
                       <a:schemeClr val="bg1"/>
                     </a:solidFill>
+                    <a:latin typeface="Arial" panose="020B0604020202020204" pitchFamily="34" charset="0"/>
+                    <a:cs typeface="Arial" panose="020B0604020202020204" pitchFamily="34" charset="0"/>
                   </a:rPr>
                   <a:t>Continuous Integration</a:t>
                 </a:r>
@@ -21229,10 +21367,10 @@
           </p:sp>
           <p:sp>
             <p:nvSpPr>
-              <p:cNvPr id="18" name="TextBox 17">
+              <p:cNvPr id="119" name="TextBox 118">
                 <a:extLst>
                   <a:ext uri="{FF2B5EF4-FFF2-40B4-BE49-F238E27FC236}">
-                    <a16:creationId xmlns:a16="http://schemas.microsoft.com/office/drawing/2014/main" id="{AD2B13E0-0B5A-8C43-98EA-1E1663350B3F}"/>
+                    <a16:creationId xmlns:a16="http://schemas.microsoft.com/office/drawing/2014/main" id="{020D6B72-03D7-3642-9C6F-DEF7FC491459}"/>
                   </a:ext>
                 </a:extLst>
               </p:cNvPr>
@@ -21242,7 +21380,7 @@
             <p:spPr>
               <a:xfrm>
                 <a:off x="6496972" y="3827099"/>
-                <a:ext cx="1185717" cy="627864"/>
+                <a:ext cx="1185717" cy="600164"/>
               </a:xfrm>
               <a:prstGeom prst="rect">
                 <a:avLst/>
@@ -21264,10 +21402,12 @@
                   </a:spcAft>
                 </a:pPr>
                 <a:r>
-                  <a:rPr lang="en-US" sz="1200" b="1" dirty="0">
+                  <a:rPr lang="en-US" sz="1100" dirty="0">
                     <a:solidFill>
                       <a:schemeClr val="bg1"/>
                     </a:solidFill>
+                    <a:latin typeface="Arial" panose="020B0604020202020204" pitchFamily="34" charset="0"/>
+                    <a:cs typeface="Arial" panose="020B0604020202020204" pitchFamily="34" charset="0"/>
                   </a:rPr>
                   <a:t>Continuous Deployment</a:t>
                 </a:r>
@@ -21276,10 +21416,10 @@
           </p:sp>
           <p:cxnSp>
             <p:nvCxnSpPr>
-              <p:cNvPr id="19" name="Straight Arrow Connector 18">
+              <p:cNvPr id="120" name="Straight Arrow Connector 119">
                 <a:extLst>
                   <a:ext uri="{FF2B5EF4-FFF2-40B4-BE49-F238E27FC236}">
-                    <a16:creationId xmlns:a16="http://schemas.microsoft.com/office/drawing/2014/main" id="{2E614E4B-3125-3C41-8FAA-A20EDF22C35B}"/>
+                    <a16:creationId xmlns:a16="http://schemas.microsoft.com/office/drawing/2014/main" id="{13C4BD96-548A-5747-9AB1-791979852F0C}"/>
                   </a:ext>
                 </a:extLst>
               </p:cNvPr>
@@ -21323,10 +21463,10 @@
           </p:cxnSp>
           <p:cxnSp>
             <p:nvCxnSpPr>
-              <p:cNvPr id="20" name="Straight Arrow Connector 19">
+              <p:cNvPr id="121" name="Straight Arrow Connector 120">
                 <a:extLst>
                   <a:ext uri="{FF2B5EF4-FFF2-40B4-BE49-F238E27FC236}">
-                    <a16:creationId xmlns:a16="http://schemas.microsoft.com/office/drawing/2014/main" id="{FAC3042D-87A2-A249-9588-B784212B0C76}"/>
+                    <a16:creationId xmlns:a16="http://schemas.microsoft.com/office/drawing/2014/main" id="{CA044F0C-BFD6-5C47-8910-2AE91F8D7B91}"/>
                   </a:ext>
                 </a:extLst>
               </p:cNvPr>
@@ -21370,10 +21510,10 @@
           </p:cxnSp>
           <p:grpSp>
             <p:nvGrpSpPr>
-              <p:cNvPr id="21" name="Group 20">
+              <p:cNvPr id="122" name="Group 121">
                 <a:extLst>
                   <a:ext uri="{FF2B5EF4-FFF2-40B4-BE49-F238E27FC236}">
-                    <a16:creationId xmlns:a16="http://schemas.microsoft.com/office/drawing/2014/main" id="{0DC47D44-6DE1-A343-965A-D5A1956E779E}"/>
+                    <a16:creationId xmlns:a16="http://schemas.microsoft.com/office/drawing/2014/main" id="{F296204A-09CE-4646-9704-7860F073FB34}"/>
                   </a:ext>
                 </a:extLst>
               </p:cNvPr>
@@ -21390,10 +21530,10 @@
             </p:grpSpPr>
             <p:sp>
               <p:nvSpPr>
-                <p:cNvPr id="57" name="TextBox 56">
+                <p:cNvPr id="140" name="TextBox 139">
                   <a:extLst>
                     <a:ext uri="{FF2B5EF4-FFF2-40B4-BE49-F238E27FC236}">
-                      <a16:creationId xmlns:a16="http://schemas.microsoft.com/office/drawing/2014/main" id="{4CC3613B-75A8-9445-AA85-D2118666A285}"/>
+                      <a16:creationId xmlns:a16="http://schemas.microsoft.com/office/drawing/2014/main" id="{385AE711-173E-AB4D-83C5-B1A0F2356F20}"/>
                     </a:ext>
                   </a:extLst>
                 </p:cNvPr>
@@ -21425,10 +21565,12 @@
                     </a:spcAft>
                   </a:pPr>
                   <a:r>
-                    <a:rPr lang="en-US" sz="1600" b="1" dirty="0">
+                    <a:rPr lang="en-US" sz="1600" dirty="0">
                       <a:solidFill>
                         <a:schemeClr val="bg1"/>
                       </a:solidFill>
+                      <a:latin typeface="Arial" panose="020B0604020202020204" pitchFamily="34" charset="0"/>
+                      <a:cs typeface="Arial" panose="020B0604020202020204" pitchFamily="34" charset="0"/>
                     </a:rPr>
                     <a:t>Azure</a:t>
                   </a:r>
@@ -21437,10 +21579,10 @@
             </p:sp>
             <p:pic>
               <p:nvPicPr>
-                <p:cNvPr id="58" name="Picture 57">
+                <p:cNvPr id="141" name="Picture 140">
                   <a:extLst>
                     <a:ext uri="{FF2B5EF4-FFF2-40B4-BE49-F238E27FC236}">
-                      <a16:creationId xmlns:a16="http://schemas.microsoft.com/office/drawing/2014/main" id="{62805ABE-1F97-F445-812E-8A4766D0E844}"/>
+                      <a16:creationId xmlns:a16="http://schemas.microsoft.com/office/drawing/2014/main" id="{E801E60F-E6C2-F345-8EB8-3AD0041FC5CF}"/>
                     </a:ext>
                   </a:extLst>
                 </p:cNvPr>
@@ -21474,10 +21616,10 @@
           </p:grpSp>
           <p:grpSp>
             <p:nvGrpSpPr>
-              <p:cNvPr id="22" name="Group 21">
+              <p:cNvPr id="123" name="Group 122">
                 <a:extLst>
                   <a:ext uri="{FF2B5EF4-FFF2-40B4-BE49-F238E27FC236}">
-                    <a16:creationId xmlns:a16="http://schemas.microsoft.com/office/drawing/2014/main" id="{F4B65E79-CB37-234C-8EA4-59626BCD7A6F}"/>
+                    <a16:creationId xmlns:a16="http://schemas.microsoft.com/office/drawing/2014/main" id="{FC03C19E-4794-3045-B3FC-8AB310E3B005}"/>
                   </a:ext>
                 </a:extLst>
               </p:cNvPr>
@@ -21486,18 +21628,18 @@
             </p:nvGrpSpPr>
             <p:grpSpPr>
               <a:xfrm>
-                <a:off x="8577324" y="2486976"/>
-                <a:ext cx="1206390" cy="998405"/>
-                <a:chOff x="8577324" y="2506028"/>
-                <a:chExt cx="1206390" cy="998405"/>
+                <a:off x="8512008" y="2486976"/>
+                <a:ext cx="1387384" cy="970705"/>
+                <a:chOff x="8512008" y="2506028"/>
+                <a:chExt cx="1387384" cy="970705"/>
               </a:xfrm>
             </p:grpSpPr>
             <p:sp>
               <p:nvSpPr>
-                <p:cNvPr id="52" name="Rectangle 51">
+                <p:cNvPr id="136" name="Rectangle 135">
                   <a:extLst>
                     <a:ext uri="{FF2B5EF4-FFF2-40B4-BE49-F238E27FC236}">
-                      <a16:creationId xmlns:a16="http://schemas.microsoft.com/office/drawing/2014/main" id="{BD1348ED-1AB9-DF40-8C91-B5BE1477C2BE}"/>
+                      <a16:creationId xmlns:a16="http://schemas.microsoft.com/office/drawing/2014/main" id="{672B437C-3B7F-C94B-BBEF-96B7112AAAD4}"/>
                     </a:ext>
                   </a:extLst>
                 </p:cNvPr>
@@ -21560,7 +21702,7 @@
                     </a:spcAft>
                   </a:pPr>
                   <a:r>
-                    <a:rPr lang="en-US" sz="900" b="1" dirty="0">
+                    <a:rPr lang="en-US" sz="900" dirty="0">
                       <a:gradFill>
                         <a:gsLst>
                           <a:gs pos="0">
@@ -21572,8 +21714,9 @@
                         </a:gsLst>
                         <a:lin ang="5400000" scaled="0"/>
                       </a:gradFill>
+                      <a:latin typeface="Arial" panose="020B0604020202020204" pitchFamily="34" charset="0"/>
                       <a:ea typeface="Segoe UI" pitchFamily="34" charset="0"/>
-                      <a:cs typeface="Segoe UI" pitchFamily="34" charset="0"/>
+                      <a:cs typeface="Arial" panose="020B0604020202020204" pitchFamily="34" charset="0"/>
                     </a:rPr>
                     <a:t>development</a:t>
                   </a:r>
@@ -21582,10 +21725,10 @@
             </p:sp>
             <p:sp>
               <p:nvSpPr>
-                <p:cNvPr id="53" name="TextBox 52">
+                <p:cNvPr id="137" name="TextBox 136">
                   <a:extLst>
                     <a:ext uri="{FF2B5EF4-FFF2-40B4-BE49-F238E27FC236}">
-                      <a16:creationId xmlns:a16="http://schemas.microsoft.com/office/drawing/2014/main" id="{C4F85438-3E74-D940-BCC7-771ABA7454B2}"/>
+                      <a16:creationId xmlns:a16="http://schemas.microsoft.com/office/drawing/2014/main" id="{E6A73CFD-60EC-E640-93D8-A1317230A2D6}"/>
                     </a:ext>
                   </a:extLst>
                 </p:cNvPr>
@@ -21594,8 +21737,8 @@
               </p:nvSpPr>
               <p:spPr>
                 <a:xfrm>
-                  <a:off x="8577324" y="2959668"/>
-                  <a:ext cx="739729" cy="544765"/>
+                  <a:off x="8512008" y="2959668"/>
+                  <a:ext cx="739729" cy="517065"/>
                 </a:xfrm>
                 <a:prstGeom prst="rect">
                   <a:avLst/>
@@ -21617,10 +21760,12 @@
                     </a:spcAft>
                   </a:pPr>
                   <a:r>
-                    <a:rPr lang="en-US" sz="900" b="1" dirty="0">
+                    <a:rPr lang="en-US" sz="800" dirty="0">
                       <a:solidFill>
                         <a:schemeClr val="bg1"/>
                       </a:solidFill>
+                      <a:latin typeface="Arial" panose="020B0604020202020204" pitchFamily="34" charset="0"/>
+                      <a:cs typeface="Arial" panose="020B0604020202020204" pitchFamily="34" charset="0"/>
                     </a:rPr>
                     <a:t>App Service</a:t>
                   </a:r>
@@ -21629,10 +21774,10 @@
             </p:sp>
             <p:pic>
               <p:nvPicPr>
-                <p:cNvPr id="54" name="Picture 53">
+                <p:cNvPr id="138" name="Picture 137">
                   <a:extLst>
                     <a:ext uri="{FF2B5EF4-FFF2-40B4-BE49-F238E27FC236}">
-                      <a16:creationId xmlns:a16="http://schemas.microsoft.com/office/drawing/2014/main" id="{DE95EF6B-EA2A-7E47-AEE5-9731AB386ACF}"/>
+                      <a16:creationId xmlns:a16="http://schemas.microsoft.com/office/drawing/2014/main" id="{E06F0036-7C5B-BD4C-888E-1DDF2CDE2B7D}"/>
                     </a:ext>
                   </a:extLst>
                 </p:cNvPr>
@@ -21655,7 +21800,7 @@
               </p:blipFill>
               <p:spPr>
                 <a:xfrm>
-                  <a:off x="8850393" y="2892169"/>
+                  <a:off x="8785077" y="2892169"/>
                   <a:ext cx="193592" cy="193592"/>
                 </a:xfrm>
                 <a:prstGeom prst="rect">
@@ -21665,10 +21810,10 @@
             </p:pic>
             <p:sp>
               <p:nvSpPr>
-                <p:cNvPr id="55" name="TextBox 54">
+                <p:cNvPr id="139" name="TextBox 138">
                   <a:extLst>
                     <a:ext uri="{FF2B5EF4-FFF2-40B4-BE49-F238E27FC236}">
-                      <a16:creationId xmlns:a16="http://schemas.microsoft.com/office/drawing/2014/main" id="{6176AF24-E184-6A43-B65A-E5864B55F89D}"/>
+                      <a16:creationId xmlns:a16="http://schemas.microsoft.com/office/drawing/2014/main" id="{88C4C932-ED80-9442-BE70-BFEF1FD5AE2F}"/>
                     </a:ext>
                   </a:extLst>
                 </p:cNvPr>
@@ -21677,8 +21822,8 @@
               </p:nvSpPr>
               <p:spPr>
                 <a:xfrm>
-                  <a:off x="9043985" y="2953869"/>
-                  <a:ext cx="739729" cy="544765"/>
+                  <a:off x="8931273" y="2953869"/>
+                  <a:ext cx="968119" cy="517065"/>
                 </a:xfrm>
                 <a:prstGeom prst="rect">
                   <a:avLst/>
@@ -21700,713 +21845,203 @@
                     </a:spcAft>
                   </a:pPr>
                   <a:r>
-                    <a:rPr lang="en-US" sz="900" b="1" dirty="0">
+                    <a:rPr lang="en-US" sz="800" dirty="0">
                       <a:solidFill>
                         <a:schemeClr val="bg1"/>
                       </a:solidFill>
+                      <a:latin typeface="Arial" panose="020B0604020202020204" pitchFamily="34" charset="0"/>
+                      <a:cs typeface="Arial" panose="020B0604020202020204" pitchFamily="34" charset="0"/>
                     </a:rPr>
-                    <a:t>Azure SQL</a:t>
+                    <a:t>Azure PostgreSQL</a:t>
                   </a:r>
                 </a:p>
               </p:txBody>
             </p:sp>
-            <p:pic>
-              <p:nvPicPr>
-                <p:cNvPr id="56" name="Picture 55">
-                  <a:extLst>
-                    <a:ext uri="{FF2B5EF4-FFF2-40B4-BE49-F238E27FC236}">
-                      <a16:creationId xmlns:a16="http://schemas.microsoft.com/office/drawing/2014/main" id="{2D877CD9-1550-424B-9CDC-02EF13EDA587}"/>
-                    </a:ext>
-                  </a:extLst>
-                </p:cNvPr>
-                <p:cNvPicPr>
-                  <a:picLocks noChangeAspect="1"/>
-                </p:cNvPicPr>
-                <p:nvPr/>
-              </p:nvPicPr>
-              <p:blipFill>
-                <a:blip r:embed="rId7" cstate="print">
-                  <a:extLst>
-                    <a:ext uri="{28A0092B-C50C-407E-A947-70E740481C1C}">
-                      <a14:useLocalDpi xmlns:a14="http://schemas.microsoft.com/office/drawing/2010/main" val="0"/>
-                    </a:ext>
-                  </a:extLst>
-                </a:blip>
-                <a:stretch>
-                  <a:fillRect/>
-                </a:stretch>
-              </p:blipFill>
-              <p:spPr>
-                <a:xfrm>
-                  <a:off x="9322911" y="2881361"/>
-                  <a:ext cx="204400" cy="204400"/>
-                </a:xfrm>
-                <a:prstGeom prst="rect">
-                  <a:avLst/>
-                </a:prstGeom>
-              </p:spPr>
-            </p:pic>
           </p:grpSp>
-          <p:grpSp>
-            <p:nvGrpSpPr>
-              <p:cNvPr id="23" name="Group 22">
+          <p:sp>
+            <p:nvSpPr>
+              <p:cNvPr id="124" name="Rectangle 123">
                 <a:extLst>
                   <a:ext uri="{FF2B5EF4-FFF2-40B4-BE49-F238E27FC236}">
-                    <a16:creationId xmlns:a16="http://schemas.microsoft.com/office/drawing/2014/main" id="{7220DEF1-E3DF-2D42-A572-7C57A7BB6B6C}"/>
+                    <a16:creationId xmlns:a16="http://schemas.microsoft.com/office/drawing/2014/main" id="{FFC33034-E830-E748-9F69-CEF470D31A36}"/>
                   </a:ext>
                 </a:extLst>
               </p:cNvPr>
-              <p:cNvGrpSpPr/>
+              <p:cNvSpPr/>
               <p:nvPr/>
-            </p:nvGrpSpPr>
-            <p:grpSpPr>
+            </p:nvSpPr>
+            <p:spPr bwMode="auto">
               <a:xfrm>
-                <a:off x="10016843" y="3013941"/>
-                <a:ext cx="1206390" cy="998405"/>
-                <a:chOff x="8577324" y="2506028"/>
-                <a:chExt cx="1206390" cy="998405"/>
+                <a:off x="10079654" y="3013941"/>
+                <a:ext cx="1076276" cy="858017"/>
               </a:xfrm>
-            </p:grpSpPr>
-            <p:sp>
-              <p:nvSpPr>
-                <p:cNvPr id="47" name="Rectangle 46">
-                  <a:extLst>
-                    <a:ext uri="{FF2B5EF4-FFF2-40B4-BE49-F238E27FC236}">
-                      <a16:creationId xmlns:a16="http://schemas.microsoft.com/office/drawing/2014/main" id="{A4ACB039-9AEE-E84C-A0E7-919A368BD01C}"/>
-                    </a:ext>
-                  </a:extLst>
-                </p:cNvPr>
-                <p:cNvSpPr/>
-                <p:nvPr/>
-              </p:nvSpPr>
-              <p:spPr bwMode="auto">
-                <a:xfrm>
-                  <a:off x="8640135" y="2506028"/>
-                  <a:ext cx="1076276" cy="858017"/>
-                </a:xfrm>
-                <a:prstGeom prst="rect">
+              <a:prstGeom prst="rect">
+                <a:avLst/>
+              </a:prstGeom>
+              <a:solidFill>
+                <a:schemeClr val="bg2">
+                  <a:lumMod val="60000"/>
+                  <a:lumOff val="40000"/>
+                </a:schemeClr>
+              </a:solidFill>
+              <a:ln>
+                <a:noFill/>
+                <a:headEnd type="none" w="med" len="med"/>
+                <a:tailEnd type="none" w="med" len="med"/>
+              </a:ln>
+              <a:effectLst/>
+            </p:spPr>
+            <p:style>
+              <a:lnRef idx="1">
+                <a:schemeClr val="accent2"/>
+              </a:lnRef>
+              <a:fillRef idx="3">
+                <a:schemeClr val="accent2"/>
+              </a:fillRef>
+              <a:effectRef idx="2">
+                <a:schemeClr val="accent2"/>
+              </a:effectRef>
+              <a:fontRef idx="minor">
+                <a:schemeClr val="lt1"/>
+              </a:fontRef>
+            </p:style>
+            <p:txBody>
+              <a:bodyPr rot="0" spcFirstLastPara="0" vertOverflow="overflow" horzOverflow="overflow" vert="horz" wrap="square" lIns="182880" tIns="146304" rIns="182880" bIns="146304" numCol="1" spcCol="0" rtlCol="0" fromWordArt="0" anchor="t" anchorCtr="0" forceAA="0" compatLnSpc="1">
+                <a:prstTxWarp prst="textNoShape">
                   <a:avLst/>
-                </a:prstGeom>
-                <a:solidFill>
-                  <a:schemeClr val="bg2">
-                    <a:lumMod val="60000"/>
-                    <a:lumOff val="40000"/>
-                  </a:schemeClr>
-                </a:solidFill>
-                <a:ln>
-                  <a:noFill/>
-                  <a:headEnd type="none" w="med" len="med"/>
-                  <a:tailEnd type="none" w="med" len="med"/>
-                </a:ln>
-                <a:effectLst/>
-              </p:spPr>
-              <p:style>
-                <a:lnRef idx="1">
-                  <a:schemeClr val="accent2"/>
-                </a:lnRef>
-                <a:fillRef idx="3">
-                  <a:schemeClr val="accent2"/>
-                </a:fillRef>
-                <a:effectRef idx="2">
-                  <a:schemeClr val="accent2"/>
-                </a:effectRef>
-                <a:fontRef idx="minor">
-                  <a:schemeClr val="lt1"/>
-                </a:fontRef>
-              </p:style>
-              <p:txBody>
-                <a:bodyPr rot="0" spcFirstLastPara="0" vertOverflow="overflow" horzOverflow="overflow" vert="horz" wrap="square" lIns="182880" tIns="146304" rIns="182880" bIns="146304" numCol="1" spcCol="0" rtlCol="0" fromWordArt="0" anchor="t" anchorCtr="0" forceAA="0" compatLnSpc="1">
-                  <a:prstTxWarp prst="textNoShape">
-                    <a:avLst/>
-                  </a:prstTxWarp>
-                  <a:noAutofit/>
-                </a:bodyPr>
-                <a:lstStyle/>
-                <a:p>
-                  <a:pPr algn="ctr" defTabSz="932472" fontAlgn="base">
-                    <a:lnSpc>
-                      <a:spcPct val="90000"/>
-                    </a:lnSpc>
-                    <a:spcBef>
-                      <a:spcPct val="0"/>
-                    </a:spcBef>
-                    <a:spcAft>
-                      <a:spcPct val="0"/>
-                    </a:spcAft>
-                  </a:pPr>
-                  <a:r>
-                    <a:rPr lang="en-US" sz="900" b="1" dirty="0">
-                      <a:gradFill>
-                        <a:gsLst>
-                          <a:gs pos="0">
-                            <a:srgbClr val="FFFFFF"/>
-                          </a:gs>
-                          <a:gs pos="100000">
-                            <a:srgbClr val="FFFFFF"/>
-                          </a:gs>
-                        </a:gsLst>
-                        <a:lin ang="5400000" scaled="0"/>
-                      </a:gradFill>
-                      <a:ea typeface="Segoe UI" pitchFamily="34" charset="0"/>
-                      <a:cs typeface="Segoe UI" pitchFamily="34" charset="0"/>
-                    </a:rPr>
-                    <a:t>test</a:t>
-                  </a:r>
-                </a:p>
-              </p:txBody>
-            </p:sp>
-            <p:sp>
-              <p:nvSpPr>
-                <p:cNvPr id="48" name="TextBox 47">
-                  <a:extLst>
-                    <a:ext uri="{FF2B5EF4-FFF2-40B4-BE49-F238E27FC236}">
-                      <a16:creationId xmlns:a16="http://schemas.microsoft.com/office/drawing/2014/main" id="{19BD3E98-808C-6E41-BEFC-288469B8FAE6}"/>
-                    </a:ext>
-                  </a:extLst>
-                </p:cNvPr>
-                <p:cNvSpPr txBox="1"/>
-                <p:nvPr/>
-              </p:nvSpPr>
-              <p:spPr>
-                <a:xfrm>
-                  <a:off x="8577324" y="2959668"/>
-                  <a:ext cx="739729" cy="544765"/>
-                </a:xfrm>
-                <a:prstGeom prst="rect">
-                  <a:avLst/>
-                </a:prstGeom>
-                <a:noFill/>
-              </p:spPr>
-              <p:txBody>
-                <a:bodyPr wrap="square" lIns="182880" tIns="146304" rIns="182880" bIns="146304" rtlCol="0">
-                  <a:spAutoFit/>
-                </a:bodyPr>
-                <a:lstStyle/>
-                <a:p>
-                  <a:pPr algn="ctr">
-                    <a:lnSpc>
-                      <a:spcPct val="90000"/>
-                    </a:lnSpc>
-                    <a:spcAft>
-                      <a:spcPts val="600"/>
-                    </a:spcAft>
-                  </a:pPr>
-                  <a:r>
-                    <a:rPr lang="en-US" sz="900" b="1" dirty="0">
-                      <a:solidFill>
-                        <a:schemeClr val="bg1"/>
-                      </a:solidFill>
-                    </a:rPr>
-                    <a:t>App Service</a:t>
-                  </a:r>
-                </a:p>
-              </p:txBody>
-            </p:sp>
-            <p:pic>
-              <p:nvPicPr>
-                <p:cNvPr id="49" name="Picture 48">
-                  <a:extLst>
-                    <a:ext uri="{FF2B5EF4-FFF2-40B4-BE49-F238E27FC236}">
-                      <a16:creationId xmlns:a16="http://schemas.microsoft.com/office/drawing/2014/main" id="{6E630210-8D7D-544D-AC48-BED1EDF32852}"/>
-                    </a:ext>
-                  </a:extLst>
-                </p:cNvPr>
-                <p:cNvPicPr>
-                  <a:picLocks noChangeAspect="1"/>
-                </p:cNvPicPr>
-                <p:nvPr/>
-              </p:nvPicPr>
-              <p:blipFill>
-                <a:blip r:embed="rId6" cstate="print">
-                  <a:extLst>
-                    <a:ext uri="{28A0092B-C50C-407E-A947-70E740481C1C}">
-                      <a14:useLocalDpi xmlns:a14="http://schemas.microsoft.com/office/drawing/2010/main" val="0"/>
-                    </a:ext>
-                  </a:extLst>
-                </a:blip>
-                <a:stretch>
-                  <a:fillRect/>
-                </a:stretch>
-              </p:blipFill>
-              <p:spPr>
-                <a:xfrm>
-                  <a:off x="8850393" y="2892169"/>
-                  <a:ext cx="193592" cy="193592"/>
-                </a:xfrm>
-                <a:prstGeom prst="rect">
-                  <a:avLst/>
-                </a:prstGeom>
-              </p:spPr>
-            </p:pic>
-            <p:sp>
-              <p:nvSpPr>
-                <p:cNvPr id="50" name="TextBox 49">
-                  <a:extLst>
-                    <a:ext uri="{FF2B5EF4-FFF2-40B4-BE49-F238E27FC236}">
-                      <a16:creationId xmlns:a16="http://schemas.microsoft.com/office/drawing/2014/main" id="{082E7906-5CCD-5446-960A-3550742F5EA2}"/>
-                    </a:ext>
-                  </a:extLst>
-                </p:cNvPr>
-                <p:cNvSpPr txBox="1"/>
-                <p:nvPr/>
-              </p:nvSpPr>
-              <p:spPr>
-                <a:xfrm>
-                  <a:off x="9043985" y="2953869"/>
-                  <a:ext cx="739729" cy="544765"/>
-                </a:xfrm>
-                <a:prstGeom prst="rect">
-                  <a:avLst/>
-                </a:prstGeom>
-                <a:noFill/>
-              </p:spPr>
-              <p:txBody>
-                <a:bodyPr wrap="square" lIns="182880" tIns="146304" rIns="182880" bIns="146304" rtlCol="0">
-                  <a:spAutoFit/>
-                </a:bodyPr>
-                <a:lstStyle/>
-                <a:p>
-                  <a:pPr algn="ctr">
-                    <a:lnSpc>
-                      <a:spcPct val="90000"/>
-                    </a:lnSpc>
-                    <a:spcAft>
-                      <a:spcPts val="600"/>
-                    </a:spcAft>
-                  </a:pPr>
-                  <a:r>
-                    <a:rPr lang="en-US" sz="900" b="1" dirty="0">
-                      <a:solidFill>
-                        <a:schemeClr val="bg1"/>
-                      </a:solidFill>
-                    </a:rPr>
-                    <a:t>Azure SQL</a:t>
-                  </a:r>
-                </a:p>
-              </p:txBody>
-            </p:sp>
-            <p:pic>
-              <p:nvPicPr>
-                <p:cNvPr id="51" name="Picture 50">
-                  <a:extLst>
-                    <a:ext uri="{FF2B5EF4-FFF2-40B4-BE49-F238E27FC236}">
-                      <a16:creationId xmlns:a16="http://schemas.microsoft.com/office/drawing/2014/main" id="{D349835B-DD15-C741-AAB9-6E8B04493DBB}"/>
-                    </a:ext>
-                  </a:extLst>
-                </p:cNvPr>
-                <p:cNvPicPr>
-                  <a:picLocks noChangeAspect="1"/>
-                </p:cNvPicPr>
-                <p:nvPr/>
-              </p:nvPicPr>
-              <p:blipFill>
-                <a:blip r:embed="rId7" cstate="print">
-                  <a:extLst>
-                    <a:ext uri="{28A0092B-C50C-407E-A947-70E740481C1C}">
-                      <a14:useLocalDpi xmlns:a14="http://schemas.microsoft.com/office/drawing/2010/main" val="0"/>
-                    </a:ext>
-                  </a:extLst>
-                </a:blip>
-                <a:stretch>
-                  <a:fillRect/>
-                </a:stretch>
-              </p:blipFill>
-              <p:spPr>
-                <a:xfrm>
-                  <a:off x="9322911" y="2881361"/>
-                  <a:ext cx="204400" cy="204400"/>
-                </a:xfrm>
-                <a:prstGeom prst="rect">
-                  <a:avLst/>
-                </a:prstGeom>
-              </p:spPr>
-            </p:pic>
-          </p:grpSp>
-          <p:grpSp>
-            <p:nvGrpSpPr>
-              <p:cNvPr id="24" name="Group 23">
+                </a:prstTxWarp>
+                <a:noAutofit/>
+              </a:bodyPr>
+              <a:lstStyle/>
+              <a:p>
+                <a:pPr algn="ctr" defTabSz="932472" fontAlgn="base">
+                  <a:lnSpc>
+                    <a:spcPct val="90000"/>
+                  </a:lnSpc>
+                  <a:spcBef>
+                    <a:spcPct val="0"/>
+                  </a:spcBef>
+                  <a:spcAft>
+                    <a:spcPct val="0"/>
+                  </a:spcAft>
+                </a:pPr>
+                <a:r>
+                  <a:rPr lang="en-US" sz="900" dirty="0">
+                    <a:gradFill>
+                      <a:gsLst>
+                        <a:gs pos="0">
+                          <a:srgbClr val="FFFFFF"/>
+                        </a:gs>
+                        <a:gs pos="100000">
+                          <a:srgbClr val="FFFFFF"/>
+                        </a:gs>
+                      </a:gsLst>
+                      <a:lin ang="5400000" scaled="0"/>
+                    </a:gradFill>
+                    <a:latin typeface="Arial" panose="020B0604020202020204" pitchFamily="34" charset="0"/>
+                    <a:ea typeface="Segoe UI" pitchFamily="34" charset="0"/>
+                    <a:cs typeface="Arial" panose="020B0604020202020204" pitchFamily="34" charset="0"/>
+                  </a:rPr>
+                  <a:t>test</a:t>
+                </a:r>
+              </a:p>
+            </p:txBody>
+          </p:sp>
+          <p:sp>
+            <p:nvSpPr>
+              <p:cNvPr id="125" name="Rectangle 124">
                 <a:extLst>
                   <a:ext uri="{FF2B5EF4-FFF2-40B4-BE49-F238E27FC236}">
-                    <a16:creationId xmlns:a16="http://schemas.microsoft.com/office/drawing/2014/main" id="{FC9D6DA9-8675-B744-A157-DEDA9D25E16D}"/>
+                    <a16:creationId xmlns:a16="http://schemas.microsoft.com/office/drawing/2014/main" id="{ADF97EB3-C2AD-0340-8A10-1931789ED012}"/>
                   </a:ext>
                 </a:extLst>
               </p:cNvPr>
-              <p:cNvGrpSpPr/>
+              <p:cNvSpPr/>
               <p:nvPr/>
-            </p:nvGrpSpPr>
-            <p:grpSpPr>
+            </p:nvSpPr>
+            <p:spPr bwMode="auto">
               <a:xfrm>
-                <a:off x="8580705" y="3561298"/>
-                <a:ext cx="1206390" cy="998405"/>
-                <a:chOff x="8577324" y="2506028"/>
-                <a:chExt cx="1206390" cy="998405"/>
+                <a:off x="8643516" y="3561298"/>
+                <a:ext cx="1076276" cy="858017"/>
               </a:xfrm>
-            </p:grpSpPr>
-            <p:sp>
-              <p:nvSpPr>
-                <p:cNvPr id="42" name="Rectangle 41">
-                  <a:extLst>
-                    <a:ext uri="{FF2B5EF4-FFF2-40B4-BE49-F238E27FC236}">
-                      <a16:creationId xmlns:a16="http://schemas.microsoft.com/office/drawing/2014/main" id="{408AED51-50B5-3A40-8FB9-A2BB7B5484ED}"/>
-                    </a:ext>
-                  </a:extLst>
-                </p:cNvPr>
-                <p:cNvSpPr/>
-                <p:nvPr/>
-              </p:nvSpPr>
-              <p:spPr bwMode="auto">
-                <a:xfrm>
-                  <a:off x="8640135" y="2506028"/>
-                  <a:ext cx="1076276" cy="858017"/>
-                </a:xfrm>
-                <a:prstGeom prst="rect">
+              <a:prstGeom prst="rect">
+                <a:avLst/>
+              </a:prstGeom>
+              <a:solidFill>
+                <a:schemeClr val="bg2">
+                  <a:lumMod val="60000"/>
+                  <a:lumOff val="40000"/>
+                </a:schemeClr>
+              </a:solidFill>
+              <a:ln>
+                <a:noFill/>
+                <a:headEnd type="none" w="med" len="med"/>
+                <a:tailEnd type="none" w="med" len="med"/>
+              </a:ln>
+              <a:effectLst/>
+            </p:spPr>
+            <p:style>
+              <a:lnRef idx="1">
+                <a:schemeClr val="accent2"/>
+              </a:lnRef>
+              <a:fillRef idx="3">
+                <a:schemeClr val="accent2"/>
+              </a:fillRef>
+              <a:effectRef idx="2">
+                <a:schemeClr val="accent2"/>
+              </a:effectRef>
+              <a:fontRef idx="minor">
+                <a:schemeClr val="lt1"/>
+              </a:fontRef>
+            </p:style>
+            <p:txBody>
+              <a:bodyPr rot="0" spcFirstLastPara="0" vertOverflow="overflow" horzOverflow="overflow" vert="horz" wrap="square" lIns="182880" tIns="146304" rIns="182880" bIns="146304" numCol="1" spcCol="0" rtlCol="0" fromWordArt="0" anchor="t" anchorCtr="0" forceAA="0" compatLnSpc="1">
+                <a:prstTxWarp prst="textNoShape">
                   <a:avLst/>
-                </a:prstGeom>
-                <a:solidFill>
-                  <a:schemeClr val="bg2">
-                    <a:lumMod val="60000"/>
-                    <a:lumOff val="40000"/>
-                  </a:schemeClr>
-                </a:solidFill>
-                <a:ln>
-                  <a:noFill/>
-                  <a:headEnd type="none" w="med" len="med"/>
-                  <a:tailEnd type="none" w="med" len="med"/>
-                </a:ln>
-                <a:effectLst/>
-              </p:spPr>
-              <p:style>
-                <a:lnRef idx="1">
-                  <a:schemeClr val="accent2"/>
-                </a:lnRef>
-                <a:fillRef idx="3">
-                  <a:schemeClr val="accent2"/>
-                </a:fillRef>
-                <a:effectRef idx="2">
-                  <a:schemeClr val="accent2"/>
-                </a:effectRef>
-                <a:fontRef idx="minor">
-                  <a:schemeClr val="lt1"/>
-                </a:fontRef>
-              </p:style>
-              <p:txBody>
-                <a:bodyPr rot="0" spcFirstLastPara="0" vertOverflow="overflow" horzOverflow="overflow" vert="horz" wrap="square" lIns="182880" tIns="146304" rIns="182880" bIns="146304" numCol="1" spcCol="0" rtlCol="0" fromWordArt="0" anchor="t" anchorCtr="0" forceAA="0" compatLnSpc="1">
-                  <a:prstTxWarp prst="textNoShape">
-                    <a:avLst/>
-                  </a:prstTxWarp>
-                  <a:noAutofit/>
-                </a:bodyPr>
-                <a:lstStyle/>
-                <a:p>
-                  <a:pPr algn="ctr" defTabSz="932472" fontAlgn="base">
-                    <a:lnSpc>
-                      <a:spcPct val="90000"/>
-                    </a:lnSpc>
-                    <a:spcBef>
-                      <a:spcPct val="0"/>
-                    </a:spcBef>
-                    <a:spcAft>
-                      <a:spcPct val="0"/>
-                    </a:spcAft>
-                  </a:pPr>
-                  <a:r>
-                    <a:rPr lang="en-US" sz="900" b="1" dirty="0">
-                      <a:gradFill>
-                        <a:gsLst>
-                          <a:gs pos="0">
-                            <a:srgbClr val="FFFFFF"/>
-                          </a:gs>
-                          <a:gs pos="100000">
-                            <a:srgbClr val="FFFFFF"/>
-                          </a:gs>
-                        </a:gsLst>
-                        <a:lin ang="5400000" scaled="0"/>
-                      </a:gradFill>
-                      <a:ea typeface="Segoe UI" pitchFamily="34" charset="0"/>
-                      <a:cs typeface="Segoe UI" pitchFamily="34" charset="0"/>
-                    </a:rPr>
-                    <a:t>production</a:t>
-                  </a:r>
-                </a:p>
-              </p:txBody>
-            </p:sp>
-            <p:sp>
-              <p:nvSpPr>
-                <p:cNvPr id="43" name="TextBox 42">
-                  <a:extLst>
-                    <a:ext uri="{FF2B5EF4-FFF2-40B4-BE49-F238E27FC236}">
-                      <a16:creationId xmlns:a16="http://schemas.microsoft.com/office/drawing/2014/main" id="{D5A0E335-323C-884E-BC4A-414CCA10B09C}"/>
-                    </a:ext>
-                  </a:extLst>
-                </p:cNvPr>
-                <p:cNvSpPr txBox="1"/>
-                <p:nvPr/>
-              </p:nvSpPr>
-              <p:spPr>
-                <a:xfrm>
-                  <a:off x="8577324" y="2959668"/>
-                  <a:ext cx="739729" cy="544765"/>
-                </a:xfrm>
-                <a:prstGeom prst="rect">
-                  <a:avLst/>
-                </a:prstGeom>
-                <a:noFill/>
-              </p:spPr>
-              <p:txBody>
-                <a:bodyPr wrap="square" lIns="182880" tIns="146304" rIns="182880" bIns="146304" rtlCol="0">
-                  <a:spAutoFit/>
-                </a:bodyPr>
-                <a:lstStyle/>
-                <a:p>
-                  <a:pPr algn="ctr">
-                    <a:lnSpc>
-                      <a:spcPct val="90000"/>
-                    </a:lnSpc>
-                    <a:spcAft>
-                      <a:spcPts val="600"/>
-                    </a:spcAft>
-                  </a:pPr>
-                  <a:r>
-                    <a:rPr lang="en-US" sz="900" b="1" dirty="0">
-                      <a:solidFill>
-                        <a:schemeClr val="bg1"/>
-                      </a:solidFill>
-                    </a:rPr>
-                    <a:t>App Service</a:t>
-                  </a:r>
-                </a:p>
-              </p:txBody>
-            </p:sp>
-            <p:pic>
-              <p:nvPicPr>
-                <p:cNvPr id="44" name="Picture 43">
-                  <a:extLst>
-                    <a:ext uri="{FF2B5EF4-FFF2-40B4-BE49-F238E27FC236}">
-                      <a16:creationId xmlns:a16="http://schemas.microsoft.com/office/drawing/2014/main" id="{0724E354-3ECB-C84D-B0B4-40B5866DE92B}"/>
-                    </a:ext>
-                  </a:extLst>
-                </p:cNvPr>
-                <p:cNvPicPr>
-                  <a:picLocks noChangeAspect="1"/>
-                </p:cNvPicPr>
-                <p:nvPr/>
-              </p:nvPicPr>
-              <p:blipFill>
-                <a:blip r:embed="rId6" cstate="print">
-                  <a:extLst>
-                    <a:ext uri="{28A0092B-C50C-407E-A947-70E740481C1C}">
-                      <a14:useLocalDpi xmlns:a14="http://schemas.microsoft.com/office/drawing/2010/main" val="0"/>
-                    </a:ext>
-                  </a:extLst>
-                </a:blip>
-                <a:stretch>
-                  <a:fillRect/>
-                </a:stretch>
-              </p:blipFill>
-              <p:spPr>
-                <a:xfrm>
-                  <a:off x="8850393" y="2892169"/>
-                  <a:ext cx="193592" cy="193592"/>
-                </a:xfrm>
-                <a:prstGeom prst="rect">
-                  <a:avLst/>
-                </a:prstGeom>
-              </p:spPr>
-            </p:pic>
-            <p:sp>
-              <p:nvSpPr>
-                <p:cNvPr id="45" name="TextBox 44">
-                  <a:extLst>
-                    <a:ext uri="{FF2B5EF4-FFF2-40B4-BE49-F238E27FC236}">
-                      <a16:creationId xmlns:a16="http://schemas.microsoft.com/office/drawing/2014/main" id="{301DE1DF-7060-8D41-94BE-6EDFC4D0F75F}"/>
-                    </a:ext>
-                  </a:extLst>
-                </p:cNvPr>
-                <p:cNvSpPr txBox="1"/>
-                <p:nvPr/>
-              </p:nvSpPr>
-              <p:spPr>
-                <a:xfrm>
-                  <a:off x="9043985" y="2953869"/>
-                  <a:ext cx="739729" cy="544765"/>
-                </a:xfrm>
-                <a:prstGeom prst="rect">
-                  <a:avLst/>
-                </a:prstGeom>
-                <a:noFill/>
-              </p:spPr>
-              <p:txBody>
-                <a:bodyPr wrap="square" lIns="182880" tIns="146304" rIns="182880" bIns="146304" rtlCol="0">
-                  <a:spAutoFit/>
-                </a:bodyPr>
-                <a:lstStyle/>
-                <a:p>
-                  <a:pPr algn="ctr">
-                    <a:lnSpc>
-                      <a:spcPct val="90000"/>
-                    </a:lnSpc>
-                    <a:spcAft>
-                      <a:spcPts val="600"/>
-                    </a:spcAft>
-                  </a:pPr>
-                  <a:r>
-                    <a:rPr lang="en-US" sz="900" b="1" dirty="0">
-                      <a:solidFill>
-                        <a:schemeClr val="bg1"/>
-                      </a:solidFill>
-                    </a:rPr>
-                    <a:t>Azure SQL</a:t>
-                  </a:r>
-                </a:p>
-              </p:txBody>
-            </p:sp>
-            <p:pic>
-              <p:nvPicPr>
-                <p:cNvPr id="46" name="Picture 45">
-                  <a:extLst>
-                    <a:ext uri="{FF2B5EF4-FFF2-40B4-BE49-F238E27FC236}">
-                      <a16:creationId xmlns:a16="http://schemas.microsoft.com/office/drawing/2014/main" id="{8C2EED98-EE07-B74B-9C3E-C4C13C7F8474}"/>
-                    </a:ext>
-                  </a:extLst>
-                </p:cNvPr>
-                <p:cNvPicPr>
-                  <a:picLocks noChangeAspect="1"/>
-                </p:cNvPicPr>
-                <p:nvPr/>
-              </p:nvPicPr>
-              <p:blipFill>
-                <a:blip r:embed="rId7" cstate="print">
-                  <a:extLst>
-                    <a:ext uri="{28A0092B-C50C-407E-A947-70E740481C1C}">
-                      <a14:useLocalDpi xmlns:a14="http://schemas.microsoft.com/office/drawing/2010/main" val="0"/>
-                    </a:ext>
-                  </a:extLst>
-                </a:blip>
-                <a:stretch>
-                  <a:fillRect/>
-                </a:stretch>
-              </p:blipFill>
-              <p:spPr>
-                <a:xfrm>
-                  <a:off x="9322911" y="2881361"/>
-                  <a:ext cx="204400" cy="204400"/>
-                </a:xfrm>
-                <a:prstGeom prst="rect">
-                  <a:avLst/>
-                </a:prstGeom>
-              </p:spPr>
-            </p:pic>
-          </p:grpSp>
-          <p:grpSp>
-            <p:nvGrpSpPr>
-              <p:cNvPr id="25" name="Group 24">
+                </a:prstTxWarp>
+                <a:noAutofit/>
+              </a:bodyPr>
+              <a:lstStyle/>
+              <a:p>
+                <a:pPr algn="ctr" defTabSz="932472" fontAlgn="base">
+                  <a:lnSpc>
+                    <a:spcPct val="90000"/>
+                  </a:lnSpc>
+                  <a:spcBef>
+                    <a:spcPct val="0"/>
+                  </a:spcBef>
+                  <a:spcAft>
+                    <a:spcPct val="0"/>
+                  </a:spcAft>
+                </a:pPr>
+                <a:r>
+                  <a:rPr lang="en-US" sz="900" dirty="0">
+                    <a:gradFill>
+                      <a:gsLst>
+                        <a:gs pos="0">
+                          <a:srgbClr val="FFFFFF"/>
+                        </a:gs>
+                        <a:gs pos="100000">
+                          <a:srgbClr val="FFFFFF"/>
+                        </a:gs>
+                      </a:gsLst>
+                      <a:lin ang="5400000" scaled="0"/>
+                    </a:gradFill>
+                    <a:latin typeface="Arial" panose="020B0604020202020204" pitchFamily="34" charset="0"/>
+                    <a:ea typeface="Segoe UI" pitchFamily="34" charset="0"/>
+                    <a:cs typeface="Arial" panose="020B0604020202020204" pitchFamily="34" charset="0"/>
+                  </a:rPr>
+                  <a:t>production</a:t>
+                </a:r>
+              </a:p>
+            </p:txBody>
+          </p:sp>
+          <p:cxnSp>
+            <p:nvCxnSpPr>
+              <p:cNvPr id="126" name="Straight Arrow Connector 125">
                 <a:extLst>
                   <a:ext uri="{FF2B5EF4-FFF2-40B4-BE49-F238E27FC236}">
-                    <a16:creationId xmlns:a16="http://schemas.microsoft.com/office/drawing/2014/main" id="{53EB7A8D-27A7-B34A-A70F-A846CA41E60B}"/>
-                  </a:ext>
-                </a:extLst>
-              </p:cNvPr>
-              <p:cNvGrpSpPr/>
-              <p:nvPr/>
-            </p:nvGrpSpPr>
-            <p:grpSpPr>
-              <a:xfrm>
-                <a:off x="8821295" y="4589707"/>
-                <a:ext cx="1924498" cy="461665"/>
-                <a:chOff x="9298735" y="4498682"/>
-                <a:chExt cx="1924498" cy="461665"/>
-              </a:xfrm>
-            </p:grpSpPr>
-            <p:sp>
-              <p:nvSpPr>
-                <p:cNvPr id="40" name="TextBox 39">
-                  <a:extLst>
-                    <a:ext uri="{FF2B5EF4-FFF2-40B4-BE49-F238E27FC236}">
-                      <a16:creationId xmlns:a16="http://schemas.microsoft.com/office/drawing/2014/main" id="{3AB8B778-CCF9-6A47-82D0-ACE6AF05EC18}"/>
-                    </a:ext>
-                  </a:extLst>
-                </p:cNvPr>
-                <p:cNvSpPr txBox="1"/>
-                <p:nvPr/>
-              </p:nvSpPr>
-              <p:spPr>
-                <a:xfrm>
-                  <a:off x="9298735" y="4498682"/>
-                  <a:ext cx="1924498" cy="461665"/>
-                </a:xfrm>
-                <a:prstGeom prst="rect">
-                  <a:avLst/>
-                </a:prstGeom>
-                <a:noFill/>
-              </p:spPr>
-              <p:txBody>
-                <a:bodyPr wrap="square" lIns="182880" tIns="146304" rIns="182880" bIns="146304" rtlCol="0">
-                  <a:spAutoFit/>
-                </a:bodyPr>
-                <a:lstStyle/>
-                <a:p>
-                  <a:pPr algn="ctr">
-                    <a:lnSpc>
-                      <a:spcPct val="90000"/>
-                    </a:lnSpc>
-                    <a:spcAft>
-                      <a:spcPts val="600"/>
-                    </a:spcAft>
-                  </a:pPr>
-                  <a:r>
-                    <a:rPr lang="en-US" sz="1100" b="1" dirty="0">
-                      <a:solidFill>
-                        <a:schemeClr val="bg1"/>
-                      </a:solidFill>
-                    </a:rPr>
-                    <a:t>Application Insights</a:t>
-                  </a:r>
-                </a:p>
-              </p:txBody>
-            </p:sp>
-            <p:pic>
-              <p:nvPicPr>
-                <p:cNvPr id="41" name="Picture 40">
-                  <a:extLst>
-                    <a:ext uri="{FF2B5EF4-FFF2-40B4-BE49-F238E27FC236}">
-                      <a16:creationId xmlns:a16="http://schemas.microsoft.com/office/drawing/2014/main" id="{5DDD3BBC-6E38-F54F-9388-3152177D2FB7}"/>
-                    </a:ext>
-                  </a:extLst>
-                </p:cNvPr>
-                <p:cNvPicPr>
-                  <a:picLocks noChangeAspect="1"/>
-                </p:cNvPicPr>
-                <p:nvPr/>
-              </p:nvPicPr>
-              <p:blipFill>
-                <a:blip r:embed="rId8" cstate="print">
-                  <a:extLst>
-                    <a:ext uri="{28A0092B-C50C-407E-A947-70E740481C1C}">
-                      <a14:useLocalDpi xmlns:a14="http://schemas.microsoft.com/office/drawing/2010/main" val="0"/>
-                    </a:ext>
-                  </a:extLst>
-                </a:blip>
-                <a:stretch>
-                  <a:fillRect/>
-                </a:stretch>
-              </p:blipFill>
-              <p:spPr>
-                <a:xfrm>
-                  <a:off x="10853368" y="4603762"/>
-                  <a:ext cx="251503" cy="251503"/>
-                </a:xfrm>
-                <a:prstGeom prst="rect">
-                  <a:avLst/>
-                </a:prstGeom>
-              </p:spPr>
-            </p:pic>
-          </p:grpSp>
-          <p:cxnSp>
-            <p:nvCxnSpPr>
-              <p:cNvPr id="26" name="Straight Arrow Connector 25">
-                <a:extLst>
-                  <a:ext uri="{FF2B5EF4-FFF2-40B4-BE49-F238E27FC236}">
-                    <a16:creationId xmlns:a16="http://schemas.microsoft.com/office/drawing/2014/main" id="{6EAB19A1-5896-5046-985A-E2E99F29AD25}"/>
+                    <a16:creationId xmlns:a16="http://schemas.microsoft.com/office/drawing/2014/main" id="{43054157-6D46-7044-8A91-FBF581CEF5CD}"/>
                   </a:ext>
                 </a:extLst>
               </p:cNvPr>
@@ -22450,10 +22085,10 @@
           </p:cxnSp>
           <p:cxnSp>
             <p:nvCxnSpPr>
-              <p:cNvPr id="27" name="Straight Arrow Connector 26">
+              <p:cNvPr id="127" name="Straight Arrow Connector 126">
                 <a:extLst>
                   <a:ext uri="{FF2B5EF4-FFF2-40B4-BE49-F238E27FC236}">
-                    <a16:creationId xmlns:a16="http://schemas.microsoft.com/office/drawing/2014/main" id="{F4A2187D-5FEF-EB41-A900-9BED1051D921}"/>
+                    <a16:creationId xmlns:a16="http://schemas.microsoft.com/office/drawing/2014/main" id="{26F1770A-8ED8-9744-A27E-9DD41916AACF}"/>
                   </a:ext>
                 </a:extLst>
               </p:cNvPr>
@@ -22495,168 +22130,12 @@
               </a:fontRef>
             </p:style>
           </p:cxnSp>
-          <p:grpSp>
-            <p:nvGrpSpPr>
-              <p:cNvPr id="28" name="Group 27">
+          <p:cxnSp>
+            <p:nvCxnSpPr>
+              <p:cNvPr id="128" name="Straight Arrow Connector 127">
                 <a:extLst>
                   <a:ext uri="{FF2B5EF4-FFF2-40B4-BE49-F238E27FC236}">
-                    <a16:creationId xmlns:a16="http://schemas.microsoft.com/office/drawing/2014/main" id="{CBDB3CA1-1C5D-654E-8236-8D55730F9D09}"/>
-                  </a:ext>
-                </a:extLst>
-              </p:cNvPr>
-              <p:cNvGrpSpPr/>
-              <p:nvPr/>
-            </p:nvGrpSpPr>
-            <p:grpSpPr>
-              <a:xfrm>
-                <a:off x="8587544" y="4525877"/>
-                <a:ext cx="2635689" cy="121755"/>
-                <a:chOff x="8587544" y="4373477"/>
-                <a:chExt cx="2635689" cy="121755"/>
-              </a:xfrm>
-            </p:grpSpPr>
-            <p:cxnSp>
-              <p:nvCxnSpPr>
-                <p:cNvPr id="37" name="Straight Connector 36">
-                  <a:extLst>
-                    <a:ext uri="{FF2B5EF4-FFF2-40B4-BE49-F238E27FC236}">
-                      <a16:creationId xmlns:a16="http://schemas.microsoft.com/office/drawing/2014/main" id="{2EE45808-5423-284E-A69F-CC788E5FE318}"/>
-                    </a:ext>
-                  </a:extLst>
-                </p:cNvPr>
-                <p:cNvCxnSpPr>
-                  <a:cxnSpLocks/>
-                </p:cNvCxnSpPr>
-                <p:nvPr/>
-              </p:nvCxnSpPr>
-              <p:spPr>
-                <a:xfrm>
-                  <a:off x="8587544" y="4495232"/>
-                  <a:ext cx="2635689" cy="0"/>
-                </a:xfrm>
-                <a:prstGeom prst="line">
-                  <a:avLst/>
-                </a:prstGeom>
-                <a:ln w="19050">
-                  <a:solidFill>
-                    <a:schemeClr val="bg1"/>
-                  </a:solidFill>
-                  <a:headEnd type="none"/>
-                  <a:tailEnd type="none"/>
-                </a:ln>
-              </p:spPr>
-              <p:style>
-                <a:lnRef idx="1">
-                  <a:schemeClr val="accent1"/>
-                </a:lnRef>
-                <a:fillRef idx="0">
-                  <a:schemeClr val="accent1"/>
-                </a:fillRef>
-                <a:effectRef idx="0">
-                  <a:schemeClr val="accent1"/>
-                </a:effectRef>
-                <a:fontRef idx="minor">
-                  <a:schemeClr val="tx1"/>
-                </a:fontRef>
-              </p:style>
-            </p:cxnSp>
-            <p:cxnSp>
-              <p:nvCxnSpPr>
-                <p:cNvPr id="38" name="Straight Connector 37">
-                  <a:extLst>
-                    <a:ext uri="{FF2B5EF4-FFF2-40B4-BE49-F238E27FC236}">
-                      <a16:creationId xmlns:a16="http://schemas.microsoft.com/office/drawing/2014/main" id="{C9827F1A-CE9A-D04C-96F4-DBE97FD2DEF6}"/>
-                    </a:ext>
-                  </a:extLst>
-                </p:cNvPr>
-                <p:cNvCxnSpPr>
-                  <a:cxnSpLocks/>
-                </p:cNvCxnSpPr>
-                <p:nvPr/>
-              </p:nvCxnSpPr>
-              <p:spPr>
-                <a:xfrm flipV="1">
-                  <a:off x="8588814" y="4373477"/>
-                  <a:ext cx="0" cy="117945"/>
-                </a:xfrm>
-                <a:prstGeom prst="line">
-                  <a:avLst/>
-                </a:prstGeom>
-                <a:ln w="19050">
-                  <a:solidFill>
-                    <a:schemeClr val="bg1"/>
-                  </a:solidFill>
-                  <a:headEnd type="none"/>
-                  <a:tailEnd type="none"/>
-                </a:ln>
-              </p:spPr>
-              <p:style>
-                <a:lnRef idx="1">
-                  <a:schemeClr val="accent1"/>
-                </a:lnRef>
-                <a:fillRef idx="0">
-                  <a:schemeClr val="accent1"/>
-                </a:fillRef>
-                <a:effectRef idx="0">
-                  <a:schemeClr val="accent1"/>
-                </a:effectRef>
-                <a:fontRef idx="minor">
-                  <a:schemeClr val="tx1"/>
-                </a:fontRef>
-              </p:style>
-            </p:cxnSp>
-            <p:cxnSp>
-              <p:nvCxnSpPr>
-                <p:cNvPr id="39" name="Straight Connector 38">
-                  <a:extLst>
-                    <a:ext uri="{FF2B5EF4-FFF2-40B4-BE49-F238E27FC236}">
-                      <a16:creationId xmlns:a16="http://schemas.microsoft.com/office/drawing/2014/main" id="{B62DBFA4-3690-B54A-B03D-968157400D4C}"/>
-                    </a:ext>
-                  </a:extLst>
-                </p:cNvPr>
-                <p:cNvCxnSpPr>
-                  <a:cxnSpLocks/>
-                </p:cNvCxnSpPr>
-                <p:nvPr/>
-              </p:nvCxnSpPr>
-              <p:spPr>
-                <a:xfrm flipV="1">
-                  <a:off x="11215417" y="4377287"/>
-                  <a:ext cx="0" cy="117945"/>
-                </a:xfrm>
-                <a:prstGeom prst="line">
-                  <a:avLst/>
-                </a:prstGeom>
-                <a:ln w="19050">
-                  <a:solidFill>
-                    <a:schemeClr val="bg1"/>
-                  </a:solidFill>
-                  <a:headEnd type="none"/>
-                  <a:tailEnd type="none"/>
-                </a:ln>
-              </p:spPr>
-              <p:style>
-                <a:lnRef idx="1">
-                  <a:schemeClr val="accent1"/>
-                </a:lnRef>
-                <a:fillRef idx="0">
-                  <a:schemeClr val="accent1"/>
-                </a:fillRef>
-                <a:effectRef idx="0">
-                  <a:schemeClr val="accent1"/>
-                </a:effectRef>
-                <a:fontRef idx="minor">
-                  <a:schemeClr val="tx1"/>
-                </a:fontRef>
-              </p:style>
-            </p:cxnSp>
-          </p:grpSp>
-          <p:cxnSp>
-            <p:nvCxnSpPr>
-              <p:cNvPr id="29" name="Straight Arrow Connector 28">
-                <a:extLst>
-                  <a:ext uri="{FF2B5EF4-FFF2-40B4-BE49-F238E27FC236}">
-                    <a16:creationId xmlns:a16="http://schemas.microsoft.com/office/drawing/2014/main" id="{1530615A-BE92-EF43-B649-83F68426BF28}"/>
+                    <a16:creationId xmlns:a16="http://schemas.microsoft.com/office/drawing/2014/main" id="{BDC1C9B7-F448-7D49-B14A-52D0647C66BA}"/>
                   </a:ext>
                 </a:extLst>
               </p:cNvPr>
@@ -22700,10 +22179,10 @@
           </p:cxnSp>
           <p:sp>
             <p:nvSpPr>
-              <p:cNvPr id="30" name="TextBox 29">
+              <p:cNvPr id="129" name="TextBox 128">
                 <a:extLst>
                   <a:ext uri="{FF2B5EF4-FFF2-40B4-BE49-F238E27FC236}">
-                    <a16:creationId xmlns:a16="http://schemas.microsoft.com/office/drawing/2014/main" id="{75AA3EBC-46E5-D344-9C85-0AF1393F5E0D}"/>
+                    <a16:creationId xmlns:a16="http://schemas.microsoft.com/office/drawing/2014/main" id="{B1211CE7-B9D1-464A-B942-3F4DE6170644}"/>
                   </a:ext>
                 </a:extLst>
               </p:cNvPr>
@@ -22713,7 +22192,7 @@
             <p:spPr>
               <a:xfrm>
                 <a:off x="2479144" y="3539599"/>
-                <a:ext cx="1320599" cy="794064"/>
+                <a:ext cx="1320599" cy="752514"/>
               </a:xfrm>
               <a:prstGeom prst="rect">
                 <a:avLst/>
@@ -22735,10 +22214,12 @@
                   </a:spcAft>
                 </a:pPr>
                 <a:r>
-                  <a:rPr lang="en-US" sz="1200" b="1" dirty="0">
+                  <a:rPr lang="en-US" sz="1100" dirty="0">
                     <a:solidFill>
                       <a:schemeClr val="bg1"/>
                     </a:solidFill>
+                    <a:latin typeface="Arial" panose="020B0604020202020204" pitchFamily="34" charset="0"/>
+                    <a:cs typeface="Arial" panose="020B0604020202020204" pitchFamily="34" charset="0"/>
                   </a:rPr>
                   <a:t>Create a Pull Request for peer review</a:t>
                 </a:r>
@@ -22747,10 +22228,10 @@
           </p:sp>
           <p:pic>
             <p:nvPicPr>
-              <p:cNvPr id="31" name="Picture 30">
+              <p:cNvPr id="130" name="Picture 129">
                 <a:extLst>
                   <a:ext uri="{FF2B5EF4-FFF2-40B4-BE49-F238E27FC236}">
-                    <a16:creationId xmlns:a16="http://schemas.microsoft.com/office/drawing/2014/main" id="{FCF83D72-0F6C-F540-94DC-1B676BD30E91}"/>
+                    <a16:creationId xmlns:a16="http://schemas.microsoft.com/office/drawing/2014/main" id="{3BF9DD12-EBA1-A948-B13B-35654247CFFE}"/>
                   </a:ext>
                 </a:extLst>
               </p:cNvPr>
@@ -22783,10 +22264,10 @@
           </p:pic>
           <p:sp>
             <p:nvSpPr>
-              <p:cNvPr id="32" name="TextBox 31">
+              <p:cNvPr id="131" name="TextBox 130">
                 <a:extLst>
                   <a:ext uri="{FF2B5EF4-FFF2-40B4-BE49-F238E27FC236}">
-                    <a16:creationId xmlns:a16="http://schemas.microsoft.com/office/drawing/2014/main" id="{50C9A822-DB0B-5245-9EFF-F425F7D2A63D}"/>
+                    <a16:creationId xmlns:a16="http://schemas.microsoft.com/office/drawing/2014/main" id="{04911E64-A563-254F-BA6F-EC2C88DAFA57}"/>
                   </a:ext>
                 </a:extLst>
               </p:cNvPr>
@@ -22796,7 +22277,7 @@
             <p:spPr>
               <a:xfrm>
                 <a:off x="3564140" y="3550407"/>
-                <a:ext cx="1320599" cy="627864"/>
+                <a:ext cx="1320599" cy="600164"/>
               </a:xfrm>
               <a:prstGeom prst="rect">
                 <a:avLst/>
@@ -22818,10 +22299,12 @@
                   </a:spcAft>
                 </a:pPr>
                 <a:r>
-                  <a:rPr lang="en-US" sz="1200" b="1" dirty="0">
+                  <a:rPr lang="en-US" sz="1100" dirty="0">
                     <a:solidFill>
                       <a:schemeClr val="bg1"/>
                     </a:solidFill>
+                    <a:latin typeface="Arial" panose="020B0604020202020204" pitchFamily="34" charset="0"/>
+                    <a:cs typeface="Arial" panose="020B0604020202020204" pitchFamily="34" charset="0"/>
                   </a:rPr>
                   <a:t>Merge to master</a:t>
                 </a:r>
@@ -22830,10 +22313,10 @@
           </p:sp>
           <p:pic>
             <p:nvPicPr>
-              <p:cNvPr id="33" name="Picture 32">
+              <p:cNvPr id="132" name="Picture 131">
                 <a:extLst>
                   <a:ext uri="{FF2B5EF4-FFF2-40B4-BE49-F238E27FC236}">
-                    <a16:creationId xmlns:a16="http://schemas.microsoft.com/office/drawing/2014/main" id="{6B155AF1-D45F-4B4F-99AD-5D0E71713D2B}"/>
+                    <a16:creationId xmlns:a16="http://schemas.microsoft.com/office/drawing/2014/main" id="{C278C31A-BDCE-3243-9487-347ADF25ECB4}"/>
                   </a:ext>
                 </a:extLst>
               </p:cNvPr>
@@ -22866,10 +22349,10 @@
           </p:pic>
           <p:cxnSp>
             <p:nvCxnSpPr>
-              <p:cNvPr id="34" name="Straight Arrow Connector 33">
+              <p:cNvPr id="133" name="Straight Arrow Connector 132">
                 <a:extLst>
                   <a:ext uri="{FF2B5EF4-FFF2-40B4-BE49-F238E27FC236}">
-                    <a16:creationId xmlns:a16="http://schemas.microsoft.com/office/drawing/2014/main" id="{A1290841-BA7E-1E44-AF89-16F5A04AE988}"/>
+                    <a16:creationId xmlns:a16="http://schemas.microsoft.com/office/drawing/2014/main" id="{95B677F0-4370-604D-9A90-46CC6F79C290}"/>
                   </a:ext>
                 </a:extLst>
               </p:cNvPr>
@@ -22913,10 +22396,10 @@
           </p:cxnSp>
           <p:cxnSp>
             <p:nvCxnSpPr>
-              <p:cNvPr id="35" name="Straight Arrow Connector 34">
+              <p:cNvPr id="134" name="Straight Arrow Connector 133">
                 <a:extLst>
                   <a:ext uri="{FF2B5EF4-FFF2-40B4-BE49-F238E27FC236}">
-                    <a16:creationId xmlns:a16="http://schemas.microsoft.com/office/drawing/2014/main" id="{92AEC0EB-E469-BC49-8D97-92E2DCD59016}"/>
+                    <a16:creationId xmlns:a16="http://schemas.microsoft.com/office/drawing/2014/main" id="{2AAE71EA-11D2-EB49-A6C5-ECCCB17E96BF}"/>
                   </a:ext>
                 </a:extLst>
               </p:cNvPr>
@@ -22960,10 +22443,10 @@
           </p:cxnSp>
           <p:cxnSp>
             <p:nvCxnSpPr>
-              <p:cNvPr id="36" name="Straight Arrow Connector 35">
+              <p:cNvPr id="135" name="Straight Arrow Connector 134">
                 <a:extLst>
                   <a:ext uri="{FF2B5EF4-FFF2-40B4-BE49-F238E27FC236}">
-                    <a16:creationId xmlns:a16="http://schemas.microsoft.com/office/drawing/2014/main" id="{D22CA443-A067-4B4F-BE58-8805309F90B0}"/>
+                    <a16:creationId xmlns:a16="http://schemas.microsoft.com/office/drawing/2014/main" id="{3D7FA432-66EF-324F-B890-05C00407E05E}"/>
                   </a:ext>
                 </a:extLst>
               </p:cNvPr>
@@ -23008,10 +22491,10 @@
         </p:grpSp>
         <p:pic>
           <p:nvPicPr>
-            <p:cNvPr id="7" name="Picture 6">
+            <p:cNvPr id="108" name="Picture 107">
               <a:extLst>
                 <a:ext uri="{FF2B5EF4-FFF2-40B4-BE49-F238E27FC236}">
-                  <a16:creationId xmlns:a16="http://schemas.microsoft.com/office/drawing/2014/main" id="{0C61721A-E7B7-7E4E-A019-B8D6DC669898}"/>
+                  <a16:creationId xmlns:a16="http://schemas.microsoft.com/office/drawing/2014/main" id="{769E983E-379D-B149-93CA-E1E64476282B}"/>
                 </a:ext>
               </a:extLst>
             </p:cNvPr>
@@ -23021,7 +22504,7 @@
             <p:nvPr/>
           </p:nvPicPr>
           <p:blipFill>
-            <a:blip r:embed="rId9"/>
+            <a:blip r:embed="rId7"/>
             <a:stretch>
               <a:fillRect/>
             </a:stretch>
@@ -23037,6 +22520,391 @@
           </p:spPr>
         </p:pic>
       </p:grpSp>
+      <p:pic>
+        <p:nvPicPr>
+          <p:cNvPr id="142" name="Graphic 141">
+            <a:extLst>
+              <a:ext uri="{FF2B5EF4-FFF2-40B4-BE49-F238E27FC236}">
+                <a16:creationId xmlns:a16="http://schemas.microsoft.com/office/drawing/2014/main" id="{26DBC607-57B7-144F-AA32-C301DEF1C98B}"/>
+              </a:ext>
+            </a:extLst>
+          </p:cNvPr>
+          <p:cNvPicPr>
+            <a:picLocks noChangeAspect="1"/>
+          </p:cNvPicPr>
+          <p:nvPr/>
+        </p:nvPicPr>
+        <p:blipFill>
+          <a:blip r:embed="rId8">
+            <a:extLst>
+              <a:ext uri="{28A0092B-C50C-407E-A947-70E740481C1C}">
+                <a14:useLocalDpi xmlns:a14="http://schemas.microsoft.com/office/drawing/2010/main" val="0"/>
+              </a:ext>
+              <a:ext uri="{96DAC541-7B7A-43D3-8B79-37D633B846F1}">
+                <asvg:svgBlip xmlns:asvg="http://schemas.microsoft.com/office/drawing/2016/SVG/main" r:embed="rId9"/>
+              </a:ext>
+            </a:extLst>
+          </a:blip>
+          <a:stretch>
+            <a:fillRect/>
+          </a:stretch>
+        </p:blipFill>
+        <p:spPr>
+          <a:xfrm>
+            <a:off x="9350740" y="2887663"/>
+            <a:ext cx="131621" cy="177866"/>
+          </a:xfrm>
+          <a:prstGeom prst="rect">
+            <a:avLst/>
+          </a:prstGeom>
+        </p:spPr>
+      </p:pic>
+      <p:sp>
+        <p:nvSpPr>
+          <p:cNvPr id="143" name="TextBox 142">
+            <a:extLst>
+              <a:ext uri="{FF2B5EF4-FFF2-40B4-BE49-F238E27FC236}">
+                <a16:creationId xmlns:a16="http://schemas.microsoft.com/office/drawing/2014/main" id="{36865193-B50F-8847-9878-5B44BFBB44CE}"/>
+              </a:ext>
+            </a:extLst>
+          </p:cNvPr>
+          <p:cNvSpPr txBox="1"/>
+          <p:nvPr/>
+        </p:nvSpPr>
+        <p:spPr>
+          <a:xfrm>
+            <a:off x="8931273" y="4012959"/>
+            <a:ext cx="966298" cy="517065"/>
+          </a:xfrm>
+          <a:prstGeom prst="rect">
+            <a:avLst/>
+          </a:prstGeom>
+          <a:noFill/>
+        </p:spPr>
+        <p:txBody>
+          <a:bodyPr wrap="square" lIns="182880" tIns="146304" rIns="182880" bIns="146304" rtlCol="0">
+            <a:spAutoFit/>
+          </a:bodyPr>
+          <a:lstStyle/>
+          <a:p>
+            <a:pPr algn="ctr">
+              <a:lnSpc>
+                <a:spcPct val="90000"/>
+              </a:lnSpc>
+              <a:spcAft>
+                <a:spcPts val="600"/>
+              </a:spcAft>
+            </a:pPr>
+            <a:r>
+              <a:rPr lang="en-US" sz="800" dirty="0">
+                <a:solidFill>
+                  <a:schemeClr val="bg1"/>
+                </a:solidFill>
+                <a:latin typeface="Arial" panose="020B0604020202020204" pitchFamily="34" charset="0"/>
+                <a:cs typeface="Arial" panose="020B0604020202020204" pitchFamily="34" charset="0"/>
+              </a:rPr>
+              <a:t>Azure PostgreSQL</a:t>
+            </a:r>
+          </a:p>
+        </p:txBody>
+      </p:sp>
+      <p:sp>
+        <p:nvSpPr>
+          <p:cNvPr id="144" name="TextBox 143">
+            <a:extLst>
+              <a:ext uri="{FF2B5EF4-FFF2-40B4-BE49-F238E27FC236}">
+                <a16:creationId xmlns:a16="http://schemas.microsoft.com/office/drawing/2014/main" id="{F46E0045-A5E1-6B41-8826-A38C67B47DAE}"/>
+              </a:ext>
+            </a:extLst>
+          </p:cNvPr>
+          <p:cNvSpPr txBox="1"/>
+          <p:nvPr/>
+        </p:nvSpPr>
+        <p:spPr>
+          <a:xfrm>
+            <a:off x="8529682" y="4025488"/>
+            <a:ext cx="739729" cy="517065"/>
+          </a:xfrm>
+          <a:prstGeom prst="rect">
+            <a:avLst/>
+          </a:prstGeom>
+          <a:noFill/>
+        </p:spPr>
+        <p:txBody>
+          <a:bodyPr wrap="square" lIns="182880" tIns="146304" rIns="182880" bIns="146304" rtlCol="0">
+            <a:spAutoFit/>
+          </a:bodyPr>
+          <a:lstStyle/>
+          <a:p>
+            <a:pPr algn="ctr">
+              <a:lnSpc>
+                <a:spcPct val="90000"/>
+              </a:lnSpc>
+              <a:spcAft>
+                <a:spcPts val="600"/>
+              </a:spcAft>
+            </a:pPr>
+            <a:r>
+              <a:rPr lang="en-US" sz="800" dirty="0">
+                <a:solidFill>
+                  <a:schemeClr val="bg1"/>
+                </a:solidFill>
+                <a:latin typeface="Arial" panose="020B0604020202020204" pitchFamily="34" charset="0"/>
+                <a:cs typeface="Arial" panose="020B0604020202020204" pitchFamily="34" charset="0"/>
+              </a:rPr>
+              <a:t>App Service</a:t>
+            </a:r>
+          </a:p>
+        </p:txBody>
+      </p:sp>
+      <p:pic>
+        <p:nvPicPr>
+          <p:cNvPr id="145" name="Picture 144">
+            <a:extLst>
+              <a:ext uri="{FF2B5EF4-FFF2-40B4-BE49-F238E27FC236}">
+                <a16:creationId xmlns:a16="http://schemas.microsoft.com/office/drawing/2014/main" id="{4B963048-4005-FD42-9651-4D375A555B16}"/>
+              </a:ext>
+            </a:extLst>
+          </p:cNvPr>
+          <p:cNvPicPr>
+            <a:picLocks noChangeAspect="1"/>
+          </p:cNvPicPr>
+          <p:nvPr/>
+        </p:nvPicPr>
+        <p:blipFill>
+          <a:blip r:embed="rId6" cstate="print">
+            <a:extLst>
+              <a:ext uri="{28A0092B-C50C-407E-A947-70E740481C1C}">
+                <a14:useLocalDpi xmlns:a14="http://schemas.microsoft.com/office/drawing/2010/main" val="0"/>
+              </a:ext>
+            </a:extLst>
+          </a:blip>
+          <a:stretch>
+            <a:fillRect/>
+          </a:stretch>
+        </p:blipFill>
+        <p:spPr>
+          <a:xfrm>
+            <a:off x="8821295" y="3956979"/>
+            <a:ext cx="193592" cy="193592"/>
+          </a:xfrm>
+          <a:prstGeom prst="rect">
+            <a:avLst/>
+          </a:prstGeom>
+        </p:spPr>
+      </p:pic>
+      <p:pic>
+        <p:nvPicPr>
+          <p:cNvPr id="146" name="Graphic 145">
+            <a:extLst>
+              <a:ext uri="{FF2B5EF4-FFF2-40B4-BE49-F238E27FC236}">
+                <a16:creationId xmlns:a16="http://schemas.microsoft.com/office/drawing/2014/main" id="{A29A7840-1936-A445-A6F5-CFBFF1C93CAD}"/>
+              </a:ext>
+            </a:extLst>
+          </p:cNvPr>
+          <p:cNvPicPr>
+            <a:picLocks noChangeAspect="1"/>
+          </p:cNvPicPr>
+          <p:nvPr/>
+        </p:nvPicPr>
+        <p:blipFill>
+          <a:blip r:embed="rId8">
+            <a:extLst>
+              <a:ext uri="{28A0092B-C50C-407E-A947-70E740481C1C}">
+                <a14:useLocalDpi xmlns:a14="http://schemas.microsoft.com/office/drawing/2010/main" val="0"/>
+              </a:ext>
+              <a:ext uri="{96DAC541-7B7A-43D3-8B79-37D633B846F1}">
+                <asvg:svgBlip xmlns:asvg="http://schemas.microsoft.com/office/drawing/2016/SVG/main" r:embed="rId9"/>
+              </a:ext>
+            </a:extLst>
+          </a:blip>
+          <a:stretch>
+            <a:fillRect/>
+          </a:stretch>
+        </p:blipFill>
+        <p:spPr>
+          <a:xfrm>
+            <a:off x="9365330" y="3949315"/>
+            <a:ext cx="131621" cy="177866"/>
+          </a:xfrm>
+          <a:prstGeom prst="rect">
+            <a:avLst/>
+          </a:prstGeom>
+        </p:spPr>
+      </p:pic>
+      <p:sp>
+        <p:nvSpPr>
+          <p:cNvPr id="147" name="TextBox 146">
+            <a:extLst>
+              <a:ext uri="{FF2B5EF4-FFF2-40B4-BE49-F238E27FC236}">
+                <a16:creationId xmlns:a16="http://schemas.microsoft.com/office/drawing/2014/main" id="{3112BBED-1814-E44E-AFBA-379210019284}"/>
+              </a:ext>
+            </a:extLst>
+          </p:cNvPr>
+          <p:cNvSpPr txBox="1"/>
+          <p:nvPr/>
+        </p:nvSpPr>
+        <p:spPr>
+          <a:xfrm>
+            <a:off x="10324867" y="3464056"/>
+            <a:ext cx="1049333" cy="517065"/>
+          </a:xfrm>
+          <a:prstGeom prst="rect">
+            <a:avLst/>
+          </a:prstGeom>
+          <a:noFill/>
+        </p:spPr>
+        <p:txBody>
+          <a:bodyPr wrap="square" lIns="182880" tIns="146304" rIns="182880" bIns="146304" rtlCol="0">
+            <a:spAutoFit/>
+          </a:bodyPr>
+          <a:lstStyle/>
+          <a:p>
+            <a:pPr algn="ctr">
+              <a:lnSpc>
+                <a:spcPct val="90000"/>
+              </a:lnSpc>
+              <a:spcAft>
+                <a:spcPts val="600"/>
+              </a:spcAft>
+            </a:pPr>
+            <a:r>
+              <a:rPr lang="en-US" sz="800" dirty="0">
+                <a:solidFill>
+                  <a:schemeClr val="bg1"/>
+                </a:solidFill>
+                <a:latin typeface="Arial" panose="020B0604020202020204" pitchFamily="34" charset="0"/>
+                <a:cs typeface="Arial" panose="020B0604020202020204" pitchFamily="34" charset="0"/>
+              </a:rPr>
+              <a:t>Azure PostgreSQL</a:t>
+            </a:r>
+          </a:p>
+        </p:txBody>
+      </p:sp>
+      <p:sp>
+        <p:nvSpPr>
+          <p:cNvPr id="148" name="TextBox 147">
+            <a:extLst>
+              <a:ext uri="{FF2B5EF4-FFF2-40B4-BE49-F238E27FC236}">
+                <a16:creationId xmlns:a16="http://schemas.microsoft.com/office/drawing/2014/main" id="{7CEA8FCB-32F3-EA4A-93E8-E7CCA68D947B}"/>
+              </a:ext>
+            </a:extLst>
+          </p:cNvPr>
+          <p:cNvSpPr txBox="1"/>
+          <p:nvPr/>
+        </p:nvSpPr>
+        <p:spPr>
+          <a:xfrm>
+            <a:off x="9971179" y="3470529"/>
+            <a:ext cx="739729" cy="517065"/>
+          </a:xfrm>
+          <a:prstGeom prst="rect">
+            <a:avLst/>
+          </a:prstGeom>
+          <a:noFill/>
+        </p:spPr>
+        <p:txBody>
+          <a:bodyPr wrap="square" lIns="182880" tIns="146304" rIns="182880" bIns="146304" rtlCol="0">
+            <a:spAutoFit/>
+          </a:bodyPr>
+          <a:lstStyle/>
+          <a:p>
+            <a:pPr algn="ctr">
+              <a:lnSpc>
+                <a:spcPct val="90000"/>
+              </a:lnSpc>
+              <a:spcAft>
+                <a:spcPts val="600"/>
+              </a:spcAft>
+            </a:pPr>
+            <a:r>
+              <a:rPr lang="en-US" sz="800" dirty="0">
+                <a:solidFill>
+                  <a:schemeClr val="bg1"/>
+                </a:solidFill>
+                <a:latin typeface="Arial" panose="020B0604020202020204" pitchFamily="34" charset="0"/>
+                <a:cs typeface="Arial" panose="020B0604020202020204" pitchFamily="34" charset="0"/>
+              </a:rPr>
+              <a:t>App Service</a:t>
+            </a:r>
+          </a:p>
+        </p:txBody>
+      </p:sp>
+      <p:pic>
+        <p:nvPicPr>
+          <p:cNvPr id="149" name="Picture 148">
+            <a:extLst>
+              <a:ext uri="{FF2B5EF4-FFF2-40B4-BE49-F238E27FC236}">
+                <a16:creationId xmlns:a16="http://schemas.microsoft.com/office/drawing/2014/main" id="{7092B6CE-B30F-D946-8CB9-21195B2A938E}"/>
+              </a:ext>
+            </a:extLst>
+          </p:cNvPr>
+          <p:cNvPicPr>
+            <a:picLocks noChangeAspect="1"/>
+          </p:cNvPicPr>
+          <p:nvPr/>
+        </p:nvPicPr>
+        <p:blipFill>
+          <a:blip r:embed="rId6" cstate="print">
+            <a:extLst>
+              <a:ext uri="{28A0092B-C50C-407E-A947-70E740481C1C}">
+                <a14:useLocalDpi xmlns:a14="http://schemas.microsoft.com/office/drawing/2010/main" val="0"/>
+              </a:ext>
+            </a:extLst>
+          </a:blip>
+          <a:stretch>
+            <a:fillRect/>
+          </a:stretch>
+        </p:blipFill>
+        <p:spPr>
+          <a:xfrm>
+            <a:off x="10251882" y="3400082"/>
+            <a:ext cx="193592" cy="193592"/>
+          </a:xfrm>
+          <a:prstGeom prst="rect">
+            <a:avLst/>
+          </a:prstGeom>
+        </p:spPr>
+      </p:pic>
+      <p:pic>
+        <p:nvPicPr>
+          <p:cNvPr id="150" name="Graphic 149">
+            <a:extLst>
+              <a:ext uri="{FF2B5EF4-FFF2-40B4-BE49-F238E27FC236}">
+                <a16:creationId xmlns:a16="http://schemas.microsoft.com/office/drawing/2014/main" id="{905B2035-5D37-FD4D-BDF3-83D98664314A}"/>
+              </a:ext>
+            </a:extLst>
+          </p:cNvPr>
+          <p:cNvPicPr>
+            <a:picLocks noChangeAspect="1"/>
+          </p:cNvPicPr>
+          <p:nvPr/>
+        </p:nvPicPr>
+        <p:blipFill>
+          <a:blip r:embed="rId8">
+            <a:extLst>
+              <a:ext uri="{28A0092B-C50C-407E-A947-70E740481C1C}">
+                <a14:useLocalDpi xmlns:a14="http://schemas.microsoft.com/office/drawing/2010/main" val="0"/>
+              </a:ext>
+              <a:ext uri="{96DAC541-7B7A-43D3-8B79-37D633B846F1}">
+                <asvg:svgBlip xmlns:asvg="http://schemas.microsoft.com/office/drawing/2016/SVG/main" r:embed="rId9"/>
+              </a:ext>
+            </a:extLst>
+          </a:blip>
+          <a:stretch>
+            <a:fillRect/>
+          </a:stretch>
+        </p:blipFill>
+        <p:spPr>
+          <a:xfrm>
+            <a:off x="10790321" y="3410680"/>
+            <a:ext cx="131621" cy="177866"/>
+          </a:xfrm>
+          <a:prstGeom prst="rect">
+            <a:avLst/>
+          </a:prstGeom>
+        </p:spPr>
+      </p:pic>
     </p:spTree>
     <p:extLst>
       <p:ext uri="{BB962C8B-B14F-4D97-AF65-F5344CB8AC3E}">
@@ -23911,58 +23779,7 @@
       </p:grpSpPr>
       <p:sp>
         <p:nvSpPr>
-          <p:cNvPr id="2" name="Text Placeholder 1">
-            <a:extLst>
-              <a:ext uri="{FF2B5EF4-FFF2-40B4-BE49-F238E27FC236}">
-                <a16:creationId xmlns:a16="http://schemas.microsoft.com/office/drawing/2014/main" id="{E8A9B0B8-E7E0-43D4-8911-E43EC8CE64A1}"/>
-              </a:ext>
-            </a:extLst>
-          </p:cNvPr>
-          <p:cNvSpPr>
-            <a:spLocks noGrp="1"/>
-          </p:cNvSpPr>
-          <p:nvPr>
-            <p:ph type="body" sz="quarter" idx="10"/>
-          </p:nvPr>
-        </p:nvSpPr>
-        <p:spPr>
-          <a:xfrm>
-            <a:off x="269240" y="1189177"/>
-            <a:ext cx="9133706" cy="4890954"/>
-          </a:xfrm>
-        </p:spPr>
-        <p:txBody>
-          <a:bodyPr/>
-          <a:lstStyle/>
-          <a:p>
-            <a:r>
-              <a:rPr lang="en-US" dirty="0"/>
-              <a:t>Application insights provide searchable logs with online dashboard.</a:t>
-            </a:r>
-          </a:p>
-          <a:p>
-            <a:endParaRPr lang="en-US" dirty="0"/>
-          </a:p>
-          <a:p>
-            <a:r>
-              <a:rPr lang="en-US" dirty="0"/>
-              <a:t>App Insights provides the ability to track useful performance and application behavior details, including browser metrics and application dependencies. </a:t>
-            </a:r>
-          </a:p>
-          <a:p>
-            <a:endParaRPr lang="en-US" dirty="0"/>
-          </a:p>
-        </p:txBody>
-      </p:sp>
-      <p:sp>
-        <p:nvSpPr>
-          <p:cNvPr id="3" name="Title 2">
-            <a:extLst>
-              <a:ext uri="{FF2B5EF4-FFF2-40B4-BE49-F238E27FC236}">
-                <a16:creationId xmlns:a16="http://schemas.microsoft.com/office/drawing/2014/main" id="{BAA447C2-743B-49B8-887B-ADC04FC158F6}"/>
-              </a:ext>
-            </a:extLst>
-          </p:cNvPr>
+          <p:cNvPr id="2" name="Title 1"/>
           <p:cNvSpPr>
             <a:spLocks noGrp="1"/>
           </p:cNvSpPr>
@@ -23972,65 +23789,89 @@
         </p:nvSpPr>
         <p:spPr/>
         <p:txBody>
-          <a:bodyPr/>
+          <a:bodyPr>
+            <a:normAutofit/>
+          </a:bodyPr>
           <a:lstStyle/>
           <a:p>
             <a:r>
-              <a:rPr lang="en-US" dirty="0"/>
-              <a:t>Enhanced System Logging</a:t>
+              <a:rPr lang="en-US" sz="4400" dirty="0">
+                <a:solidFill>
+                  <a:schemeClr val="tx1"/>
+                </a:solidFill>
+                <a:latin typeface="Segoe UI Light" panose="020B0502040204020203" pitchFamily="34" charset="0"/>
+                <a:cs typeface="Segoe UI Light" panose="020B0502040204020203" pitchFamily="34" charset="0"/>
+              </a:rPr>
+              <a:t>Customer objections</a:t>
             </a:r>
           </a:p>
         </p:txBody>
       </p:sp>
-      <p:pic>
-        <p:nvPicPr>
-          <p:cNvPr id="4" name="Picture 3" descr="Application Insights icon">
+      <p:sp>
+        <p:nvSpPr>
+          <p:cNvPr id="5" name="TextBox 4">
             <a:extLst>
               <a:ext uri="{FF2B5EF4-FFF2-40B4-BE49-F238E27FC236}">
-                <a16:creationId xmlns:a16="http://schemas.microsoft.com/office/drawing/2014/main" id="{3775F861-57F8-4478-B34F-C8FDD455D486}"/>
+                <a16:creationId xmlns:a16="http://schemas.microsoft.com/office/drawing/2014/main" id="{43774872-0763-48CC-BE9F-CA175951977F}"/>
               </a:ext>
             </a:extLst>
           </p:cNvPr>
-          <p:cNvPicPr>
-            <a:picLocks noChangeAspect="1"/>
-          </p:cNvPicPr>
+          <p:cNvSpPr txBox="1"/>
           <p:nvPr/>
-        </p:nvPicPr>
-        <p:blipFill>
-          <a:blip r:embed="rId3" cstate="print">
-            <a:extLst>
-              <a:ext uri="{28A0092B-C50C-407E-A947-70E740481C1C}">
-                <a14:useLocalDpi xmlns:a14="http://schemas.microsoft.com/office/drawing/2010/main" val="0"/>
-              </a:ext>
-            </a:extLst>
-          </a:blip>
-          <a:stretch>
-            <a:fillRect/>
-          </a:stretch>
-        </p:blipFill>
+        </p:nvSpPr>
         <p:spPr>
           <a:xfrm>
-            <a:off x="9858038" y="3429000"/>
-            <a:ext cx="2142451" cy="2142451"/>
+            <a:off x="340285" y="1284044"/>
+            <a:ext cx="11584795" cy="3742563"/>
           </a:xfrm>
           <a:prstGeom prst="rect">
             <a:avLst/>
           </a:prstGeom>
+          <a:noFill/>
         </p:spPr>
-      </p:pic>
+        <p:txBody>
+          <a:bodyPr wrap="square" lIns="182880" tIns="146304" rIns="182880" bIns="146304" rtlCol="0">
+            <a:spAutoFit/>
+          </a:bodyPr>
+          <a:lstStyle/>
+          <a:p>
+            <a:pPr lvl="0"/>
+            <a:r>
+              <a:rPr lang="en-US" sz="2800" dirty="0"/>
+              <a:t>We do not want to be locked in to a specific source control repository. We are evaluating GitHub and Azure DevOps and need to be able to change between them without frustrating rework.</a:t>
+            </a:r>
+          </a:p>
+          <a:p>
+            <a:pPr lvl="0"/>
+            <a:endParaRPr lang="en-US" sz="2800" i="1" dirty="0"/>
+          </a:p>
+          <a:p>
+            <a:pPr lvl="0"/>
+            <a:r>
+              <a:rPr lang="en-US" sz="2800" dirty="0"/>
+              <a:t>Both Azure DevOps and GitHub support git source control repositories. Azure DevOps supports any accessible git repository and has specific additional integrations with GitHub. As long as the customer project uses git-based source control, Azure DevOps can be used to build and deploy the project.</a:t>
+            </a:r>
+          </a:p>
+        </p:txBody>
+      </p:sp>
     </p:spTree>
     <p:extLst>
       <p:ext uri="{BB962C8B-B14F-4D97-AF65-F5344CB8AC3E}">
-        <p14:creationId xmlns:p14="http://schemas.microsoft.com/office/powerpoint/2010/main" val="1366634977"/>
+        <p14:creationId xmlns:p14="http://schemas.microsoft.com/office/powerpoint/2010/main" val="726860188"/>
       </p:ext>
     </p:extLst>
   </p:cSld>
   <p:clrMapOvr>
     <a:masterClrMapping/>
   </p:clrMapOvr>
-  <p:transition>
-    <p:fade/>
-  </p:transition>
+  <mc:AlternateContent xmlns:mc="http://schemas.openxmlformats.org/markup-compatibility/2006" xmlns:p14="http://schemas.microsoft.com/office/powerpoint/2010/main">
+    <mc:Choice Requires="p14">
+      <p:transition p14:dur="0"/>
+    </mc:Choice>
+    <mc:Fallback xmlns="">
+      <p:transition/>
+    </mc:Fallback>
+  </mc:AlternateContent>
 </p:sld>
 </file>
 
@@ -24112,7 +23953,7 @@
             <a:pPr lvl="0"/>
             <a:r>
               <a:rPr lang="en-US" sz="2800" dirty="0"/>
-              <a:t>We do not want to be locked in to a specific source control repository. We are evaluating GitHub and Azure DevOps and need to be able to change between them without frustrating rework.</a:t>
+              <a:t>We do not want the developers to be able to make changes to the Azure resources even though they will have access to make source code changes.</a:t>
             </a:r>
           </a:p>
           <a:p>
@@ -24120,18 +23961,21 @@
             <a:endParaRPr lang="en-US" sz="2800" i="1" dirty="0"/>
           </a:p>
           <a:p>
+            <a:r>
+              <a:rPr lang="en-US" sz="2800" dirty="0"/>
+              <a:t>This solution would remove the need to provide access to these specific environments from the developers. The company could provide other access (i.e. Enterprise DevTest Subscriptions) that developers could use to explore the features of the platform.</a:t>
+            </a:r>
+          </a:p>
+          <a:p>
             <a:pPr lvl="0"/>
-            <a:r>
-              <a:rPr lang="en-US" sz="2800" dirty="0"/>
-              <a:t>Both Azure DevOps and GitHub support git source control repositories. Azure DevOps supports any accessible git repository and has specific additional integrations with GitHub. As long as the customer project uses git-based source control, Azure DevOps can be used to build and deploy the project.</a:t>
-            </a:r>
+            <a:endParaRPr lang="en-US" sz="2800" dirty="0"/>
           </a:p>
         </p:txBody>
       </p:sp>
     </p:spTree>
     <p:extLst>
       <p:ext uri="{BB962C8B-B14F-4D97-AF65-F5344CB8AC3E}">
-        <p14:creationId xmlns:p14="http://schemas.microsoft.com/office/powerpoint/2010/main" val="726860188"/>
+        <p14:creationId xmlns:p14="http://schemas.microsoft.com/office/powerpoint/2010/main" val="1750381226"/>
       </p:ext>
     </p:extLst>
   </p:cSld>
@@ -24227,7 +24071,7 @@
             <a:pPr lvl="0"/>
             <a:r>
               <a:rPr lang="en-US" sz="2800" dirty="0"/>
-              <a:t>We do not want the developers to be able to make changes to the Azure resources even though they will have access to make source code changes.</a:t>
+              <a:t>If developers can deploy directly to the cloud, will that expose us to the same quality problems we had before when untested code was promoted to production?</a:t>
             </a:r>
           </a:p>
           <a:p>
@@ -24237,19 +24081,15 @@
           <a:p>
             <a:r>
               <a:rPr lang="en-US" sz="2800" dirty="0"/>
-              <a:t>This solution would remove the need to provide access to these specific environments from the developers. The company could provide other access (i.e. Enterprise DevTest Subscriptions) that developers could use to explore the features of the platform.</a:t>
-            </a:r>
-          </a:p>
-          <a:p>
-            <a:pPr lvl="0"/>
-            <a:endParaRPr lang="en-US" sz="2800" dirty="0"/>
+              <a:t>If we use Azure DevOps’ Release Management features, we can configure all the necessary rules / approvals for ensuring a smooth and secure deployment process. The goal here is to remove human touches from the process thus increasing the stability of the release process.</a:t>
+            </a:r>
           </a:p>
         </p:txBody>
       </p:sp>
     </p:spTree>
     <p:extLst>
       <p:ext uri="{BB962C8B-B14F-4D97-AF65-F5344CB8AC3E}">
-        <p14:creationId xmlns:p14="http://schemas.microsoft.com/office/powerpoint/2010/main" val="1750381226"/>
+        <p14:creationId xmlns:p14="http://schemas.microsoft.com/office/powerpoint/2010/main" val="27405222"/>
       </p:ext>
     </p:extLst>
   </p:cSld>
@@ -24329,7 +24169,7 @@
         <p:spPr>
           <a:xfrm>
             <a:off x="340285" y="1284044"/>
-            <a:ext cx="11584795" cy="3742563"/>
+            <a:ext cx="11584795" cy="4173450"/>
           </a:xfrm>
           <a:prstGeom prst="rect">
             <a:avLst/>
@@ -24345,7 +24185,7 @@
             <a:pPr lvl="0"/>
             <a:r>
               <a:rPr lang="en-US" sz="2800" dirty="0"/>
-              <a:t>If developers can deploy directly to the cloud, will that expose us to the same quality problems we had before when untested code was promoted to production?</a:t>
+              <a:t>How much of an impact will these process changes have on our development cadence? Will learning this place a new burden on the developers?</a:t>
             </a:r>
           </a:p>
           <a:p>
@@ -24355,7 +24195,7 @@
           <a:p>
             <a:r>
               <a:rPr lang="en-US" sz="2800" dirty="0"/>
-              <a:t>If we use Azure DevOps’ Release Management features, we can configure all the necessary rules / approvals for ensuring a smooth and secure deployment process. The goal here is to remove human touches from the process thus increasing the stability of the release process.</a:t>
+              <a:t>CI/CD is a commitment. To achieve velocity with confidence, there is a required rigor in testing that becomes key to success. This will likely result in a learning curve where you must slow down to go fast. It might even be painful at the start, but that pain is ultimately what drives the automation, monitoring, and incident handling efforts.</a:t>
             </a:r>
           </a:p>
         </p:txBody>
@@ -24363,7 +24203,7 @@
     </p:spTree>
     <p:extLst>
       <p:ext uri="{BB962C8B-B14F-4D97-AF65-F5344CB8AC3E}">
-        <p14:creationId xmlns:p14="http://schemas.microsoft.com/office/powerpoint/2010/main" val="27405222"/>
+        <p14:creationId xmlns:p14="http://schemas.microsoft.com/office/powerpoint/2010/main" val="552850041"/>
       </p:ext>
     </p:extLst>
   </p:cSld>
@@ -24443,7 +24283,7 @@
         <p:spPr>
           <a:xfrm>
             <a:off x="340285" y="1284044"/>
-            <a:ext cx="11584795" cy="4173450"/>
+            <a:ext cx="11584795" cy="4604337"/>
           </a:xfrm>
           <a:prstGeom prst="rect">
             <a:avLst/>
@@ -24459,7 +24299,7 @@
             <a:pPr lvl="0"/>
             <a:r>
               <a:rPr lang="en-US" sz="2800" dirty="0"/>
-              <a:t>How much of an impact will these process changes have on our development cadence? Will learning this place a new burden on the developers?</a:t>
+              <a:t>Our developers are already having a challenge learning how to use Git, will adding a continuous deployment system on top of that slow them down and confuse them even more?</a:t>
             </a:r>
           </a:p>
           <a:p>
@@ -24469,7 +24309,7 @@
           <a:p>
             <a:r>
               <a:rPr lang="en-US" sz="2800" dirty="0"/>
-              <a:t>CI/CD is a commitment. To achieve velocity with confidence, there is a required rigor in testing that becomes key to success. This will likely result in a learning curve where you must slow down to go fast. It might even be painful at the start, but that pain is ultimately what drives the automation, monitoring, and incident handling efforts.</a:t>
+              <a:t>There is a learning curve with every quality gate added. Developers will need to do more automated testing locally to ensure code will pass the CI process. Working from master (or trunk) requires that developers really own the state of the build process. When the build is broken, fixing the build becomes the priority. This is another area where we slow down to go faster, with higher quality deliverable.</a:t>
             </a:r>
           </a:p>
         </p:txBody>
@@ -24477,7 +24317,7 @@
     </p:spTree>
     <p:extLst>
       <p:ext uri="{BB962C8B-B14F-4D97-AF65-F5344CB8AC3E}">
-        <p14:creationId xmlns:p14="http://schemas.microsoft.com/office/powerpoint/2010/main" val="552850041"/>
+        <p14:creationId xmlns:p14="http://schemas.microsoft.com/office/powerpoint/2010/main" val="987219656"/>
       </p:ext>
     </p:extLst>
   </p:cSld>
@@ -24707,120 +24547,6 @@
         <p:spPr/>
         <p:txBody>
           <a:bodyPr>
-            <a:normAutofit/>
-          </a:bodyPr>
-          <a:lstStyle/>
-          <a:p>
-            <a:r>
-              <a:rPr lang="en-US" sz="4400" dirty="0">
-                <a:solidFill>
-                  <a:schemeClr val="tx1"/>
-                </a:solidFill>
-                <a:latin typeface="Segoe UI Light" panose="020B0502040204020203" pitchFamily="34" charset="0"/>
-                <a:cs typeface="Segoe UI Light" panose="020B0502040204020203" pitchFamily="34" charset="0"/>
-              </a:rPr>
-              <a:t>Customer objections</a:t>
-            </a:r>
-          </a:p>
-        </p:txBody>
-      </p:sp>
-      <p:sp>
-        <p:nvSpPr>
-          <p:cNvPr id="5" name="TextBox 4">
-            <a:extLst>
-              <a:ext uri="{FF2B5EF4-FFF2-40B4-BE49-F238E27FC236}">
-                <a16:creationId xmlns:a16="http://schemas.microsoft.com/office/drawing/2014/main" id="{43774872-0763-48CC-BE9F-CA175951977F}"/>
-              </a:ext>
-            </a:extLst>
-          </p:cNvPr>
-          <p:cNvSpPr txBox="1"/>
-          <p:nvPr/>
-        </p:nvSpPr>
-        <p:spPr>
-          <a:xfrm>
-            <a:off x="340285" y="1284044"/>
-            <a:ext cx="11584795" cy="4604337"/>
-          </a:xfrm>
-          <a:prstGeom prst="rect">
-            <a:avLst/>
-          </a:prstGeom>
-          <a:noFill/>
-        </p:spPr>
-        <p:txBody>
-          <a:bodyPr wrap="square" lIns="182880" tIns="146304" rIns="182880" bIns="146304" rtlCol="0">
-            <a:spAutoFit/>
-          </a:bodyPr>
-          <a:lstStyle/>
-          <a:p>
-            <a:pPr lvl="0"/>
-            <a:r>
-              <a:rPr lang="en-US" sz="2800" dirty="0"/>
-              <a:t>Our developers are already having a challenge learning how to use Git, will adding a continuous deployment system on top of that slow them down and confuse them even more?</a:t>
-            </a:r>
-          </a:p>
-          <a:p>
-            <a:pPr lvl="0"/>
-            <a:endParaRPr lang="en-US" sz="2800" i="1" dirty="0"/>
-          </a:p>
-          <a:p>
-            <a:r>
-              <a:rPr lang="en-US" sz="2800" dirty="0"/>
-              <a:t>There is a learning curve with every quality gate added. Developers will need to do more automated testing locally to ensure code will pass the CI process. Working from master (or trunk) requires that developers really own the state of the build process. When the build is broken, fixing the build becomes the priority. This is another area where we slow down to go faster, with higher quality deliverable.</a:t>
-            </a:r>
-          </a:p>
-        </p:txBody>
-      </p:sp>
-    </p:spTree>
-    <p:extLst>
-      <p:ext uri="{BB962C8B-B14F-4D97-AF65-F5344CB8AC3E}">
-        <p14:creationId xmlns:p14="http://schemas.microsoft.com/office/powerpoint/2010/main" val="987219656"/>
-      </p:ext>
-    </p:extLst>
-  </p:cSld>
-  <p:clrMapOvr>
-    <a:masterClrMapping/>
-  </p:clrMapOvr>
-  <mc:AlternateContent xmlns:mc="http://schemas.openxmlformats.org/markup-compatibility/2006" xmlns:p14="http://schemas.microsoft.com/office/powerpoint/2010/main">
-    <mc:Choice Requires="p14">
-      <p:transition p14:dur="0"/>
-    </mc:Choice>
-    <mc:Fallback xmlns="">
-      <p:transition/>
-    </mc:Fallback>
-  </mc:AlternateContent>
-</p:sld>
-</file>
-
-<file path=ppt/slides/slide31.xml><?xml version="1.0" encoding="utf-8"?>
-<p:sld xmlns:a="http://schemas.openxmlformats.org/drawingml/2006/main" xmlns:r="http://schemas.openxmlformats.org/officeDocument/2006/relationships" xmlns:p="http://schemas.openxmlformats.org/presentationml/2006/main">
-  <p:cSld>
-    <p:spTree>
-      <p:nvGrpSpPr>
-        <p:cNvPr id="1" name=""/>
-        <p:cNvGrpSpPr/>
-        <p:nvPr/>
-      </p:nvGrpSpPr>
-      <p:grpSpPr>
-        <a:xfrm>
-          <a:off x="0" y="0"/>
-          <a:ext cx="0" cy="0"/>
-          <a:chOff x="0" y="0"/>
-          <a:chExt cx="0" cy="0"/>
-        </a:xfrm>
-      </p:grpSpPr>
-      <p:sp>
-        <p:nvSpPr>
-          <p:cNvPr id="2" name="Title 1"/>
-          <p:cNvSpPr>
-            <a:spLocks noGrp="1"/>
-          </p:cNvSpPr>
-          <p:nvPr>
-            <p:ph type="title"/>
-          </p:nvPr>
-        </p:nvSpPr>
-        <p:spPr/>
-        <p:txBody>
-          <a:bodyPr>
             <a:normAutofit fontScale="90000"/>
           </a:bodyPr>
           <a:lstStyle/>
@@ -24917,7 +24643,7 @@
 </p:sld>
 </file>
 
-<file path=ppt/slides/slide32.xml><?xml version="1.0" encoding="utf-8"?>
+<file path=ppt/slides/slide31.xml><?xml version="1.0" encoding="utf-8"?>
 <p:sld xmlns:a="http://schemas.openxmlformats.org/drawingml/2006/main" xmlns:r="http://schemas.openxmlformats.org/officeDocument/2006/relationships" xmlns:p="http://schemas.openxmlformats.org/presentationml/2006/main">
   <p:cSld>
     <p:bg>

--- a/Whiteboard design session/WDS trainer presentation - Continuous delivery in Azure DevOps.pptx
+++ b/Whiteboard design session/WDS trainer presentation - Continuous delivery in Azure DevOps.pptx
@@ -18,7 +18,7 @@
     <p:sldId id="337" r:id="rId9"/>
     <p:sldId id="338" r:id="rId10"/>
     <p:sldId id="339" r:id="rId11"/>
-    <p:sldId id="325" r:id="rId12"/>
+    <p:sldId id="358" r:id="rId12"/>
     <p:sldId id="326" r:id="rId13"/>
     <p:sldId id="340" r:id="rId14"/>
     <p:sldId id="352" r:id="rId15"/>
@@ -231,7 +231,7 @@
           <a:p>
             <a:fld id="{52A13B17-C506-4D51-BB37-16B365906619}" type="datetimeFigureOut">
               <a:rPr lang="en-US" smtClean="0"/>
-              <a:t>8/11/19</a:t>
+              <a:t>8/28/19</a:t>
             </a:fld>
             <a:endParaRPr lang="en-US" dirty="0"/>
           </a:p>
@@ -736,18 +736,78 @@
           <a:bodyPr/>
           <a:lstStyle/>
           <a:p>
+            <a:pPr marL="0" marR="0" lvl="0" indent="0" algn="r" defTabSz="914400" rtl="0" eaLnBrk="1" fontAlgn="auto" latinLnBrk="0" hangingPunct="1">
+              <a:lnSpc>
+                <a:spcPct val="100000"/>
+              </a:lnSpc>
+              <a:spcBef>
+                <a:spcPts val="0"/>
+              </a:spcBef>
+              <a:spcAft>
+                <a:spcPts val="0"/>
+              </a:spcAft>
+              <a:buClrTx/>
+              <a:buSzTx/>
+              <a:buFontTx/>
+              <a:buNone/>
+              <a:tabLst/>
+              <a:defRPr/>
+            </a:pPr>
             <a:fld id="{0998D5BB-B127-481F-BC0A-2F77C576BB34}" type="slidenum">
-              <a:rPr lang="en-US" smtClean="0"/>
+              <a:rPr kumimoji="0" lang="en-US" sz="1200" b="0" i="0" u="none" strike="noStrike" kern="1200" cap="none" spc="0" normalizeH="0" baseline="0" noProof="0" smtClean="0">
+                <a:ln>
+                  <a:noFill/>
+                </a:ln>
+                <a:solidFill>
+                  <a:prstClr val="black"/>
+                </a:solidFill>
+                <a:effectLst/>
+                <a:uLnTx/>
+                <a:uFillTx/>
+                <a:latin typeface="Calibri" panose="020F0502020204030204"/>
+                <a:ea typeface="+mn-ea"/>
+                <a:cs typeface="+mn-cs"/>
+              </a:rPr>
+              <a:pPr marL="0" marR="0" lvl="0" indent="0" algn="r" defTabSz="914400" rtl="0" eaLnBrk="1" fontAlgn="auto" latinLnBrk="0" hangingPunct="1">
+                <a:lnSpc>
+                  <a:spcPct val="100000"/>
+                </a:lnSpc>
+                <a:spcBef>
+                  <a:spcPts val="0"/>
+                </a:spcBef>
+                <a:spcAft>
+                  <a:spcPts val="0"/>
+                </a:spcAft>
+                <a:buClrTx/>
+                <a:buSzTx/>
+                <a:buFontTx/>
+                <a:buNone/>
+                <a:tabLst/>
+                <a:defRPr/>
+              </a:pPr>
               <a:t>10</a:t>
             </a:fld>
-            <a:endParaRPr lang="en-US" dirty="0"/>
+            <a:endParaRPr kumimoji="0" lang="en-US" sz="1200" b="0" i="0" u="none" strike="noStrike" kern="1200" cap="none" spc="0" normalizeH="0" baseline="0" noProof="0" dirty="0">
+              <a:ln>
+                <a:noFill/>
+              </a:ln>
+              <a:solidFill>
+                <a:prstClr val="black"/>
+              </a:solidFill>
+              <a:effectLst/>
+              <a:uLnTx/>
+              <a:uFillTx/>
+              <a:latin typeface="Calibri" panose="020F0502020204030204"/>
+              <a:ea typeface="+mn-ea"/>
+              <a:cs typeface="+mn-cs"/>
+            </a:endParaRPr>
           </a:p>
         </p:txBody>
       </p:sp>
     </p:spTree>
     <p:extLst>
       <p:ext uri="{BB962C8B-B14F-4D97-AF65-F5344CB8AC3E}">
-        <p14:creationId xmlns:p14="http://schemas.microsoft.com/office/powerpoint/2010/main" val="104500755"/>
+        <p14:creationId xmlns:p14="http://schemas.microsoft.com/office/powerpoint/2010/main" val="1278718907"/>
       </p:ext>
     </p:extLst>
   </p:cSld>
@@ -3177,7 +3237,7 @@
                   <a:prstClr val="black"/>
                 </a:solidFill>
               </a:rPr>
-              <a:t>8/11/19 10:53 PM</a:t>
+              <a:t>8/28/19 4:26 PM</a:t>
             </a:fld>
             <a:endParaRPr lang="en-US" dirty="0">
               <a:solidFill>
@@ -15887,65 +15947,23 @@
       </p:grpSpPr>
       <p:sp>
         <p:nvSpPr>
-          <p:cNvPr id="40" name="Title 1">
-            <a:extLst>
-              <a:ext uri="{FF2B5EF4-FFF2-40B4-BE49-F238E27FC236}">
-                <a16:creationId xmlns:a16="http://schemas.microsoft.com/office/drawing/2014/main" id="{800E309D-D3E2-4D48-8D86-DDC4599A0398}"/>
-              </a:ext>
-            </a:extLst>
-          </p:cNvPr>
-          <p:cNvSpPr txBox="1">
-            <a:spLocks/>
+          <p:cNvPr id="2" name="Title 1"/>
+          <p:cNvSpPr>
+            <a:spLocks noGrp="1"/>
           </p:cNvSpPr>
-          <p:nvPr/>
+          <p:nvPr>
+            <p:ph type="title"/>
+          </p:nvPr>
         </p:nvSpPr>
-        <p:spPr>
-          <a:xfrm>
-            <a:off x="269240" y="289511"/>
-            <a:ext cx="11655840" cy="899665"/>
-          </a:xfrm>
-          <a:prstGeom prst="rect">
-            <a:avLst/>
-          </a:prstGeom>
-        </p:spPr>
+        <p:spPr/>
         <p:txBody>
-          <a:bodyPr vert="horz" wrap="square" lIns="146304" tIns="91440" rIns="146304" bIns="91440" rtlCol="0" anchor="t">
+          <a:bodyPr>
             <a:normAutofit/>
           </a:bodyPr>
-          <a:lstStyle>
-            <a:lvl1pPr algn="l" defTabSz="914367" rtl="0" eaLnBrk="1" latinLnBrk="0" hangingPunct="1">
-              <a:lnSpc>
-                <a:spcPct val="90000"/>
-              </a:lnSpc>
-              <a:spcBef>
-                <a:spcPct val="0"/>
-              </a:spcBef>
-              <a:buNone/>
-              <a:defRPr lang="en-US" sz="4705" b="0" kern="1200" cap="none" spc="-100" baseline="0" dirty="0" smtClean="0">
-                <a:ln w="3175">
-                  <a:noFill/>
-                </a:ln>
-                <a:gradFill>
-                  <a:gsLst>
-                    <a:gs pos="1250">
-                      <a:schemeClr val="tx1"/>
-                    </a:gs>
-                    <a:gs pos="100000">
-                      <a:schemeClr val="tx1"/>
-                    </a:gs>
-                  </a:gsLst>
-                  <a:lin ang="5400000" scaled="0"/>
-                </a:gradFill>
-                <a:effectLst/>
-                <a:latin typeface="+mj-lt"/>
-                <a:ea typeface="+mn-ea"/>
-                <a:cs typeface="Segoe UI" pitchFamily="34" charset="0"/>
-              </a:defRPr>
-            </a:lvl1pPr>
-          </a:lstStyle>
-          <a:p>
-            <a:r>
-              <a:rPr lang="en-US" sz="4400">
+          <a:lstStyle/>
+          <a:p>
+            <a:r>
+              <a:rPr lang="en-US" sz="4400" dirty="0">
                 <a:solidFill>
                   <a:schemeClr val="tx1"/>
                 </a:solidFill>
@@ -15959,10 +15977,10 @@
       </p:sp>
       <p:sp>
         <p:nvSpPr>
-          <p:cNvPr id="41" name="Rectangle 40">
+          <p:cNvPr id="20" name="Rectangle 19">
             <a:extLst>
               <a:ext uri="{FF2B5EF4-FFF2-40B4-BE49-F238E27FC236}">
-                <a16:creationId xmlns:a16="http://schemas.microsoft.com/office/drawing/2014/main" id="{41A52B96-7B08-D242-93CF-FF1AD53540AE}"/>
+                <a16:creationId xmlns:a16="http://schemas.microsoft.com/office/drawing/2014/main" id="{A7DF9AD5-882F-4D4B-90F0-DA4ABC4F92A0}"/>
               </a:ext>
             </a:extLst>
           </p:cNvPr>
@@ -16037,10 +16055,10 @@
       </p:sp>
       <p:grpSp>
         <p:nvGrpSpPr>
-          <p:cNvPr id="42" name="Group 41">
+          <p:cNvPr id="3" name="Group 2">
             <a:extLst>
               <a:ext uri="{FF2B5EF4-FFF2-40B4-BE49-F238E27FC236}">
-                <a16:creationId xmlns:a16="http://schemas.microsoft.com/office/drawing/2014/main" id="{2E990415-33D0-DE4D-8C7C-9891F6654DBE}"/>
+                <a16:creationId xmlns:a16="http://schemas.microsoft.com/office/drawing/2014/main" id="{8C99E4B3-CA1D-4B4E-B526-E6E8E985D963}"/>
               </a:ext>
             </a:extLst>
           </p:cNvPr>
@@ -16050,17 +16068,17 @@
         <p:grpSpPr>
           <a:xfrm>
             <a:off x="622299" y="2115254"/>
-            <a:ext cx="10932448" cy="4284400"/>
+            <a:ext cx="10932448" cy="4379040"/>
             <a:chOff x="622299" y="2115254"/>
-            <a:chExt cx="10932448" cy="4284400"/>
+            <a:chExt cx="10932448" cy="4379040"/>
           </a:xfrm>
         </p:grpSpPr>
         <p:grpSp>
           <p:nvGrpSpPr>
-            <p:cNvPr id="43" name="Alt text group" descr="This is a diagram of Tailspin Toys' existing solution architecture. On the left is a Visual Studio icon and the words “development,” “test,” and “master,” which represents the development team hosting its source control in Visual Studio Team Services with branches set up for development, test, and master environments.&#10;&#10;Three arrows point from these environments to a server and monitor icon on the right labeled Manual internal code review &amp; QA on local developer machines.&#10;&#10;An arrow points from this icon to another Visual Studio icon on the right labeled Visual Studio/FTP, which represents developers manually deploying updates through Visual Studio or FTP.&#10;&#10;Two arrows point from this icon to two icons on the right: on the top, Azure App Service with Web App (S3 Instance), and on the bottom, Azure SQL Database (S1 Instance)." title="Existing solution architecture diagram">
+            <p:cNvPr id="62" name="Alt text group" descr="This is a diagram of Tailspin Toys' existing solution architecture. On the left is a Visual Studio icon and the words “development,” “test,” and “master,” which represents the development team hosting its source control in Visual Studio Team Services with branches set up for development, test, and master environments.&#10;&#10;Three arrows point from these environments to a server and monitor icon on the right labeled Manual internal code review &amp; QA on local developer machines.&#10;&#10;An arrow points from this icon to another Visual Studio icon on the right labeled Visual Studio/FTP, which represents developers manually deploying updates through Visual Studio or FTP.&#10;&#10;Two arrows point from this icon to two icons on the right: on the top, Azure App Service with Web App (S3 Instance), and on the bottom, Azure SQL Database (S1 Instance)." title="Existing solution architecture diagram">
               <a:extLst>
                 <a:ext uri="{FF2B5EF4-FFF2-40B4-BE49-F238E27FC236}">
-                  <a16:creationId xmlns:a16="http://schemas.microsoft.com/office/drawing/2014/main" id="{F4B2A987-E31C-D144-8B9C-9E1E1ACC6E89}"/>
+                  <a16:creationId xmlns:a16="http://schemas.microsoft.com/office/drawing/2014/main" id="{9FF7B1F0-4816-4E25-AF53-4F383551D663}"/>
                 </a:ext>
               </a:extLst>
             </p:cNvPr>
@@ -16070,17 +16088,17 @@
           <p:grpSpPr>
             <a:xfrm>
               <a:off x="622299" y="2115254"/>
-              <a:ext cx="10932448" cy="4284400"/>
+              <a:ext cx="10932448" cy="4379040"/>
               <a:chOff x="831849" y="2115254"/>
-              <a:chExt cx="10932448" cy="4284400"/>
+              <a:chExt cx="10932448" cy="4379040"/>
             </a:xfrm>
           </p:grpSpPr>
           <p:sp>
             <p:nvSpPr>
-              <p:cNvPr id="45" name="Rectangle 44">
+              <p:cNvPr id="4" name="Rectangle 3">
                 <a:extLst>
                   <a:ext uri="{FF2B5EF4-FFF2-40B4-BE49-F238E27FC236}">
-                    <a16:creationId xmlns:a16="http://schemas.microsoft.com/office/drawing/2014/main" id="{65C3D07A-AECF-D94A-8B54-EB080692FF76}"/>
+                    <a16:creationId xmlns:a16="http://schemas.microsoft.com/office/drawing/2014/main" id="{FBE81C97-60DA-43A9-9E36-E3BB513C08BE}"/>
                   </a:ext>
                 </a:extLst>
               </p:cNvPr>
@@ -16164,10 +16182,10 @@
           </p:sp>
           <p:pic>
             <p:nvPicPr>
-              <p:cNvPr id="46" name="Picture 45">
+              <p:cNvPr id="5" name="Picture 4">
                 <a:extLst>
                   <a:ext uri="{FF2B5EF4-FFF2-40B4-BE49-F238E27FC236}">
-                    <a16:creationId xmlns:a16="http://schemas.microsoft.com/office/drawing/2014/main" id="{8DDE795C-8023-D141-8675-7D92B7F85798}"/>
+                    <a16:creationId xmlns:a16="http://schemas.microsoft.com/office/drawing/2014/main" id="{99C9F7AE-362B-4DD4-9004-223EA1DDD41E}"/>
                   </a:ext>
                 </a:extLst>
               </p:cNvPr>
@@ -16200,10 +16218,10 @@
           </p:pic>
           <p:sp>
             <p:nvSpPr>
-              <p:cNvPr id="47" name="TextBox 46">
+              <p:cNvPr id="12" name="TextBox 11">
                 <a:extLst>
                   <a:ext uri="{FF2B5EF4-FFF2-40B4-BE49-F238E27FC236}">
-                    <a16:creationId xmlns:a16="http://schemas.microsoft.com/office/drawing/2014/main" id="{67F0F8AC-847A-AA46-9383-6CBD523D5421}"/>
+                    <a16:creationId xmlns:a16="http://schemas.microsoft.com/office/drawing/2014/main" id="{379928B8-4527-4D9E-9EE7-0A4028F33FFC}"/>
                   </a:ext>
                 </a:extLst>
               </p:cNvPr>
@@ -16301,10 +16319,10 @@
           </p:sp>
           <p:sp>
             <p:nvSpPr>
-              <p:cNvPr id="48" name="TextBox 47">
+              <p:cNvPr id="13" name="TextBox 12">
                 <a:extLst>
                   <a:ext uri="{FF2B5EF4-FFF2-40B4-BE49-F238E27FC236}">
-                    <a16:creationId xmlns:a16="http://schemas.microsoft.com/office/drawing/2014/main" id="{F63D6C82-A73A-4E44-A8AE-054E12B93302}"/>
+                    <a16:creationId xmlns:a16="http://schemas.microsoft.com/office/drawing/2014/main" id="{818BDF10-2FC3-4BE3-961A-4094F58844C2}"/>
                   </a:ext>
                 </a:extLst>
               </p:cNvPr>
@@ -16314,7 +16332,7 @@
             <p:spPr>
               <a:xfrm>
                 <a:off x="9972487" y="5235488"/>
-                <a:ext cx="1781978" cy="1037207"/>
+                <a:ext cx="1781978" cy="1258806"/>
               </a:xfrm>
               <a:prstGeom prst="rect">
                 <a:avLst/>
@@ -16359,7 +16377,7 @@
                     <a:ea typeface="+mn-ea"/>
                     <a:cs typeface="+mn-cs"/>
                   </a:rPr>
-                  <a:t>Azure SQL Database</a:t>
+                  <a:t>Azure PostgreSQL Database</a:t>
                 </a:r>
               </a:p>
               <a:p>
@@ -16402,10 +16420,10 @@
           </p:sp>
           <p:cxnSp>
             <p:nvCxnSpPr>
-              <p:cNvPr id="49" name="Straight Connector 48">
+              <p:cNvPr id="19" name="Straight Connector 18">
                 <a:extLst>
                   <a:ext uri="{FF2B5EF4-FFF2-40B4-BE49-F238E27FC236}">
-                    <a16:creationId xmlns:a16="http://schemas.microsoft.com/office/drawing/2014/main" id="{416E899D-9A98-0541-BAF3-9C98C4AB8C58}"/>
+                    <a16:creationId xmlns:a16="http://schemas.microsoft.com/office/drawing/2014/main" id="{CE79BFD8-A1AF-41C1-8025-2BC4EDDA18BB}"/>
                   </a:ext>
                 </a:extLst>
               </p:cNvPr>
@@ -16445,10 +16463,10 @@
           </p:cxnSp>
           <p:grpSp>
             <p:nvGrpSpPr>
-              <p:cNvPr id="50" name="Group 49">
+              <p:cNvPr id="22" name="Group 21">
                 <a:extLst>
                   <a:ext uri="{FF2B5EF4-FFF2-40B4-BE49-F238E27FC236}">
-                    <a16:creationId xmlns:a16="http://schemas.microsoft.com/office/drawing/2014/main" id="{4F21C7CA-BA45-B64E-90EB-36D3454373F9}"/>
+                    <a16:creationId xmlns:a16="http://schemas.microsoft.com/office/drawing/2014/main" id="{FAB42331-B0AE-4792-9EFA-8058224B6627}"/>
                   </a:ext>
                 </a:extLst>
               </p:cNvPr>
@@ -16465,10 +16483,10 @@
             </p:grpSpPr>
             <p:pic>
               <p:nvPicPr>
-                <p:cNvPr id="107" name="Picture 106">
+                <p:cNvPr id="16" name="Picture 15">
                   <a:extLst>
                     <a:ext uri="{FF2B5EF4-FFF2-40B4-BE49-F238E27FC236}">
-                      <a16:creationId xmlns:a16="http://schemas.microsoft.com/office/drawing/2014/main" id="{3E2E791E-6567-EE47-AE01-FE518BDD3C21}"/>
+                      <a16:creationId xmlns:a16="http://schemas.microsoft.com/office/drawing/2014/main" id="{EFFA7D4E-2361-4D0E-8CC5-F8D2FC8A84BC}"/>
                     </a:ext>
                   </a:extLst>
                 </p:cNvPr>
@@ -16501,10 +16519,10 @@
             </p:pic>
             <p:sp>
               <p:nvSpPr>
-                <p:cNvPr id="108" name="TextBox 107">
+                <p:cNvPr id="21" name="TextBox 20">
                   <a:extLst>
                     <a:ext uri="{FF2B5EF4-FFF2-40B4-BE49-F238E27FC236}">
-                      <a16:creationId xmlns:a16="http://schemas.microsoft.com/office/drawing/2014/main" id="{EC56732A-9E54-1C4B-A62F-19E6B9CAFE0D}"/>
+                      <a16:creationId xmlns:a16="http://schemas.microsoft.com/office/drawing/2014/main" id="{2D79299A-4464-4FE2-A565-639FA864E695}"/>
                     </a:ext>
                   </a:extLst>
                 </p:cNvPr>
@@ -16567,10 +16585,10 @@
           </p:grpSp>
           <p:grpSp>
             <p:nvGrpSpPr>
-              <p:cNvPr id="51" name="Group 50">
+              <p:cNvPr id="26" name="Group 25">
                 <a:extLst>
                   <a:ext uri="{FF2B5EF4-FFF2-40B4-BE49-F238E27FC236}">
-                    <a16:creationId xmlns:a16="http://schemas.microsoft.com/office/drawing/2014/main" id="{1C179660-75AA-744A-A34E-A5FF6DC06F46}"/>
+                    <a16:creationId xmlns:a16="http://schemas.microsoft.com/office/drawing/2014/main" id="{6A155122-75A7-47B6-98DD-B3414DC9BEBB}"/>
                   </a:ext>
                 </a:extLst>
               </p:cNvPr>
@@ -16587,10 +16605,10 @@
             </p:grpSpPr>
             <p:pic>
               <p:nvPicPr>
-                <p:cNvPr id="71" name="Picture 70">
+                <p:cNvPr id="24" name="Picture 23">
                   <a:extLst>
                     <a:ext uri="{FF2B5EF4-FFF2-40B4-BE49-F238E27FC236}">
-                      <a16:creationId xmlns:a16="http://schemas.microsoft.com/office/drawing/2014/main" id="{137E7540-F2C4-0C4B-977F-9924F2BA172F}"/>
+                      <a16:creationId xmlns:a16="http://schemas.microsoft.com/office/drawing/2014/main" id="{A981FA67-EAF7-492E-BE74-06F67D281616}"/>
                     </a:ext>
                   </a:extLst>
                 </p:cNvPr>
@@ -16623,10 +16641,10 @@
             </p:pic>
             <p:sp>
               <p:nvSpPr>
-                <p:cNvPr id="106" name="TextBox 105">
+                <p:cNvPr id="25" name="TextBox 24">
                   <a:extLst>
                     <a:ext uri="{FF2B5EF4-FFF2-40B4-BE49-F238E27FC236}">
-                      <a16:creationId xmlns:a16="http://schemas.microsoft.com/office/drawing/2014/main" id="{CF6641AA-B43D-FB47-A05D-70F7F8B64BA4}"/>
+                      <a16:creationId xmlns:a16="http://schemas.microsoft.com/office/drawing/2014/main" id="{B7C0A930-D207-41F2-8BC4-EB1A2B6950EC}"/>
                     </a:ext>
                   </a:extLst>
                 </p:cNvPr>
@@ -16689,10 +16707,10 @@
           </p:grpSp>
           <p:cxnSp>
             <p:nvCxnSpPr>
-              <p:cNvPr id="52" name="Straight Connector 51">
+              <p:cNvPr id="28" name="Straight Connector 27">
                 <a:extLst>
                   <a:ext uri="{FF2B5EF4-FFF2-40B4-BE49-F238E27FC236}">
-                    <a16:creationId xmlns:a16="http://schemas.microsoft.com/office/drawing/2014/main" id="{D99AD6FA-8F55-F948-9416-C8D90DC8F056}"/>
+                    <a16:creationId xmlns:a16="http://schemas.microsoft.com/office/drawing/2014/main" id="{3E1AB382-BC5E-4EC8-9564-66DBCA755598}"/>
                   </a:ext>
                 </a:extLst>
               </p:cNvPr>
@@ -16736,10 +16754,10 @@
           </p:cxnSp>
           <p:sp>
             <p:nvSpPr>
-              <p:cNvPr id="53" name="TextBox 52">
+              <p:cNvPr id="29" name="TextBox 28">
                 <a:extLst>
                   <a:ext uri="{FF2B5EF4-FFF2-40B4-BE49-F238E27FC236}">
-                    <a16:creationId xmlns:a16="http://schemas.microsoft.com/office/drawing/2014/main" id="{BBA30D36-C9AC-CB4C-84EB-6614AC91279A}"/>
+                    <a16:creationId xmlns:a16="http://schemas.microsoft.com/office/drawing/2014/main" id="{2DE7C23F-41EF-4BBB-B466-8C52A4ED067C}"/>
                   </a:ext>
                 </a:extLst>
               </p:cNvPr>
@@ -16801,10 +16819,10 @@
           </p:sp>
           <p:grpSp>
             <p:nvGrpSpPr>
-              <p:cNvPr id="54" name="Group 53">
+              <p:cNvPr id="41" name="Group 40">
                 <a:extLst>
                   <a:ext uri="{FF2B5EF4-FFF2-40B4-BE49-F238E27FC236}">
-                    <a16:creationId xmlns:a16="http://schemas.microsoft.com/office/drawing/2014/main" id="{662E25BB-9F71-FC41-AEC1-DE7093220246}"/>
+                    <a16:creationId xmlns:a16="http://schemas.microsoft.com/office/drawing/2014/main" id="{BB7E9F7B-005E-4F38-99C4-5C402BE4DFBC}"/>
                   </a:ext>
                 </a:extLst>
               </p:cNvPr>
@@ -16821,10 +16839,10 @@
             </p:grpSpPr>
             <p:grpSp>
               <p:nvGrpSpPr>
-                <p:cNvPr id="61" name="Group 60">
+                <p:cNvPr id="40" name="Group 39">
                   <a:extLst>
                     <a:ext uri="{FF2B5EF4-FFF2-40B4-BE49-F238E27FC236}">
-                      <a16:creationId xmlns:a16="http://schemas.microsoft.com/office/drawing/2014/main" id="{630E68E0-669A-1A40-BF57-A14DFBC2C2E6}"/>
+                      <a16:creationId xmlns:a16="http://schemas.microsoft.com/office/drawing/2014/main" id="{3A1E0ACC-CDE7-4889-9C66-ED5D901F01F1}"/>
                     </a:ext>
                   </a:extLst>
                 </p:cNvPr>
@@ -16841,10 +16859,10 @@
               </p:grpSpPr>
               <p:grpSp>
                 <p:nvGrpSpPr>
-                  <p:cNvPr id="65" name="Group 64">
+                  <p:cNvPr id="39" name="Group 38">
                     <a:extLst>
                       <a:ext uri="{FF2B5EF4-FFF2-40B4-BE49-F238E27FC236}">
-                        <a16:creationId xmlns:a16="http://schemas.microsoft.com/office/drawing/2014/main" id="{63B657DA-2990-BF44-BF07-2375788BDFFB}"/>
+                        <a16:creationId xmlns:a16="http://schemas.microsoft.com/office/drawing/2014/main" id="{0FABD9B0-022A-4A6F-9AFE-EE3E9D7E6706}"/>
                       </a:ext>
                     </a:extLst>
                   </p:cNvPr>
@@ -16861,10 +16879,10 @@
                 </p:grpSpPr>
                 <p:grpSp>
                   <p:nvGrpSpPr>
-                    <p:cNvPr id="67" name="Group 66">
+                    <p:cNvPr id="10" name="Group 9">
                       <a:extLst>
                         <a:ext uri="{FF2B5EF4-FFF2-40B4-BE49-F238E27FC236}">
-                          <a16:creationId xmlns:a16="http://schemas.microsoft.com/office/drawing/2014/main" id="{DE932628-CF40-5B4C-940C-549BB3EA62BD}"/>
+                          <a16:creationId xmlns:a16="http://schemas.microsoft.com/office/drawing/2014/main" id="{93A13F4C-93BF-4E9C-8D8C-8DD2C1E4A984}"/>
                         </a:ext>
                       </a:extLst>
                     </p:cNvPr>
@@ -16881,10 +16899,10 @@
                   </p:grpSpPr>
                   <p:pic>
                     <p:nvPicPr>
-                      <p:cNvPr id="69" name="Picture 68">
+                      <p:cNvPr id="8" name="Picture 7">
                         <a:extLst>
                           <a:ext uri="{FF2B5EF4-FFF2-40B4-BE49-F238E27FC236}">
-                            <a16:creationId xmlns:a16="http://schemas.microsoft.com/office/drawing/2014/main" id="{1C5A8A26-7AB0-9245-BA4B-BE493031BA57}"/>
+                            <a16:creationId xmlns:a16="http://schemas.microsoft.com/office/drawing/2014/main" id="{887DEB18-E89F-47AF-91AF-685B1A8499C7}"/>
                           </a:ext>
                         </a:extLst>
                       </p:cNvPr>
@@ -16917,10 +16935,10 @@
                   </p:pic>
                   <p:sp>
                     <p:nvSpPr>
-                      <p:cNvPr id="70" name="TextBox 69">
+                      <p:cNvPr id="15" name="TextBox 14">
                         <a:extLst>
                           <a:ext uri="{FF2B5EF4-FFF2-40B4-BE49-F238E27FC236}">
-                            <a16:creationId xmlns:a16="http://schemas.microsoft.com/office/drawing/2014/main" id="{C55FA7D7-655A-D848-BEF0-53CDC1563A88}"/>
+                            <a16:creationId xmlns:a16="http://schemas.microsoft.com/office/drawing/2014/main" id="{9E33BAC1-87FE-47D1-9ED8-35A9BEE25DD9}"/>
                           </a:ext>
                         </a:extLst>
                       </p:cNvPr>
@@ -16983,10 +17001,10 @@
                 </p:grpSp>
                 <p:sp>
                   <p:nvSpPr>
-                    <p:cNvPr id="68" name="TextBox 67">
+                    <p:cNvPr id="30" name="TextBox 29">
                       <a:extLst>
                         <a:ext uri="{FF2B5EF4-FFF2-40B4-BE49-F238E27FC236}">
-                          <a16:creationId xmlns:a16="http://schemas.microsoft.com/office/drawing/2014/main" id="{B93A9F17-CBED-314E-905D-149570437E6D}"/>
+                          <a16:creationId xmlns:a16="http://schemas.microsoft.com/office/drawing/2014/main" id="{1FDF7D5F-A9D0-4918-BB2A-9F7923E25D61}"/>
                         </a:ext>
                       </a:extLst>
                     </p:cNvPr>
@@ -17049,10 +17067,10 @@
               </p:grpSp>
               <p:sp>
                 <p:nvSpPr>
-                  <p:cNvPr id="66" name="TextBox 65">
+                  <p:cNvPr id="31" name="TextBox 30">
                     <a:extLst>
                       <a:ext uri="{FF2B5EF4-FFF2-40B4-BE49-F238E27FC236}">
-                        <a16:creationId xmlns:a16="http://schemas.microsoft.com/office/drawing/2014/main" id="{6BD03632-3A1E-804A-B1F9-BD63773FB47A}"/>
+                        <a16:creationId xmlns:a16="http://schemas.microsoft.com/office/drawing/2014/main" id="{97C325C1-3411-417C-A0EA-CDE647C38898}"/>
                       </a:ext>
                     </a:extLst>
                   </p:cNvPr>
@@ -17115,10 +17133,10 @@
             </p:grpSp>
             <p:cxnSp>
               <p:nvCxnSpPr>
-                <p:cNvPr id="62" name="Straight Connector 61">
+                <p:cNvPr id="33" name="Straight Connector 32">
                   <a:extLst>
                     <a:ext uri="{FF2B5EF4-FFF2-40B4-BE49-F238E27FC236}">
-                      <a16:creationId xmlns:a16="http://schemas.microsoft.com/office/drawing/2014/main" id="{00F9ABB1-9FEF-D44D-ABF5-1A316E9D1185}"/>
+                      <a16:creationId xmlns:a16="http://schemas.microsoft.com/office/drawing/2014/main" id="{44A222D9-3361-4F50-9008-80E517E62892}"/>
                     </a:ext>
                   </a:extLst>
                 </p:cNvPr>
@@ -17162,10 +17180,10 @@
             </p:cxnSp>
             <p:cxnSp>
               <p:nvCxnSpPr>
-                <p:cNvPr id="63" name="Straight Connector 62">
+                <p:cNvPr id="35" name="Straight Connector 34">
                   <a:extLst>
                     <a:ext uri="{FF2B5EF4-FFF2-40B4-BE49-F238E27FC236}">
-                      <a16:creationId xmlns:a16="http://schemas.microsoft.com/office/drawing/2014/main" id="{83DCD002-A61F-844A-8241-655A82D7ED08}"/>
+                      <a16:creationId xmlns:a16="http://schemas.microsoft.com/office/drawing/2014/main" id="{C8E346AC-B8A7-402F-8F08-57E5685F01D3}"/>
                     </a:ext>
                   </a:extLst>
                 </p:cNvPr>
@@ -17209,10 +17227,10 @@
             </p:cxnSp>
             <p:cxnSp>
               <p:nvCxnSpPr>
-                <p:cNvPr id="64" name="Straight Connector 63">
+                <p:cNvPr id="36" name="Straight Connector 35">
                   <a:extLst>
                     <a:ext uri="{FF2B5EF4-FFF2-40B4-BE49-F238E27FC236}">
-                      <a16:creationId xmlns:a16="http://schemas.microsoft.com/office/drawing/2014/main" id="{8FEC06DC-ADC5-E04B-B7A3-B568A4D9CCD9}"/>
+                      <a16:creationId xmlns:a16="http://schemas.microsoft.com/office/drawing/2014/main" id="{9539FA49-B62F-47F8-BAB9-AE4DA6B56DE2}"/>
                     </a:ext>
                   </a:extLst>
                 </p:cNvPr>
@@ -17257,10 +17275,10 @@
           </p:grpSp>
           <p:cxnSp>
             <p:nvCxnSpPr>
-              <p:cNvPr id="55" name="Straight Arrow Connector 54">
+              <p:cNvPr id="51" name="Straight Arrow Connector 50">
                 <a:extLst>
                   <a:ext uri="{FF2B5EF4-FFF2-40B4-BE49-F238E27FC236}">
-                    <a16:creationId xmlns:a16="http://schemas.microsoft.com/office/drawing/2014/main" id="{2BC8E8A3-1AFB-394B-A317-DE507897BDE0}"/>
+                    <a16:creationId xmlns:a16="http://schemas.microsoft.com/office/drawing/2014/main" id="{77CD2061-C432-4FE7-BAD8-D73D69FC6E9B}"/>
                   </a:ext>
                 </a:extLst>
               </p:cNvPr>
@@ -17304,10 +17322,10 @@
           </p:cxnSp>
           <p:cxnSp>
             <p:nvCxnSpPr>
-              <p:cNvPr id="56" name="Straight Arrow Connector 55">
+              <p:cNvPr id="55" name="Straight Arrow Connector 54">
                 <a:extLst>
                   <a:ext uri="{FF2B5EF4-FFF2-40B4-BE49-F238E27FC236}">
-                    <a16:creationId xmlns:a16="http://schemas.microsoft.com/office/drawing/2014/main" id="{CACA4DF4-480B-6B4E-B080-0911265CA161}"/>
+                    <a16:creationId xmlns:a16="http://schemas.microsoft.com/office/drawing/2014/main" id="{B75395E3-E527-4B6F-B920-9C2E2A3133FF}"/>
                   </a:ext>
                 </a:extLst>
               </p:cNvPr>
@@ -17351,10 +17369,10 @@
           </p:cxnSp>
           <p:cxnSp>
             <p:nvCxnSpPr>
-              <p:cNvPr id="57" name="Straight Arrow Connector 56">
+              <p:cNvPr id="56" name="Straight Arrow Connector 55">
                 <a:extLst>
                   <a:ext uri="{FF2B5EF4-FFF2-40B4-BE49-F238E27FC236}">
-                    <a16:creationId xmlns:a16="http://schemas.microsoft.com/office/drawing/2014/main" id="{F9626C54-CDC9-5344-BA4A-C69EC1F9AB3F}"/>
+                    <a16:creationId xmlns:a16="http://schemas.microsoft.com/office/drawing/2014/main" id="{1212FB9E-3633-4C68-BC3B-C30A1BA53799}"/>
                   </a:ext>
                 </a:extLst>
               </p:cNvPr>
@@ -17398,10 +17416,10 @@
           </p:cxnSp>
           <p:cxnSp>
             <p:nvCxnSpPr>
-              <p:cNvPr id="58" name="Straight Arrow Connector 57">
+              <p:cNvPr id="57" name="Straight Arrow Connector 56">
                 <a:extLst>
                   <a:ext uri="{FF2B5EF4-FFF2-40B4-BE49-F238E27FC236}">
-                    <a16:creationId xmlns:a16="http://schemas.microsoft.com/office/drawing/2014/main" id="{3EBAA87C-2E46-7242-A3BF-E6B76F25B89E}"/>
+                    <a16:creationId xmlns:a16="http://schemas.microsoft.com/office/drawing/2014/main" id="{0664FB98-8381-4BA7-8425-5FBDE7C3D48F}"/>
                   </a:ext>
                 </a:extLst>
               </p:cNvPr>
@@ -17445,10 +17463,10 @@
           </p:cxnSp>
           <p:cxnSp>
             <p:nvCxnSpPr>
-              <p:cNvPr id="59" name="Straight Arrow Connector 58">
+              <p:cNvPr id="60" name="Straight Arrow Connector 59">
                 <a:extLst>
                   <a:ext uri="{FF2B5EF4-FFF2-40B4-BE49-F238E27FC236}">
-                    <a16:creationId xmlns:a16="http://schemas.microsoft.com/office/drawing/2014/main" id="{DEC603F4-910F-A04A-B9AD-97C1F23E7B10}"/>
+                    <a16:creationId xmlns:a16="http://schemas.microsoft.com/office/drawing/2014/main" id="{C049AD7A-F2F9-4389-9F66-F527BB91EBC1}"/>
                   </a:ext>
                 </a:extLst>
               </p:cNvPr>
@@ -17492,10 +17510,10 @@
           </p:cxnSp>
           <p:cxnSp>
             <p:nvCxnSpPr>
-              <p:cNvPr id="60" name="Straight Arrow Connector 59">
+              <p:cNvPr id="61" name="Straight Arrow Connector 60">
                 <a:extLst>
                   <a:ext uri="{FF2B5EF4-FFF2-40B4-BE49-F238E27FC236}">
-                    <a16:creationId xmlns:a16="http://schemas.microsoft.com/office/drawing/2014/main" id="{3C270B36-599D-594F-B0B5-D093C718AF6F}"/>
+                    <a16:creationId xmlns:a16="http://schemas.microsoft.com/office/drawing/2014/main" id="{385C4E28-8977-4B1F-AA9D-64A196A2E1C2}"/>
                   </a:ext>
                 </a:extLst>
               </p:cNvPr>
@@ -17540,10 +17558,10 @@
         </p:grpSp>
         <p:pic>
           <p:nvPicPr>
-            <p:cNvPr id="44" name="Picture 43">
+            <p:cNvPr id="38" name="Picture 37">
               <a:extLst>
                 <a:ext uri="{FF2B5EF4-FFF2-40B4-BE49-F238E27FC236}">
-                  <a16:creationId xmlns:a16="http://schemas.microsoft.com/office/drawing/2014/main" id="{4ECE8C4B-26BB-9F40-AA82-43E8076DEB4B}"/>
+                  <a16:creationId xmlns:a16="http://schemas.microsoft.com/office/drawing/2014/main" id="{C6DA6E5A-6E33-C541-BA30-EE98EB86F5A4}"/>
                 </a:ext>
               </a:extLst>
             </p:cNvPr>
@@ -17571,10 +17589,10 @@
       </p:grpSp>
       <p:pic>
         <p:nvPicPr>
-          <p:cNvPr id="109" name="Graphic 108">
+          <p:cNvPr id="42" name="Graphic 41">
             <a:extLst>
               <a:ext uri="{FF2B5EF4-FFF2-40B4-BE49-F238E27FC236}">
-                <a16:creationId xmlns:a16="http://schemas.microsoft.com/office/drawing/2014/main" id="{0F381CC5-3924-0E4B-BD26-7CBEE002B377}"/>
+                <a16:creationId xmlns:a16="http://schemas.microsoft.com/office/drawing/2014/main" id="{5AD105B8-7589-5445-9FBB-D4E80C14DC01}"/>
               </a:ext>
             </a:extLst>
           </p:cNvPr>
@@ -17611,7 +17629,7 @@
     </p:spTree>
     <p:extLst>
       <p:ext uri="{BB962C8B-B14F-4D97-AF65-F5344CB8AC3E}">
-        <p14:creationId xmlns:p14="http://schemas.microsoft.com/office/powerpoint/2010/main" val="3735592401"/>
+        <p14:creationId xmlns:p14="http://schemas.microsoft.com/office/powerpoint/2010/main" val="3236685712"/>
       </p:ext>
     </p:extLst>
   </p:cSld>
@@ -24755,7 +24773,7 @@
         <p:spPr>
           <a:xfrm>
             <a:off x="340285" y="1741246"/>
-            <a:ext cx="11584795" cy="4604337"/>
+            <a:ext cx="11584795" cy="4173450"/>
           </a:xfrm>
           <a:prstGeom prst="rect">
             <a:avLst/>
@@ -24770,7 +24788,7 @@
           <a:p>
             <a:r>
               <a:rPr lang="en-US" sz="2800" dirty="0"/>
-              <a:t>Based in Portland, OR, Tailspin Toys, Inc. makes and sells one of the world’s leading integrated construction systems for children. Their products are sold worldwide and can be virtually explored on their public website.</a:t>
+              <a:t>Based in Portland, OR, Tailspin Toys, Inc. makes and sells one of the world’s leading integrated construction systems for children. Their products are sold worldwide and can be virtually explored on their public website which runs on Angular, .NET Core, and PostgreSQL.</a:t>
             </a:r>
           </a:p>
           <a:p>

--- a/Whiteboard design session/WDS trainer presentation - Continuous delivery in Azure DevOps.pptx
+++ b/Whiteboard design session/WDS trainer presentation - Continuous delivery in Azure DevOps.pptx
@@ -231,7 +231,7 @@
           <a:p>
             <a:fld id="{52A13B17-C506-4D51-BB37-16B365906619}" type="datetimeFigureOut">
               <a:rPr lang="en-US" smtClean="0"/>
-              <a:t>8/28/19</a:t>
+              <a:t>12/6/2019</a:t>
             </a:fld>
             <a:endParaRPr lang="en-US" dirty="0"/>
           </a:p>
@@ -3237,7 +3237,7 @@
                   <a:prstClr val="black"/>
                 </a:solidFill>
               </a:rPr>
-              <a:t>8/28/19 4:26 PM</a:t>
+              <a:t>12/6/2019 1:20 AM</a:t>
             </a:fld>
             <a:endParaRPr lang="en-US" dirty="0">
               <a:solidFill>
@@ -18021,6 +18021,36 @@
           </a:p>
         </p:txBody>
       </p:sp>
+      <p:pic>
+        <p:nvPicPr>
+          <p:cNvPr id="4" name="Picture 3">
+            <a:extLst>
+              <a:ext uri="{FF2B5EF4-FFF2-40B4-BE49-F238E27FC236}">
+                <a16:creationId xmlns:a16="http://schemas.microsoft.com/office/drawing/2014/main" id="{04695CDB-6CA5-48B4-B109-1296E4768E99}"/>
+              </a:ext>
+            </a:extLst>
+          </p:cNvPr>
+          <p:cNvPicPr>
+            <a:picLocks noChangeAspect="1"/>
+          </p:cNvPicPr>
+          <p:nvPr/>
+        </p:nvPicPr>
+        <p:blipFill>
+          <a:blip r:embed="rId3"/>
+          <a:stretch>
+            <a:fillRect/>
+          </a:stretch>
+        </p:blipFill>
+        <p:spPr>
+          <a:xfrm>
+            <a:off x="6186331" y="2604806"/>
+            <a:ext cx="490204" cy="508000"/>
+          </a:xfrm>
+          <a:prstGeom prst="rect">
+            <a:avLst/>
+          </a:prstGeom>
+        </p:spPr>
+      </p:pic>
       <p:sp>
         <p:nvSpPr>
           <p:cNvPr id="3" name="Title 2">
@@ -18049,1020 +18079,963 @@
           </a:p>
         </p:txBody>
       </p:sp>
-      <p:grpSp>
-        <p:nvGrpSpPr>
-          <p:cNvPr id="88" name="Group 87">
+      <p:pic>
+        <p:nvPicPr>
+          <p:cNvPr id="89" name="Picture 88">
             <a:extLst>
               <a:ext uri="{FF2B5EF4-FFF2-40B4-BE49-F238E27FC236}">
-                <a16:creationId xmlns:a16="http://schemas.microsoft.com/office/drawing/2014/main" id="{E9676A41-2DC5-884D-B94C-FDFACB27B51B}"/>
+                <a16:creationId xmlns:a16="http://schemas.microsoft.com/office/drawing/2014/main" id="{6276561F-EBC2-0A45-B589-1BBFEF85A9DA}"/>
               </a:ext>
             </a:extLst>
           </p:cNvPr>
-          <p:cNvGrpSpPr/>
+          <p:cNvPicPr>
+            <a:picLocks noChangeAspect="1"/>
+          </p:cNvPicPr>
           <p:nvPr/>
-        </p:nvGrpSpPr>
-        <p:grpSpPr>
+        </p:nvPicPr>
+        <p:blipFill>
+          <a:blip r:embed="rId4" cstate="print">
+            <a:extLst>
+              <a:ext uri="{28A0092B-C50C-407E-A947-70E740481C1C}">
+                <a14:useLocalDpi xmlns:a14="http://schemas.microsoft.com/office/drawing/2010/main" val="0"/>
+              </a:ext>
+            </a:extLst>
+          </a:blip>
+          <a:stretch>
+            <a:fillRect/>
+          </a:stretch>
+        </p:blipFill>
+        <p:spPr>
+          <a:xfrm>
+            <a:off x="596740" y="3269471"/>
+            <a:ext cx="481585" cy="481585"/>
+          </a:xfrm>
+          <a:prstGeom prst="rect">
+            <a:avLst/>
+          </a:prstGeom>
+        </p:spPr>
+      </p:pic>
+      <p:sp>
+        <p:nvSpPr>
+          <p:cNvPr id="90" name="TextBox 89">
+            <a:extLst>
+              <a:ext uri="{FF2B5EF4-FFF2-40B4-BE49-F238E27FC236}">
+                <a16:creationId xmlns:a16="http://schemas.microsoft.com/office/drawing/2014/main" id="{F5107D4E-FDF7-5144-9B0B-67BC47016A7A}"/>
+              </a:ext>
+            </a:extLst>
+          </p:cNvPr>
+          <p:cNvSpPr txBox="1"/>
+          <p:nvPr/>
+        </p:nvSpPr>
+        <p:spPr>
+          <a:xfrm>
+            <a:off x="1240469" y="2021875"/>
+            <a:ext cx="4363720" cy="400110"/>
+          </a:xfrm>
+          <a:prstGeom prst="rect">
+            <a:avLst/>
+          </a:prstGeom>
+          <a:noFill/>
+        </p:spPr>
+        <p:txBody>
+          <a:bodyPr wrap="square" rtlCol="0">
+            <a:spAutoFit/>
+          </a:bodyPr>
+          <a:lstStyle/>
+          <a:p>
+            <a:r>
+              <a:rPr lang="en-US" sz="2000" dirty="0"/>
+              <a:t>Azure DevOps</a:t>
+            </a:r>
+          </a:p>
+        </p:txBody>
+      </p:sp>
+      <p:sp>
+        <p:nvSpPr>
+          <p:cNvPr id="91" name="TextBox 90">
+            <a:extLst>
+              <a:ext uri="{FF2B5EF4-FFF2-40B4-BE49-F238E27FC236}">
+                <a16:creationId xmlns:a16="http://schemas.microsoft.com/office/drawing/2014/main" id="{2551AD69-BCF9-234C-A556-8243E7EBC1B7}"/>
+              </a:ext>
+            </a:extLst>
+          </p:cNvPr>
+          <p:cNvSpPr txBox="1"/>
+          <p:nvPr/>
+        </p:nvSpPr>
+        <p:spPr>
+          <a:xfrm>
+            <a:off x="1260789" y="2680773"/>
+            <a:ext cx="4751697" cy="400110"/>
+          </a:xfrm>
+          <a:prstGeom prst="rect">
+            <a:avLst/>
+          </a:prstGeom>
+          <a:noFill/>
+        </p:spPr>
+        <p:txBody>
+          <a:bodyPr wrap="square" rtlCol="0">
+            <a:spAutoFit/>
+          </a:bodyPr>
+          <a:lstStyle/>
+          <a:p>
+            <a:r>
+              <a:rPr lang="en-US" sz="2000" dirty="0"/>
+              <a:t>Azure Repos</a:t>
+            </a:r>
+          </a:p>
+        </p:txBody>
+      </p:sp>
+      <p:sp>
+        <p:nvSpPr>
+          <p:cNvPr id="92" name="TextBox 91">
+            <a:extLst>
+              <a:ext uri="{FF2B5EF4-FFF2-40B4-BE49-F238E27FC236}">
+                <a16:creationId xmlns:a16="http://schemas.microsoft.com/office/drawing/2014/main" id="{3E3E1ADB-2DB6-784D-9B2A-1E82D13A8507}"/>
+              </a:ext>
+            </a:extLst>
+          </p:cNvPr>
+          <p:cNvSpPr txBox="1"/>
+          <p:nvPr/>
+        </p:nvSpPr>
+        <p:spPr>
+          <a:xfrm>
+            <a:off x="1260789" y="3351655"/>
+            <a:ext cx="5725280" cy="400110"/>
+          </a:xfrm>
+          <a:prstGeom prst="rect">
+            <a:avLst/>
+          </a:prstGeom>
+          <a:noFill/>
+        </p:spPr>
+        <p:txBody>
+          <a:bodyPr wrap="square" rtlCol="0">
+            <a:spAutoFit/>
+          </a:bodyPr>
+          <a:lstStyle/>
+          <a:p>
+            <a:r>
+              <a:rPr lang="en-US" sz="2000" dirty="0"/>
+              <a:t>Azure DevOps with GitHub</a:t>
+            </a:r>
+          </a:p>
+        </p:txBody>
+      </p:sp>
+      <p:sp>
+        <p:nvSpPr>
+          <p:cNvPr id="94" name="TextBox 93">
+            <a:extLst>
+              <a:ext uri="{FF2B5EF4-FFF2-40B4-BE49-F238E27FC236}">
+                <a16:creationId xmlns:a16="http://schemas.microsoft.com/office/drawing/2014/main" id="{1137E064-AB24-4E4B-8EEC-606BF4C9ACE6}"/>
+              </a:ext>
+            </a:extLst>
+          </p:cNvPr>
+          <p:cNvSpPr txBox="1"/>
+          <p:nvPr/>
+        </p:nvSpPr>
+        <p:spPr>
+          <a:xfrm>
+            <a:off x="6868458" y="2686511"/>
+            <a:ext cx="5725280" cy="400110"/>
+          </a:xfrm>
+          <a:prstGeom prst="rect">
+            <a:avLst/>
+          </a:prstGeom>
+          <a:noFill/>
+        </p:spPr>
+        <p:txBody>
+          <a:bodyPr wrap="square" rtlCol="0">
+            <a:spAutoFit/>
+          </a:bodyPr>
+          <a:lstStyle/>
+          <a:p>
+            <a:r>
+              <a:rPr lang="en-US" sz="2000" dirty="0"/>
+              <a:t>Azure Web Apps</a:t>
+            </a:r>
+          </a:p>
+        </p:txBody>
+      </p:sp>
+      <p:sp>
+        <p:nvSpPr>
+          <p:cNvPr id="95" name="TextBox 94">
+            <a:extLst>
+              <a:ext uri="{FF2B5EF4-FFF2-40B4-BE49-F238E27FC236}">
+                <a16:creationId xmlns:a16="http://schemas.microsoft.com/office/drawing/2014/main" id="{A4E4334B-62CC-BA42-8923-2B43F0112C64}"/>
+              </a:ext>
+            </a:extLst>
+          </p:cNvPr>
+          <p:cNvSpPr txBox="1"/>
+          <p:nvPr/>
+        </p:nvSpPr>
+        <p:spPr>
+          <a:xfrm>
+            <a:off x="6868458" y="3351655"/>
+            <a:ext cx="5725280" cy="400110"/>
+          </a:xfrm>
+          <a:prstGeom prst="rect">
+            <a:avLst/>
+          </a:prstGeom>
+          <a:noFill/>
+        </p:spPr>
+        <p:txBody>
+          <a:bodyPr wrap="square" rtlCol="0">
+            <a:spAutoFit/>
+          </a:bodyPr>
+          <a:lstStyle/>
+          <a:p>
+            <a:r>
+              <a:rPr lang="en-US" sz="2000" dirty="0"/>
+              <a:t>Azure PostreSQL Database</a:t>
+            </a:r>
+          </a:p>
+        </p:txBody>
+      </p:sp>
+      <p:cxnSp>
+        <p:nvCxnSpPr>
+          <p:cNvPr id="96" name="Straight Arrow Connector 95">
+            <a:extLst>
+              <a:ext uri="{FF2B5EF4-FFF2-40B4-BE49-F238E27FC236}">
+                <a16:creationId xmlns:a16="http://schemas.microsoft.com/office/drawing/2014/main" id="{D3A0320F-285E-B344-9A30-657BFD4A5593}"/>
+              </a:ext>
+            </a:extLst>
+          </p:cNvPr>
+          <p:cNvCxnSpPr>
+            <a:cxnSpLocks/>
+            <a:stCxn id="100" idx="3"/>
+            <a:endCxn id="101" idx="1"/>
+          </p:cNvCxnSpPr>
+          <p:nvPr/>
+        </p:nvCxnSpPr>
+        <p:spPr>
+          <a:xfrm>
+            <a:off x="2995792" y="4666243"/>
+            <a:ext cx="465694" cy="0"/>
+          </a:xfrm>
+          <a:prstGeom prst="straightConnector1">
+            <a:avLst/>
+          </a:prstGeom>
+          <a:ln w="9525" cap="flat" cmpd="sng" algn="ctr">
+            <a:solidFill>
+              <a:schemeClr val="accent6"/>
+            </a:solidFill>
+            <a:prstDash val="solid"/>
+            <a:round/>
+            <a:headEnd type="none" w="med" len="med"/>
+            <a:tailEnd type="arrow" w="med" len="med"/>
+          </a:ln>
+        </p:spPr>
+        <p:style>
+          <a:lnRef idx="0">
+            <a:scrgbClr r="0" g="0" b="0"/>
+          </a:lnRef>
+          <a:fillRef idx="0">
+            <a:scrgbClr r="0" g="0" b="0"/>
+          </a:fillRef>
+          <a:effectRef idx="0">
+            <a:scrgbClr r="0" g="0" b="0"/>
+          </a:effectRef>
+          <a:fontRef idx="minor">
+            <a:schemeClr val="tx1"/>
+          </a:fontRef>
+        </p:style>
+      </p:cxnSp>
+      <p:cxnSp>
+        <p:nvCxnSpPr>
+          <p:cNvPr id="97" name="Straight Arrow Connector 96">
+            <a:extLst>
+              <a:ext uri="{FF2B5EF4-FFF2-40B4-BE49-F238E27FC236}">
+                <a16:creationId xmlns:a16="http://schemas.microsoft.com/office/drawing/2014/main" id="{BC4BAE5C-7CBB-2645-B693-B5918A80E60A}"/>
+              </a:ext>
+            </a:extLst>
+          </p:cNvPr>
+          <p:cNvCxnSpPr>
+            <a:cxnSpLocks/>
+            <a:stCxn id="101" idx="3"/>
+            <a:endCxn id="102" idx="1"/>
+          </p:cNvCxnSpPr>
+          <p:nvPr/>
+        </p:nvCxnSpPr>
+        <p:spPr>
+          <a:xfrm>
+            <a:off x="5142447" y="4666243"/>
+            <a:ext cx="465694" cy="0"/>
+          </a:xfrm>
+          <a:prstGeom prst="straightConnector1">
+            <a:avLst/>
+          </a:prstGeom>
+          <a:ln w="9525" cap="flat" cmpd="sng" algn="ctr">
+            <a:solidFill>
+              <a:schemeClr val="accent6"/>
+            </a:solidFill>
+            <a:prstDash val="solid"/>
+            <a:round/>
+            <a:headEnd type="none" w="med" len="med"/>
+            <a:tailEnd type="arrow" w="med" len="med"/>
+          </a:ln>
+        </p:spPr>
+        <p:style>
+          <a:lnRef idx="0">
+            <a:scrgbClr r="0" g="0" b="0"/>
+          </a:lnRef>
+          <a:fillRef idx="0">
+            <a:scrgbClr r="0" g="0" b="0"/>
+          </a:fillRef>
+          <a:effectRef idx="0">
+            <a:scrgbClr r="0" g="0" b="0"/>
+          </a:effectRef>
+          <a:fontRef idx="minor">
+            <a:schemeClr val="tx1"/>
+          </a:fontRef>
+        </p:style>
+      </p:cxnSp>
+      <p:cxnSp>
+        <p:nvCxnSpPr>
+          <p:cNvPr id="98" name="Straight Arrow Connector 97">
+            <a:extLst>
+              <a:ext uri="{FF2B5EF4-FFF2-40B4-BE49-F238E27FC236}">
+                <a16:creationId xmlns:a16="http://schemas.microsoft.com/office/drawing/2014/main" id="{D0D3FAA1-451B-144B-A568-5F736357D4EC}"/>
+              </a:ext>
+            </a:extLst>
+          </p:cNvPr>
+          <p:cNvCxnSpPr>
+            <a:cxnSpLocks/>
+            <a:stCxn id="102" idx="3"/>
+            <a:endCxn id="103" idx="1"/>
+          </p:cNvCxnSpPr>
+          <p:nvPr/>
+        </p:nvCxnSpPr>
+        <p:spPr>
+          <a:xfrm>
+            <a:off x="7289102" y="4666243"/>
+            <a:ext cx="465694" cy="0"/>
+          </a:xfrm>
+          <a:prstGeom prst="straightConnector1">
+            <a:avLst/>
+          </a:prstGeom>
+          <a:ln w="9525" cap="flat" cmpd="sng" algn="ctr">
+            <a:solidFill>
+              <a:schemeClr val="accent6"/>
+            </a:solidFill>
+            <a:prstDash val="solid"/>
+            <a:round/>
+            <a:headEnd type="none" w="med" len="med"/>
+            <a:tailEnd type="arrow" w="med" len="med"/>
+          </a:ln>
+        </p:spPr>
+        <p:style>
+          <a:lnRef idx="0">
+            <a:scrgbClr r="0" g="0" b="0"/>
+          </a:lnRef>
+          <a:fillRef idx="0">
+            <a:scrgbClr r="0" g="0" b="0"/>
+          </a:fillRef>
+          <a:effectRef idx="0">
+            <a:scrgbClr r="0" g="0" b="0"/>
+          </a:effectRef>
+          <a:fontRef idx="minor">
+            <a:schemeClr val="tx1"/>
+          </a:fontRef>
+        </p:style>
+      </p:cxnSp>
+      <p:cxnSp>
+        <p:nvCxnSpPr>
+          <p:cNvPr id="99" name="Straight Arrow Connector 98">
+            <a:extLst>
+              <a:ext uri="{FF2B5EF4-FFF2-40B4-BE49-F238E27FC236}">
+                <a16:creationId xmlns:a16="http://schemas.microsoft.com/office/drawing/2014/main" id="{30435B2B-6826-7842-B0FF-05D2012A05FD}"/>
+              </a:ext>
+            </a:extLst>
+          </p:cNvPr>
+          <p:cNvCxnSpPr>
+            <a:cxnSpLocks/>
+            <a:stCxn id="103" idx="3"/>
+            <a:endCxn id="104" idx="1"/>
+          </p:cNvCxnSpPr>
+          <p:nvPr/>
+        </p:nvCxnSpPr>
+        <p:spPr>
+          <a:xfrm>
+            <a:off x="9435757" y="4666243"/>
+            <a:ext cx="465694" cy="0"/>
+          </a:xfrm>
+          <a:prstGeom prst="straightConnector1">
+            <a:avLst/>
+          </a:prstGeom>
+          <a:ln w="9525" cap="flat" cmpd="sng" algn="ctr">
+            <a:solidFill>
+              <a:schemeClr val="accent6"/>
+            </a:solidFill>
+            <a:prstDash val="solid"/>
+            <a:round/>
+            <a:headEnd type="none" w="med" len="med"/>
+            <a:tailEnd type="arrow" w="med" len="med"/>
+          </a:ln>
+        </p:spPr>
+        <p:style>
+          <a:lnRef idx="0">
+            <a:scrgbClr r="0" g="0" b="0"/>
+          </a:lnRef>
+          <a:fillRef idx="0">
+            <a:scrgbClr r="0" g="0" b="0"/>
+          </a:fillRef>
+          <a:effectRef idx="0">
+            <a:scrgbClr r="0" g="0" b="0"/>
+          </a:effectRef>
+          <a:fontRef idx="minor">
+            <a:schemeClr val="tx1"/>
+          </a:fontRef>
+        </p:style>
+      </p:cxnSp>
+      <p:sp>
+        <p:nvSpPr>
+          <p:cNvPr id="100" name="Rectangle 99">
+            <a:extLst>
+              <a:ext uri="{FF2B5EF4-FFF2-40B4-BE49-F238E27FC236}">
+                <a16:creationId xmlns:a16="http://schemas.microsoft.com/office/drawing/2014/main" id="{576729F6-E197-FA4C-8E9D-DCE4120B2FEE}"/>
+              </a:ext>
+            </a:extLst>
+          </p:cNvPr>
+          <p:cNvSpPr/>
+          <p:nvPr/>
+        </p:nvSpPr>
+        <p:spPr bwMode="auto">
+          <a:xfrm>
+            <a:off x="611564" y="4272604"/>
+            <a:ext cx="2384228" cy="787277"/>
+          </a:xfrm>
+          <a:prstGeom prst="rect">
+            <a:avLst/>
+          </a:prstGeom>
+          <a:solidFill>
+            <a:srgbClr val="002060"/>
+          </a:solidFill>
+          <a:ln>
+            <a:noFill/>
+            <a:headEnd type="none" w="med" len="med"/>
+            <a:tailEnd type="none" w="med" len="med"/>
+          </a:ln>
+          <a:effectLst/>
+        </p:spPr>
+        <p:style>
+          <a:lnRef idx="1">
+            <a:schemeClr val="accent2"/>
+          </a:lnRef>
+          <a:fillRef idx="3">
+            <a:schemeClr val="accent2"/>
+          </a:fillRef>
+          <a:effectRef idx="2">
+            <a:schemeClr val="accent2"/>
+          </a:effectRef>
+          <a:fontRef idx="minor">
+            <a:schemeClr val="lt1"/>
+          </a:fontRef>
+        </p:style>
+        <p:txBody>
+          <a:bodyPr rot="0" spcFirstLastPara="0" vertOverflow="overflow" horzOverflow="overflow" vert="horz" wrap="square" lIns="182857" tIns="146285" rIns="182857" bIns="146285" numCol="1" spcCol="0" rtlCol="0" fromWordArt="0" anchor="t" anchorCtr="0" forceAA="0" compatLnSpc="1">
+            <a:prstTxWarp prst="textNoShape">
+              <a:avLst/>
+            </a:prstTxWarp>
+            <a:noAutofit/>
+          </a:bodyPr>
+          <a:lstStyle/>
+          <a:p>
+            <a:pPr marL="0" marR="0" lvl="0" indent="0" algn="ctr" defTabSz="932021" rtl="0" eaLnBrk="1" fontAlgn="auto" latinLnBrk="0" hangingPunct="1">
+              <a:lnSpc>
+                <a:spcPct val="90000"/>
+              </a:lnSpc>
+              <a:spcBef>
+                <a:spcPts val="0"/>
+              </a:spcBef>
+              <a:spcAft>
+                <a:spcPts val="0"/>
+              </a:spcAft>
+              <a:buClrTx/>
+              <a:buSzTx/>
+              <a:buFontTx/>
+              <a:buNone/>
+              <a:tabLst/>
+              <a:defRPr/>
+            </a:pPr>
+            <a:r>
+              <a:rPr kumimoji="0" lang="en-US" sz="1400" b="1" i="0" u="none" strike="noStrike" kern="0" cap="none" spc="0" normalizeH="0" baseline="0" noProof="0" dirty="0">
+                <a:ln>
+                  <a:noFill/>
+                </a:ln>
+                <a:gradFill>
+                  <a:gsLst>
+                    <a:gs pos="0">
+                      <a:srgbClr val="FFFFFF"/>
+                    </a:gs>
+                    <a:gs pos="100000">
+                      <a:srgbClr val="FFFFFF"/>
+                    </a:gs>
+                  </a:gsLst>
+                  <a:lin ang="5400000" scaled="0"/>
+                </a:gradFill>
+                <a:effectLst/>
+                <a:uLnTx/>
+                <a:uFillTx/>
+                <a:latin typeface="Segoe UI Light"/>
+                <a:ea typeface="Segoe UI" pitchFamily="34" charset="0"/>
+                <a:cs typeface="Segoe UI" pitchFamily="34" charset="0"/>
+              </a:rPr>
+              <a:t>SOURCE CONTROL</a:t>
+            </a:r>
+          </a:p>
+        </p:txBody>
+      </p:sp>
+      <p:sp>
+        <p:nvSpPr>
+          <p:cNvPr id="101" name="Rectangle 100">
+            <a:extLst>
+              <a:ext uri="{FF2B5EF4-FFF2-40B4-BE49-F238E27FC236}">
+                <a16:creationId xmlns:a16="http://schemas.microsoft.com/office/drawing/2014/main" id="{6938DFFB-2E41-6B44-ABA0-FF6C35412EFF}"/>
+              </a:ext>
+            </a:extLst>
+          </p:cNvPr>
+          <p:cNvSpPr/>
+          <p:nvPr/>
+        </p:nvSpPr>
+        <p:spPr bwMode="auto">
+          <a:xfrm>
+            <a:off x="3461486" y="4272604"/>
+            <a:ext cx="1680961" cy="787277"/>
+          </a:xfrm>
+          <a:prstGeom prst="rect">
+            <a:avLst/>
+          </a:prstGeom>
+          <a:solidFill>
+            <a:srgbClr val="002060"/>
+          </a:solidFill>
+          <a:ln>
+            <a:noFill/>
+            <a:headEnd type="none" w="med" len="med"/>
+            <a:tailEnd type="none" w="med" len="med"/>
+          </a:ln>
+          <a:effectLst/>
+        </p:spPr>
+        <p:style>
+          <a:lnRef idx="1">
+            <a:schemeClr val="accent2"/>
+          </a:lnRef>
+          <a:fillRef idx="3">
+            <a:schemeClr val="accent2"/>
+          </a:fillRef>
+          <a:effectRef idx="2">
+            <a:schemeClr val="accent2"/>
+          </a:effectRef>
+          <a:fontRef idx="minor">
+            <a:schemeClr val="lt1"/>
+          </a:fontRef>
+        </p:style>
+        <p:txBody>
+          <a:bodyPr rot="0" spcFirstLastPara="0" vertOverflow="overflow" horzOverflow="overflow" vert="horz" wrap="square" lIns="182857" tIns="146285" rIns="182857" bIns="146285" numCol="1" spcCol="0" rtlCol="0" fromWordArt="0" anchor="t" anchorCtr="0" forceAA="0" compatLnSpc="1">
+            <a:prstTxWarp prst="textNoShape">
+              <a:avLst/>
+            </a:prstTxWarp>
+            <a:noAutofit/>
+          </a:bodyPr>
+          <a:lstStyle/>
+          <a:p>
+            <a:pPr marL="0" marR="0" lvl="0" indent="0" algn="ctr" defTabSz="932021" rtl="0" eaLnBrk="1" fontAlgn="auto" latinLnBrk="0" hangingPunct="1">
+              <a:lnSpc>
+                <a:spcPct val="90000"/>
+              </a:lnSpc>
+              <a:spcBef>
+                <a:spcPts val="0"/>
+              </a:spcBef>
+              <a:spcAft>
+                <a:spcPts val="0"/>
+              </a:spcAft>
+              <a:buClrTx/>
+              <a:buSzTx/>
+              <a:buFontTx/>
+              <a:buNone/>
+              <a:tabLst/>
+              <a:defRPr/>
+            </a:pPr>
+            <a:r>
+              <a:rPr kumimoji="0" lang="en-US" sz="1400" b="1" i="0" u="none" strike="noStrike" kern="0" cap="none" spc="0" normalizeH="0" baseline="0" noProof="0" dirty="0">
+                <a:ln>
+                  <a:noFill/>
+                </a:ln>
+                <a:gradFill>
+                  <a:gsLst>
+                    <a:gs pos="0">
+                      <a:srgbClr val="FFFFFF"/>
+                    </a:gs>
+                    <a:gs pos="100000">
+                      <a:srgbClr val="FFFFFF"/>
+                    </a:gs>
+                  </a:gsLst>
+                  <a:lin ang="5400000" scaled="0"/>
+                </a:gradFill>
+                <a:effectLst/>
+                <a:uLnTx/>
+                <a:uFillTx/>
+                <a:latin typeface="Segoe UI Light"/>
+                <a:ea typeface="Segoe UI" pitchFamily="34" charset="0"/>
+                <a:cs typeface="Segoe UI" pitchFamily="34" charset="0"/>
+              </a:rPr>
+              <a:t>CI</a:t>
+            </a:r>
+          </a:p>
+        </p:txBody>
+      </p:sp>
+      <p:sp>
+        <p:nvSpPr>
+          <p:cNvPr id="102" name="Rectangle 101">
+            <a:extLst>
+              <a:ext uri="{FF2B5EF4-FFF2-40B4-BE49-F238E27FC236}">
+                <a16:creationId xmlns:a16="http://schemas.microsoft.com/office/drawing/2014/main" id="{79C21FAA-E266-0745-A345-C8F9B36EE244}"/>
+              </a:ext>
+            </a:extLst>
+          </p:cNvPr>
+          <p:cNvSpPr/>
+          <p:nvPr/>
+        </p:nvSpPr>
+        <p:spPr bwMode="auto">
+          <a:xfrm>
+            <a:off x="5608141" y="4272604"/>
+            <a:ext cx="1680961" cy="787277"/>
+          </a:xfrm>
+          <a:prstGeom prst="rect">
+            <a:avLst/>
+          </a:prstGeom>
+          <a:solidFill>
+            <a:srgbClr val="002060"/>
+          </a:solidFill>
+          <a:ln>
+            <a:noFill/>
+            <a:headEnd type="none" w="med" len="med"/>
+            <a:tailEnd type="none" w="med" len="med"/>
+          </a:ln>
+          <a:effectLst/>
+        </p:spPr>
+        <p:style>
+          <a:lnRef idx="1">
+            <a:schemeClr val="accent2"/>
+          </a:lnRef>
+          <a:fillRef idx="3">
+            <a:schemeClr val="accent2"/>
+          </a:fillRef>
+          <a:effectRef idx="2">
+            <a:schemeClr val="accent2"/>
+          </a:effectRef>
+          <a:fontRef idx="minor">
+            <a:schemeClr val="lt1"/>
+          </a:fontRef>
+        </p:style>
+        <p:txBody>
+          <a:bodyPr rot="0" spcFirstLastPara="0" vertOverflow="overflow" horzOverflow="overflow" vert="horz" wrap="square" lIns="182857" tIns="146285" rIns="182857" bIns="146285" numCol="1" spcCol="0" rtlCol="0" fromWordArt="0" anchor="t" anchorCtr="0" forceAA="0" compatLnSpc="1">
+            <a:prstTxWarp prst="textNoShape">
+              <a:avLst/>
+            </a:prstTxWarp>
+            <a:noAutofit/>
+          </a:bodyPr>
+          <a:lstStyle/>
+          <a:p>
+            <a:pPr marL="0" marR="0" lvl="0" indent="0" algn="ctr" defTabSz="932021" rtl="0" eaLnBrk="1" fontAlgn="auto" latinLnBrk="0" hangingPunct="1">
+              <a:lnSpc>
+                <a:spcPct val="90000"/>
+              </a:lnSpc>
+              <a:spcBef>
+                <a:spcPts val="0"/>
+              </a:spcBef>
+              <a:spcAft>
+                <a:spcPts val="0"/>
+              </a:spcAft>
+              <a:buClrTx/>
+              <a:buSzTx/>
+              <a:buFontTx/>
+              <a:buNone/>
+              <a:tabLst/>
+              <a:defRPr/>
+            </a:pPr>
+            <a:r>
+              <a:rPr kumimoji="0" lang="en-US" sz="1400" b="1" i="0" u="none" strike="noStrike" kern="0" cap="none" spc="0" normalizeH="0" baseline="0" noProof="0" dirty="0">
+                <a:ln>
+                  <a:noFill/>
+                </a:ln>
+                <a:gradFill>
+                  <a:gsLst>
+                    <a:gs pos="0">
+                      <a:srgbClr val="FFFFFF"/>
+                    </a:gs>
+                    <a:gs pos="100000">
+                      <a:srgbClr val="FFFFFF"/>
+                    </a:gs>
+                  </a:gsLst>
+                  <a:lin ang="5400000" scaled="0"/>
+                </a:gradFill>
+                <a:effectLst/>
+                <a:uLnTx/>
+                <a:uFillTx/>
+                <a:latin typeface="Segoe UI Light"/>
+                <a:ea typeface="Segoe UI" pitchFamily="34" charset="0"/>
+                <a:cs typeface="Segoe UI" pitchFamily="34" charset="0"/>
+              </a:rPr>
+              <a:t>PACKAGE</a:t>
+            </a:r>
+          </a:p>
+        </p:txBody>
+      </p:sp>
+      <p:sp>
+        <p:nvSpPr>
+          <p:cNvPr id="103" name="Rectangle 102">
+            <a:extLst>
+              <a:ext uri="{FF2B5EF4-FFF2-40B4-BE49-F238E27FC236}">
+                <a16:creationId xmlns:a16="http://schemas.microsoft.com/office/drawing/2014/main" id="{C43ED478-8C63-4543-93C0-28F25717B8CF}"/>
+              </a:ext>
+            </a:extLst>
+          </p:cNvPr>
+          <p:cNvSpPr/>
+          <p:nvPr/>
+        </p:nvSpPr>
+        <p:spPr bwMode="auto">
+          <a:xfrm>
+            <a:off x="7754796" y="4272604"/>
+            <a:ext cx="1680961" cy="787277"/>
+          </a:xfrm>
+          <a:prstGeom prst="rect">
+            <a:avLst/>
+          </a:prstGeom>
+          <a:solidFill>
+            <a:srgbClr val="002060"/>
+          </a:solidFill>
+          <a:ln>
+            <a:noFill/>
+            <a:headEnd type="none" w="med" len="med"/>
+            <a:tailEnd type="none" w="med" len="med"/>
+          </a:ln>
+          <a:effectLst/>
+        </p:spPr>
+        <p:style>
+          <a:lnRef idx="1">
+            <a:schemeClr val="accent2"/>
+          </a:lnRef>
+          <a:fillRef idx="3">
+            <a:schemeClr val="accent2"/>
+          </a:fillRef>
+          <a:effectRef idx="2">
+            <a:schemeClr val="accent2"/>
+          </a:effectRef>
+          <a:fontRef idx="minor">
+            <a:schemeClr val="lt1"/>
+          </a:fontRef>
+        </p:style>
+        <p:txBody>
+          <a:bodyPr rot="0" spcFirstLastPara="0" vertOverflow="overflow" horzOverflow="overflow" vert="horz" wrap="square" lIns="182857" tIns="146285" rIns="182857" bIns="146285" numCol="1" spcCol="0" rtlCol="0" fromWordArt="0" anchor="t" anchorCtr="0" forceAA="0" compatLnSpc="1">
+            <a:prstTxWarp prst="textNoShape">
+              <a:avLst/>
+            </a:prstTxWarp>
+            <a:noAutofit/>
+          </a:bodyPr>
+          <a:lstStyle/>
+          <a:p>
+            <a:pPr marL="0" marR="0" lvl="0" indent="0" algn="ctr" defTabSz="932021" rtl="0" eaLnBrk="1" fontAlgn="auto" latinLnBrk="0" hangingPunct="1">
+              <a:lnSpc>
+                <a:spcPct val="90000"/>
+              </a:lnSpc>
+              <a:spcBef>
+                <a:spcPts val="0"/>
+              </a:spcBef>
+              <a:spcAft>
+                <a:spcPts val="0"/>
+              </a:spcAft>
+              <a:buClrTx/>
+              <a:buSzTx/>
+              <a:buFontTx/>
+              <a:buNone/>
+              <a:tabLst/>
+              <a:defRPr/>
+            </a:pPr>
+            <a:r>
+              <a:rPr kumimoji="0" lang="en-US" sz="1400" b="1" i="0" u="none" strike="noStrike" kern="0" cap="none" spc="0" normalizeH="0" baseline="0" noProof="0" dirty="0">
+                <a:ln>
+                  <a:noFill/>
+                </a:ln>
+                <a:gradFill>
+                  <a:gsLst>
+                    <a:gs pos="0">
+                      <a:srgbClr val="FFFFFF"/>
+                    </a:gs>
+                    <a:gs pos="100000">
+                      <a:srgbClr val="FFFFFF"/>
+                    </a:gs>
+                  </a:gsLst>
+                  <a:lin ang="5400000" scaled="0"/>
+                </a:gradFill>
+                <a:effectLst/>
+                <a:uLnTx/>
+                <a:uFillTx/>
+                <a:latin typeface="Segoe UI Light"/>
+                <a:ea typeface="Segoe UI" pitchFamily="34" charset="0"/>
+                <a:cs typeface="Segoe UI" pitchFamily="34" charset="0"/>
+              </a:rPr>
+              <a:t>PIPELINE</a:t>
+            </a:r>
+          </a:p>
+        </p:txBody>
+      </p:sp>
+      <p:sp>
+        <p:nvSpPr>
+          <p:cNvPr id="104" name="Rectangle 103">
+            <a:extLst>
+              <a:ext uri="{FF2B5EF4-FFF2-40B4-BE49-F238E27FC236}">
+                <a16:creationId xmlns:a16="http://schemas.microsoft.com/office/drawing/2014/main" id="{73DAE83E-EDA8-F94C-B4D7-6A4394E24EDF}"/>
+              </a:ext>
+            </a:extLst>
+          </p:cNvPr>
+          <p:cNvSpPr/>
+          <p:nvPr/>
+        </p:nvSpPr>
+        <p:spPr bwMode="auto">
+          <a:xfrm>
+            <a:off x="9901451" y="4272604"/>
+            <a:ext cx="1680961" cy="787277"/>
+          </a:xfrm>
+          <a:prstGeom prst="rect">
+            <a:avLst/>
+          </a:prstGeom>
+          <a:solidFill>
+            <a:srgbClr val="002060"/>
+          </a:solidFill>
+          <a:ln>
+            <a:noFill/>
+            <a:headEnd type="none" w="med" len="med"/>
+            <a:tailEnd type="none" w="med" len="med"/>
+          </a:ln>
+          <a:effectLst/>
+        </p:spPr>
+        <p:style>
+          <a:lnRef idx="1">
+            <a:schemeClr val="accent2"/>
+          </a:lnRef>
+          <a:fillRef idx="3">
+            <a:schemeClr val="accent2"/>
+          </a:fillRef>
+          <a:effectRef idx="2">
+            <a:schemeClr val="accent2"/>
+          </a:effectRef>
+          <a:fontRef idx="minor">
+            <a:schemeClr val="lt1"/>
+          </a:fontRef>
+        </p:style>
+        <p:txBody>
+          <a:bodyPr rot="0" spcFirstLastPara="0" vertOverflow="overflow" horzOverflow="overflow" vert="horz" wrap="square" lIns="182857" tIns="146285" rIns="182857" bIns="146285" numCol="1" spcCol="0" rtlCol="0" fromWordArt="0" anchor="t" anchorCtr="0" forceAA="0" compatLnSpc="1">
+            <a:prstTxWarp prst="textNoShape">
+              <a:avLst/>
+            </a:prstTxWarp>
+            <a:noAutofit/>
+          </a:bodyPr>
+          <a:lstStyle/>
+          <a:p>
+            <a:pPr marL="0" marR="0" lvl="0" indent="0" algn="ctr" defTabSz="932021" rtl="0" eaLnBrk="1" fontAlgn="auto" latinLnBrk="0" hangingPunct="1">
+              <a:lnSpc>
+                <a:spcPct val="90000"/>
+              </a:lnSpc>
+              <a:spcBef>
+                <a:spcPts val="0"/>
+              </a:spcBef>
+              <a:spcAft>
+                <a:spcPts val="0"/>
+              </a:spcAft>
+              <a:buClrTx/>
+              <a:buSzTx/>
+              <a:buFontTx/>
+              <a:buNone/>
+              <a:tabLst/>
+              <a:defRPr/>
+            </a:pPr>
+            <a:r>
+              <a:rPr kumimoji="0" lang="en-US" sz="1400" b="1" i="0" u="none" strike="noStrike" kern="0" cap="none" spc="0" normalizeH="0" baseline="0" noProof="0" dirty="0">
+                <a:ln>
+                  <a:noFill/>
+                </a:ln>
+                <a:gradFill>
+                  <a:gsLst>
+                    <a:gs pos="0">
+                      <a:srgbClr val="FFFFFF"/>
+                    </a:gs>
+                    <a:gs pos="100000">
+                      <a:srgbClr val="FFFFFF"/>
+                    </a:gs>
+                  </a:gsLst>
+                  <a:lin ang="5400000" scaled="0"/>
+                </a:gradFill>
+                <a:effectLst/>
+                <a:uLnTx/>
+                <a:uFillTx/>
+                <a:latin typeface="Segoe UI Light"/>
+                <a:ea typeface="Segoe UI" pitchFamily="34" charset="0"/>
+                <a:cs typeface="Segoe UI" pitchFamily="34" charset="0"/>
+              </a:rPr>
+              <a:t>DEPLOYMENT</a:t>
+            </a:r>
+          </a:p>
+        </p:txBody>
+      </p:sp>
+      <p:pic>
+        <p:nvPicPr>
+          <p:cNvPr id="105" name="Picture 104">
+            <a:extLst>
+              <a:ext uri="{FF2B5EF4-FFF2-40B4-BE49-F238E27FC236}">
+                <a16:creationId xmlns:a16="http://schemas.microsoft.com/office/drawing/2014/main" id="{BCB726B6-7291-E342-8FD5-DEED6C776B1A}"/>
+              </a:ext>
+            </a:extLst>
+          </p:cNvPr>
+          <p:cNvPicPr>
+            <a:picLocks noChangeAspect="1"/>
+          </p:cNvPicPr>
+          <p:nvPr/>
+        </p:nvPicPr>
+        <p:blipFill>
+          <a:blip r:embed="rId5"/>
+          <a:stretch>
+            <a:fillRect/>
+          </a:stretch>
+        </p:blipFill>
+        <p:spPr>
+          <a:xfrm>
+            <a:off x="598356" y="2604806"/>
+            <a:ext cx="508000" cy="508000"/>
+          </a:xfrm>
+          <a:prstGeom prst="rect">
+            <a:avLst/>
+          </a:prstGeom>
+        </p:spPr>
+      </p:pic>
+      <p:pic>
+        <p:nvPicPr>
+          <p:cNvPr id="106" name="Picture 105">
+            <a:extLst>
+              <a:ext uri="{FF2B5EF4-FFF2-40B4-BE49-F238E27FC236}">
+                <a16:creationId xmlns:a16="http://schemas.microsoft.com/office/drawing/2014/main" id="{AE06475A-4E4E-A942-AA53-7ABC22F78264}"/>
+              </a:ext>
+            </a:extLst>
+          </p:cNvPr>
+          <p:cNvPicPr>
+            <a:picLocks noChangeAspect="1"/>
+          </p:cNvPicPr>
+          <p:nvPr/>
+        </p:nvPicPr>
+        <p:blipFill>
+          <a:blip r:embed="rId6"/>
+          <a:stretch>
+            <a:fillRect/>
+          </a:stretch>
+        </p:blipFill>
+        <p:spPr>
           <a:xfrm>
             <a:off x="596740" y="1949030"/>
-            <a:ext cx="11996998" cy="3110851"/>
-            <a:chOff x="426262" y="1747556"/>
-            <a:chExt cx="11996998" cy="3110851"/>
+            <a:ext cx="508000" cy="508000"/>
           </a:xfrm>
-        </p:grpSpPr>
-        <p:pic>
-          <p:nvPicPr>
-            <p:cNvPr id="89" name="Picture 88">
-              <a:extLst>
-                <a:ext uri="{FF2B5EF4-FFF2-40B4-BE49-F238E27FC236}">
-                  <a16:creationId xmlns:a16="http://schemas.microsoft.com/office/drawing/2014/main" id="{6276561F-EBC2-0A45-B589-1BBFEF85A9DA}"/>
-                </a:ext>
-              </a:extLst>
-            </p:cNvPr>
-            <p:cNvPicPr>
-              <a:picLocks noChangeAspect="1"/>
-            </p:cNvPicPr>
-            <p:nvPr/>
-          </p:nvPicPr>
-          <p:blipFill>
-            <a:blip r:embed="rId3">
-              <a:extLst>
-                <a:ext uri="{28A0092B-C50C-407E-A947-70E740481C1C}">
-                  <a14:useLocalDpi xmlns:a14="http://schemas.microsoft.com/office/drawing/2010/main" val="0"/>
-                </a:ext>
-              </a:extLst>
-            </a:blip>
-            <a:stretch>
-              <a:fillRect/>
-            </a:stretch>
-          </p:blipFill>
-          <p:spPr>
-            <a:xfrm>
-              <a:off x="426262" y="3067997"/>
-              <a:ext cx="481585" cy="481585"/>
-            </a:xfrm>
-            <a:prstGeom prst="rect">
-              <a:avLst/>
-            </a:prstGeom>
-          </p:spPr>
-        </p:pic>
-        <p:sp>
-          <p:nvSpPr>
-            <p:cNvPr id="90" name="TextBox 89">
-              <a:extLst>
-                <a:ext uri="{FF2B5EF4-FFF2-40B4-BE49-F238E27FC236}">
-                  <a16:creationId xmlns:a16="http://schemas.microsoft.com/office/drawing/2014/main" id="{F5107D4E-FDF7-5144-9B0B-67BC47016A7A}"/>
-                </a:ext>
-              </a:extLst>
-            </p:cNvPr>
-            <p:cNvSpPr txBox="1"/>
-            <p:nvPr/>
-          </p:nvSpPr>
-          <p:spPr>
-            <a:xfrm>
-              <a:off x="1069991" y="1820401"/>
-              <a:ext cx="4363720" cy="400110"/>
-            </a:xfrm>
-            <a:prstGeom prst="rect">
-              <a:avLst/>
-            </a:prstGeom>
-            <a:noFill/>
-          </p:spPr>
-          <p:txBody>
-            <a:bodyPr wrap="square" rtlCol="0">
-              <a:spAutoFit/>
-            </a:bodyPr>
-            <a:lstStyle/>
-            <a:p>
-              <a:r>
-                <a:rPr lang="en-US" sz="2000" dirty="0"/>
-                <a:t>Azure DevOps</a:t>
-              </a:r>
-            </a:p>
-          </p:txBody>
-        </p:sp>
-        <p:sp>
-          <p:nvSpPr>
-            <p:cNvPr id="91" name="TextBox 90">
-              <a:extLst>
-                <a:ext uri="{FF2B5EF4-FFF2-40B4-BE49-F238E27FC236}">
-                  <a16:creationId xmlns:a16="http://schemas.microsoft.com/office/drawing/2014/main" id="{2551AD69-BCF9-234C-A556-8243E7EBC1B7}"/>
-                </a:ext>
-              </a:extLst>
-            </p:cNvPr>
-            <p:cNvSpPr txBox="1"/>
-            <p:nvPr/>
-          </p:nvSpPr>
-          <p:spPr>
-            <a:xfrm>
-              <a:off x="1090311" y="2479299"/>
-              <a:ext cx="5725280" cy="400110"/>
-            </a:xfrm>
-            <a:prstGeom prst="rect">
-              <a:avLst/>
-            </a:prstGeom>
-            <a:noFill/>
-          </p:spPr>
-          <p:txBody>
-            <a:bodyPr wrap="square" rtlCol="0">
-              <a:spAutoFit/>
-            </a:bodyPr>
-            <a:lstStyle/>
-            <a:p>
-              <a:r>
-                <a:rPr lang="en-US" sz="2000" dirty="0"/>
-                <a:t>Azure Repos</a:t>
-              </a:r>
-            </a:p>
-          </p:txBody>
-        </p:sp>
-        <p:sp>
-          <p:nvSpPr>
-            <p:cNvPr id="92" name="TextBox 91">
-              <a:extLst>
-                <a:ext uri="{FF2B5EF4-FFF2-40B4-BE49-F238E27FC236}">
-                  <a16:creationId xmlns:a16="http://schemas.microsoft.com/office/drawing/2014/main" id="{3E3E1ADB-2DB6-784D-9B2A-1E82D13A8507}"/>
-                </a:ext>
-              </a:extLst>
-            </p:cNvPr>
-            <p:cNvSpPr txBox="1"/>
-            <p:nvPr/>
-          </p:nvSpPr>
-          <p:spPr>
-            <a:xfrm>
-              <a:off x="1090311" y="3150181"/>
-              <a:ext cx="5725280" cy="400110"/>
-            </a:xfrm>
-            <a:prstGeom prst="rect">
-              <a:avLst/>
-            </a:prstGeom>
-            <a:noFill/>
-          </p:spPr>
-          <p:txBody>
-            <a:bodyPr wrap="square" rtlCol="0">
-              <a:spAutoFit/>
-            </a:bodyPr>
-            <a:lstStyle/>
-            <a:p>
-              <a:r>
-                <a:rPr lang="en-US" sz="2000" dirty="0"/>
-                <a:t>Azure DevOps with GitHub</a:t>
-              </a:r>
-            </a:p>
-          </p:txBody>
-        </p:sp>
-        <p:pic>
-          <p:nvPicPr>
-            <p:cNvPr id="93" name="Picture 92">
-              <a:extLst>
-                <a:ext uri="{FF2B5EF4-FFF2-40B4-BE49-F238E27FC236}">
-                  <a16:creationId xmlns:a16="http://schemas.microsoft.com/office/drawing/2014/main" id="{DE94B35E-10CD-7344-84CC-01F874BBF2DD}"/>
-                </a:ext>
-              </a:extLst>
-            </p:cNvPr>
-            <p:cNvPicPr>
-              <a:picLocks noChangeAspect="1"/>
-            </p:cNvPicPr>
-            <p:nvPr/>
-          </p:nvPicPr>
-          <p:blipFill>
-            <a:blip r:embed="rId4">
-              <a:extLst>
-                <a:ext uri="{28A0092B-C50C-407E-A947-70E740481C1C}">
-                  <a14:useLocalDpi xmlns:a14="http://schemas.microsoft.com/office/drawing/2010/main" val="0"/>
-                </a:ext>
-              </a:extLst>
-            </a:blip>
-            <a:stretch>
-              <a:fillRect/>
-            </a:stretch>
-          </p:blipFill>
-          <p:spPr>
-            <a:xfrm>
-              <a:off x="6033931" y="2453363"/>
-              <a:ext cx="414427" cy="414427"/>
-            </a:xfrm>
-            <a:prstGeom prst="rect">
-              <a:avLst/>
-            </a:prstGeom>
-          </p:spPr>
-        </p:pic>
-        <p:sp>
-          <p:nvSpPr>
-            <p:cNvPr id="94" name="TextBox 93">
-              <a:extLst>
-                <a:ext uri="{FF2B5EF4-FFF2-40B4-BE49-F238E27FC236}">
-                  <a16:creationId xmlns:a16="http://schemas.microsoft.com/office/drawing/2014/main" id="{1137E064-AB24-4E4B-8EEC-606BF4C9ACE6}"/>
-                </a:ext>
-              </a:extLst>
-            </p:cNvPr>
-            <p:cNvSpPr txBox="1"/>
-            <p:nvPr/>
-          </p:nvSpPr>
-          <p:spPr>
-            <a:xfrm>
-              <a:off x="6697980" y="2485037"/>
-              <a:ext cx="5725280" cy="400110"/>
-            </a:xfrm>
-            <a:prstGeom prst="rect">
-              <a:avLst/>
-            </a:prstGeom>
-            <a:noFill/>
-          </p:spPr>
-          <p:txBody>
-            <a:bodyPr wrap="square" rtlCol="0">
-              <a:spAutoFit/>
-            </a:bodyPr>
-            <a:lstStyle/>
-            <a:p>
-              <a:r>
-                <a:rPr lang="en-US" sz="2000" dirty="0"/>
-                <a:t>Azure Web Apps</a:t>
-              </a:r>
-            </a:p>
-          </p:txBody>
-        </p:sp>
-        <p:sp>
-          <p:nvSpPr>
-            <p:cNvPr id="95" name="TextBox 94">
-              <a:extLst>
-                <a:ext uri="{FF2B5EF4-FFF2-40B4-BE49-F238E27FC236}">
-                  <a16:creationId xmlns:a16="http://schemas.microsoft.com/office/drawing/2014/main" id="{A4E4334B-62CC-BA42-8923-2B43F0112C64}"/>
-                </a:ext>
-              </a:extLst>
-            </p:cNvPr>
-            <p:cNvSpPr txBox="1"/>
-            <p:nvPr/>
-          </p:nvSpPr>
-          <p:spPr>
-            <a:xfrm>
-              <a:off x="6697980" y="3150181"/>
-              <a:ext cx="5725280" cy="400110"/>
-            </a:xfrm>
-            <a:prstGeom prst="rect">
-              <a:avLst/>
-            </a:prstGeom>
-            <a:noFill/>
-          </p:spPr>
-          <p:txBody>
-            <a:bodyPr wrap="square" rtlCol="0">
-              <a:spAutoFit/>
-            </a:bodyPr>
-            <a:lstStyle/>
-            <a:p>
-              <a:r>
-                <a:rPr lang="en-US" sz="2000" dirty="0"/>
-                <a:t>Azure PostreSQL Database</a:t>
-              </a:r>
-            </a:p>
-          </p:txBody>
-        </p:sp>
-        <p:cxnSp>
-          <p:nvCxnSpPr>
-            <p:cNvPr id="96" name="Straight Arrow Connector 95">
-              <a:extLst>
-                <a:ext uri="{FF2B5EF4-FFF2-40B4-BE49-F238E27FC236}">
-                  <a16:creationId xmlns:a16="http://schemas.microsoft.com/office/drawing/2014/main" id="{D3A0320F-285E-B344-9A30-657BFD4A5593}"/>
-                </a:ext>
-              </a:extLst>
-            </p:cNvPr>
-            <p:cNvCxnSpPr>
-              <a:cxnSpLocks/>
-              <a:stCxn id="100" idx="3"/>
-              <a:endCxn id="101" idx="1"/>
-            </p:cNvCxnSpPr>
-            <p:nvPr/>
-          </p:nvCxnSpPr>
-          <p:spPr>
-            <a:xfrm>
-              <a:off x="2825314" y="4464769"/>
-              <a:ext cx="465694" cy="0"/>
-            </a:xfrm>
-            <a:prstGeom prst="straightConnector1">
-              <a:avLst/>
-            </a:prstGeom>
-            <a:ln w="9525" cap="flat" cmpd="sng" algn="ctr">
-              <a:solidFill>
-                <a:schemeClr val="accent6"/>
-              </a:solidFill>
-              <a:prstDash val="solid"/>
-              <a:round/>
-              <a:headEnd type="none" w="med" len="med"/>
-              <a:tailEnd type="arrow" w="med" len="med"/>
-            </a:ln>
-          </p:spPr>
-          <p:style>
-            <a:lnRef idx="0">
-              <a:scrgbClr r="0" g="0" b="0"/>
-            </a:lnRef>
-            <a:fillRef idx="0">
-              <a:scrgbClr r="0" g="0" b="0"/>
-            </a:fillRef>
-            <a:effectRef idx="0">
-              <a:scrgbClr r="0" g="0" b="0"/>
-            </a:effectRef>
-            <a:fontRef idx="minor">
-              <a:schemeClr val="tx1"/>
-            </a:fontRef>
-          </p:style>
-        </p:cxnSp>
-        <p:cxnSp>
-          <p:nvCxnSpPr>
-            <p:cNvPr id="97" name="Straight Arrow Connector 96">
-              <a:extLst>
-                <a:ext uri="{FF2B5EF4-FFF2-40B4-BE49-F238E27FC236}">
-                  <a16:creationId xmlns:a16="http://schemas.microsoft.com/office/drawing/2014/main" id="{BC4BAE5C-7CBB-2645-B693-B5918A80E60A}"/>
-                </a:ext>
-              </a:extLst>
-            </p:cNvPr>
-            <p:cNvCxnSpPr>
-              <a:cxnSpLocks/>
-              <a:stCxn id="101" idx="3"/>
-              <a:endCxn id="102" idx="1"/>
-            </p:cNvCxnSpPr>
-            <p:nvPr/>
-          </p:nvCxnSpPr>
-          <p:spPr>
-            <a:xfrm>
-              <a:off x="4971969" y="4464769"/>
-              <a:ext cx="465694" cy="0"/>
-            </a:xfrm>
-            <a:prstGeom prst="straightConnector1">
-              <a:avLst/>
-            </a:prstGeom>
-            <a:ln w="9525" cap="flat" cmpd="sng" algn="ctr">
-              <a:solidFill>
-                <a:schemeClr val="accent6"/>
-              </a:solidFill>
-              <a:prstDash val="solid"/>
-              <a:round/>
-              <a:headEnd type="none" w="med" len="med"/>
-              <a:tailEnd type="arrow" w="med" len="med"/>
-            </a:ln>
-          </p:spPr>
-          <p:style>
-            <a:lnRef idx="0">
-              <a:scrgbClr r="0" g="0" b="0"/>
-            </a:lnRef>
-            <a:fillRef idx="0">
-              <a:scrgbClr r="0" g="0" b="0"/>
-            </a:fillRef>
-            <a:effectRef idx="0">
-              <a:scrgbClr r="0" g="0" b="0"/>
-            </a:effectRef>
-            <a:fontRef idx="minor">
-              <a:schemeClr val="tx1"/>
-            </a:fontRef>
-          </p:style>
-        </p:cxnSp>
-        <p:cxnSp>
-          <p:nvCxnSpPr>
-            <p:cNvPr id="98" name="Straight Arrow Connector 97">
-              <a:extLst>
-                <a:ext uri="{FF2B5EF4-FFF2-40B4-BE49-F238E27FC236}">
-                  <a16:creationId xmlns:a16="http://schemas.microsoft.com/office/drawing/2014/main" id="{D0D3FAA1-451B-144B-A568-5F736357D4EC}"/>
-                </a:ext>
-              </a:extLst>
-            </p:cNvPr>
-            <p:cNvCxnSpPr>
-              <a:cxnSpLocks/>
-              <a:stCxn id="102" idx="3"/>
-              <a:endCxn id="103" idx="1"/>
-            </p:cNvCxnSpPr>
-            <p:nvPr/>
-          </p:nvCxnSpPr>
-          <p:spPr>
-            <a:xfrm>
-              <a:off x="7118624" y="4464769"/>
-              <a:ext cx="465694" cy="0"/>
-            </a:xfrm>
-            <a:prstGeom prst="straightConnector1">
-              <a:avLst/>
-            </a:prstGeom>
-            <a:ln w="9525" cap="flat" cmpd="sng" algn="ctr">
-              <a:solidFill>
-                <a:schemeClr val="accent6"/>
-              </a:solidFill>
-              <a:prstDash val="solid"/>
-              <a:round/>
-              <a:headEnd type="none" w="med" len="med"/>
-              <a:tailEnd type="arrow" w="med" len="med"/>
-            </a:ln>
-          </p:spPr>
-          <p:style>
-            <a:lnRef idx="0">
-              <a:scrgbClr r="0" g="0" b="0"/>
-            </a:lnRef>
-            <a:fillRef idx="0">
-              <a:scrgbClr r="0" g="0" b="0"/>
-            </a:fillRef>
-            <a:effectRef idx="0">
-              <a:scrgbClr r="0" g="0" b="0"/>
-            </a:effectRef>
-            <a:fontRef idx="minor">
-              <a:schemeClr val="tx1"/>
-            </a:fontRef>
-          </p:style>
-        </p:cxnSp>
-        <p:cxnSp>
-          <p:nvCxnSpPr>
-            <p:cNvPr id="99" name="Straight Arrow Connector 98">
-              <a:extLst>
-                <a:ext uri="{FF2B5EF4-FFF2-40B4-BE49-F238E27FC236}">
-                  <a16:creationId xmlns:a16="http://schemas.microsoft.com/office/drawing/2014/main" id="{30435B2B-6826-7842-B0FF-05D2012A05FD}"/>
-                </a:ext>
-              </a:extLst>
-            </p:cNvPr>
-            <p:cNvCxnSpPr>
-              <a:cxnSpLocks/>
-              <a:stCxn id="103" idx="3"/>
-              <a:endCxn id="104" idx="1"/>
-            </p:cNvCxnSpPr>
-            <p:nvPr/>
-          </p:nvCxnSpPr>
-          <p:spPr>
-            <a:xfrm>
-              <a:off x="9265279" y="4464769"/>
-              <a:ext cx="465694" cy="0"/>
-            </a:xfrm>
-            <a:prstGeom prst="straightConnector1">
-              <a:avLst/>
-            </a:prstGeom>
-            <a:ln w="9525" cap="flat" cmpd="sng" algn="ctr">
-              <a:solidFill>
-                <a:schemeClr val="accent6"/>
-              </a:solidFill>
-              <a:prstDash val="solid"/>
-              <a:round/>
-              <a:headEnd type="none" w="med" len="med"/>
-              <a:tailEnd type="arrow" w="med" len="med"/>
-            </a:ln>
-          </p:spPr>
-          <p:style>
-            <a:lnRef idx="0">
-              <a:scrgbClr r="0" g="0" b="0"/>
-            </a:lnRef>
-            <a:fillRef idx="0">
-              <a:scrgbClr r="0" g="0" b="0"/>
-            </a:fillRef>
-            <a:effectRef idx="0">
-              <a:scrgbClr r="0" g="0" b="0"/>
-            </a:effectRef>
-            <a:fontRef idx="minor">
-              <a:schemeClr val="tx1"/>
-            </a:fontRef>
-          </p:style>
-        </p:cxnSp>
-        <p:sp>
-          <p:nvSpPr>
-            <p:cNvPr id="100" name="Rectangle 99">
-              <a:extLst>
-                <a:ext uri="{FF2B5EF4-FFF2-40B4-BE49-F238E27FC236}">
-                  <a16:creationId xmlns:a16="http://schemas.microsoft.com/office/drawing/2014/main" id="{576729F6-E197-FA4C-8E9D-DCE4120B2FEE}"/>
-                </a:ext>
-              </a:extLst>
-            </p:cNvPr>
-            <p:cNvSpPr/>
-            <p:nvPr/>
-          </p:nvSpPr>
-          <p:spPr bwMode="auto">
-            <a:xfrm>
-              <a:off x="441086" y="4071130"/>
-              <a:ext cx="2384228" cy="787277"/>
-            </a:xfrm>
-            <a:prstGeom prst="rect">
-              <a:avLst/>
-            </a:prstGeom>
-            <a:solidFill>
-              <a:srgbClr val="002060"/>
-            </a:solidFill>
-            <a:ln>
-              <a:noFill/>
-              <a:headEnd type="none" w="med" len="med"/>
-              <a:tailEnd type="none" w="med" len="med"/>
-            </a:ln>
-            <a:effectLst/>
-          </p:spPr>
-          <p:style>
-            <a:lnRef idx="1">
-              <a:schemeClr val="accent2"/>
-            </a:lnRef>
-            <a:fillRef idx="3">
-              <a:schemeClr val="accent2"/>
-            </a:fillRef>
-            <a:effectRef idx="2">
-              <a:schemeClr val="accent2"/>
-            </a:effectRef>
-            <a:fontRef idx="minor">
-              <a:schemeClr val="lt1"/>
-            </a:fontRef>
-          </p:style>
-          <p:txBody>
-            <a:bodyPr rot="0" spcFirstLastPara="0" vertOverflow="overflow" horzOverflow="overflow" vert="horz" wrap="square" lIns="182857" tIns="146285" rIns="182857" bIns="146285" numCol="1" spcCol="0" rtlCol="0" fromWordArt="0" anchor="t" anchorCtr="0" forceAA="0" compatLnSpc="1">
-              <a:prstTxWarp prst="textNoShape">
-                <a:avLst/>
-              </a:prstTxWarp>
-              <a:noAutofit/>
-            </a:bodyPr>
-            <a:lstStyle/>
-            <a:p>
-              <a:pPr marL="0" marR="0" lvl="0" indent="0" algn="ctr" defTabSz="932021" rtl="0" eaLnBrk="1" fontAlgn="auto" latinLnBrk="0" hangingPunct="1">
-                <a:lnSpc>
-                  <a:spcPct val="90000"/>
-                </a:lnSpc>
-                <a:spcBef>
-                  <a:spcPts val="0"/>
-                </a:spcBef>
-                <a:spcAft>
-                  <a:spcPts val="0"/>
-                </a:spcAft>
-                <a:buClrTx/>
-                <a:buSzTx/>
-                <a:buFontTx/>
-                <a:buNone/>
-                <a:tabLst/>
-                <a:defRPr/>
-              </a:pPr>
-              <a:r>
-                <a:rPr kumimoji="0" lang="en-US" sz="1400" b="1" i="0" u="none" strike="noStrike" kern="0" cap="none" spc="0" normalizeH="0" baseline="0" noProof="0" dirty="0">
-                  <a:ln>
-                    <a:noFill/>
-                  </a:ln>
-                  <a:gradFill>
-                    <a:gsLst>
-                      <a:gs pos="0">
-                        <a:srgbClr val="FFFFFF"/>
-                      </a:gs>
-                      <a:gs pos="100000">
-                        <a:srgbClr val="FFFFFF"/>
-                      </a:gs>
-                    </a:gsLst>
-                    <a:lin ang="5400000" scaled="0"/>
-                  </a:gradFill>
-                  <a:effectLst/>
-                  <a:uLnTx/>
-                  <a:uFillTx/>
-                  <a:latin typeface="Segoe UI Light"/>
-                  <a:ea typeface="Segoe UI" pitchFamily="34" charset="0"/>
-                  <a:cs typeface="Segoe UI" pitchFamily="34" charset="0"/>
-                </a:rPr>
-                <a:t>SOURCE CONTROL</a:t>
-              </a:r>
-            </a:p>
-          </p:txBody>
-        </p:sp>
-        <p:sp>
-          <p:nvSpPr>
-            <p:cNvPr id="101" name="Rectangle 100">
-              <a:extLst>
-                <a:ext uri="{FF2B5EF4-FFF2-40B4-BE49-F238E27FC236}">
-                  <a16:creationId xmlns:a16="http://schemas.microsoft.com/office/drawing/2014/main" id="{6938DFFB-2E41-6B44-ABA0-FF6C35412EFF}"/>
-                </a:ext>
-              </a:extLst>
-            </p:cNvPr>
-            <p:cNvSpPr/>
-            <p:nvPr/>
-          </p:nvSpPr>
-          <p:spPr bwMode="auto">
-            <a:xfrm>
-              <a:off x="3291008" y="4071130"/>
-              <a:ext cx="1680961" cy="787277"/>
-            </a:xfrm>
-            <a:prstGeom prst="rect">
-              <a:avLst/>
-            </a:prstGeom>
-            <a:solidFill>
-              <a:srgbClr val="002060"/>
-            </a:solidFill>
-            <a:ln>
-              <a:noFill/>
-              <a:headEnd type="none" w="med" len="med"/>
-              <a:tailEnd type="none" w="med" len="med"/>
-            </a:ln>
-            <a:effectLst/>
-          </p:spPr>
-          <p:style>
-            <a:lnRef idx="1">
-              <a:schemeClr val="accent2"/>
-            </a:lnRef>
-            <a:fillRef idx="3">
-              <a:schemeClr val="accent2"/>
-            </a:fillRef>
-            <a:effectRef idx="2">
-              <a:schemeClr val="accent2"/>
-            </a:effectRef>
-            <a:fontRef idx="minor">
-              <a:schemeClr val="lt1"/>
-            </a:fontRef>
-          </p:style>
-          <p:txBody>
-            <a:bodyPr rot="0" spcFirstLastPara="0" vertOverflow="overflow" horzOverflow="overflow" vert="horz" wrap="square" lIns="182857" tIns="146285" rIns="182857" bIns="146285" numCol="1" spcCol="0" rtlCol="0" fromWordArt="0" anchor="t" anchorCtr="0" forceAA="0" compatLnSpc="1">
-              <a:prstTxWarp prst="textNoShape">
-                <a:avLst/>
-              </a:prstTxWarp>
-              <a:noAutofit/>
-            </a:bodyPr>
-            <a:lstStyle/>
-            <a:p>
-              <a:pPr marL="0" marR="0" lvl="0" indent="0" algn="ctr" defTabSz="932021" rtl="0" eaLnBrk="1" fontAlgn="auto" latinLnBrk="0" hangingPunct="1">
-                <a:lnSpc>
-                  <a:spcPct val="90000"/>
-                </a:lnSpc>
-                <a:spcBef>
-                  <a:spcPts val="0"/>
-                </a:spcBef>
-                <a:spcAft>
-                  <a:spcPts val="0"/>
-                </a:spcAft>
-                <a:buClrTx/>
-                <a:buSzTx/>
-                <a:buFontTx/>
-                <a:buNone/>
-                <a:tabLst/>
-                <a:defRPr/>
-              </a:pPr>
-              <a:r>
-                <a:rPr kumimoji="0" lang="en-US" sz="1400" b="1" i="0" u="none" strike="noStrike" kern="0" cap="none" spc="0" normalizeH="0" baseline="0" noProof="0" dirty="0">
-                  <a:ln>
-                    <a:noFill/>
-                  </a:ln>
-                  <a:gradFill>
-                    <a:gsLst>
-                      <a:gs pos="0">
-                        <a:srgbClr val="FFFFFF"/>
-                      </a:gs>
-                      <a:gs pos="100000">
-                        <a:srgbClr val="FFFFFF"/>
-                      </a:gs>
-                    </a:gsLst>
-                    <a:lin ang="5400000" scaled="0"/>
-                  </a:gradFill>
-                  <a:effectLst/>
-                  <a:uLnTx/>
-                  <a:uFillTx/>
-                  <a:latin typeface="Segoe UI Light"/>
-                  <a:ea typeface="Segoe UI" pitchFamily="34" charset="0"/>
-                  <a:cs typeface="Segoe UI" pitchFamily="34" charset="0"/>
-                </a:rPr>
-                <a:t>CI</a:t>
-              </a:r>
-            </a:p>
-          </p:txBody>
-        </p:sp>
-        <p:sp>
-          <p:nvSpPr>
-            <p:cNvPr id="102" name="Rectangle 101">
-              <a:extLst>
-                <a:ext uri="{FF2B5EF4-FFF2-40B4-BE49-F238E27FC236}">
-                  <a16:creationId xmlns:a16="http://schemas.microsoft.com/office/drawing/2014/main" id="{79C21FAA-E266-0745-A345-C8F9B36EE244}"/>
-                </a:ext>
-              </a:extLst>
-            </p:cNvPr>
-            <p:cNvSpPr/>
-            <p:nvPr/>
-          </p:nvSpPr>
-          <p:spPr bwMode="auto">
-            <a:xfrm>
-              <a:off x="5437663" y="4071130"/>
-              <a:ext cx="1680961" cy="787277"/>
-            </a:xfrm>
-            <a:prstGeom prst="rect">
-              <a:avLst/>
-            </a:prstGeom>
-            <a:solidFill>
-              <a:srgbClr val="002060"/>
-            </a:solidFill>
-            <a:ln>
-              <a:noFill/>
-              <a:headEnd type="none" w="med" len="med"/>
-              <a:tailEnd type="none" w="med" len="med"/>
-            </a:ln>
-            <a:effectLst/>
-          </p:spPr>
-          <p:style>
-            <a:lnRef idx="1">
-              <a:schemeClr val="accent2"/>
-            </a:lnRef>
-            <a:fillRef idx="3">
-              <a:schemeClr val="accent2"/>
-            </a:fillRef>
-            <a:effectRef idx="2">
-              <a:schemeClr val="accent2"/>
-            </a:effectRef>
-            <a:fontRef idx="minor">
-              <a:schemeClr val="lt1"/>
-            </a:fontRef>
-          </p:style>
-          <p:txBody>
-            <a:bodyPr rot="0" spcFirstLastPara="0" vertOverflow="overflow" horzOverflow="overflow" vert="horz" wrap="square" lIns="182857" tIns="146285" rIns="182857" bIns="146285" numCol="1" spcCol="0" rtlCol="0" fromWordArt="0" anchor="t" anchorCtr="0" forceAA="0" compatLnSpc="1">
-              <a:prstTxWarp prst="textNoShape">
-                <a:avLst/>
-              </a:prstTxWarp>
-              <a:noAutofit/>
-            </a:bodyPr>
-            <a:lstStyle/>
-            <a:p>
-              <a:pPr marL="0" marR="0" lvl="0" indent="0" algn="ctr" defTabSz="932021" rtl="0" eaLnBrk="1" fontAlgn="auto" latinLnBrk="0" hangingPunct="1">
-                <a:lnSpc>
-                  <a:spcPct val="90000"/>
-                </a:lnSpc>
-                <a:spcBef>
-                  <a:spcPts val="0"/>
-                </a:spcBef>
-                <a:spcAft>
-                  <a:spcPts val="0"/>
-                </a:spcAft>
-                <a:buClrTx/>
-                <a:buSzTx/>
-                <a:buFontTx/>
-                <a:buNone/>
-                <a:tabLst/>
-                <a:defRPr/>
-              </a:pPr>
-              <a:r>
-                <a:rPr kumimoji="0" lang="en-US" sz="1400" b="1" i="0" u="none" strike="noStrike" kern="0" cap="none" spc="0" normalizeH="0" baseline="0" noProof="0" dirty="0">
-                  <a:ln>
-                    <a:noFill/>
-                  </a:ln>
-                  <a:gradFill>
-                    <a:gsLst>
-                      <a:gs pos="0">
-                        <a:srgbClr val="FFFFFF"/>
-                      </a:gs>
-                      <a:gs pos="100000">
-                        <a:srgbClr val="FFFFFF"/>
-                      </a:gs>
-                    </a:gsLst>
-                    <a:lin ang="5400000" scaled="0"/>
-                  </a:gradFill>
-                  <a:effectLst/>
-                  <a:uLnTx/>
-                  <a:uFillTx/>
-                  <a:latin typeface="Segoe UI Light"/>
-                  <a:ea typeface="Segoe UI" pitchFamily="34" charset="0"/>
-                  <a:cs typeface="Segoe UI" pitchFamily="34" charset="0"/>
-                </a:rPr>
-                <a:t>PACKAGE</a:t>
-              </a:r>
-            </a:p>
-          </p:txBody>
-        </p:sp>
-        <p:sp>
-          <p:nvSpPr>
-            <p:cNvPr id="103" name="Rectangle 102">
-              <a:extLst>
-                <a:ext uri="{FF2B5EF4-FFF2-40B4-BE49-F238E27FC236}">
-                  <a16:creationId xmlns:a16="http://schemas.microsoft.com/office/drawing/2014/main" id="{C43ED478-8C63-4543-93C0-28F25717B8CF}"/>
-                </a:ext>
-              </a:extLst>
-            </p:cNvPr>
-            <p:cNvSpPr/>
-            <p:nvPr/>
-          </p:nvSpPr>
-          <p:spPr bwMode="auto">
-            <a:xfrm>
-              <a:off x="7584318" y="4071130"/>
-              <a:ext cx="1680961" cy="787277"/>
-            </a:xfrm>
-            <a:prstGeom prst="rect">
-              <a:avLst/>
-            </a:prstGeom>
-            <a:solidFill>
-              <a:srgbClr val="002060"/>
-            </a:solidFill>
-            <a:ln>
-              <a:noFill/>
-              <a:headEnd type="none" w="med" len="med"/>
-              <a:tailEnd type="none" w="med" len="med"/>
-            </a:ln>
-            <a:effectLst/>
-          </p:spPr>
-          <p:style>
-            <a:lnRef idx="1">
-              <a:schemeClr val="accent2"/>
-            </a:lnRef>
-            <a:fillRef idx="3">
-              <a:schemeClr val="accent2"/>
-            </a:fillRef>
-            <a:effectRef idx="2">
-              <a:schemeClr val="accent2"/>
-            </a:effectRef>
-            <a:fontRef idx="minor">
-              <a:schemeClr val="lt1"/>
-            </a:fontRef>
-          </p:style>
-          <p:txBody>
-            <a:bodyPr rot="0" spcFirstLastPara="0" vertOverflow="overflow" horzOverflow="overflow" vert="horz" wrap="square" lIns="182857" tIns="146285" rIns="182857" bIns="146285" numCol="1" spcCol="0" rtlCol="0" fromWordArt="0" anchor="t" anchorCtr="0" forceAA="0" compatLnSpc="1">
-              <a:prstTxWarp prst="textNoShape">
-                <a:avLst/>
-              </a:prstTxWarp>
-              <a:noAutofit/>
-            </a:bodyPr>
-            <a:lstStyle/>
-            <a:p>
-              <a:pPr marL="0" marR="0" lvl="0" indent="0" algn="ctr" defTabSz="932021" rtl="0" eaLnBrk="1" fontAlgn="auto" latinLnBrk="0" hangingPunct="1">
-                <a:lnSpc>
-                  <a:spcPct val="90000"/>
-                </a:lnSpc>
-                <a:spcBef>
-                  <a:spcPts val="0"/>
-                </a:spcBef>
-                <a:spcAft>
-                  <a:spcPts val="0"/>
-                </a:spcAft>
-                <a:buClrTx/>
-                <a:buSzTx/>
-                <a:buFontTx/>
-                <a:buNone/>
-                <a:tabLst/>
-                <a:defRPr/>
-              </a:pPr>
-              <a:r>
-                <a:rPr kumimoji="0" lang="en-US" sz="1400" b="1" i="0" u="none" strike="noStrike" kern="0" cap="none" spc="0" normalizeH="0" baseline="0" noProof="0" dirty="0">
-                  <a:ln>
-                    <a:noFill/>
-                  </a:ln>
-                  <a:gradFill>
-                    <a:gsLst>
-                      <a:gs pos="0">
-                        <a:srgbClr val="FFFFFF"/>
-                      </a:gs>
-                      <a:gs pos="100000">
-                        <a:srgbClr val="FFFFFF"/>
-                      </a:gs>
-                    </a:gsLst>
-                    <a:lin ang="5400000" scaled="0"/>
-                  </a:gradFill>
-                  <a:effectLst/>
-                  <a:uLnTx/>
-                  <a:uFillTx/>
-                  <a:latin typeface="Segoe UI Light"/>
-                  <a:ea typeface="Segoe UI" pitchFamily="34" charset="0"/>
-                  <a:cs typeface="Segoe UI" pitchFamily="34" charset="0"/>
-                </a:rPr>
-                <a:t>PIPELINE</a:t>
-              </a:r>
-            </a:p>
-          </p:txBody>
-        </p:sp>
-        <p:sp>
-          <p:nvSpPr>
-            <p:cNvPr id="104" name="Rectangle 103">
-              <a:extLst>
-                <a:ext uri="{FF2B5EF4-FFF2-40B4-BE49-F238E27FC236}">
-                  <a16:creationId xmlns:a16="http://schemas.microsoft.com/office/drawing/2014/main" id="{73DAE83E-EDA8-F94C-B4D7-6A4394E24EDF}"/>
-                </a:ext>
-              </a:extLst>
-            </p:cNvPr>
-            <p:cNvSpPr/>
-            <p:nvPr/>
-          </p:nvSpPr>
-          <p:spPr bwMode="auto">
-            <a:xfrm>
-              <a:off x="9730973" y="4071130"/>
-              <a:ext cx="1680961" cy="787277"/>
-            </a:xfrm>
-            <a:prstGeom prst="rect">
-              <a:avLst/>
-            </a:prstGeom>
-            <a:solidFill>
-              <a:srgbClr val="002060"/>
-            </a:solidFill>
-            <a:ln>
-              <a:noFill/>
-              <a:headEnd type="none" w="med" len="med"/>
-              <a:tailEnd type="none" w="med" len="med"/>
-            </a:ln>
-            <a:effectLst/>
-          </p:spPr>
-          <p:style>
-            <a:lnRef idx="1">
-              <a:schemeClr val="accent2"/>
-            </a:lnRef>
-            <a:fillRef idx="3">
-              <a:schemeClr val="accent2"/>
-            </a:fillRef>
-            <a:effectRef idx="2">
-              <a:schemeClr val="accent2"/>
-            </a:effectRef>
-            <a:fontRef idx="minor">
-              <a:schemeClr val="lt1"/>
-            </a:fontRef>
-          </p:style>
-          <p:txBody>
-            <a:bodyPr rot="0" spcFirstLastPara="0" vertOverflow="overflow" horzOverflow="overflow" vert="horz" wrap="square" lIns="182857" tIns="146285" rIns="182857" bIns="146285" numCol="1" spcCol="0" rtlCol="0" fromWordArt="0" anchor="t" anchorCtr="0" forceAA="0" compatLnSpc="1">
-              <a:prstTxWarp prst="textNoShape">
-                <a:avLst/>
-              </a:prstTxWarp>
-              <a:noAutofit/>
-            </a:bodyPr>
-            <a:lstStyle/>
-            <a:p>
-              <a:pPr marL="0" marR="0" lvl="0" indent="0" algn="ctr" defTabSz="932021" rtl="0" eaLnBrk="1" fontAlgn="auto" latinLnBrk="0" hangingPunct="1">
-                <a:lnSpc>
-                  <a:spcPct val="90000"/>
-                </a:lnSpc>
-                <a:spcBef>
-                  <a:spcPts val="0"/>
-                </a:spcBef>
-                <a:spcAft>
-                  <a:spcPts val="0"/>
-                </a:spcAft>
-                <a:buClrTx/>
-                <a:buSzTx/>
-                <a:buFontTx/>
-                <a:buNone/>
-                <a:tabLst/>
-                <a:defRPr/>
-              </a:pPr>
-              <a:r>
-                <a:rPr kumimoji="0" lang="en-US" sz="1400" b="1" i="0" u="none" strike="noStrike" kern="0" cap="none" spc="0" normalizeH="0" baseline="0" noProof="0" dirty="0">
-                  <a:ln>
-                    <a:noFill/>
-                  </a:ln>
-                  <a:gradFill>
-                    <a:gsLst>
-                      <a:gs pos="0">
-                        <a:srgbClr val="FFFFFF"/>
-                      </a:gs>
-                      <a:gs pos="100000">
-                        <a:srgbClr val="FFFFFF"/>
-                      </a:gs>
-                    </a:gsLst>
-                    <a:lin ang="5400000" scaled="0"/>
-                  </a:gradFill>
-                  <a:effectLst/>
-                  <a:uLnTx/>
-                  <a:uFillTx/>
-                  <a:latin typeface="Segoe UI Light"/>
-                  <a:ea typeface="Segoe UI" pitchFamily="34" charset="0"/>
-                  <a:cs typeface="Segoe UI" pitchFamily="34" charset="0"/>
-                </a:rPr>
-                <a:t>DEPLOYMENT</a:t>
-              </a:r>
-            </a:p>
-          </p:txBody>
-        </p:sp>
-        <p:pic>
-          <p:nvPicPr>
-            <p:cNvPr id="105" name="Picture 104">
-              <a:extLst>
-                <a:ext uri="{FF2B5EF4-FFF2-40B4-BE49-F238E27FC236}">
-                  <a16:creationId xmlns:a16="http://schemas.microsoft.com/office/drawing/2014/main" id="{BCB726B6-7291-E342-8FD5-DEED6C776B1A}"/>
-                </a:ext>
-              </a:extLst>
-            </p:cNvPr>
-            <p:cNvPicPr>
-              <a:picLocks noChangeAspect="1"/>
-            </p:cNvPicPr>
-            <p:nvPr/>
-          </p:nvPicPr>
-          <p:blipFill>
-            <a:blip r:embed="rId5"/>
-            <a:stretch>
-              <a:fillRect/>
-            </a:stretch>
-          </p:blipFill>
-          <p:spPr>
-            <a:xfrm>
-              <a:off x="427878" y="2403332"/>
-              <a:ext cx="508000" cy="508000"/>
-            </a:xfrm>
-            <a:prstGeom prst="rect">
-              <a:avLst/>
-            </a:prstGeom>
-          </p:spPr>
-        </p:pic>
-        <p:pic>
-          <p:nvPicPr>
-            <p:cNvPr id="106" name="Picture 105">
-              <a:extLst>
-                <a:ext uri="{FF2B5EF4-FFF2-40B4-BE49-F238E27FC236}">
-                  <a16:creationId xmlns:a16="http://schemas.microsoft.com/office/drawing/2014/main" id="{AE06475A-4E4E-A942-AA53-7ABC22F78264}"/>
-                </a:ext>
-              </a:extLst>
-            </p:cNvPr>
-            <p:cNvPicPr>
-              <a:picLocks noChangeAspect="1"/>
-            </p:cNvPicPr>
-            <p:nvPr/>
-          </p:nvPicPr>
-          <p:blipFill>
-            <a:blip r:embed="rId6"/>
-            <a:stretch>
-              <a:fillRect/>
-            </a:stretch>
-          </p:blipFill>
-          <p:spPr>
-            <a:xfrm>
-              <a:off x="426262" y="1747556"/>
-              <a:ext cx="508000" cy="508000"/>
-            </a:xfrm>
-            <a:prstGeom prst="rect">
-              <a:avLst/>
-            </a:prstGeom>
-          </p:spPr>
-        </p:pic>
-      </p:grpSp>
+          <a:prstGeom prst="rect">
+            <a:avLst/>
+          </a:prstGeom>
+        </p:spPr>
+      </p:pic>
       <p:pic>
         <p:nvPicPr>
           <p:cNvPr id="107" name="Graphic 106">
@@ -19156,7 +19129,7 @@
         <p:spPr>
           <a:xfrm>
             <a:off x="1242711" y="2631699"/>
-            <a:ext cx="5725280" cy="400110"/>
+            <a:ext cx="4807265" cy="400110"/>
           </a:xfrm>
           <a:prstGeom prst="rect">
             <a:avLst/>
@@ -19297,6 +19270,36 @@
           </a:p>
         </p:txBody>
       </p:sp>
+      <p:pic>
+        <p:nvPicPr>
+          <p:cNvPr id="5" name="Picture 4">
+            <a:extLst>
+              <a:ext uri="{FF2B5EF4-FFF2-40B4-BE49-F238E27FC236}">
+                <a16:creationId xmlns:a16="http://schemas.microsoft.com/office/drawing/2014/main" id="{20F4A304-3D88-48B1-86B1-09A467C36F9E}"/>
+              </a:ext>
+            </a:extLst>
+          </p:cNvPr>
+          <p:cNvPicPr>
+            <a:picLocks noChangeAspect="1"/>
+          </p:cNvPicPr>
+          <p:nvPr/>
+        </p:nvPicPr>
+        <p:blipFill>
+          <a:blip r:embed="rId9"/>
+          <a:stretch>
+            <a:fillRect/>
+          </a:stretch>
+        </p:blipFill>
+        <p:spPr>
+          <a:xfrm>
+            <a:off x="6184618" y="3212940"/>
+            <a:ext cx="482855" cy="616327"/>
+          </a:xfrm>
+          <a:prstGeom prst="rect">
+            <a:avLst/>
+          </a:prstGeom>
+        </p:spPr>
+      </p:pic>
     </p:spTree>
     <p:extLst>
       <p:ext uri="{BB962C8B-B14F-4D97-AF65-F5344CB8AC3E}">
@@ -20736,10 +20739,10 @@
       </p:sp>
       <p:grpSp>
         <p:nvGrpSpPr>
-          <p:cNvPr id="106" name="Group 105">
+          <p:cNvPr id="2" name="Group 1">
             <a:extLst>
               <a:ext uri="{FF2B5EF4-FFF2-40B4-BE49-F238E27FC236}">
-                <a16:creationId xmlns:a16="http://schemas.microsoft.com/office/drawing/2014/main" id="{1EBEBB7F-5E39-EC4D-B80C-012AB563942D}"/>
+                <a16:creationId xmlns:a16="http://schemas.microsoft.com/office/drawing/2014/main" id="{D32D0071-4F8B-43B1-9012-8D41CAD828D8}"/>
               </a:ext>
             </a:extLst>
           </p:cNvPr>
@@ -21673,13 +21676,12 @@
                   <a:avLst/>
                 </a:prstGeom>
                 <a:solidFill>
-                  <a:schemeClr val="bg2">
-                    <a:lumMod val="60000"/>
-                    <a:lumOff val="40000"/>
-                  </a:schemeClr>
+                  <a:schemeClr val="tx1"/>
                 </a:solidFill>
                 <a:ln>
-                  <a:noFill/>
+                  <a:solidFill>
+                    <a:schemeClr val="accent1"/>
+                  </a:solidFill>
                   <a:headEnd type="none" w="med" len="med"/>
                   <a:tailEnd type="none" w="med" len="med"/>
                 </a:ln>
@@ -21721,17 +21723,9 @@
                   </a:pPr>
                   <a:r>
                     <a:rPr lang="en-US" sz="900" dirty="0">
-                      <a:gradFill>
-                        <a:gsLst>
-                          <a:gs pos="0">
-                            <a:srgbClr val="FFFFFF"/>
-                          </a:gs>
-                          <a:gs pos="100000">
-                            <a:srgbClr val="FFFFFF"/>
-                          </a:gs>
-                        </a:gsLst>
-                        <a:lin ang="5400000" scaled="0"/>
-                      </a:gradFill>
+                      <a:solidFill>
+                        <a:schemeClr val="bg1"/>
+                      </a:solidFill>
                       <a:latin typeface="Arial" panose="020B0604020202020204" pitchFamily="34" charset="0"/>
                       <a:ea typeface="Segoe UI" pitchFamily="34" charset="0"/>
                       <a:cs typeface="Arial" panose="020B0604020202020204" pitchFamily="34" charset="0"/>
@@ -21897,13 +21891,12 @@
                 <a:avLst/>
               </a:prstGeom>
               <a:solidFill>
-                <a:schemeClr val="bg2">
-                  <a:lumMod val="60000"/>
-                  <a:lumOff val="40000"/>
-                </a:schemeClr>
+                <a:schemeClr val="tx1"/>
               </a:solidFill>
               <a:ln>
-                <a:noFill/>
+                <a:solidFill>
+                  <a:schemeClr val="accent1"/>
+                </a:solidFill>
                 <a:headEnd type="none" w="med" len="med"/>
                 <a:tailEnd type="none" w="med" len="med"/>
               </a:ln>
@@ -21945,17 +21938,9 @@
                 </a:pPr>
                 <a:r>
                   <a:rPr lang="en-US" sz="900" dirty="0">
-                    <a:gradFill>
-                      <a:gsLst>
-                        <a:gs pos="0">
-                          <a:srgbClr val="FFFFFF"/>
-                        </a:gs>
-                        <a:gs pos="100000">
-                          <a:srgbClr val="FFFFFF"/>
-                        </a:gs>
-                      </a:gsLst>
-                      <a:lin ang="5400000" scaled="0"/>
-                    </a:gradFill>
+                    <a:solidFill>
+                      <a:schemeClr val="bg1"/>
+                    </a:solidFill>
                     <a:latin typeface="Arial" panose="020B0604020202020204" pitchFamily="34" charset="0"/>
                     <a:ea typeface="Segoe UI" pitchFamily="34" charset="0"/>
                     <a:cs typeface="Arial" panose="020B0604020202020204" pitchFamily="34" charset="0"/>
@@ -21986,13 +21971,12 @@
                 <a:avLst/>
               </a:prstGeom>
               <a:solidFill>
-                <a:schemeClr val="bg2">
-                  <a:lumMod val="60000"/>
-                  <a:lumOff val="40000"/>
-                </a:schemeClr>
+                <a:schemeClr val="tx1"/>
               </a:solidFill>
               <a:ln>
-                <a:noFill/>
+                <a:solidFill>
+                  <a:schemeClr val="accent1"/>
+                </a:solidFill>
                 <a:headEnd type="none" w="med" len="med"/>
                 <a:tailEnd type="none" w="med" len="med"/>
               </a:ln>
@@ -22034,17 +22018,9 @@
                 </a:pPr>
                 <a:r>
                   <a:rPr lang="en-US" sz="900" dirty="0">
-                    <a:gradFill>
-                      <a:gsLst>
-                        <a:gs pos="0">
-                          <a:srgbClr val="FFFFFF"/>
-                        </a:gs>
-                        <a:gs pos="100000">
-                          <a:srgbClr val="FFFFFF"/>
-                        </a:gs>
-                      </a:gsLst>
-                      <a:lin ang="5400000" scaled="0"/>
-                    </a:gradFill>
+                    <a:solidFill>
+                      <a:schemeClr val="bg1"/>
+                    </a:solidFill>
                     <a:latin typeface="Arial" panose="020B0604020202020204" pitchFamily="34" charset="0"/>
                     <a:ea typeface="Segoe UI" pitchFamily="34" charset="0"/>
                     <a:cs typeface="Arial" panose="020B0604020202020204" pitchFamily="34" charset="0"/>
@@ -22537,392 +22513,606 @@
             </a:prstGeom>
           </p:spPr>
         </p:pic>
+        <p:pic>
+          <p:nvPicPr>
+            <p:cNvPr id="142" name="Graphic 141">
+              <a:extLst>
+                <a:ext uri="{FF2B5EF4-FFF2-40B4-BE49-F238E27FC236}">
+                  <a16:creationId xmlns:a16="http://schemas.microsoft.com/office/drawing/2014/main" id="{26DBC607-57B7-144F-AA32-C301DEF1C98B}"/>
+                </a:ext>
+              </a:extLst>
+            </p:cNvPr>
+            <p:cNvPicPr>
+              <a:picLocks noChangeAspect="1"/>
+            </p:cNvPicPr>
+            <p:nvPr/>
+          </p:nvPicPr>
+          <p:blipFill>
+            <a:blip r:embed="rId8" cstate="print">
+              <a:extLst>
+                <a:ext uri="{28A0092B-C50C-407E-A947-70E740481C1C}">
+                  <a14:useLocalDpi xmlns:a14="http://schemas.microsoft.com/office/drawing/2010/main" val="0"/>
+                </a:ext>
+                <a:ext uri="{96DAC541-7B7A-43D3-8B79-37D633B846F1}">
+                  <asvg:svgBlip xmlns:asvg="http://schemas.microsoft.com/office/drawing/2016/SVG/main" r:embed="rId9"/>
+                </a:ext>
+              </a:extLst>
+            </a:blip>
+            <a:stretch>
+              <a:fillRect/>
+            </a:stretch>
+          </p:blipFill>
+          <p:spPr>
+            <a:xfrm>
+              <a:off x="9350740" y="2887663"/>
+              <a:ext cx="131621" cy="177866"/>
+            </a:xfrm>
+            <a:prstGeom prst="rect">
+              <a:avLst/>
+            </a:prstGeom>
+          </p:spPr>
+        </p:pic>
+        <p:sp>
+          <p:nvSpPr>
+            <p:cNvPr id="143" name="TextBox 142">
+              <a:extLst>
+                <a:ext uri="{FF2B5EF4-FFF2-40B4-BE49-F238E27FC236}">
+                  <a16:creationId xmlns:a16="http://schemas.microsoft.com/office/drawing/2014/main" id="{36865193-B50F-8847-9878-5B44BFBB44CE}"/>
+                </a:ext>
+              </a:extLst>
+            </p:cNvPr>
+            <p:cNvSpPr txBox="1"/>
+            <p:nvPr/>
+          </p:nvSpPr>
+          <p:spPr>
+            <a:xfrm>
+              <a:off x="8931273" y="4012959"/>
+              <a:ext cx="966298" cy="517065"/>
+            </a:xfrm>
+            <a:prstGeom prst="rect">
+              <a:avLst/>
+            </a:prstGeom>
+            <a:noFill/>
+          </p:spPr>
+          <p:txBody>
+            <a:bodyPr wrap="square" lIns="182880" tIns="146304" rIns="182880" bIns="146304" rtlCol="0">
+              <a:spAutoFit/>
+            </a:bodyPr>
+            <a:lstStyle/>
+            <a:p>
+              <a:pPr algn="ctr">
+                <a:lnSpc>
+                  <a:spcPct val="90000"/>
+                </a:lnSpc>
+                <a:spcAft>
+                  <a:spcPts val="600"/>
+                </a:spcAft>
+              </a:pPr>
+              <a:r>
+                <a:rPr lang="en-US" sz="800" dirty="0">
+                  <a:solidFill>
+                    <a:schemeClr val="bg1"/>
+                  </a:solidFill>
+                  <a:latin typeface="Arial" panose="020B0604020202020204" pitchFamily="34" charset="0"/>
+                  <a:cs typeface="Arial" panose="020B0604020202020204" pitchFamily="34" charset="0"/>
+                </a:rPr>
+                <a:t>Azure PostgreSQL</a:t>
+              </a:r>
+            </a:p>
+          </p:txBody>
+        </p:sp>
+        <p:sp>
+          <p:nvSpPr>
+            <p:cNvPr id="144" name="TextBox 143">
+              <a:extLst>
+                <a:ext uri="{FF2B5EF4-FFF2-40B4-BE49-F238E27FC236}">
+                  <a16:creationId xmlns:a16="http://schemas.microsoft.com/office/drawing/2014/main" id="{F46E0045-A5E1-6B41-8826-A38C67B47DAE}"/>
+                </a:ext>
+              </a:extLst>
+            </p:cNvPr>
+            <p:cNvSpPr txBox="1"/>
+            <p:nvPr/>
+          </p:nvSpPr>
+          <p:spPr>
+            <a:xfrm>
+              <a:off x="8529682" y="4025488"/>
+              <a:ext cx="739729" cy="517065"/>
+            </a:xfrm>
+            <a:prstGeom prst="rect">
+              <a:avLst/>
+            </a:prstGeom>
+            <a:noFill/>
+          </p:spPr>
+          <p:txBody>
+            <a:bodyPr wrap="square" lIns="182880" tIns="146304" rIns="182880" bIns="146304" rtlCol="0">
+              <a:spAutoFit/>
+            </a:bodyPr>
+            <a:lstStyle/>
+            <a:p>
+              <a:pPr algn="ctr">
+                <a:lnSpc>
+                  <a:spcPct val="90000"/>
+                </a:lnSpc>
+                <a:spcAft>
+                  <a:spcPts val="600"/>
+                </a:spcAft>
+              </a:pPr>
+              <a:r>
+                <a:rPr lang="en-US" sz="800" dirty="0">
+                  <a:solidFill>
+                    <a:schemeClr val="bg1"/>
+                  </a:solidFill>
+                  <a:latin typeface="Arial" panose="020B0604020202020204" pitchFamily="34" charset="0"/>
+                  <a:cs typeface="Arial" panose="020B0604020202020204" pitchFamily="34" charset="0"/>
+                </a:rPr>
+                <a:t>App Service</a:t>
+              </a:r>
+            </a:p>
+          </p:txBody>
+        </p:sp>
+        <p:pic>
+          <p:nvPicPr>
+            <p:cNvPr id="145" name="Picture 144">
+              <a:extLst>
+                <a:ext uri="{FF2B5EF4-FFF2-40B4-BE49-F238E27FC236}">
+                  <a16:creationId xmlns:a16="http://schemas.microsoft.com/office/drawing/2014/main" id="{4B963048-4005-FD42-9651-4D375A555B16}"/>
+                </a:ext>
+              </a:extLst>
+            </p:cNvPr>
+            <p:cNvPicPr>
+              <a:picLocks noChangeAspect="1"/>
+            </p:cNvPicPr>
+            <p:nvPr/>
+          </p:nvPicPr>
+          <p:blipFill>
+            <a:blip r:embed="rId6" cstate="print">
+              <a:extLst>
+                <a:ext uri="{28A0092B-C50C-407E-A947-70E740481C1C}">
+                  <a14:useLocalDpi xmlns:a14="http://schemas.microsoft.com/office/drawing/2010/main" val="0"/>
+                </a:ext>
+              </a:extLst>
+            </a:blip>
+            <a:stretch>
+              <a:fillRect/>
+            </a:stretch>
+          </p:blipFill>
+          <p:spPr>
+            <a:xfrm>
+              <a:off x="8821295" y="3956979"/>
+              <a:ext cx="193592" cy="193592"/>
+            </a:xfrm>
+            <a:prstGeom prst="rect">
+              <a:avLst/>
+            </a:prstGeom>
+          </p:spPr>
+        </p:pic>
+        <p:pic>
+          <p:nvPicPr>
+            <p:cNvPr id="146" name="Graphic 145">
+              <a:extLst>
+                <a:ext uri="{FF2B5EF4-FFF2-40B4-BE49-F238E27FC236}">
+                  <a16:creationId xmlns:a16="http://schemas.microsoft.com/office/drawing/2014/main" id="{A29A7840-1936-A445-A6F5-CFBFF1C93CAD}"/>
+                </a:ext>
+              </a:extLst>
+            </p:cNvPr>
+            <p:cNvPicPr>
+              <a:picLocks noChangeAspect="1"/>
+            </p:cNvPicPr>
+            <p:nvPr/>
+          </p:nvPicPr>
+          <p:blipFill>
+            <a:blip r:embed="rId8" cstate="print">
+              <a:extLst>
+                <a:ext uri="{28A0092B-C50C-407E-A947-70E740481C1C}">
+                  <a14:useLocalDpi xmlns:a14="http://schemas.microsoft.com/office/drawing/2010/main" val="0"/>
+                </a:ext>
+                <a:ext uri="{96DAC541-7B7A-43D3-8B79-37D633B846F1}">
+                  <asvg:svgBlip xmlns:asvg="http://schemas.microsoft.com/office/drawing/2016/SVG/main" r:embed="rId9"/>
+                </a:ext>
+              </a:extLst>
+            </a:blip>
+            <a:stretch>
+              <a:fillRect/>
+            </a:stretch>
+          </p:blipFill>
+          <p:spPr>
+            <a:xfrm>
+              <a:off x="9365330" y="3949315"/>
+              <a:ext cx="131621" cy="177866"/>
+            </a:xfrm>
+            <a:prstGeom prst="rect">
+              <a:avLst/>
+            </a:prstGeom>
+          </p:spPr>
+        </p:pic>
+        <p:sp>
+          <p:nvSpPr>
+            <p:cNvPr id="147" name="TextBox 146">
+              <a:extLst>
+                <a:ext uri="{FF2B5EF4-FFF2-40B4-BE49-F238E27FC236}">
+                  <a16:creationId xmlns:a16="http://schemas.microsoft.com/office/drawing/2014/main" id="{3112BBED-1814-E44E-AFBA-379210019284}"/>
+                </a:ext>
+              </a:extLst>
+            </p:cNvPr>
+            <p:cNvSpPr txBox="1"/>
+            <p:nvPr/>
+          </p:nvSpPr>
+          <p:spPr>
+            <a:xfrm>
+              <a:off x="10324867" y="3464056"/>
+              <a:ext cx="1049333" cy="517065"/>
+            </a:xfrm>
+            <a:prstGeom prst="rect">
+              <a:avLst/>
+            </a:prstGeom>
+            <a:noFill/>
+          </p:spPr>
+          <p:txBody>
+            <a:bodyPr wrap="square" lIns="182880" tIns="146304" rIns="182880" bIns="146304" rtlCol="0">
+              <a:spAutoFit/>
+            </a:bodyPr>
+            <a:lstStyle/>
+            <a:p>
+              <a:pPr algn="ctr">
+                <a:lnSpc>
+                  <a:spcPct val="90000"/>
+                </a:lnSpc>
+                <a:spcAft>
+                  <a:spcPts val="600"/>
+                </a:spcAft>
+              </a:pPr>
+              <a:r>
+                <a:rPr lang="en-US" sz="800" dirty="0">
+                  <a:solidFill>
+                    <a:schemeClr val="bg1"/>
+                  </a:solidFill>
+                  <a:latin typeface="Arial" panose="020B0604020202020204" pitchFamily="34" charset="0"/>
+                  <a:cs typeface="Arial" panose="020B0604020202020204" pitchFamily="34" charset="0"/>
+                </a:rPr>
+                <a:t>Azure PostgreSQL</a:t>
+              </a:r>
+            </a:p>
+          </p:txBody>
+        </p:sp>
+        <p:sp>
+          <p:nvSpPr>
+            <p:cNvPr id="148" name="TextBox 147">
+              <a:extLst>
+                <a:ext uri="{FF2B5EF4-FFF2-40B4-BE49-F238E27FC236}">
+                  <a16:creationId xmlns:a16="http://schemas.microsoft.com/office/drawing/2014/main" id="{7CEA8FCB-32F3-EA4A-93E8-E7CCA68D947B}"/>
+                </a:ext>
+              </a:extLst>
+            </p:cNvPr>
+            <p:cNvSpPr txBox="1"/>
+            <p:nvPr/>
+          </p:nvSpPr>
+          <p:spPr>
+            <a:xfrm>
+              <a:off x="9971179" y="3470529"/>
+              <a:ext cx="739729" cy="517065"/>
+            </a:xfrm>
+            <a:prstGeom prst="rect">
+              <a:avLst/>
+            </a:prstGeom>
+            <a:noFill/>
+          </p:spPr>
+          <p:txBody>
+            <a:bodyPr wrap="square" lIns="182880" tIns="146304" rIns="182880" bIns="146304" rtlCol="0">
+              <a:spAutoFit/>
+            </a:bodyPr>
+            <a:lstStyle/>
+            <a:p>
+              <a:pPr algn="ctr">
+                <a:lnSpc>
+                  <a:spcPct val="90000"/>
+                </a:lnSpc>
+                <a:spcAft>
+                  <a:spcPts val="600"/>
+                </a:spcAft>
+              </a:pPr>
+              <a:r>
+                <a:rPr lang="en-US" sz="800" dirty="0">
+                  <a:solidFill>
+                    <a:schemeClr val="bg1"/>
+                  </a:solidFill>
+                  <a:latin typeface="Arial" panose="020B0604020202020204" pitchFamily="34" charset="0"/>
+                  <a:cs typeface="Arial" panose="020B0604020202020204" pitchFamily="34" charset="0"/>
+                </a:rPr>
+                <a:t>App Service</a:t>
+              </a:r>
+            </a:p>
+          </p:txBody>
+        </p:sp>
+        <p:pic>
+          <p:nvPicPr>
+            <p:cNvPr id="149" name="Picture 148">
+              <a:extLst>
+                <a:ext uri="{FF2B5EF4-FFF2-40B4-BE49-F238E27FC236}">
+                  <a16:creationId xmlns:a16="http://schemas.microsoft.com/office/drawing/2014/main" id="{7092B6CE-B30F-D946-8CB9-21195B2A938E}"/>
+                </a:ext>
+              </a:extLst>
+            </p:cNvPr>
+            <p:cNvPicPr>
+              <a:picLocks noChangeAspect="1"/>
+            </p:cNvPicPr>
+            <p:nvPr/>
+          </p:nvPicPr>
+          <p:blipFill>
+            <a:blip r:embed="rId6" cstate="print">
+              <a:extLst>
+                <a:ext uri="{28A0092B-C50C-407E-A947-70E740481C1C}">
+                  <a14:useLocalDpi xmlns:a14="http://schemas.microsoft.com/office/drawing/2010/main" val="0"/>
+                </a:ext>
+              </a:extLst>
+            </a:blip>
+            <a:stretch>
+              <a:fillRect/>
+            </a:stretch>
+          </p:blipFill>
+          <p:spPr>
+            <a:xfrm>
+              <a:off x="10251882" y="3400082"/>
+              <a:ext cx="193592" cy="193592"/>
+            </a:xfrm>
+            <a:prstGeom prst="rect">
+              <a:avLst/>
+            </a:prstGeom>
+          </p:spPr>
+        </p:pic>
+        <p:pic>
+          <p:nvPicPr>
+            <p:cNvPr id="150" name="Graphic 149">
+              <a:extLst>
+                <a:ext uri="{FF2B5EF4-FFF2-40B4-BE49-F238E27FC236}">
+                  <a16:creationId xmlns:a16="http://schemas.microsoft.com/office/drawing/2014/main" id="{905B2035-5D37-FD4D-BDF3-83D98664314A}"/>
+                </a:ext>
+              </a:extLst>
+            </p:cNvPr>
+            <p:cNvPicPr>
+              <a:picLocks noChangeAspect="1"/>
+            </p:cNvPicPr>
+            <p:nvPr/>
+          </p:nvPicPr>
+          <p:blipFill>
+            <a:blip r:embed="rId8" cstate="print">
+              <a:extLst>
+                <a:ext uri="{28A0092B-C50C-407E-A947-70E740481C1C}">
+                  <a14:useLocalDpi xmlns:a14="http://schemas.microsoft.com/office/drawing/2010/main" val="0"/>
+                </a:ext>
+                <a:ext uri="{96DAC541-7B7A-43D3-8B79-37D633B846F1}">
+                  <asvg:svgBlip xmlns:asvg="http://schemas.microsoft.com/office/drawing/2016/SVG/main" r:embed="rId9"/>
+                </a:ext>
+              </a:extLst>
+            </a:blip>
+            <a:stretch>
+              <a:fillRect/>
+            </a:stretch>
+          </p:blipFill>
+          <p:spPr>
+            <a:xfrm>
+              <a:off x="10790321" y="3410680"/>
+              <a:ext cx="131621" cy="177866"/>
+            </a:xfrm>
+            <a:prstGeom prst="rect">
+              <a:avLst/>
+            </a:prstGeom>
+          </p:spPr>
+        </p:pic>
+        <p:pic>
+          <p:nvPicPr>
+            <p:cNvPr id="48" name="Picture 47">
+              <a:extLst>
+                <a:ext uri="{FF2B5EF4-FFF2-40B4-BE49-F238E27FC236}">
+                  <a16:creationId xmlns:a16="http://schemas.microsoft.com/office/drawing/2014/main" id="{A6F2AD7D-41E6-4AA4-9E4F-F10307A8CF87}"/>
+                </a:ext>
+              </a:extLst>
+            </p:cNvPr>
+            <p:cNvPicPr>
+              <a:picLocks noChangeAspect="1"/>
+            </p:cNvPicPr>
+            <p:nvPr/>
+          </p:nvPicPr>
+          <p:blipFill rotWithShape="1">
+            <a:blip r:embed="rId10"/>
+            <a:srcRect l="3302" t="6466" r="5732" b="6346"/>
+            <a:stretch/>
+          </p:blipFill>
+          <p:spPr>
+            <a:xfrm>
+              <a:off x="8786711" y="2875298"/>
+              <a:ext cx="191958" cy="190661"/>
+            </a:xfrm>
+            <a:prstGeom prst="rect">
+              <a:avLst/>
+            </a:prstGeom>
+          </p:spPr>
+        </p:pic>
+        <p:pic>
+          <p:nvPicPr>
+            <p:cNvPr id="49" name="Picture 48">
+              <a:extLst>
+                <a:ext uri="{FF2B5EF4-FFF2-40B4-BE49-F238E27FC236}">
+                  <a16:creationId xmlns:a16="http://schemas.microsoft.com/office/drawing/2014/main" id="{4BD78F7D-9809-4AAF-839B-23FD97DE071C}"/>
+                </a:ext>
+              </a:extLst>
+            </p:cNvPr>
+            <p:cNvPicPr>
+              <a:picLocks noChangeAspect="1"/>
+            </p:cNvPicPr>
+            <p:nvPr/>
+          </p:nvPicPr>
+          <p:blipFill rotWithShape="1">
+            <a:blip r:embed="rId11"/>
+            <a:srcRect l="8063" t="5692" r="7576" b="4929"/>
+            <a:stretch/>
+          </p:blipFill>
+          <p:spPr>
+            <a:xfrm>
+              <a:off x="9350740" y="2887663"/>
+              <a:ext cx="131524" cy="177866"/>
+            </a:xfrm>
+            <a:prstGeom prst="rect">
+              <a:avLst/>
+            </a:prstGeom>
+          </p:spPr>
+        </p:pic>
+        <p:pic>
+          <p:nvPicPr>
+            <p:cNvPr id="52" name="Picture 51">
+              <a:extLst>
+                <a:ext uri="{FF2B5EF4-FFF2-40B4-BE49-F238E27FC236}">
+                  <a16:creationId xmlns:a16="http://schemas.microsoft.com/office/drawing/2014/main" id="{790AB284-ADDC-4395-8C49-DFE732D1A9B0}"/>
+                </a:ext>
+              </a:extLst>
+            </p:cNvPr>
+            <p:cNvPicPr>
+              <a:picLocks noChangeAspect="1"/>
+            </p:cNvPicPr>
+            <p:nvPr/>
+          </p:nvPicPr>
+          <p:blipFill rotWithShape="1">
+            <a:blip r:embed="rId10"/>
+            <a:srcRect l="3302" t="6466" r="5732" b="6346"/>
+            <a:stretch/>
+          </p:blipFill>
+          <p:spPr>
+            <a:xfrm>
+              <a:off x="8821198" y="3956686"/>
+              <a:ext cx="191958" cy="190661"/>
+            </a:xfrm>
+            <a:prstGeom prst="rect">
+              <a:avLst/>
+            </a:prstGeom>
+          </p:spPr>
+        </p:pic>
+        <p:pic>
+          <p:nvPicPr>
+            <p:cNvPr id="53" name="Picture 52">
+              <a:extLst>
+                <a:ext uri="{FF2B5EF4-FFF2-40B4-BE49-F238E27FC236}">
+                  <a16:creationId xmlns:a16="http://schemas.microsoft.com/office/drawing/2014/main" id="{6F61E858-D378-4ADB-B73F-7002CA4114B6}"/>
+                </a:ext>
+              </a:extLst>
+            </p:cNvPr>
+            <p:cNvPicPr>
+              <a:picLocks noChangeAspect="1"/>
+            </p:cNvPicPr>
+            <p:nvPr/>
+          </p:nvPicPr>
+          <p:blipFill rotWithShape="1">
+            <a:blip r:embed="rId11"/>
+            <a:srcRect l="8063" t="5692" r="7576" b="4929"/>
+            <a:stretch/>
+          </p:blipFill>
+          <p:spPr>
+            <a:xfrm>
+              <a:off x="9365330" y="3956979"/>
+              <a:ext cx="131524" cy="177866"/>
+            </a:xfrm>
+            <a:prstGeom prst="rect">
+              <a:avLst/>
+            </a:prstGeom>
+          </p:spPr>
+        </p:pic>
+        <p:pic>
+          <p:nvPicPr>
+            <p:cNvPr id="54" name="Picture 53">
+              <a:extLst>
+                <a:ext uri="{FF2B5EF4-FFF2-40B4-BE49-F238E27FC236}">
+                  <a16:creationId xmlns:a16="http://schemas.microsoft.com/office/drawing/2014/main" id="{F22B5599-72D3-4BB3-9F6F-DDA77B3DB932}"/>
+                </a:ext>
+              </a:extLst>
+            </p:cNvPr>
+            <p:cNvPicPr>
+              <a:picLocks noChangeAspect="1"/>
+            </p:cNvPicPr>
+            <p:nvPr/>
+          </p:nvPicPr>
+          <p:blipFill rotWithShape="1">
+            <a:blip r:embed="rId10"/>
+            <a:srcRect l="3302" t="6466" r="5732" b="6346"/>
+            <a:stretch/>
+          </p:blipFill>
+          <p:spPr>
+            <a:xfrm>
+              <a:off x="10254430" y="3401547"/>
+              <a:ext cx="191958" cy="190661"/>
+            </a:xfrm>
+            <a:prstGeom prst="rect">
+              <a:avLst/>
+            </a:prstGeom>
+          </p:spPr>
+        </p:pic>
+        <p:pic>
+          <p:nvPicPr>
+            <p:cNvPr id="55" name="Picture 54">
+              <a:extLst>
+                <a:ext uri="{FF2B5EF4-FFF2-40B4-BE49-F238E27FC236}">
+                  <a16:creationId xmlns:a16="http://schemas.microsoft.com/office/drawing/2014/main" id="{8CBA2556-4EC4-4D18-AB5A-2B7B4622FF86}"/>
+                </a:ext>
+              </a:extLst>
+            </p:cNvPr>
+            <p:cNvPicPr>
+              <a:picLocks noChangeAspect="1"/>
+            </p:cNvPicPr>
+            <p:nvPr/>
+          </p:nvPicPr>
+          <p:blipFill rotWithShape="1">
+            <a:blip r:embed="rId11"/>
+            <a:srcRect l="8063" t="5692" r="7576" b="4929"/>
+            <a:stretch/>
+          </p:blipFill>
+          <p:spPr>
+            <a:xfrm>
+              <a:off x="10791081" y="3411868"/>
+              <a:ext cx="131524" cy="177866"/>
+            </a:xfrm>
+            <a:prstGeom prst="rect">
+              <a:avLst/>
+            </a:prstGeom>
+          </p:spPr>
+        </p:pic>
+        <p:pic>
+          <p:nvPicPr>
+            <p:cNvPr id="1026" name="Picture 2" descr="See the source image">
+              <a:extLst>
+                <a:ext uri="{FF2B5EF4-FFF2-40B4-BE49-F238E27FC236}">
+                  <a16:creationId xmlns:a16="http://schemas.microsoft.com/office/drawing/2014/main" id="{3F43361F-CBBE-4CFD-BF1A-EF55A3BF6BB0}"/>
+                </a:ext>
+              </a:extLst>
+            </p:cNvPr>
+            <p:cNvPicPr>
+              <a:picLocks noChangeAspect="1" noChangeArrowheads="1"/>
+            </p:cNvPicPr>
+            <p:nvPr/>
+          </p:nvPicPr>
+          <p:blipFill>
+            <a:blip r:embed="rId12" cstate="print">
+              <a:extLst>
+                <a:ext uri="{28A0092B-C50C-407E-A947-70E740481C1C}">
+                  <a14:useLocalDpi xmlns:a14="http://schemas.microsoft.com/office/drawing/2010/main" val="0"/>
+                </a:ext>
+              </a:extLst>
+            </a:blip>
+            <a:srcRect/>
+            <a:stretch>
+              <a:fillRect/>
+            </a:stretch>
+          </p:blipFill>
+          <p:spPr bwMode="auto">
+            <a:xfrm>
+              <a:off x="9291041" y="2015732"/>
+              <a:ext cx="1292270" cy="373547"/>
+            </a:xfrm>
+            <a:prstGeom prst="rect">
+              <a:avLst/>
+            </a:prstGeom>
+            <a:solidFill>
+              <a:schemeClr val="tx1"/>
+            </a:solidFill>
+          </p:spPr>
+        </p:pic>
       </p:grpSp>
-      <p:pic>
-        <p:nvPicPr>
-          <p:cNvPr id="142" name="Graphic 141">
-            <a:extLst>
-              <a:ext uri="{FF2B5EF4-FFF2-40B4-BE49-F238E27FC236}">
-                <a16:creationId xmlns:a16="http://schemas.microsoft.com/office/drawing/2014/main" id="{26DBC607-57B7-144F-AA32-C301DEF1C98B}"/>
-              </a:ext>
-            </a:extLst>
-          </p:cNvPr>
-          <p:cNvPicPr>
-            <a:picLocks noChangeAspect="1"/>
-          </p:cNvPicPr>
-          <p:nvPr/>
-        </p:nvPicPr>
-        <p:blipFill>
-          <a:blip r:embed="rId8">
-            <a:extLst>
-              <a:ext uri="{28A0092B-C50C-407E-A947-70E740481C1C}">
-                <a14:useLocalDpi xmlns:a14="http://schemas.microsoft.com/office/drawing/2010/main" val="0"/>
-              </a:ext>
-              <a:ext uri="{96DAC541-7B7A-43D3-8B79-37D633B846F1}">
-                <asvg:svgBlip xmlns:asvg="http://schemas.microsoft.com/office/drawing/2016/SVG/main" r:embed="rId9"/>
-              </a:ext>
-            </a:extLst>
-          </a:blip>
-          <a:stretch>
-            <a:fillRect/>
-          </a:stretch>
-        </p:blipFill>
-        <p:spPr>
-          <a:xfrm>
-            <a:off x="9350740" y="2887663"/>
-            <a:ext cx="131621" cy="177866"/>
-          </a:xfrm>
-          <a:prstGeom prst="rect">
-            <a:avLst/>
-          </a:prstGeom>
-        </p:spPr>
-      </p:pic>
-      <p:sp>
-        <p:nvSpPr>
-          <p:cNvPr id="143" name="TextBox 142">
-            <a:extLst>
-              <a:ext uri="{FF2B5EF4-FFF2-40B4-BE49-F238E27FC236}">
-                <a16:creationId xmlns:a16="http://schemas.microsoft.com/office/drawing/2014/main" id="{36865193-B50F-8847-9878-5B44BFBB44CE}"/>
-              </a:ext>
-            </a:extLst>
-          </p:cNvPr>
-          <p:cNvSpPr txBox="1"/>
-          <p:nvPr/>
-        </p:nvSpPr>
-        <p:spPr>
-          <a:xfrm>
-            <a:off x="8931273" y="4012959"/>
-            <a:ext cx="966298" cy="517065"/>
-          </a:xfrm>
-          <a:prstGeom prst="rect">
-            <a:avLst/>
-          </a:prstGeom>
-          <a:noFill/>
-        </p:spPr>
-        <p:txBody>
-          <a:bodyPr wrap="square" lIns="182880" tIns="146304" rIns="182880" bIns="146304" rtlCol="0">
-            <a:spAutoFit/>
-          </a:bodyPr>
-          <a:lstStyle/>
-          <a:p>
-            <a:pPr algn="ctr">
-              <a:lnSpc>
-                <a:spcPct val="90000"/>
-              </a:lnSpc>
-              <a:spcAft>
-                <a:spcPts val="600"/>
-              </a:spcAft>
-            </a:pPr>
-            <a:r>
-              <a:rPr lang="en-US" sz="800" dirty="0">
-                <a:solidFill>
-                  <a:schemeClr val="bg1"/>
-                </a:solidFill>
-                <a:latin typeface="Arial" panose="020B0604020202020204" pitchFamily="34" charset="0"/>
-                <a:cs typeface="Arial" panose="020B0604020202020204" pitchFamily="34" charset="0"/>
-              </a:rPr>
-              <a:t>Azure PostgreSQL</a:t>
-            </a:r>
-          </a:p>
-        </p:txBody>
-      </p:sp>
-      <p:sp>
-        <p:nvSpPr>
-          <p:cNvPr id="144" name="TextBox 143">
-            <a:extLst>
-              <a:ext uri="{FF2B5EF4-FFF2-40B4-BE49-F238E27FC236}">
-                <a16:creationId xmlns:a16="http://schemas.microsoft.com/office/drawing/2014/main" id="{F46E0045-A5E1-6B41-8826-A38C67B47DAE}"/>
-              </a:ext>
-            </a:extLst>
-          </p:cNvPr>
-          <p:cNvSpPr txBox="1"/>
-          <p:nvPr/>
-        </p:nvSpPr>
-        <p:spPr>
-          <a:xfrm>
-            <a:off x="8529682" y="4025488"/>
-            <a:ext cx="739729" cy="517065"/>
-          </a:xfrm>
-          <a:prstGeom prst="rect">
-            <a:avLst/>
-          </a:prstGeom>
-          <a:noFill/>
-        </p:spPr>
-        <p:txBody>
-          <a:bodyPr wrap="square" lIns="182880" tIns="146304" rIns="182880" bIns="146304" rtlCol="0">
-            <a:spAutoFit/>
-          </a:bodyPr>
-          <a:lstStyle/>
-          <a:p>
-            <a:pPr algn="ctr">
-              <a:lnSpc>
-                <a:spcPct val="90000"/>
-              </a:lnSpc>
-              <a:spcAft>
-                <a:spcPts val="600"/>
-              </a:spcAft>
-            </a:pPr>
-            <a:r>
-              <a:rPr lang="en-US" sz="800" dirty="0">
-                <a:solidFill>
-                  <a:schemeClr val="bg1"/>
-                </a:solidFill>
-                <a:latin typeface="Arial" panose="020B0604020202020204" pitchFamily="34" charset="0"/>
-                <a:cs typeface="Arial" panose="020B0604020202020204" pitchFamily="34" charset="0"/>
-              </a:rPr>
-              <a:t>App Service</a:t>
-            </a:r>
-          </a:p>
-        </p:txBody>
-      </p:sp>
-      <p:pic>
-        <p:nvPicPr>
-          <p:cNvPr id="145" name="Picture 144">
-            <a:extLst>
-              <a:ext uri="{FF2B5EF4-FFF2-40B4-BE49-F238E27FC236}">
-                <a16:creationId xmlns:a16="http://schemas.microsoft.com/office/drawing/2014/main" id="{4B963048-4005-FD42-9651-4D375A555B16}"/>
-              </a:ext>
-            </a:extLst>
-          </p:cNvPr>
-          <p:cNvPicPr>
-            <a:picLocks noChangeAspect="1"/>
-          </p:cNvPicPr>
-          <p:nvPr/>
-        </p:nvPicPr>
-        <p:blipFill>
-          <a:blip r:embed="rId6" cstate="print">
-            <a:extLst>
-              <a:ext uri="{28A0092B-C50C-407E-A947-70E740481C1C}">
-                <a14:useLocalDpi xmlns:a14="http://schemas.microsoft.com/office/drawing/2010/main" val="0"/>
-              </a:ext>
-            </a:extLst>
-          </a:blip>
-          <a:stretch>
-            <a:fillRect/>
-          </a:stretch>
-        </p:blipFill>
-        <p:spPr>
-          <a:xfrm>
-            <a:off x="8821295" y="3956979"/>
-            <a:ext cx="193592" cy="193592"/>
-          </a:xfrm>
-          <a:prstGeom prst="rect">
-            <a:avLst/>
-          </a:prstGeom>
-        </p:spPr>
-      </p:pic>
-      <p:pic>
-        <p:nvPicPr>
-          <p:cNvPr id="146" name="Graphic 145">
-            <a:extLst>
-              <a:ext uri="{FF2B5EF4-FFF2-40B4-BE49-F238E27FC236}">
-                <a16:creationId xmlns:a16="http://schemas.microsoft.com/office/drawing/2014/main" id="{A29A7840-1936-A445-A6F5-CFBFF1C93CAD}"/>
-              </a:ext>
-            </a:extLst>
-          </p:cNvPr>
-          <p:cNvPicPr>
-            <a:picLocks noChangeAspect="1"/>
-          </p:cNvPicPr>
-          <p:nvPr/>
-        </p:nvPicPr>
-        <p:blipFill>
-          <a:blip r:embed="rId8">
-            <a:extLst>
-              <a:ext uri="{28A0092B-C50C-407E-A947-70E740481C1C}">
-                <a14:useLocalDpi xmlns:a14="http://schemas.microsoft.com/office/drawing/2010/main" val="0"/>
-              </a:ext>
-              <a:ext uri="{96DAC541-7B7A-43D3-8B79-37D633B846F1}">
-                <asvg:svgBlip xmlns:asvg="http://schemas.microsoft.com/office/drawing/2016/SVG/main" r:embed="rId9"/>
-              </a:ext>
-            </a:extLst>
-          </a:blip>
-          <a:stretch>
-            <a:fillRect/>
-          </a:stretch>
-        </p:blipFill>
-        <p:spPr>
-          <a:xfrm>
-            <a:off x="9365330" y="3949315"/>
-            <a:ext cx="131621" cy="177866"/>
-          </a:xfrm>
-          <a:prstGeom prst="rect">
-            <a:avLst/>
-          </a:prstGeom>
-        </p:spPr>
-      </p:pic>
-      <p:sp>
-        <p:nvSpPr>
-          <p:cNvPr id="147" name="TextBox 146">
-            <a:extLst>
-              <a:ext uri="{FF2B5EF4-FFF2-40B4-BE49-F238E27FC236}">
-                <a16:creationId xmlns:a16="http://schemas.microsoft.com/office/drawing/2014/main" id="{3112BBED-1814-E44E-AFBA-379210019284}"/>
-              </a:ext>
-            </a:extLst>
-          </p:cNvPr>
-          <p:cNvSpPr txBox="1"/>
-          <p:nvPr/>
-        </p:nvSpPr>
-        <p:spPr>
-          <a:xfrm>
-            <a:off x="10324867" y="3464056"/>
-            <a:ext cx="1049333" cy="517065"/>
-          </a:xfrm>
-          <a:prstGeom prst="rect">
-            <a:avLst/>
-          </a:prstGeom>
-          <a:noFill/>
-        </p:spPr>
-        <p:txBody>
-          <a:bodyPr wrap="square" lIns="182880" tIns="146304" rIns="182880" bIns="146304" rtlCol="0">
-            <a:spAutoFit/>
-          </a:bodyPr>
-          <a:lstStyle/>
-          <a:p>
-            <a:pPr algn="ctr">
-              <a:lnSpc>
-                <a:spcPct val="90000"/>
-              </a:lnSpc>
-              <a:spcAft>
-                <a:spcPts val="600"/>
-              </a:spcAft>
-            </a:pPr>
-            <a:r>
-              <a:rPr lang="en-US" sz="800" dirty="0">
-                <a:solidFill>
-                  <a:schemeClr val="bg1"/>
-                </a:solidFill>
-                <a:latin typeface="Arial" panose="020B0604020202020204" pitchFamily="34" charset="0"/>
-                <a:cs typeface="Arial" panose="020B0604020202020204" pitchFamily="34" charset="0"/>
-              </a:rPr>
-              <a:t>Azure PostgreSQL</a:t>
-            </a:r>
-          </a:p>
-        </p:txBody>
-      </p:sp>
-      <p:sp>
-        <p:nvSpPr>
-          <p:cNvPr id="148" name="TextBox 147">
-            <a:extLst>
-              <a:ext uri="{FF2B5EF4-FFF2-40B4-BE49-F238E27FC236}">
-                <a16:creationId xmlns:a16="http://schemas.microsoft.com/office/drawing/2014/main" id="{7CEA8FCB-32F3-EA4A-93E8-E7CCA68D947B}"/>
-              </a:ext>
-            </a:extLst>
-          </p:cNvPr>
-          <p:cNvSpPr txBox="1"/>
-          <p:nvPr/>
-        </p:nvSpPr>
-        <p:spPr>
-          <a:xfrm>
-            <a:off x="9971179" y="3470529"/>
-            <a:ext cx="739729" cy="517065"/>
-          </a:xfrm>
-          <a:prstGeom prst="rect">
-            <a:avLst/>
-          </a:prstGeom>
-          <a:noFill/>
-        </p:spPr>
-        <p:txBody>
-          <a:bodyPr wrap="square" lIns="182880" tIns="146304" rIns="182880" bIns="146304" rtlCol="0">
-            <a:spAutoFit/>
-          </a:bodyPr>
-          <a:lstStyle/>
-          <a:p>
-            <a:pPr algn="ctr">
-              <a:lnSpc>
-                <a:spcPct val="90000"/>
-              </a:lnSpc>
-              <a:spcAft>
-                <a:spcPts val="600"/>
-              </a:spcAft>
-            </a:pPr>
-            <a:r>
-              <a:rPr lang="en-US" sz="800" dirty="0">
-                <a:solidFill>
-                  <a:schemeClr val="bg1"/>
-                </a:solidFill>
-                <a:latin typeface="Arial" panose="020B0604020202020204" pitchFamily="34" charset="0"/>
-                <a:cs typeface="Arial" panose="020B0604020202020204" pitchFamily="34" charset="0"/>
-              </a:rPr>
-              <a:t>App Service</a:t>
-            </a:r>
-          </a:p>
-        </p:txBody>
-      </p:sp>
-      <p:pic>
-        <p:nvPicPr>
-          <p:cNvPr id="149" name="Picture 148">
-            <a:extLst>
-              <a:ext uri="{FF2B5EF4-FFF2-40B4-BE49-F238E27FC236}">
-                <a16:creationId xmlns:a16="http://schemas.microsoft.com/office/drawing/2014/main" id="{7092B6CE-B30F-D946-8CB9-21195B2A938E}"/>
-              </a:ext>
-            </a:extLst>
-          </p:cNvPr>
-          <p:cNvPicPr>
-            <a:picLocks noChangeAspect="1"/>
-          </p:cNvPicPr>
-          <p:nvPr/>
-        </p:nvPicPr>
-        <p:blipFill>
-          <a:blip r:embed="rId6" cstate="print">
-            <a:extLst>
-              <a:ext uri="{28A0092B-C50C-407E-A947-70E740481C1C}">
-                <a14:useLocalDpi xmlns:a14="http://schemas.microsoft.com/office/drawing/2010/main" val="0"/>
-              </a:ext>
-            </a:extLst>
-          </a:blip>
-          <a:stretch>
-            <a:fillRect/>
-          </a:stretch>
-        </p:blipFill>
-        <p:spPr>
-          <a:xfrm>
-            <a:off x="10251882" y="3400082"/>
-            <a:ext cx="193592" cy="193592"/>
-          </a:xfrm>
-          <a:prstGeom prst="rect">
-            <a:avLst/>
-          </a:prstGeom>
-        </p:spPr>
-      </p:pic>
-      <p:pic>
-        <p:nvPicPr>
-          <p:cNvPr id="150" name="Graphic 149">
-            <a:extLst>
-              <a:ext uri="{FF2B5EF4-FFF2-40B4-BE49-F238E27FC236}">
-                <a16:creationId xmlns:a16="http://schemas.microsoft.com/office/drawing/2014/main" id="{905B2035-5D37-FD4D-BDF3-83D98664314A}"/>
-              </a:ext>
-            </a:extLst>
-          </p:cNvPr>
-          <p:cNvPicPr>
-            <a:picLocks noChangeAspect="1"/>
-          </p:cNvPicPr>
-          <p:nvPr/>
-        </p:nvPicPr>
-        <p:blipFill>
-          <a:blip r:embed="rId8">
-            <a:extLst>
-              <a:ext uri="{28A0092B-C50C-407E-A947-70E740481C1C}">
-                <a14:useLocalDpi xmlns:a14="http://schemas.microsoft.com/office/drawing/2010/main" val="0"/>
-              </a:ext>
-              <a:ext uri="{96DAC541-7B7A-43D3-8B79-37D633B846F1}">
-                <asvg:svgBlip xmlns:asvg="http://schemas.microsoft.com/office/drawing/2016/SVG/main" r:embed="rId9"/>
-              </a:ext>
-            </a:extLst>
-          </a:blip>
-          <a:stretch>
-            <a:fillRect/>
-          </a:stretch>
-        </p:blipFill>
-        <p:spPr>
-          <a:xfrm>
-            <a:off x="10790321" y="3410680"/>
-            <a:ext cx="131621" cy="177866"/>
-          </a:xfrm>
-          <a:prstGeom prst="rect">
-            <a:avLst/>
-          </a:prstGeom>
-        </p:spPr>
-      </p:pic>
     </p:spTree>
     <p:extLst>
       <p:ext uri="{BB962C8B-B14F-4D97-AF65-F5344CB8AC3E}">
@@ -23133,7 +23323,7 @@
           <a:p>
             <a:r>
               <a:rPr lang="en-US" sz="3200" dirty="0"/>
-              <a:t>Setup approval steps as quality gates to control the flow of each release .</a:t>
+              <a:t>Setup approval steps as quality gates to control the flow of each release.</a:t>
             </a:r>
           </a:p>
         </p:txBody>

--- a/Whiteboard design session/WDS trainer presentation - Continuous delivery in Azure DevOps.pptx
+++ b/Whiteboard design session/WDS trainer presentation - Continuous delivery in Azure DevOps.pptx
@@ -3237,7 +3237,7 @@
                   <a:prstClr val="black"/>
                 </a:solidFill>
               </a:rPr>
-              <a:t>12/6/2019 1:20 AM</a:t>
+              <a:t>12/6/2019 2:20 AM</a:t>
             </a:fld>
             <a:endParaRPr lang="en-US" dirty="0">
               <a:solidFill>
@@ -16058,7 +16058,7 @@
           <p:cNvPr id="3" name="Group 2">
             <a:extLst>
               <a:ext uri="{FF2B5EF4-FFF2-40B4-BE49-F238E27FC236}">
-                <a16:creationId xmlns:a16="http://schemas.microsoft.com/office/drawing/2014/main" id="{8C99E4B3-CA1D-4B4E-B526-E6E8E985D963}"/>
+                <a16:creationId xmlns:a16="http://schemas.microsoft.com/office/drawing/2014/main" id="{A964E156-46A3-4EE9-9A62-3CE6D8EA7823}"/>
               </a:ext>
             </a:extLst>
           </p:cNvPr>
@@ -16180,42 +16180,6 @@
               </a:p>
             </p:txBody>
           </p:sp>
-          <p:pic>
-            <p:nvPicPr>
-              <p:cNvPr id="5" name="Picture 4">
-                <a:extLst>
-                  <a:ext uri="{FF2B5EF4-FFF2-40B4-BE49-F238E27FC236}">
-                    <a16:creationId xmlns:a16="http://schemas.microsoft.com/office/drawing/2014/main" id="{99C9F7AE-362B-4DD4-9004-223EA1DDD41E}"/>
-                  </a:ext>
-                </a:extLst>
-              </p:cNvPr>
-              <p:cNvPicPr>
-                <a:picLocks noChangeAspect="1"/>
-              </p:cNvPicPr>
-              <p:nvPr/>
-            </p:nvPicPr>
-            <p:blipFill>
-              <a:blip r:embed="rId3" cstate="print">
-                <a:extLst>
-                  <a:ext uri="{28A0092B-C50C-407E-A947-70E740481C1C}">
-                    <a14:useLocalDpi xmlns:a14="http://schemas.microsoft.com/office/drawing/2010/main" val="0"/>
-                  </a:ext>
-                </a:extLst>
-              </a:blip>
-              <a:stretch>
-                <a:fillRect/>
-              </a:stretch>
-            </p:blipFill>
-            <p:spPr>
-              <a:xfrm>
-                <a:off x="10666811" y="2592643"/>
-                <a:ext cx="412994" cy="412994"/>
-              </a:xfrm>
-              <a:prstGeom prst="rect">
-                <a:avLst/>
-              </a:prstGeom>
-            </p:spPr>
-          </p:pic>
           <p:sp>
             <p:nvSpPr>
               <p:cNvPr id="12" name="TextBox 11">
@@ -16496,7 +16460,7 @@
                 <p:nvPr/>
               </p:nvPicPr>
               <p:blipFill>
-                <a:blip r:embed="rId4" cstate="print">
+                <a:blip r:embed="rId3" cstate="print">
                   <a:extLst>
                     <a:ext uri="{28A0092B-C50C-407E-A947-70E740481C1C}">
                       <a14:useLocalDpi xmlns:a14="http://schemas.microsoft.com/office/drawing/2010/main" val="0"/>
@@ -16618,7 +16582,7 @@
                 <p:nvPr/>
               </p:nvPicPr>
               <p:blipFill>
-                <a:blip r:embed="rId5" cstate="print">
+                <a:blip r:embed="rId4" cstate="print">
                   <a:extLst>
                     <a:ext uri="{28A0092B-C50C-407E-A947-70E740481C1C}">
                       <a14:useLocalDpi xmlns:a14="http://schemas.microsoft.com/office/drawing/2010/main" val="0"/>
@@ -16912,7 +16876,7 @@
                       <p:nvPr/>
                     </p:nvPicPr>
                     <p:blipFill>
-                      <a:blip r:embed="rId6" cstate="print">
+                      <a:blip r:embed="rId5" cstate="print">
                         <a:extLst>
                           <a:ext uri="{28A0092B-C50C-407E-A947-70E740481C1C}">
                             <a14:useLocalDpi xmlns:a14="http://schemas.microsoft.com/office/drawing/2010/main" val="0"/>
@@ -17558,10 +17522,48 @@
         </p:grpSp>
         <p:pic>
           <p:nvPicPr>
-            <p:cNvPr id="38" name="Picture 37">
+            <p:cNvPr id="7" name="Picture 6" descr="A picture containing airplane, fence&#10;&#10;Description automatically generated">
               <a:extLst>
                 <a:ext uri="{FF2B5EF4-FFF2-40B4-BE49-F238E27FC236}">
-                  <a16:creationId xmlns:a16="http://schemas.microsoft.com/office/drawing/2014/main" id="{C6DA6E5A-6E33-C541-BA30-EE98EB86F5A4}"/>
+                  <a16:creationId xmlns:a16="http://schemas.microsoft.com/office/drawing/2014/main" id="{EF96E283-23B7-49D8-910E-60A2283F3CF3}"/>
+                </a:ext>
+              </a:extLst>
+            </p:cNvPr>
+            <p:cNvPicPr>
+              <a:picLocks noChangeAspect="1"/>
+            </p:cNvPicPr>
+            <p:nvPr/>
+          </p:nvPicPr>
+          <p:blipFill rotWithShape="1">
+            <a:blip r:embed="rId6" cstate="print">
+              <a:extLst>
+                <a:ext uri="{28A0092B-C50C-407E-A947-70E740481C1C}">
+                  <a14:useLocalDpi xmlns:a14="http://schemas.microsoft.com/office/drawing/2010/main" val="0"/>
+                </a:ext>
+              </a:extLst>
+            </a:blip>
+            <a:srcRect t="17195" r="18366"/>
+            <a:stretch/>
+          </p:blipFill>
+          <p:spPr>
+            <a:xfrm>
+              <a:off x="7076341" y="3966401"/>
+              <a:ext cx="1262013" cy="1000085"/>
+            </a:xfrm>
+            <a:prstGeom prst="rect">
+              <a:avLst/>
+            </a:prstGeom>
+            <a:solidFill>
+              <a:schemeClr val="tx1"/>
+            </a:solidFill>
+          </p:spPr>
+        </p:pic>
+        <p:pic>
+          <p:nvPicPr>
+            <p:cNvPr id="43" name="Graphic 42">
+              <a:extLst>
+                <a:ext uri="{FF2B5EF4-FFF2-40B4-BE49-F238E27FC236}">
+                  <a16:creationId xmlns:a16="http://schemas.microsoft.com/office/drawing/2014/main" id="{AA557610-2944-4A67-B221-C448F2738E8B}"/>
                 </a:ext>
               </a:extLst>
             </p:cNvPr>
@@ -17571,15 +17573,84 @@
             <p:nvPr/>
           </p:nvPicPr>
           <p:blipFill>
-            <a:blip r:embed="rId7"/>
+            <a:blip r:embed="rId7">
+              <a:extLst>
+                <a:ext uri="{28A0092B-C50C-407E-A947-70E740481C1C}">
+                  <a14:useLocalDpi xmlns:a14="http://schemas.microsoft.com/office/drawing/2010/main" val="0"/>
+                </a:ext>
+                <a:ext uri="{96DAC541-7B7A-43D3-8B79-37D633B846F1}">
+                  <asvg:svgBlip xmlns:asvg="http://schemas.microsoft.com/office/drawing/2016/SVG/main" r:embed="rId8"/>
+                </a:ext>
+              </a:extLst>
+            </a:blip>
             <a:stretch>
               <a:fillRect/>
             </a:stretch>
           </p:blipFill>
           <p:spPr>
             <a:xfrm>
-              <a:off x="1247806" y="3702759"/>
-              <a:ext cx="615218" cy="615218"/>
+              <a:off x="1234168" y="3675594"/>
+              <a:ext cx="662009" cy="662009"/>
+            </a:xfrm>
+            <a:prstGeom prst="rect">
+              <a:avLst/>
+            </a:prstGeom>
+          </p:spPr>
+        </p:pic>
+        <p:pic>
+          <p:nvPicPr>
+            <p:cNvPr id="44" name="Picture 43">
+              <a:extLst>
+                <a:ext uri="{FF2B5EF4-FFF2-40B4-BE49-F238E27FC236}">
+                  <a16:creationId xmlns:a16="http://schemas.microsoft.com/office/drawing/2014/main" id="{EFB52FA1-17AB-42BD-B76D-31330FABB4C0}"/>
+                </a:ext>
+              </a:extLst>
+            </p:cNvPr>
+            <p:cNvPicPr>
+              <a:picLocks noChangeAspect="1"/>
+            </p:cNvPicPr>
+            <p:nvPr/>
+          </p:nvPicPr>
+          <p:blipFill>
+            <a:blip r:embed="rId9"/>
+            <a:stretch>
+              <a:fillRect/>
+            </a:stretch>
+          </p:blipFill>
+          <p:spPr>
+            <a:xfrm>
+              <a:off x="10417681" y="2459667"/>
+              <a:ext cx="490204" cy="508000"/>
+            </a:xfrm>
+            <a:prstGeom prst="rect">
+              <a:avLst/>
+            </a:prstGeom>
+          </p:spPr>
+        </p:pic>
+        <p:pic>
+          <p:nvPicPr>
+            <p:cNvPr id="45" name="Picture 44">
+              <a:extLst>
+                <a:ext uri="{FF2B5EF4-FFF2-40B4-BE49-F238E27FC236}">
+                  <a16:creationId xmlns:a16="http://schemas.microsoft.com/office/drawing/2014/main" id="{A55D0812-CA7B-4C54-B681-074E1A6F8B31}"/>
+                </a:ext>
+              </a:extLst>
+            </p:cNvPr>
+            <p:cNvPicPr>
+              <a:picLocks noChangeAspect="1"/>
+            </p:cNvPicPr>
+            <p:nvPr/>
+          </p:nvPicPr>
+          <p:blipFill>
+            <a:blip r:embed="rId10"/>
+            <a:stretch>
+              <a:fillRect/>
+            </a:stretch>
+          </p:blipFill>
+          <p:spPr>
+            <a:xfrm>
+              <a:off x="10422330" y="4691187"/>
+              <a:ext cx="482855" cy="616327"/>
             </a:xfrm>
             <a:prstGeom prst="rect">
               <a:avLst/>
@@ -17587,45 +17658,6 @@
           </p:spPr>
         </p:pic>
       </p:grpSp>
-      <p:pic>
-        <p:nvPicPr>
-          <p:cNvPr id="42" name="Graphic 41">
-            <a:extLst>
-              <a:ext uri="{FF2B5EF4-FFF2-40B4-BE49-F238E27FC236}">
-                <a16:creationId xmlns:a16="http://schemas.microsoft.com/office/drawing/2014/main" id="{5AD105B8-7589-5445-9FBB-D4E80C14DC01}"/>
-              </a:ext>
-            </a:extLst>
-          </p:cNvPr>
-          <p:cNvPicPr>
-            <a:picLocks noChangeAspect="1"/>
-          </p:cNvPicPr>
-          <p:nvPr/>
-        </p:nvPicPr>
-        <p:blipFill>
-          <a:blip r:embed="rId8">
-            <a:extLst>
-              <a:ext uri="{28A0092B-C50C-407E-A947-70E740481C1C}">
-                <a14:useLocalDpi xmlns:a14="http://schemas.microsoft.com/office/drawing/2010/main" val="0"/>
-              </a:ext>
-              <a:ext uri="{96DAC541-7B7A-43D3-8B79-37D633B846F1}">
-                <asvg:svgBlip xmlns:asvg="http://schemas.microsoft.com/office/drawing/2016/SVG/main" r:embed="rId9"/>
-              </a:ext>
-            </a:extLst>
-          </a:blip>
-          <a:stretch>
-            <a:fillRect/>
-          </a:stretch>
-        </p:blipFill>
-        <p:spPr>
-          <a:xfrm>
-            <a:off x="10447936" y="4675452"/>
-            <a:ext cx="414427" cy="560036"/>
-          </a:xfrm>
-          <a:prstGeom prst="rect">
-            <a:avLst/>
-          </a:prstGeom>
-        </p:spPr>
-      </p:pic>
     </p:spTree>
     <p:extLst>
       <p:ext uri="{BB962C8B-B14F-4D97-AF65-F5344CB8AC3E}">
@@ -17941,118 +17973,6 @@
       </p:grpSpPr>
       <p:sp>
         <p:nvSpPr>
-          <p:cNvPr id="2" name="Rectangle 1">
-            <a:extLst>
-              <a:ext uri="{FF2B5EF4-FFF2-40B4-BE49-F238E27FC236}">
-                <a16:creationId xmlns:a16="http://schemas.microsoft.com/office/drawing/2014/main" id="{F7CF495D-4076-D847-BE52-831CAF03DC08}"/>
-              </a:ext>
-            </a:extLst>
-          </p:cNvPr>
-          <p:cNvSpPr/>
-          <p:nvPr/>
-        </p:nvSpPr>
-        <p:spPr bwMode="auto">
-          <a:xfrm>
-            <a:off x="412120" y="1500189"/>
-            <a:ext cx="11346498" cy="3671888"/>
-          </a:xfrm>
-          <a:prstGeom prst="rect">
-            <a:avLst/>
-          </a:prstGeom>
-          <a:solidFill>
-            <a:schemeClr val="tx1"/>
-          </a:solidFill>
-          <a:ln>
-            <a:noFill/>
-            <a:headEnd type="none" w="med" len="med"/>
-            <a:tailEnd type="none" w="med" len="med"/>
-          </a:ln>
-          <a:effectLst/>
-        </p:spPr>
-        <p:style>
-          <a:lnRef idx="1">
-            <a:schemeClr val="accent2"/>
-          </a:lnRef>
-          <a:fillRef idx="3">
-            <a:schemeClr val="accent2"/>
-          </a:fillRef>
-          <a:effectRef idx="2">
-            <a:schemeClr val="accent2"/>
-          </a:effectRef>
-          <a:fontRef idx="minor">
-            <a:schemeClr val="lt1"/>
-          </a:fontRef>
-        </p:style>
-        <p:txBody>
-          <a:bodyPr rot="0" spcFirstLastPara="0" vertOverflow="overflow" horzOverflow="overflow" vert="horz" wrap="square" lIns="182880" tIns="146304" rIns="182880" bIns="146304" numCol="1" spcCol="0" rtlCol="0" fromWordArt="0" anchor="t" anchorCtr="0" forceAA="0" compatLnSpc="1">
-            <a:prstTxWarp prst="textNoShape">
-              <a:avLst/>
-            </a:prstTxWarp>
-            <a:noAutofit/>
-          </a:bodyPr>
-          <a:lstStyle/>
-          <a:p>
-            <a:pPr algn="ctr" defTabSz="932472" fontAlgn="base">
-              <a:lnSpc>
-                <a:spcPct val="90000"/>
-              </a:lnSpc>
-              <a:spcBef>
-                <a:spcPct val="0"/>
-              </a:spcBef>
-              <a:spcAft>
-                <a:spcPct val="0"/>
-              </a:spcAft>
-            </a:pPr>
-            <a:endParaRPr lang="en-US" sz="2400" dirty="0" err="1">
-              <a:gradFill>
-                <a:gsLst>
-                  <a:gs pos="0">
-                    <a:srgbClr val="FFFFFF"/>
-                  </a:gs>
-                  <a:gs pos="100000">
-                    <a:srgbClr val="FFFFFF"/>
-                  </a:gs>
-                </a:gsLst>
-                <a:lin ang="5400000" scaled="0"/>
-              </a:gradFill>
-              <a:ea typeface="Segoe UI" pitchFamily="34" charset="0"/>
-              <a:cs typeface="Segoe UI" pitchFamily="34" charset="0"/>
-            </a:endParaRPr>
-          </a:p>
-        </p:txBody>
-      </p:sp>
-      <p:pic>
-        <p:nvPicPr>
-          <p:cNvPr id="4" name="Picture 3">
-            <a:extLst>
-              <a:ext uri="{FF2B5EF4-FFF2-40B4-BE49-F238E27FC236}">
-                <a16:creationId xmlns:a16="http://schemas.microsoft.com/office/drawing/2014/main" id="{04695CDB-6CA5-48B4-B109-1296E4768E99}"/>
-              </a:ext>
-            </a:extLst>
-          </p:cNvPr>
-          <p:cNvPicPr>
-            <a:picLocks noChangeAspect="1"/>
-          </p:cNvPicPr>
-          <p:nvPr/>
-        </p:nvPicPr>
-        <p:blipFill>
-          <a:blip r:embed="rId3"/>
-          <a:stretch>
-            <a:fillRect/>
-          </a:stretch>
-        </p:blipFill>
-        <p:spPr>
-          <a:xfrm>
-            <a:off x="6186331" y="2604806"/>
-            <a:ext cx="490204" cy="508000"/>
-          </a:xfrm>
-          <a:prstGeom prst="rect">
-            <a:avLst/>
-          </a:prstGeom>
-        </p:spPr>
-      </p:pic>
-      <p:sp>
-        <p:nvSpPr>
           <p:cNvPr id="3" name="Title 2">
             <a:extLst>
               <a:ext uri="{FF2B5EF4-FFF2-40B4-BE49-F238E27FC236}">
@@ -18067,7 +17987,12 @@
             <p:ph type="title"/>
           </p:nvPr>
         </p:nvSpPr>
-        <p:spPr/>
+        <p:spPr>
+          <a:xfrm>
+            <a:off x="269240" y="267740"/>
+            <a:ext cx="11655840" cy="899665"/>
+          </a:xfrm>
+        </p:spPr>
         <p:txBody>
           <a:bodyPr/>
           <a:lstStyle/>
@@ -18075,147 +18000,6 @@
             <a:r>
               <a:rPr lang="en-US" dirty="0"/>
               <a:t>Common scenarios</a:t>
-            </a:r>
-          </a:p>
-        </p:txBody>
-      </p:sp>
-      <p:pic>
-        <p:nvPicPr>
-          <p:cNvPr id="89" name="Picture 88">
-            <a:extLst>
-              <a:ext uri="{FF2B5EF4-FFF2-40B4-BE49-F238E27FC236}">
-                <a16:creationId xmlns:a16="http://schemas.microsoft.com/office/drawing/2014/main" id="{6276561F-EBC2-0A45-B589-1BBFEF85A9DA}"/>
-              </a:ext>
-            </a:extLst>
-          </p:cNvPr>
-          <p:cNvPicPr>
-            <a:picLocks noChangeAspect="1"/>
-          </p:cNvPicPr>
-          <p:nvPr/>
-        </p:nvPicPr>
-        <p:blipFill>
-          <a:blip r:embed="rId4" cstate="print">
-            <a:extLst>
-              <a:ext uri="{28A0092B-C50C-407E-A947-70E740481C1C}">
-                <a14:useLocalDpi xmlns:a14="http://schemas.microsoft.com/office/drawing/2010/main" val="0"/>
-              </a:ext>
-            </a:extLst>
-          </a:blip>
-          <a:stretch>
-            <a:fillRect/>
-          </a:stretch>
-        </p:blipFill>
-        <p:spPr>
-          <a:xfrm>
-            <a:off x="596740" y="3269471"/>
-            <a:ext cx="481585" cy="481585"/>
-          </a:xfrm>
-          <a:prstGeom prst="rect">
-            <a:avLst/>
-          </a:prstGeom>
-        </p:spPr>
-      </p:pic>
-      <p:sp>
-        <p:nvSpPr>
-          <p:cNvPr id="90" name="TextBox 89">
-            <a:extLst>
-              <a:ext uri="{FF2B5EF4-FFF2-40B4-BE49-F238E27FC236}">
-                <a16:creationId xmlns:a16="http://schemas.microsoft.com/office/drawing/2014/main" id="{F5107D4E-FDF7-5144-9B0B-67BC47016A7A}"/>
-              </a:ext>
-            </a:extLst>
-          </p:cNvPr>
-          <p:cNvSpPr txBox="1"/>
-          <p:nvPr/>
-        </p:nvSpPr>
-        <p:spPr>
-          <a:xfrm>
-            <a:off x="1240469" y="2021875"/>
-            <a:ext cx="4363720" cy="400110"/>
-          </a:xfrm>
-          <a:prstGeom prst="rect">
-            <a:avLst/>
-          </a:prstGeom>
-          <a:noFill/>
-        </p:spPr>
-        <p:txBody>
-          <a:bodyPr wrap="square" rtlCol="0">
-            <a:spAutoFit/>
-          </a:bodyPr>
-          <a:lstStyle/>
-          <a:p>
-            <a:r>
-              <a:rPr lang="en-US" sz="2000" dirty="0"/>
-              <a:t>Azure DevOps</a:t>
-            </a:r>
-          </a:p>
-        </p:txBody>
-      </p:sp>
-      <p:sp>
-        <p:nvSpPr>
-          <p:cNvPr id="91" name="TextBox 90">
-            <a:extLst>
-              <a:ext uri="{FF2B5EF4-FFF2-40B4-BE49-F238E27FC236}">
-                <a16:creationId xmlns:a16="http://schemas.microsoft.com/office/drawing/2014/main" id="{2551AD69-BCF9-234C-A556-8243E7EBC1B7}"/>
-              </a:ext>
-            </a:extLst>
-          </p:cNvPr>
-          <p:cNvSpPr txBox="1"/>
-          <p:nvPr/>
-        </p:nvSpPr>
-        <p:spPr>
-          <a:xfrm>
-            <a:off x="1260789" y="2680773"/>
-            <a:ext cx="4751697" cy="400110"/>
-          </a:xfrm>
-          <a:prstGeom prst="rect">
-            <a:avLst/>
-          </a:prstGeom>
-          <a:noFill/>
-        </p:spPr>
-        <p:txBody>
-          <a:bodyPr wrap="square" rtlCol="0">
-            <a:spAutoFit/>
-          </a:bodyPr>
-          <a:lstStyle/>
-          <a:p>
-            <a:r>
-              <a:rPr lang="en-US" sz="2000" dirty="0"/>
-              <a:t>Azure Repos</a:t>
-            </a:r>
-          </a:p>
-        </p:txBody>
-      </p:sp>
-      <p:sp>
-        <p:nvSpPr>
-          <p:cNvPr id="92" name="TextBox 91">
-            <a:extLst>
-              <a:ext uri="{FF2B5EF4-FFF2-40B4-BE49-F238E27FC236}">
-                <a16:creationId xmlns:a16="http://schemas.microsoft.com/office/drawing/2014/main" id="{3E3E1ADB-2DB6-784D-9B2A-1E82D13A8507}"/>
-              </a:ext>
-            </a:extLst>
-          </p:cNvPr>
-          <p:cNvSpPr txBox="1"/>
-          <p:nvPr/>
-        </p:nvSpPr>
-        <p:spPr>
-          <a:xfrm>
-            <a:off x="1260789" y="3351655"/>
-            <a:ext cx="5725280" cy="400110"/>
-          </a:xfrm>
-          <a:prstGeom prst="rect">
-            <a:avLst/>
-          </a:prstGeom>
-          <a:noFill/>
-        </p:spPr>
-        <p:txBody>
-          <a:bodyPr wrap="square" rtlCol="0">
-            <a:spAutoFit/>
-          </a:bodyPr>
-          <a:lstStyle/>
-          <a:p>
-            <a:r>
-              <a:rPr lang="en-US" sz="2000" dirty="0"/>
-              <a:t>Azure DevOps with GitHub</a:t>
             </a:r>
           </a:p>
         </p:txBody>
@@ -18290,277 +18074,91 @@
           </a:p>
         </p:txBody>
       </p:sp>
-      <p:cxnSp>
-        <p:nvCxnSpPr>
-          <p:cNvPr id="96" name="Straight Arrow Connector 95">
+      <p:grpSp>
+        <p:nvGrpSpPr>
+          <p:cNvPr id="7" name="Group 6">
             <a:extLst>
               <a:ext uri="{FF2B5EF4-FFF2-40B4-BE49-F238E27FC236}">
-                <a16:creationId xmlns:a16="http://schemas.microsoft.com/office/drawing/2014/main" id="{D3A0320F-285E-B344-9A30-657BFD4A5593}"/>
+                <a16:creationId xmlns:a16="http://schemas.microsoft.com/office/drawing/2014/main" id="{377B3715-8CFC-4EB2-A14F-76121ED7861F}"/>
               </a:ext>
             </a:extLst>
           </p:cNvPr>
-          <p:cNvCxnSpPr>
-            <a:cxnSpLocks/>
-            <a:stCxn id="100" idx="3"/>
-            <a:endCxn id="101" idx="1"/>
-          </p:cNvCxnSpPr>
+          <p:cNvGrpSpPr/>
           <p:nvPr/>
-        </p:nvCxnSpPr>
-        <p:spPr>
+        </p:nvGrpSpPr>
+        <p:grpSpPr>
           <a:xfrm>
-            <a:off x="2995792" y="4666243"/>
-            <a:ext cx="465694" cy="0"/>
+            <a:off x="412120" y="1500189"/>
+            <a:ext cx="12163540" cy="3671888"/>
+            <a:chOff x="412120" y="1500189"/>
+            <a:chExt cx="12163540" cy="3671888"/>
           </a:xfrm>
-          <a:prstGeom prst="straightConnector1">
-            <a:avLst/>
-          </a:prstGeom>
-          <a:ln w="9525" cap="flat" cmpd="sng" algn="ctr">
+        </p:grpSpPr>
+        <p:sp>
+          <p:nvSpPr>
+            <p:cNvPr id="2" name="Rectangle 1">
+              <a:extLst>
+                <a:ext uri="{FF2B5EF4-FFF2-40B4-BE49-F238E27FC236}">
+                  <a16:creationId xmlns:a16="http://schemas.microsoft.com/office/drawing/2014/main" id="{F7CF495D-4076-D847-BE52-831CAF03DC08}"/>
+                </a:ext>
+              </a:extLst>
+            </p:cNvPr>
+            <p:cNvSpPr/>
+            <p:nvPr/>
+          </p:nvSpPr>
+          <p:spPr bwMode="auto">
+            <a:xfrm>
+              <a:off x="412120" y="1500189"/>
+              <a:ext cx="11346498" cy="3671888"/>
+            </a:xfrm>
+            <a:prstGeom prst="rect">
+              <a:avLst/>
+            </a:prstGeom>
             <a:solidFill>
-              <a:schemeClr val="accent6"/>
+              <a:schemeClr val="tx1"/>
             </a:solidFill>
-            <a:prstDash val="solid"/>
-            <a:round/>
-            <a:headEnd type="none" w="med" len="med"/>
-            <a:tailEnd type="arrow" w="med" len="med"/>
-          </a:ln>
-        </p:spPr>
-        <p:style>
-          <a:lnRef idx="0">
-            <a:scrgbClr r="0" g="0" b="0"/>
-          </a:lnRef>
-          <a:fillRef idx="0">
-            <a:scrgbClr r="0" g="0" b="0"/>
-          </a:fillRef>
-          <a:effectRef idx="0">
-            <a:scrgbClr r="0" g="0" b="0"/>
-          </a:effectRef>
-          <a:fontRef idx="minor">
-            <a:schemeClr val="tx1"/>
-          </a:fontRef>
-        </p:style>
-      </p:cxnSp>
-      <p:cxnSp>
-        <p:nvCxnSpPr>
-          <p:cNvPr id="97" name="Straight Arrow Connector 96">
-            <a:extLst>
-              <a:ext uri="{FF2B5EF4-FFF2-40B4-BE49-F238E27FC236}">
-                <a16:creationId xmlns:a16="http://schemas.microsoft.com/office/drawing/2014/main" id="{BC4BAE5C-7CBB-2645-B693-B5918A80E60A}"/>
-              </a:ext>
-            </a:extLst>
-          </p:cNvPr>
-          <p:cNvCxnSpPr>
-            <a:cxnSpLocks/>
-            <a:stCxn id="101" idx="3"/>
-            <a:endCxn id="102" idx="1"/>
-          </p:cNvCxnSpPr>
-          <p:nvPr/>
-        </p:nvCxnSpPr>
-        <p:spPr>
-          <a:xfrm>
-            <a:off x="5142447" y="4666243"/>
-            <a:ext cx="465694" cy="0"/>
-          </a:xfrm>
-          <a:prstGeom prst="straightConnector1">
-            <a:avLst/>
-          </a:prstGeom>
-          <a:ln w="9525" cap="flat" cmpd="sng" algn="ctr">
-            <a:solidFill>
-              <a:schemeClr val="accent6"/>
-            </a:solidFill>
-            <a:prstDash val="solid"/>
-            <a:round/>
-            <a:headEnd type="none" w="med" len="med"/>
-            <a:tailEnd type="arrow" w="med" len="med"/>
-          </a:ln>
-        </p:spPr>
-        <p:style>
-          <a:lnRef idx="0">
-            <a:scrgbClr r="0" g="0" b="0"/>
-          </a:lnRef>
-          <a:fillRef idx="0">
-            <a:scrgbClr r="0" g="0" b="0"/>
-          </a:fillRef>
-          <a:effectRef idx="0">
-            <a:scrgbClr r="0" g="0" b="0"/>
-          </a:effectRef>
-          <a:fontRef idx="minor">
-            <a:schemeClr val="tx1"/>
-          </a:fontRef>
-        </p:style>
-      </p:cxnSp>
-      <p:cxnSp>
-        <p:nvCxnSpPr>
-          <p:cNvPr id="98" name="Straight Arrow Connector 97">
-            <a:extLst>
-              <a:ext uri="{FF2B5EF4-FFF2-40B4-BE49-F238E27FC236}">
-                <a16:creationId xmlns:a16="http://schemas.microsoft.com/office/drawing/2014/main" id="{D0D3FAA1-451B-144B-A568-5F736357D4EC}"/>
-              </a:ext>
-            </a:extLst>
-          </p:cNvPr>
-          <p:cNvCxnSpPr>
-            <a:cxnSpLocks/>
-            <a:stCxn id="102" idx="3"/>
-            <a:endCxn id="103" idx="1"/>
-          </p:cNvCxnSpPr>
-          <p:nvPr/>
-        </p:nvCxnSpPr>
-        <p:spPr>
-          <a:xfrm>
-            <a:off x="7289102" y="4666243"/>
-            <a:ext cx="465694" cy="0"/>
-          </a:xfrm>
-          <a:prstGeom prst="straightConnector1">
-            <a:avLst/>
-          </a:prstGeom>
-          <a:ln w="9525" cap="flat" cmpd="sng" algn="ctr">
-            <a:solidFill>
-              <a:schemeClr val="accent6"/>
-            </a:solidFill>
-            <a:prstDash val="solid"/>
-            <a:round/>
-            <a:headEnd type="none" w="med" len="med"/>
-            <a:tailEnd type="arrow" w="med" len="med"/>
-          </a:ln>
-        </p:spPr>
-        <p:style>
-          <a:lnRef idx="0">
-            <a:scrgbClr r="0" g="0" b="0"/>
-          </a:lnRef>
-          <a:fillRef idx="0">
-            <a:scrgbClr r="0" g="0" b="0"/>
-          </a:fillRef>
-          <a:effectRef idx="0">
-            <a:scrgbClr r="0" g="0" b="0"/>
-          </a:effectRef>
-          <a:fontRef idx="minor">
-            <a:schemeClr val="tx1"/>
-          </a:fontRef>
-        </p:style>
-      </p:cxnSp>
-      <p:cxnSp>
-        <p:nvCxnSpPr>
-          <p:cNvPr id="99" name="Straight Arrow Connector 98">
-            <a:extLst>
-              <a:ext uri="{FF2B5EF4-FFF2-40B4-BE49-F238E27FC236}">
-                <a16:creationId xmlns:a16="http://schemas.microsoft.com/office/drawing/2014/main" id="{30435B2B-6826-7842-B0FF-05D2012A05FD}"/>
-              </a:ext>
-            </a:extLst>
-          </p:cNvPr>
-          <p:cNvCxnSpPr>
-            <a:cxnSpLocks/>
-            <a:stCxn id="103" idx="3"/>
-            <a:endCxn id="104" idx="1"/>
-          </p:cNvCxnSpPr>
-          <p:nvPr/>
-        </p:nvCxnSpPr>
-        <p:spPr>
-          <a:xfrm>
-            <a:off x="9435757" y="4666243"/>
-            <a:ext cx="465694" cy="0"/>
-          </a:xfrm>
-          <a:prstGeom prst="straightConnector1">
-            <a:avLst/>
-          </a:prstGeom>
-          <a:ln w="9525" cap="flat" cmpd="sng" algn="ctr">
-            <a:solidFill>
-              <a:schemeClr val="accent6"/>
-            </a:solidFill>
-            <a:prstDash val="solid"/>
-            <a:round/>
-            <a:headEnd type="none" w="med" len="med"/>
-            <a:tailEnd type="arrow" w="med" len="med"/>
-          </a:ln>
-        </p:spPr>
-        <p:style>
-          <a:lnRef idx="0">
-            <a:scrgbClr r="0" g="0" b="0"/>
-          </a:lnRef>
-          <a:fillRef idx="0">
-            <a:scrgbClr r="0" g="0" b="0"/>
-          </a:fillRef>
-          <a:effectRef idx="0">
-            <a:scrgbClr r="0" g="0" b="0"/>
-          </a:effectRef>
-          <a:fontRef idx="minor">
-            <a:schemeClr val="tx1"/>
-          </a:fontRef>
-        </p:style>
-      </p:cxnSp>
-      <p:sp>
-        <p:nvSpPr>
-          <p:cNvPr id="100" name="Rectangle 99">
-            <a:extLst>
-              <a:ext uri="{FF2B5EF4-FFF2-40B4-BE49-F238E27FC236}">
-                <a16:creationId xmlns:a16="http://schemas.microsoft.com/office/drawing/2014/main" id="{576729F6-E197-FA4C-8E9D-DCE4120B2FEE}"/>
-              </a:ext>
-            </a:extLst>
-          </p:cNvPr>
-          <p:cNvSpPr/>
-          <p:nvPr/>
-        </p:nvSpPr>
-        <p:spPr bwMode="auto">
-          <a:xfrm>
-            <a:off x="611564" y="4272604"/>
-            <a:ext cx="2384228" cy="787277"/>
-          </a:xfrm>
-          <a:prstGeom prst="rect">
-            <a:avLst/>
-          </a:prstGeom>
-          <a:solidFill>
-            <a:srgbClr val="002060"/>
-          </a:solidFill>
-          <a:ln>
-            <a:noFill/>
-            <a:headEnd type="none" w="med" len="med"/>
-            <a:tailEnd type="none" w="med" len="med"/>
-          </a:ln>
-          <a:effectLst/>
-        </p:spPr>
-        <p:style>
-          <a:lnRef idx="1">
-            <a:schemeClr val="accent2"/>
-          </a:lnRef>
-          <a:fillRef idx="3">
-            <a:schemeClr val="accent2"/>
-          </a:fillRef>
-          <a:effectRef idx="2">
-            <a:schemeClr val="accent2"/>
-          </a:effectRef>
-          <a:fontRef idx="minor">
-            <a:schemeClr val="lt1"/>
-          </a:fontRef>
-        </p:style>
-        <p:txBody>
-          <a:bodyPr rot="0" spcFirstLastPara="0" vertOverflow="overflow" horzOverflow="overflow" vert="horz" wrap="square" lIns="182857" tIns="146285" rIns="182857" bIns="146285" numCol="1" spcCol="0" rtlCol="0" fromWordArt="0" anchor="t" anchorCtr="0" forceAA="0" compatLnSpc="1">
-            <a:prstTxWarp prst="textNoShape">
-              <a:avLst/>
-            </a:prstTxWarp>
-            <a:noAutofit/>
-          </a:bodyPr>
-          <a:lstStyle/>
-          <a:p>
-            <a:pPr marL="0" marR="0" lvl="0" indent="0" algn="ctr" defTabSz="932021" rtl="0" eaLnBrk="1" fontAlgn="auto" latinLnBrk="0" hangingPunct="1">
-              <a:lnSpc>
-                <a:spcPct val="90000"/>
-              </a:lnSpc>
-              <a:spcBef>
-                <a:spcPts val="0"/>
-              </a:spcBef>
-              <a:spcAft>
-                <a:spcPts val="0"/>
-              </a:spcAft>
-              <a:buClrTx/>
-              <a:buSzTx/>
-              <a:buFontTx/>
-              <a:buNone/>
-              <a:tabLst/>
-              <a:defRPr/>
-            </a:pPr>
-            <a:r>
-              <a:rPr kumimoji="0" lang="en-US" sz="1400" b="1" i="0" u="none" strike="noStrike" kern="0" cap="none" spc="0" normalizeH="0" baseline="0" noProof="0" dirty="0">
-                <a:ln>
-                  <a:noFill/>
-                </a:ln>
+            <a:ln>
+              <a:noFill/>
+              <a:headEnd type="none" w="med" len="med"/>
+              <a:tailEnd type="none" w="med" len="med"/>
+            </a:ln>
+            <a:effectLst/>
+          </p:spPr>
+          <p:style>
+            <a:lnRef idx="1">
+              <a:schemeClr val="accent2"/>
+            </a:lnRef>
+            <a:fillRef idx="3">
+              <a:schemeClr val="accent2"/>
+            </a:fillRef>
+            <a:effectRef idx="2">
+              <a:schemeClr val="accent2"/>
+            </a:effectRef>
+            <a:fontRef idx="minor">
+              <a:schemeClr val="lt1"/>
+            </a:fontRef>
+          </p:style>
+          <p:txBody>
+            <a:bodyPr rot="0" spcFirstLastPara="0" vertOverflow="overflow" horzOverflow="overflow" vert="horz" wrap="square" lIns="182880" tIns="146304" rIns="182880" bIns="146304" numCol="1" spcCol="0" rtlCol="0" fromWordArt="0" anchor="t" anchorCtr="0" forceAA="0" compatLnSpc="1">
+              <a:prstTxWarp prst="textNoShape">
+                <a:avLst/>
+              </a:prstTxWarp>
+              <a:noAutofit/>
+            </a:bodyPr>
+            <a:lstStyle/>
+            <a:p>
+              <a:pPr algn="ctr" defTabSz="932472" fontAlgn="base">
+                <a:lnSpc>
+                  <a:spcPct val="90000"/>
+                </a:lnSpc>
+                <a:spcBef>
+                  <a:spcPct val="0"/>
+                </a:spcBef>
+                <a:spcAft>
+                  <a:spcPct val="0"/>
+                </a:spcAft>
+              </a:pPr>
+              <a:endParaRPr lang="en-US" sz="2400" dirty="0" err="1">
                 <a:gradFill>
                   <a:gsLst>
                     <a:gs pos="0">
@@ -18572,734 +18170,1203 @@
                   </a:gsLst>
                   <a:lin ang="5400000" scaled="0"/>
                 </a:gradFill>
-                <a:effectLst/>
-                <a:uLnTx/>
-                <a:uFillTx/>
-                <a:latin typeface="Segoe UI Light"/>
                 <a:ea typeface="Segoe UI" pitchFamily="34" charset="0"/>
                 <a:cs typeface="Segoe UI" pitchFamily="34" charset="0"/>
-              </a:rPr>
-              <a:t>SOURCE CONTROL</a:t>
-            </a:r>
-          </a:p>
-        </p:txBody>
-      </p:sp>
-      <p:sp>
-        <p:nvSpPr>
-          <p:cNvPr id="101" name="Rectangle 100">
-            <a:extLst>
-              <a:ext uri="{FF2B5EF4-FFF2-40B4-BE49-F238E27FC236}">
-                <a16:creationId xmlns:a16="http://schemas.microsoft.com/office/drawing/2014/main" id="{6938DFFB-2E41-6B44-ABA0-FF6C35412EFF}"/>
-              </a:ext>
-            </a:extLst>
-          </p:cNvPr>
-          <p:cNvSpPr/>
-          <p:nvPr/>
-        </p:nvSpPr>
-        <p:spPr bwMode="auto">
-          <a:xfrm>
-            <a:off x="3461486" y="4272604"/>
-            <a:ext cx="1680961" cy="787277"/>
-          </a:xfrm>
-          <a:prstGeom prst="rect">
-            <a:avLst/>
-          </a:prstGeom>
-          <a:solidFill>
-            <a:srgbClr val="002060"/>
-          </a:solidFill>
-          <a:ln>
+              </a:endParaRPr>
+            </a:p>
+          </p:txBody>
+        </p:sp>
+        <p:pic>
+          <p:nvPicPr>
+            <p:cNvPr id="4" name="Picture 3">
+              <a:extLst>
+                <a:ext uri="{FF2B5EF4-FFF2-40B4-BE49-F238E27FC236}">
+                  <a16:creationId xmlns:a16="http://schemas.microsoft.com/office/drawing/2014/main" id="{04695CDB-6CA5-48B4-B109-1296E4768E99}"/>
+                </a:ext>
+              </a:extLst>
+            </p:cNvPr>
+            <p:cNvPicPr>
+              <a:picLocks noChangeAspect="1"/>
+            </p:cNvPicPr>
+            <p:nvPr/>
+          </p:nvPicPr>
+          <p:blipFill>
+            <a:blip r:embed="rId3"/>
+            <a:stretch>
+              <a:fillRect/>
+            </a:stretch>
+          </p:blipFill>
+          <p:spPr>
+            <a:xfrm>
+              <a:off x="6186331" y="2604806"/>
+              <a:ext cx="490204" cy="508000"/>
+            </a:xfrm>
+            <a:prstGeom prst="rect">
+              <a:avLst/>
+            </a:prstGeom>
+          </p:spPr>
+        </p:pic>
+        <p:pic>
+          <p:nvPicPr>
+            <p:cNvPr id="89" name="Picture 88">
+              <a:extLst>
+                <a:ext uri="{FF2B5EF4-FFF2-40B4-BE49-F238E27FC236}">
+                  <a16:creationId xmlns:a16="http://schemas.microsoft.com/office/drawing/2014/main" id="{6276561F-EBC2-0A45-B589-1BBFEF85A9DA}"/>
+                </a:ext>
+              </a:extLst>
+            </p:cNvPr>
+            <p:cNvPicPr>
+              <a:picLocks noChangeAspect="1"/>
+            </p:cNvPicPr>
+            <p:nvPr/>
+          </p:nvPicPr>
+          <p:blipFill>
+            <a:blip r:embed="rId4" cstate="print">
+              <a:extLst>
+                <a:ext uri="{28A0092B-C50C-407E-A947-70E740481C1C}">
+                  <a14:useLocalDpi xmlns:a14="http://schemas.microsoft.com/office/drawing/2010/main" val="0"/>
+                </a:ext>
+              </a:extLst>
+            </a:blip>
+            <a:stretch>
+              <a:fillRect/>
+            </a:stretch>
+          </p:blipFill>
+          <p:spPr>
+            <a:xfrm>
+              <a:off x="596740" y="3269471"/>
+              <a:ext cx="481585" cy="481585"/>
+            </a:xfrm>
+            <a:prstGeom prst="rect">
+              <a:avLst/>
+            </a:prstGeom>
+          </p:spPr>
+        </p:pic>
+        <p:sp>
+          <p:nvSpPr>
+            <p:cNvPr id="90" name="TextBox 89">
+              <a:extLst>
+                <a:ext uri="{FF2B5EF4-FFF2-40B4-BE49-F238E27FC236}">
+                  <a16:creationId xmlns:a16="http://schemas.microsoft.com/office/drawing/2014/main" id="{F5107D4E-FDF7-5144-9B0B-67BC47016A7A}"/>
+                </a:ext>
+              </a:extLst>
+            </p:cNvPr>
+            <p:cNvSpPr txBox="1"/>
+            <p:nvPr/>
+          </p:nvSpPr>
+          <p:spPr>
+            <a:xfrm>
+              <a:off x="1240469" y="2021875"/>
+              <a:ext cx="4363720" cy="400110"/>
+            </a:xfrm>
+            <a:prstGeom prst="rect">
+              <a:avLst/>
+            </a:prstGeom>
             <a:noFill/>
-            <a:headEnd type="none" w="med" len="med"/>
-            <a:tailEnd type="none" w="med" len="med"/>
-          </a:ln>
-          <a:effectLst/>
-        </p:spPr>
-        <p:style>
-          <a:lnRef idx="1">
-            <a:schemeClr val="accent2"/>
-          </a:lnRef>
-          <a:fillRef idx="3">
-            <a:schemeClr val="accent2"/>
-          </a:fillRef>
-          <a:effectRef idx="2">
-            <a:schemeClr val="accent2"/>
-          </a:effectRef>
-          <a:fontRef idx="minor">
-            <a:schemeClr val="lt1"/>
-          </a:fontRef>
-        </p:style>
-        <p:txBody>
-          <a:bodyPr rot="0" spcFirstLastPara="0" vertOverflow="overflow" horzOverflow="overflow" vert="horz" wrap="square" lIns="182857" tIns="146285" rIns="182857" bIns="146285" numCol="1" spcCol="0" rtlCol="0" fromWordArt="0" anchor="t" anchorCtr="0" forceAA="0" compatLnSpc="1">
-            <a:prstTxWarp prst="textNoShape">
+          </p:spPr>
+          <p:txBody>
+            <a:bodyPr wrap="square" rtlCol="0">
+              <a:spAutoFit/>
+            </a:bodyPr>
+            <a:lstStyle/>
+            <a:p>
+              <a:r>
+                <a:rPr lang="en-US" sz="2000" dirty="0"/>
+                <a:t>Azure DevOps</a:t>
+              </a:r>
+            </a:p>
+          </p:txBody>
+        </p:sp>
+        <p:sp>
+          <p:nvSpPr>
+            <p:cNvPr id="91" name="TextBox 90">
+              <a:extLst>
+                <a:ext uri="{FF2B5EF4-FFF2-40B4-BE49-F238E27FC236}">
+                  <a16:creationId xmlns:a16="http://schemas.microsoft.com/office/drawing/2014/main" id="{2551AD69-BCF9-234C-A556-8243E7EBC1B7}"/>
+                </a:ext>
+              </a:extLst>
+            </p:cNvPr>
+            <p:cNvSpPr txBox="1"/>
+            <p:nvPr/>
+          </p:nvSpPr>
+          <p:spPr>
+            <a:xfrm>
+              <a:off x="1260789" y="2680773"/>
+              <a:ext cx="4751697" cy="400110"/>
+            </a:xfrm>
+            <a:prstGeom prst="rect">
               <a:avLst/>
-            </a:prstTxWarp>
-            <a:noAutofit/>
-          </a:bodyPr>
-          <a:lstStyle/>
-          <a:p>
-            <a:pPr marL="0" marR="0" lvl="0" indent="0" algn="ctr" defTabSz="932021" rtl="0" eaLnBrk="1" fontAlgn="auto" latinLnBrk="0" hangingPunct="1">
-              <a:lnSpc>
-                <a:spcPct val="90000"/>
-              </a:lnSpc>
-              <a:spcBef>
-                <a:spcPts val="0"/>
-              </a:spcBef>
-              <a:spcAft>
-                <a:spcPts val="0"/>
-              </a:spcAft>
-              <a:buClrTx/>
-              <a:buSzTx/>
-              <a:buFontTx/>
-              <a:buNone/>
-              <a:tabLst/>
-              <a:defRPr/>
-            </a:pPr>
-            <a:r>
-              <a:rPr kumimoji="0" lang="en-US" sz="1400" b="1" i="0" u="none" strike="noStrike" kern="0" cap="none" spc="0" normalizeH="0" baseline="0" noProof="0" dirty="0">
-                <a:ln>
-                  <a:noFill/>
-                </a:ln>
-                <a:gradFill>
-                  <a:gsLst>
-                    <a:gs pos="0">
-                      <a:srgbClr val="FFFFFF"/>
-                    </a:gs>
-                    <a:gs pos="100000">
-                      <a:srgbClr val="FFFFFF"/>
-                    </a:gs>
-                  </a:gsLst>
-                  <a:lin ang="5400000" scaled="0"/>
-                </a:gradFill>
-                <a:effectLst/>
-                <a:uLnTx/>
-                <a:uFillTx/>
-                <a:latin typeface="Segoe UI Light"/>
-                <a:ea typeface="Segoe UI" pitchFamily="34" charset="0"/>
-                <a:cs typeface="Segoe UI" pitchFamily="34" charset="0"/>
-              </a:rPr>
-              <a:t>CI</a:t>
-            </a:r>
-          </a:p>
-        </p:txBody>
-      </p:sp>
-      <p:sp>
-        <p:nvSpPr>
-          <p:cNvPr id="102" name="Rectangle 101">
-            <a:extLst>
-              <a:ext uri="{FF2B5EF4-FFF2-40B4-BE49-F238E27FC236}">
-                <a16:creationId xmlns:a16="http://schemas.microsoft.com/office/drawing/2014/main" id="{79C21FAA-E266-0745-A345-C8F9B36EE244}"/>
-              </a:ext>
-            </a:extLst>
-          </p:cNvPr>
-          <p:cNvSpPr/>
-          <p:nvPr/>
-        </p:nvSpPr>
-        <p:spPr bwMode="auto">
-          <a:xfrm>
-            <a:off x="5608141" y="4272604"/>
-            <a:ext cx="1680961" cy="787277"/>
-          </a:xfrm>
-          <a:prstGeom prst="rect">
-            <a:avLst/>
-          </a:prstGeom>
-          <a:solidFill>
-            <a:srgbClr val="002060"/>
-          </a:solidFill>
-          <a:ln>
+            </a:prstGeom>
             <a:noFill/>
-            <a:headEnd type="none" w="med" len="med"/>
-            <a:tailEnd type="none" w="med" len="med"/>
-          </a:ln>
-          <a:effectLst/>
-        </p:spPr>
-        <p:style>
-          <a:lnRef idx="1">
-            <a:schemeClr val="accent2"/>
-          </a:lnRef>
-          <a:fillRef idx="3">
-            <a:schemeClr val="accent2"/>
-          </a:fillRef>
-          <a:effectRef idx="2">
-            <a:schemeClr val="accent2"/>
-          </a:effectRef>
-          <a:fontRef idx="minor">
-            <a:schemeClr val="lt1"/>
-          </a:fontRef>
-        </p:style>
-        <p:txBody>
-          <a:bodyPr rot="0" spcFirstLastPara="0" vertOverflow="overflow" horzOverflow="overflow" vert="horz" wrap="square" lIns="182857" tIns="146285" rIns="182857" bIns="146285" numCol="1" spcCol="0" rtlCol="0" fromWordArt="0" anchor="t" anchorCtr="0" forceAA="0" compatLnSpc="1">
-            <a:prstTxWarp prst="textNoShape">
+          </p:spPr>
+          <p:txBody>
+            <a:bodyPr wrap="square" rtlCol="0">
+              <a:spAutoFit/>
+            </a:bodyPr>
+            <a:lstStyle/>
+            <a:p>
+              <a:r>
+                <a:rPr lang="en-US" sz="2000" dirty="0"/>
+                <a:t>Azure Repos</a:t>
+              </a:r>
+            </a:p>
+          </p:txBody>
+        </p:sp>
+        <p:sp>
+          <p:nvSpPr>
+            <p:cNvPr id="92" name="TextBox 91">
+              <a:extLst>
+                <a:ext uri="{FF2B5EF4-FFF2-40B4-BE49-F238E27FC236}">
+                  <a16:creationId xmlns:a16="http://schemas.microsoft.com/office/drawing/2014/main" id="{3E3E1ADB-2DB6-784D-9B2A-1E82D13A8507}"/>
+                </a:ext>
+              </a:extLst>
+            </p:cNvPr>
+            <p:cNvSpPr txBox="1"/>
+            <p:nvPr/>
+          </p:nvSpPr>
+          <p:spPr>
+            <a:xfrm>
+              <a:off x="1260789" y="3351655"/>
+              <a:ext cx="5725280" cy="400110"/>
+            </a:xfrm>
+            <a:prstGeom prst="rect">
               <a:avLst/>
-            </a:prstTxWarp>
-            <a:noAutofit/>
-          </a:bodyPr>
-          <a:lstStyle/>
-          <a:p>
-            <a:pPr marL="0" marR="0" lvl="0" indent="0" algn="ctr" defTabSz="932021" rtl="0" eaLnBrk="1" fontAlgn="auto" latinLnBrk="0" hangingPunct="1">
-              <a:lnSpc>
-                <a:spcPct val="90000"/>
-              </a:lnSpc>
-              <a:spcBef>
-                <a:spcPts val="0"/>
-              </a:spcBef>
-              <a:spcAft>
-                <a:spcPts val="0"/>
-              </a:spcAft>
-              <a:buClrTx/>
-              <a:buSzTx/>
-              <a:buFontTx/>
-              <a:buNone/>
-              <a:tabLst/>
-              <a:defRPr/>
-            </a:pPr>
-            <a:r>
-              <a:rPr kumimoji="0" lang="en-US" sz="1400" b="1" i="0" u="none" strike="noStrike" kern="0" cap="none" spc="0" normalizeH="0" baseline="0" noProof="0" dirty="0">
-                <a:ln>
-                  <a:noFill/>
-                </a:ln>
-                <a:gradFill>
-                  <a:gsLst>
-                    <a:gs pos="0">
-                      <a:srgbClr val="FFFFFF"/>
-                    </a:gs>
-                    <a:gs pos="100000">
-                      <a:srgbClr val="FFFFFF"/>
-                    </a:gs>
-                  </a:gsLst>
-                  <a:lin ang="5400000" scaled="0"/>
-                </a:gradFill>
-                <a:effectLst/>
-                <a:uLnTx/>
-                <a:uFillTx/>
-                <a:latin typeface="Segoe UI Light"/>
-                <a:ea typeface="Segoe UI" pitchFamily="34" charset="0"/>
-                <a:cs typeface="Segoe UI" pitchFamily="34" charset="0"/>
-              </a:rPr>
-              <a:t>PACKAGE</a:t>
-            </a:r>
-          </a:p>
-        </p:txBody>
-      </p:sp>
-      <p:sp>
-        <p:nvSpPr>
-          <p:cNvPr id="103" name="Rectangle 102">
-            <a:extLst>
-              <a:ext uri="{FF2B5EF4-FFF2-40B4-BE49-F238E27FC236}">
-                <a16:creationId xmlns:a16="http://schemas.microsoft.com/office/drawing/2014/main" id="{C43ED478-8C63-4543-93C0-28F25717B8CF}"/>
-              </a:ext>
-            </a:extLst>
-          </p:cNvPr>
-          <p:cNvSpPr/>
-          <p:nvPr/>
-        </p:nvSpPr>
-        <p:spPr bwMode="auto">
-          <a:xfrm>
-            <a:off x="7754796" y="4272604"/>
-            <a:ext cx="1680961" cy="787277"/>
-          </a:xfrm>
-          <a:prstGeom prst="rect">
-            <a:avLst/>
-          </a:prstGeom>
-          <a:solidFill>
-            <a:srgbClr val="002060"/>
-          </a:solidFill>
-          <a:ln>
+            </a:prstGeom>
             <a:noFill/>
-            <a:headEnd type="none" w="med" len="med"/>
-            <a:tailEnd type="none" w="med" len="med"/>
-          </a:ln>
-          <a:effectLst/>
-        </p:spPr>
-        <p:style>
-          <a:lnRef idx="1">
-            <a:schemeClr val="accent2"/>
-          </a:lnRef>
-          <a:fillRef idx="3">
-            <a:schemeClr val="accent2"/>
-          </a:fillRef>
-          <a:effectRef idx="2">
-            <a:schemeClr val="accent2"/>
-          </a:effectRef>
-          <a:fontRef idx="minor">
-            <a:schemeClr val="lt1"/>
-          </a:fontRef>
-        </p:style>
-        <p:txBody>
-          <a:bodyPr rot="0" spcFirstLastPara="0" vertOverflow="overflow" horzOverflow="overflow" vert="horz" wrap="square" lIns="182857" tIns="146285" rIns="182857" bIns="146285" numCol="1" spcCol="0" rtlCol="0" fromWordArt="0" anchor="t" anchorCtr="0" forceAA="0" compatLnSpc="1">
-            <a:prstTxWarp prst="textNoShape">
+          </p:spPr>
+          <p:txBody>
+            <a:bodyPr wrap="square" rtlCol="0">
+              <a:spAutoFit/>
+            </a:bodyPr>
+            <a:lstStyle/>
+            <a:p>
+              <a:r>
+                <a:rPr lang="en-US" sz="2000" dirty="0"/>
+                <a:t>Azure DevOps with GitHub</a:t>
+              </a:r>
+            </a:p>
+          </p:txBody>
+        </p:sp>
+        <p:cxnSp>
+          <p:nvCxnSpPr>
+            <p:cNvPr id="96" name="Straight Arrow Connector 95">
+              <a:extLst>
+                <a:ext uri="{FF2B5EF4-FFF2-40B4-BE49-F238E27FC236}">
+                  <a16:creationId xmlns:a16="http://schemas.microsoft.com/office/drawing/2014/main" id="{D3A0320F-285E-B344-9A30-657BFD4A5593}"/>
+                </a:ext>
+              </a:extLst>
+            </p:cNvPr>
+            <p:cNvCxnSpPr>
+              <a:cxnSpLocks/>
+              <a:stCxn id="100" idx="3"/>
+              <a:endCxn id="101" idx="1"/>
+            </p:cNvCxnSpPr>
+            <p:nvPr/>
+          </p:nvCxnSpPr>
+          <p:spPr>
+            <a:xfrm>
+              <a:off x="2995792" y="4666243"/>
+              <a:ext cx="465694" cy="0"/>
+            </a:xfrm>
+            <a:prstGeom prst="straightConnector1">
               <a:avLst/>
-            </a:prstTxWarp>
-            <a:noAutofit/>
-          </a:bodyPr>
-          <a:lstStyle/>
-          <a:p>
-            <a:pPr marL="0" marR="0" lvl="0" indent="0" algn="ctr" defTabSz="932021" rtl="0" eaLnBrk="1" fontAlgn="auto" latinLnBrk="0" hangingPunct="1">
-              <a:lnSpc>
-                <a:spcPct val="90000"/>
-              </a:lnSpc>
-              <a:spcBef>
-                <a:spcPts val="0"/>
-              </a:spcBef>
-              <a:spcAft>
-                <a:spcPts val="0"/>
-              </a:spcAft>
-              <a:buClrTx/>
-              <a:buSzTx/>
-              <a:buFontTx/>
-              <a:buNone/>
-              <a:tabLst/>
-              <a:defRPr/>
-            </a:pPr>
-            <a:r>
-              <a:rPr kumimoji="0" lang="en-US" sz="1400" b="1" i="0" u="none" strike="noStrike" kern="0" cap="none" spc="0" normalizeH="0" baseline="0" noProof="0" dirty="0">
-                <a:ln>
-                  <a:noFill/>
-                </a:ln>
-                <a:gradFill>
-                  <a:gsLst>
-                    <a:gs pos="0">
-                      <a:srgbClr val="FFFFFF"/>
-                    </a:gs>
-                    <a:gs pos="100000">
-                      <a:srgbClr val="FFFFFF"/>
-                    </a:gs>
-                  </a:gsLst>
-                  <a:lin ang="5400000" scaled="0"/>
-                </a:gradFill>
-                <a:effectLst/>
-                <a:uLnTx/>
-                <a:uFillTx/>
-                <a:latin typeface="Segoe UI Light"/>
-                <a:ea typeface="Segoe UI" pitchFamily="34" charset="0"/>
-                <a:cs typeface="Segoe UI" pitchFamily="34" charset="0"/>
-              </a:rPr>
-              <a:t>PIPELINE</a:t>
-            </a:r>
-          </a:p>
-        </p:txBody>
-      </p:sp>
-      <p:sp>
-        <p:nvSpPr>
-          <p:cNvPr id="104" name="Rectangle 103">
-            <a:extLst>
-              <a:ext uri="{FF2B5EF4-FFF2-40B4-BE49-F238E27FC236}">
-                <a16:creationId xmlns:a16="http://schemas.microsoft.com/office/drawing/2014/main" id="{73DAE83E-EDA8-F94C-B4D7-6A4394E24EDF}"/>
-              </a:ext>
-            </a:extLst>
-          </p:cNvPr>
-          <p:cNvSpPr/>
-          <p:nvPr/>
-        </p:nvSpPr>
-        <p:spPr bwMode="auto">
-          <a:xfrm>
-            <a:off x="9901451" y="4272604"/>
-            <a:ext cx="1680961" cy="787277"/>
-          </a:xfrm>
-          <a:prstGeom prst="rect">
-            <a:avLst/>
-          </a:prstGeom>
-          <a:solidFill>
-            <a:srgbClr val="002060"/>
-          </a:solidFill>
-          <a:ln>
+            </a:prstGeom>
+            <a:ln w="9525" cap="flat" cmpd="sng" algn="ctr">
+              <a:solidFill>
+                <a:schemeClr val="accent6"/>
+              </a:solidFill>
+              <a:prstDash val="solid"/>
+              <a:round/>
+              <a:headEnd type="none" w="med" len="med"/>
+              <a:tailEnd type="arrow" w="med" len="med"/>
+            </a:ln>
+          </p:spPr>
+          <p:style>
+            <a:lnRef idx="0">
+              <a:scrgbClr r="0" g="0" b="0"/>
+            </a:lnRef>
+            <a:fillRef idx="0">
+              <a:scrgbClr r="0" g="0" b="0"/>
+            </a:fillRef>
+            <a:effectRef idx="0">
+              <a:scrgbClr r="0" g="0" b="0"/>
+            </a:effectRef>
+            <a:fontRef idx="minor">
+              <a:schemeClr val="tx1"/>
+            </a:fontRef>
+          </p:style>
+        </p:cxnSp>
+        <p:cxnSp>
+          <p:nvCxnSpPr>
+            <p:cNvPr id="97" name="Straight Arrow Connector 96">
+              <a:extLst>
+                <a:ext uri="{FF2B5EF4-FFF2-40B4-BE49-F238E27FC236}">
+                  <a16:creationId xmlns:a16="http://schemas.microsoft.com/office/drawing/2014/main" id="{BC4BAE5C-7CBB-2645-B693-B5918A80E60A}"/>
+                </a:ext>
+              </a:extLst>
+            </p:cNvPr>
+            <p:cNvCxnSpPr>
+              <a:cxnSpLocks/>
+              <a:stCxn id="101" idx="3"/>
+              <a:endCxn id="102" idx="1"/>
+            </p:cNvCxnSpPr>
+            <p:nvPr/>
+          </p:nvCxnSpPr>
+          <p:spPr>
+            <a:xfrm>
+              <a:off x="5142447" y="4666243"/>
+              <a:ext cx="465694" cy="0"/>
+            </a:xfrm>
+            <a:prstGeom prst="straightConnector1">
+              <a:avLst/>
+            </a:prstGeom>
+            <a:ln w="9525" cap="flat" cmpd="sng" algn="ctr">
+              <a:solidFill>
+                <a:schemeClr val="accent6"/>
+              </a:solidFill>
+              <a:prstDash val="solid"/>
+              <a:round/>
+              <a:headEnd type="none" w="med" len="med"/>
+              <a:tailEnd type="arrow" w="med" len="med"/>
+            </a:ln>
+          </p:spPr>
+          <p:style>
+            <a:lnRef idx="0">
+              <a:scrgbClr r="0" g="0" b="0"/>
+            </a:lnRef>
+            <a:fillRef idx="0">
+              <a:scrgbClr r="0" g="0" b="0"/>
+            </a:fillRef>
+            <a:effectRef idx="0">
+              <a:scrgbClr r="0" g="0" b="0"/>
+            </a:effectRef>
+            <a:fontRef idx="minor">
+              <a:schemeClr val="tx1"/>
+            </a:fontRef>
+          </p:style>
+        </p:cxnSp>
+        <p:cxnSp>
+          <p:nvCxnSpPr>
+            <p:cNvPr id="98" name="Straight Arrow Connector 97">
+              <a:extLst>
+                <a:ext uri="{FF2B5EF4-FFF2-40B4-BE49-F238E27FC236}">
+                  <a16:creationId xmlns:a16="http://schemas.microsoft.com/office/drawing/2014/main" id="{D0D3FAA1-451B-144B-A568-5F736357D4EC}"/>
+                </a:ext>
+              </a:extLst>
+            </p:cNvPr>
+            <p:cNvCxnSpPr>
+              <a:cxnSpLocks/>
+              <a:stCxn id="102" idx="3"/>
+              <a:endCxn id="103" idx="1"/>
+            </p:cNvCxnSpPr>
+            <p:nvPr/>
+          </p:nvCxnSpPr>
+          <p:spPr>
+            <a:xfrm>
+              <a:off x="7289102" y="4666243"/>
+              <a:ext cx="465694" cy="0"/>
+            </a:xfrm>
+            <a:prstGeom prst="straightConnector1">
+              <a:avLst/>
+            </a:prstGeom>
+            <a:ln w="9525" cap="flat" cmpd="sng" algn="ctr">
+              <a:solidFill>
+                <a:schemeClr val="accent6"/>
+              </a:solidFill>
+              <a:prstDash val="solid"/>
+              <a:round/>
+              <a:headEnd type="none" w="med" len="med"/>
+              <a:tailEnd type="arrow" w="med" len="med"/>
+            </a:ln>
+          </p:spPr>
+          <p:style>
+            <a:lnRef idx="0">
+              <a:scrgbClr r="0" g="0" b="0"/>
+            </a:lnRef>
+            <a:fillRef idx="0">
+              <a:scrgbClr r="0" g="0" b="0"/>
+            </a:fillRef>
+            <a:effectRef idx="0">
+              <a:scrgbClr r="0" g="0" b="0"/>
+            </a:effectRef>
+            <a:fontRef idx="minor">
+              <a:schemeClr val="tx1"/>
+            </a:fontRef>
+          </p:style>
+        </p:cxnSp>
+        <p:cxnSp>
+          <p:nvCxnSpPr>
+            <p:cNvPr id="99" name="Straight Arrow Connector 98">
+              <a:extLst>
+                <a:ext uri="{FF2B5EF4-FFF2-40B4-BE49-F238E27FC236}">
+                  <a16:creationId xmlns:a16="http://schemas.microsoft.com/office/drawing/2014/main" id="{30435B2B-6826-7842-B0FF-05D2012A05FD}"/>
+                </a:ext>
+              </a:extLst>
+            </p:cNvPr>
+            <p:cNvCxnSpPr>
+              <a:cxnSpLocks/>
+              <a:stCxn id="103" idx="3"/>
+              <a:endCxn id="104" idx="1"/>
+            </p:cNvCxnSpPr>
+            <p:nvPr/>
+          </p:nvCxnSpPr>
+          <p:spPr>
+            <a:xfrm>
+              <a:off x="9435757" y="4666243"/>
+              <a:ext cx="465694" cy="0"/>
+            </a:xfrm>
+            <a:prstGeom prst="straightConnector1">
+              <a:avLst/>
+            </a:prstGeom>
+            <a:ln w="9525" cap="flat" cmpd="sng" algn="ctr">
+              <a:solidFill>
+                <a:schemeClr val="accent6"/>
+              </a:solidFill>
+              <a:prstDash val="solid"/>
+              <a:round/>
+              <a:headEnd type="none" w="med" len="med"/>
+              <a:tailEnd type="arrow" w="med" len="med"/>
+            </a:ln>
+          </p:spPr>
+          <p:style>
+            <a:lnRef idx="0">
+              <a:scrgbClr r="0" g="0" b="0"/>
+            </a:lnRef>
+            <a:fillRef idx="0">
+              <a:scrgbClr r="0" g="0" b="0"/>
+            </a:fillRef>
+            <a:effectRef idx="0">
+              <a:scrgbClr r="0" g="0" b="0"/>
+            </a:effectRef>
+            <a:fontRef idx="minor">
+              <a:schemeClr val="tx1"/>
+            </a:fontRef>
+          </p:style>
+        </p:cxnSp>
+        <p:sp>
+          <p:nvSpPr>
+            <p:cNvPr id="100" name="Rectangle 99">
+              <a:extLst>
+                <a:ext uri="{FF2B5EF4-FFF2-40B4-BE49-F238E27FC236}">
+                  <a16:creationId xmlns:a16="http://schemas.microsoft.com/office/drawing/2014/main" id="{576729F6-E197-FA4C-8E9D-DCE4120B2FEE}"/>
+                </a:ext>
+              </a:extLst>
+            </p:cNvPr>
+            <p:cNvSpPr/>
+            <p:nvPr/>
+          </p:nvSpPr>
+          <p:spPr bwMode="auto">
+            <a:xfrm>
+              <a:off x="611564" y="4272604"/>
+              <a:ext cx="2384228" cy="787277"/>
+            </a:xfrm>
+            <a:prstGeom prst="rect">
+              <a:avLst/>
+            </a:prstGeom>
+            <a:solidFill>
+              <a:srgbClr val="002060"/>
+            </a:solidFill>
+            <a:ln>
+              <a:noFill/>
+              <a:headEnd type="none" w="med" len="med"/>
+              <a:tailEnd type="none" w="med" len="med"/>
+            </a:ln>
+            <a:effectLst/>
+          </p:spPr>
+          <p:style>
+            <a:lnRef idx="1">
+              <a:schemeClr val="accent2"/>
+            </a:lnRef>
+            <a:fillRef idx="3">
+              <a:schemeClr val="accent2"/>
+            </a:fillRef>
+            <a:effectRef idx="2">
+              <a:schemeClr val="accent2"/>
+            </a:effectRef>
+            <a:fontRef idx="minor">
+              <a:schemeClr val="lt1"/>
+            </a:fontRef>
+          </p:style>
+          <p:txBody>
+            <a:bodyPr rot="0" spcFirstLastPara="0" vertOverflow="overflow" horzOverflow="overflow" vert="horz" wrap="square" lIns="182857" tIns="146285" rIns="182857" bIns="146285" numCol="1" spcCol="0" rtlCol="0" fromWordArt="0" anchor="t" anchorCtr="0" forceAA="0" compatLnSpc="1">
+              <a:prstTxWarp prst="textNoShape">
+                <a:avLst/>
+              </a:prstTxWarp>
+              <a:noAutofit/>
+            </a:bodyPr>
+            <a:lstStyle/>
+            <a:p>
+              <a:pPr marL="0" marR="0" lvl="0" indent="0" algn="ctr" defTabSz="932021" rtl="0" eaLnBrk="1" fontAlgn="auto" latinLnBrk="0" hangingPunct="1">
+                <a:lnSpc>
+                  <a:spcPct val="90000"/>
+                </a:lnSpc>
+                <a:spcBef>
+                  <a:spcPts val="0"/>
+                </a:spcBef>
+                <a:spcAft>
+                  <a:spcPts val="0"/>
+                </a:spcAft>
+                <a:buClrTx/>
+                <a:buSzTx/>
+                <a:buFontTx/>
+                <a:buNone/>
+                <a:tabLst/>
+                <a:defRPr/>
+              </a:pPr>
+              <a:r>
+                <a:rPr kumimoji="0" lang="en-US" sz="1400" b="1" i="0" u="none" strike="noStrike" kern="0" cap="none" spc="0" normalizeH="0" baseline="0" noProof="0" dirty="0">
+                  <a:ln>
+                    <a:noFill/>
+                  </a:ln>
+                  <a:gradFill>
+                    <a:gsLst>
+                      <a:gs pos="0">
+                        <a:srgbClr val="FFFFFF"/>
+                      </a:gs>
+                      <a:gs pos="100000">
+                        <a:srgbClr val="FFFFFF"/>
+                      </a:gs>
+                    </a:gsLst>
+                    <a:lin ang="5400000" scaled="0"/>
+                  </a:gradFill>
+                  <a:effectLst/>
+                  <a:uLnTx/>
+                  <a:uFillTx/>
+                  <a:latin typeface="Segoe UI Light"/>
+                  <a:ea typeface="Segoe UI" pitchFamily="34" charset="0"/>
+                  <a:cs typeface="Segoe UI" pitchFamily="34" charset="0"/>
+                </a:rPr>
+                <a:t>SOURCE CONTROL</a:t>
+              </a:r>
+            </a:p>
+          </p:txBody>
+        </p:sp>
+        <p:sp>
+          <p:nvSpPr>
+            <p:cNvPr id="101" name="Rectangle 100">
+              <a:extLst>
+                <a:ext uri="{FF2B5EF4-FFF2-40B4-BE49-F238E27FC236}">
+                  <a16:creationId xmlns:a16="http://schemas.microsoft.com/office/drawing/2014/main" id="{6938DFFB-2E41-6B44-ABA0-FF6C35412EFF}"/>
+                </a:ext>
+              </a:extLst>
+            </p:cNvPr>
+            <p:cNvSpPr/>
+            <p:nvPr/>
+          </p:nvSpPr>
+          <p:spPr bwMode="auto">
+            <a:xfrm>
+              <a:off x="3461486" y="4272604"/>
+              <a:ext cx="1680961" cy="787277"/>
+            </a:xfrm>
+            <a:prstGeom prst="rect">
+              <a:avLst/>
+            </a:prstGeom>
+            <a:solidFill>
+              <a:srgbClr val="002060"/>
+            </a:solidFill>
+            <a:ln>
+              <a:noFill/>
+              <a:headEnd type="none" w="med" len="med"/>
+              <a:tailEnd type="none" w="med" len="med"/>
+            </a:ln>
+            <a:effectLst/>
+          </p:spPr>
+          <p:style>
+            <a:lnRef idx="1">
+              <a:schemeClr val="accent2"/>
+            </a:lnRef>
+            <a:fillRef idx="3">
+              <a:schemeClr val="accent2"/>
+            </a:fillRef>
+            <a:effectRef idx="2">
+              <a:schemeClr val="accent2"/>
+            </a:effectRef>
+            <a:fontRef idx="minor">
+              <a:schemeClr val="lt1"/>
+            </a:fontRef>
+          </p:style>
+          <p:txBody>
+            <a:bodyPr rot="0" spcFirstLastPara="0" vertOverflow="overflow" horzOverflow="overflow" vert="horz" wrap="square" lIns="182857" tIns="146285" rIns="182857" bIns="146285" numCol="1" spcCol="0" rtlCol="0" fromWordArt="0" anchor="t" anchorCtr="0" forceAA="0" compatLnSpc="1">
+              <a:prstTxWarp prst="textNoShape">
+                <a:avLst/>
+              </a:prstTxWarp>
+              <a:noAutofit/>
+            </a:bodyPr>
+            <a:lstStyle/>
+            <a:p>
+              <a:pPr marL="0" marR="0" lvl="0" indent="0" algn="ctr" defTabSz="932021" rtl="0" eaLnBrk="1" fontAlgn="auto" latinLnBrk="0" hangingPunct="1">
+                <a:lnSpc>
+                  <a:spcPct val="90000"/>
+                </a:lnSpc>
+                <a:spcBef>
+                  <a:spcPts val="0"/>
+                </a:spcBef>
+                <a:spcAft>
+                  <a:spcPts val="0"/>
+                </a:spcAft>
+                <a:buClrTx/>
+                <a:buSzTx/>
+                <a:buFontTx/>
+                <a:buNone/>
+                <a:tabLst/>
+                <a:defRPr/>
+              </a:pPr>
+              <a:r>
+                <a:rPr kumimoji="0" lang="en-US" sz="1400" b="1" i="0" u="none" strike="noStrike" kern="0" cap="none" spc="0" normalizeH="0" baseline="0" noProof="0" dirty="0">
+                  <a:ln>
+                    <a:noFill/>
+                  </a:ln>
+                  <a:gradFill>
+                    <a:gsLst>
+                      <a:gs pos="0">
+                        <a:srgbClr val="FFFFFF"/>
+                      </a:gs>
+                      <a:gs pos="100000">
+                        <a:srgbClr val="FFFFFF"/>
+                      </a:gs>
+                    </a:gsLst>
+                    <a:lin ang="5400000" scaled="0"/>
+                  </a:gradFill>
+                  <a:effectLst/>
+                  <a:uLnTx/>
+                  <a:uFillTx/>
+                  <a:latin typeface="Segoe UI Light"/>
+                  <a:ea typeface="Segoe UI" pitchFamily="34" charset="0"/>
+                  <a:cs typeface="Segoe UI" pitchFamily="34" charset="0"/>
+                </a:rPr>
+                <a:t>CI</a:t>
+              </a:r>
+            </a:p>
+          </p:txBody>
+        </p:sp>
+        <p:sp>
+          <p:nvSpPr>
+            <p:cNvPr id="102" name="Rectangle 101">
+              <a:extLst>
+                <a:ext uri="{FF2B5EF4-FFF2-40B4-BE49-F238E27FC236}">
+                  <a16:creationId xmlns:a16="http://schemas.microsoft.com/office/drawing/2014/main" id="{79C21FAA-E266-0745-A345-C8F9B36EE244}"/>
+                </a:ext>
+              </a:extLst>
+            </p:cNvPr>
+            <p:cNvSpPr/>
+            <p:nvPr/>
+          </p:nvSpPr>
+          <p:spPr bwMode="auto">
+            <a:xfrm>
+              <a:off x="5608141" y="4272604"/>
+              <a:ext cx="1680961" cy="787277"/>
+            </a:xfrm>
+            <a:prstGeom prst="rect">
+              <a:avLst/>
+            </a:prstGeom>
+            <a:solidFill>
+              <a:srgbClr val="002060"/>
+            </a:solidFill>
+            <a:ln>
+              <a:noFill/>
+              <a:headEnd type="none" w="med" len="med"/>
+              <a:tailEnd type="none" w="med" len="med"/>
+            </a:ln>
+            <a:effectLst/>
+          </p:spPr>
+          <p:style>
+            <a:lnRef idx="1">
+              <a:schemeClr val="accent2"/>
+            </a:lnRef>
+            <a:fillRef idx="3">
+              <a:schemeClr val="accent2"/>
+            </a:fillRef>
+            <a:effectRef idx="2">
+              <a:schemeClr val="accent2"/>
+            </a:effectRef>
+            <a:fontRef idx="minor">
+              <a:schemeClr val="lt1"/>
+            </a:fontRef>
+          </p:style>
+          <p:txBody>
+            <a:bodyPr rot="0" spcFirstLastPara="0" vertOverflow="overflow" horzOverflow="overflow" vert="horz" wrap="square" lIns="182857" tIns="146285" rIns="182857" bIns="146285" numCol="1" spcCol="0" rtlCol="0" fromWordArt="0" anchor="t" anchorCtr="0" forceAA="0" compatLnSpc="1">
+              <a:prstTxWarp prst="textNoShape">
+                <a:avLst/>
+              </a:prstTxWarp>
+              <a:noAutofit/>
+            </a:bodyPr>
+            <a:lstStyle/>
+            <a:p>
+              <a:pPr marL="0" marR="0" lvl="0" indent="0" algn="ctr" defTabSz="932021" rtl="0" eaLnBrk="1" fontAlgn="auto" latinLnBrk="0" hangingPunct="1">
+                <a:lnSpc>
+                  <a:spcPct val="90000"/>
+                </a:lnSpc>
+                <a:spcBef>
+                  <a:spcPts val="0"/>
+                </a:spcBef>
+                <a:spcAft>
+                  <a:spcPts val="0"/>
+                </a:spcAft>
+                <a:buClrTx/>
+                <a:buSzTx/>
+                <a:buFontTx/>
+                <a:buNone/>
+                <a:tabLst/>
+                <a:defRPr/>
+              </a:pPr>
+              <a:r>
+                <a:rPr kumimoji="0" lang="en-US" sz="1400" b="1" i="0" u="none" strike="noStrike" kern="0" cap="none" spc="0" normalizeH="0" baseline="0" noProof="0" dirty="0">
+                  <a:ln>
+                    <a:noFill/>
+                  </a:ln>
+                  <a:gradFill>
+                    <a:gsLst>
+                      <a:gs pos="0">
+                        <a:srgbClr val="FFFFFF"/>
+                      </a:gs>
+                      <a:gs pos="100000">
+                        <a:srgbClr val="FFFFFF"/>
+                      </a:gs>
+                    </a:gsLst>
+                    <a:lin ang="5400000" scaled="0"/>
+                  </a:gradFill>
+                  <a:effectLst/>
+                  <a:uLnTx/>
+                  <a:uFillTx/>
+                  <a:latin typeface="Segoe UI Light"/>
+                  <a:ea typeface="Segoe UI" pitchFamily="34" charset="0"/>
+                  <a:cs typeface="Segoe UI" pitchFamily="34" charset="0"/>
+                </a:rPr>
+                <a:t>PACKAGE</a:t>
+              </a:r>
+            </a:p>
+          </p:txBody>
+        </p:sp>
+        <p:sp>
+          <p:nvSpPr>
+            <p:cNvPr id="103" name="Rectangle 102">
+              <a:extLst>
+                <a:ext uri="{FF2B5EF4-FFF2-40B4-BE49-F238E27FC236}">
+                  <a16:creationId xmlns:a16="http://schemas.microsoft.com/office/drawing/2014/main" id="{C43ED478-8C63-4543-93C0-28F25717B8CF}"/>
+                </a:ext>
+              </a:extLst>
+            </p:cNvPr>
+            <p:cNvSpPr/>
+            <p:nvPr/>
+          </p:nvSpPr>
+          <p:spPr bwMode="auto">
+            <a:xfrm>
+              <a:off x="7754796" y="4272604"/>
+              <a:ext cx="1680961" cy="787277"/>
+            </a:xfrm>
+            <a:prstGeom prst="rect">
+              <a:avLst/>
+            </a:prstGeom>
+            <a:solidFill>
+              <a:srgbClr val="002060"/>
+            </a:solidFill>
+            <a:ln>
+              <a:noFill/>
+              <a:headEnd type="none" w="med" len="med"/>
+              <a:tailEnd type="none" w="med" len="med"/>
+            </a:ln>
+            <a:effectLst/>
+          </p:spPr>
+          <p:style>
+            <a:lnRef idx="1">
+              <a:schemeClr val="accent2"/>
+            </a:lnRef>
+            <a:fillRef idx="3">
+              <a:schemeClr val="accent2"/>
+            </a:fillRef>
+            <a:effectRef idx="2">
+              <a:schemeClr val="accent2"/>
+            </a:effectRef>
+            <a:fontRef idx="minor">
+              <a:schemeClr val="lt1"/>
+            </a:fontRef>
+          </p:style>
+          <p:txBody>
+            <a:bodyPr rot="0" spcFirstLastPara="0" vertOverflow="overflow" horzOverflow="overflow" vert="horz" wrap="square" lIns="182857" tIns="146285" rIns="182857" bIns="146285" numCol="1" spcCol="0" rtlCol="0" fromWordArt="0" anchor="t" anchorCtr="0" forceAA="0" compatLnSpc="1">
+              <a:prstTxWarp prst="textNoShape">
+                <a:avLst/>
+              </a:prstTxWarp>
+              <a:noAutofit/>
+            </a:bodyPr>
+            <a:lstStyle/>
+            <a:p>
+              <a:pPr marL="0" marR="0" lvl="0" indent="0" algn="ctr" defTabSz="932021" rtl="0" eaLnBrk="1" fontAlgn="auto" latinLnBrk="0" hangingPunct="1">
+                <a:lnSpc>
+                  <a:spcPct val="90000"/>
+                </a:lnSpc>
+                <a:spcBef>
+                  <a:spcPts val="0"/>
+                </a:spcBef>
+                <a:spcAft>
+                  <a:spcPts val="0"/>
+                </a:spcAft>
+                <a:buClrTx/>
+                <a:buSzTx/>
+                <a:buFontTx/>
+                <a:buNone/>
+                <a:tabLst/>
+                <a:defRPr/>
+              </a:pPr>
+              <a:r>
+                <a:rPr kumimoji="0" lang="en-US" sz="1400" b="1" i="0" u="none" strike="noStrike" kern="0" cap="none" spc="0" normalizeH="0" baseline="0" noProof="0" dirty="0">
+                  <a:ln>
+                    <a:noFill/>
+                  </a:ln>
+                  <a:gradFill>
+                    <a:gsLst>
+                      <a:gs pos="0">
+                        <a:srgbClr val="FFFFFF"/>
+                      </a:gs>
+                      <a:gs pos="100000">
+                        <a:srgbClr val="FFFFFF"/>
+                      </a:gs>
+                    </a:gsLst>
+                    <a:lin ang="5400000" scaled="0"/>
+                  </a:gradFill>
+                  <a:effectLst/>
+                  <a:uLnTx/>
+                  <a:uFillTx/>
+                  <a:latin typeface="Segoe UI Light"/>
+                  <a:ea typeface="Segoe UI" pitchFamily="34" charset="0"/>
+                  <a:cs typeface="Segoe UI" pitchFamily="34" charset="0"/>
+                </a:rPr>
+                <a:t>PIPELINE</a:t>
+              </a:r>
+            </a:p>
+          </p:txBody>
+        </p:sp>
+        <p:sp>
+          <p:nvSpPr>
+            <p:cNvPr id="104" name="Rectangle 103">
+              <a:extLst>
+                <a:ext uri="{FF2B5EF4-FFF2-40B4-BE49-F238E27FC236}">
+                  <a16:creationId xmlns:a16="http://schemas.microsoft.com/office/drawing/2014/main" id="{73DAE83E-EDA8-F94C-B4D7-6A4394E24EDF}"/>
+                </a:ext>
+              </a:extLst>
+            </p:cNvPr>
+            <p:cNvSpPr/>
+            <p:nvPr/>
+          </p:nvSpPr>
+          <p:spPr bwMode="auto">
+            <a:xfrm>
+              <a:off x="9901451" y="4272604"/>
+              <a:ext cx="1680961" cy="787277"/>
+            </a:xfrm>
+            <a:prstGeom prst="rect">
+              <a:avLst/>
+            </a:prstGeom>
+            <a:solidFill>
+              <a:srgbClr val="002060"/>
+            </a:solidFill>
+            <a:ln>
+              <a:noFill/>
+              <a:headEnd type="none" w="med" len="med"/>
+              <a:tailEnd type="none" w="med" len="med"/>
+            </a:ln>
+            <a:effectLst/>
+          </p:spPr>
+          <p:style>
+            <a:lnRef idx="1">
+              <a:schemeClr val="accent2"/>
+            </a:lnRef>
+            <a:fillRef idx="3">
+              <a:schemeClr val="accent2"/>
+            </a:fillRef>
+            <a:effectRef idx="2">
+              <a:schemeClr val="accent2"/>
+            </a:effectRef>
+            <a:fontRef idx="minor">
+              <a:schemeClr val="lt1"/>
+            </a:fontRef>
+          </p:style>
+          <p:txBody>
+            <a:bodyPr rot="0" spcFirstLastPara="0" vertOverflow="overflow" horzOverflow="overflow" vert="horz" wrap="square" lIns="182857" tIns="146285" rIns="182857" bIns="146285" numCol="1" spcCol="0" rtlCol="0" fromWordArt="0" anchor="t" anchorCtr="0" forceAA="0" compatLnSpc="1">
+              <a:prstTxWarp prst="textNoShape">
+                <a:avLst/>
+              </a:prstTxWarp>
+              <a:noAutofit/>
+            </a:bodyPr>
+            <a:lstStyle/>
+            <a:p>
+              <a:pPr marL="0" marR="0" lvl="0" indent="0" algn="ctr" defTabSz="932021" rtl="0" eaLnBrk="1" fontAlgn="auto" latinLnBrk="0" hangingPunct="1">
+                <a:lnSpc>
+                  <a:spcPct val="90000"/>
+                </a:lnSpc>
+                <a:spcBef>
+                  <a:spcPts val="0"/>
+                </a:spcBef>
+                <a:spcAft>
+                  <a:spcPts val="0"/>
+                </a:spcAft>
+                <a:buClrTx/>
+                <a:buSzTx/>
+                <a:buFontTx/>
+                <a:buNone/>
+                <a:tabLst/>
+                <a:defRPr/>
+              </a:pPr>
+              <a:r>
+                <a:rPr kumimoji="0" lang="en-US" sz="1400" b="1" i="0" u="none" strike="noStrike" kern="0" cap="none" spc="0" normalizeH="0" baseline="0" noProof="0" dirty="0">
+                  <a:ln>
+                    <a:noFill/>
+                  </a:ln>
+                  <a:gradFill>
+                    <a:gsLst>
+                      <a:gs pos="0">
+                        <a:srgbClr val="FFFFFF"/>
+                      </a:gs>
+                      <a:gs pos="100000">
+                        <a:srgbClr val="FFFFFF"/>
+                      </a:gs>
+                    </a:gsLst>
+                    <a:lin ang="5400000" scaled="0"/>
+                  </a:gradFill>
+                  <a:effectLst/>
+                  <a:uLnTx/>
+                  <a:uFillTx/>
+                  <a:latin typeface="Segoe UI Light"/>
+                  <a:ea typeface="Segoe UI" pitchFamily="34" charset="0"/>
+                  <a:cs typeface="Segoe UI" pitchFamily="34" charset="0"/>
+                </a:rPr>
+                <a:t>DEPLOYMENT</a:t>
+              </a:r>
+            </a:p>
+          </p:txBody>
+        </p:sp>
+        <p:pic>
+          <p:nvPicPr>
+            <p:cNvPr id="105" name="Picture 104">
+              <a:extLst>
+                <a:ext uri="{FF2B5EF4-FFF2-40B4-BE49-F238E27FC236}">
+                  <a16:creationId xmlns:a16="http://schemas.microsoft.com/office/drawing/2014/main" id="{BCB726B6-7291-E342-8FD5-DEED6C776B1A}"/>
+                </a:ext>
+              </a:extLst>
+            </p:cNvPr>
+            <p:cNvPicPr>
+              <a:picLocks noChangeAspect="1"/>
+            </p:cNvPicPr>
+            <p:nvPr/>
+          </p:nvPicPr>
+          <p:blipFill>
+            <a:blip r:embed="rId5"/>
+            <a:stretch>
+              <a:fillRect/>
+            </a:stretch>
+          </p:blipFill>
+          <p:spPr>
+            <a:xfrm>
+              <a:off x="598356" y="2604806"/>
+              <a:ext cx="508000" cy="508000"/>
+            </a:xfrm>
+            <a:prstGeom prst="rect">
+              <a:avLst/>
+            </a:prstGeom>
+          </p:spPr>
+        </p:pic>
+        <p:pic>
+          <p:nvPicPr>
+            <p:cNvPr id="107" name="Graphic 106">
+              <a:extLst>
+                <a:ext uri="{FF2B5EF4-FFF2-40B4-BE49-F238E27FC236}">
+                  <a16:creationId xmlns:a16="http://schemas.microsoft.com/office/drawing/2014/main" id="{BD091D20-4BD0-E144-881E-CFF31FBF5AE4}"/>
+                </a:ext>
+              </a:extLst>
+            </p:cNvPr>
+            <p:cNvPicPr>
+              <a:picLocks noChangeAspect="1"/>
+            </p:cNvPicPr>
+            <p:nvPr/>
+          </p:nvPicPr>
+          <p:blipFill>
+            <a:blip r:embed="rId6">
+              <a:extLst>
+                <a:ext uri="{28A0092B-C50C-407E-A947-70E740481C1C}">
+                  <a14:useLocalDpi xmlns:a14="http://schemas.microsoft.com/office/drawing/2010/main" val="0"/>
+                </a:ext>
+                <a:ext uri="{96DAC541-7B7A-43D3-8B79-37D633B846F1}">
+                  <asvg:svgBlip xmlns:asvg="http://schemas.microsoft.com/office/drawing/2016/SVG/main" r:embed="rId7"/>
+                </a:ext>
+              </a:extLst>
+            </a:blip>
+            <a:stretch>
+              <a:fillRect/>
+            </a:stretch>
+          </p:blipFill>
+          <p:spPr>
+            <a:xfrm>
+              <a:off x="6219910" y="3212940"/>
+              <a:ext cx="414427" cy="560036"/>
+            </a:xfrm>
+            <a:prstGeom prst="rect">
+              <a:avLst/>
+            </a:prstGeom>
+          </p:spPr>
+        </p:pic>
+        <p:sp>
+          <p:nvSpPr>
+            <p:cNvPr id="108" name="TextBox 107">
+              <a:extLst>
+                <a:ext uri="{FF2B5EF4-FFF2-40B4-BE49-F238E27FC236}">
+                  <a16:creationId xmlns:a16="http://schemas.microsoft.com/office/drawing/2014/main" id="{3EAE9738-6906-6E41-8021-F437458C873A}"/>
+                </a:ext>
+              </a:extLst>
+            </p:cNvPr>
+            <p:cNvSpPr txBox="1"/>
+            <p:nvPr/>
+          </p:nvSpPr>
+          <p:spPr>
+            <a:xfrm>
+              <a:off x="1222391" y="1972801"/>
+              <a:ext cx="4363720" cy="400110"/>
+            </a:xfrm>
+            <a:prstGeom prst="rect">
+              <a:avLst/>
+            </a:prstGeom>
             <a:noFill/>
-            <a:headEnd type="none" w="med" len="med"/>
-            <a:tailEnd type="none" w="med" len="med"/>
-          </a:ln>
-          <a:effectLst/>
-        </p:spPr>
-        <p:style>
-          <a:lnRef idx="1">
-            <a:schemeClr val="accent2"/>
-          </a:lnRef>
-          <a:fillRef idx="3">
-            <a:schemeClr val="accent2"/>
-          </a:fillRef>
-          <a:effectRef idx="2">
-            <a:schemeClr val="accent2"/>
-          </a:effectRef>
-          <a:fontRef idx="minor">
-            <a:schemeClr val="lt1"/>
-          </a:fontRef>
-        </p:style>
-        <p:txBody>
-          <a:bodyPr rot="0" spcFirstLastPara="0" vertOverflow="overflow" horzOverflow="overflow" vert="horz" wrap="square" lIns="182857" tIns="146285" rIns="182857" bIns="146285" numCol="1" spcCol="0" rtlCol="0" fromWordArt="0" anchor="t" anchorCtr="0" forceAA="0" compatLnSpc="1">
-            <a:prstTxWarp prst="textNoShape">
+          </p:spPr>
+          <p:txBody>
+            <a:bodyPr wrap="square" rtlCol="0">
+              <a:spAutoFit/>
+            </a:bodyPr>
+            <a:lstStyle/>
+            <a:p>
+              <a:r>
+                <a:rPr lang="en-US" sz="2000" dirty="0">
+                  <a:solidFill>
+                    <a:schemeClr val="bg1"/>
+                  </a:solidFill>
+                </a:rPr>
+                <a:t>Azure DevOps</a:t>
+              </a:r>
+            </a:p>
+          </p:txBody>
+        </p:sp>
+        <p:sp>
+          <p:nvSpPr>
+            <p:cNvPr id="109" name="TextBox 108">
+              <a:extLst>
+                <a:ext uri="{FF2B5EF4-FFF2-40B4-BE49-F238E27FC236}">
+                  <a16:creationId xmlns:a16="http://schemas.microsoft.com/office/drawing/2014/main" id="{FABC9352-B884-EF47-956D-E75340C7ABB0}"/>
+                </a:ext>
+              </a:extLst>
+            </p:cNvPr>
+            <p:cNvSpPr txBox="1"/>
+            <p:nvPr/>
+          </p:nvSpPr>
+          <p:spPr>
+            <a:xfrm>
+              <a:off x="1242711" y="2631699"/>
+              <a:ext cx="4807265" cy="400110"/>
+            </a:xfrm>
+            <a:prstGeom prst="rect">
               <a:avLst/>
-            </a:prstTxWarp>
-            <a:noAutofit/>
-          </a:bodyPr>
-          <a:lstStyle/>
-          <a:p>
-            <a:pPr marL="0" marR="0" lvl="0" indent="0" algn="ctr" defTabSz="932021" rtl="0" eaLnBrk="1" fontAlgn="auto" latinLnBrk="0" hangingPunct="1">
-              <a:lnSpc>
-                <a:spcPct val="90000"/>
-              </a:lnSpc>
-              <a:spcBef>
-                <a:spcPts val="0"/>
-              </a:spcBef>
-              <a:spcAft>
-                <a:spcPts val="0"/>
-              </a:spcAft>
-              <a:buClrTx/>
-              <a:buSzTx/>
-              <a:buFontTx/>
-              <a:buNone/>
-              <a:tabLst/>
-              <a:defRPr/>
-            </a:pPr>
-            <a:r>
-              <a:rPr kumimoji="0" lang="en-US" sz="1400" b="1" i="0" u="none" strike="noStrike" kern="0" cap="none" spc="0" normalizeH="0" baseline="0" noProof="0" dirty="0">
-                <a:ln>
-                  <a:noFill/>
-                </a:ln>
-                <a:gradFill>
-                  <a:gsLst>
-                    <a:gs pos="0">
-                      <a:srgbClr val="FFFFFF"/>
-                    </a:gs>
-                    <a:gs pos="100000">
-                      <a:srgbClr val="FFFFFF"/>
-                    </a:gs>
-                  </a:gsLst>
-                  <a:lin ang="5400000" scaled="0"/>
-                </a:gradFill>
-                <a:effectLst/>
-                <a:uLnTx/>
-                <a:uFillTx/>
-                <a:latin typeface="Segoe UI Light"/>
-                <a:ea typeface="Segoe UI" pitchFamily="34" charset="0"/>
-                <a:cs typeface="Segoe UI" pitchFamily="34" charset="0"/>
-              </a:rPr>
-              <a:t>DEPLOYMENT</a:t>
-            </a:r>
-          </a:p>
-        </p:txBody>
-      </p:sp>
-      <p:pic>
-        <p:nvPicPr>
-          <p:cNvPr id="105" name="Picture 104">
-            <a:extLst>
-              <a:ext uri="{FF2B5EF4-FFF2-40B4-BE49-F238E27FC236}">
-                <a16:creationId xmlns:a16="http://schemas.microsoft.com/office/drawing/2014/main" id="{BCB726B6-7291-E342-8FD5-DEED6C776B1A}"/>
-              </a:ext>
-            </a:extLst>
-          </p:cNvPr>
-          <p:cNvPicPr>
-            <a:picLocks noChangeAspect="1"/>
-          </p:cNvPicPr>
-          <p:nvPr/>
-        </p:nvPicPr>
-        <p:blipFill>
-          <a:blip r:embed="rId5"/>
-          <a:stretch>
-            <a:fillRect/>
-          </a:stretch>
-        </p:blipFill>
-        <p:spPr>
-          <a:xfrm>
-            <a:off x="598356" y="2604806"/>
-            <a:ext cx="508000" cy="508000"/>
-          </a:xfrm>
-          <a:prstGeom prst="rect">
-            <a:avLst/>
-          </a:prstGeom>
-        </p:spPr>
-      </p:pic>
-      <p:pic>
-        <p:nvPicPr>
-          <p:cNvPr id="106" name="Picture 105">
-            <a:extLst>
-              <a:ext uri="{FF2B5EF4-FFF2-40B4-BE49-F238E27FC236}">
-                <a16:creationId xmlns:a16="http://schemas.microsoft.com/office/drawing/2014/main" id="{AE06475A-4E4E-A942-AA53-7ABC22F78264}"/>
-              </a:ext>
-            </a:extLst>
-          </p:cNvPr>
-          <p:cNvPicPr>
-            <a:picLocks noChangeAspect="1"/>
-          </p:cNvPicPr>
-          <p:nvPr/>
-        </p:nvPicPr>
-        <p:blipFill>
-          <a:blip r:embed="rId6"/>
-          <a:stretch>
-            <a:fillRect/>
-          </a:stretch>
-        </p:blipFill>
-        <p:spPr>
-          <a:xfrm>
-            <a:off x="596740" y="1949030"/>
-            <a:ext cx="508000" cy="508000"/>
-          </a:xfrm>
-          <a:prstGeom prst="rect">
-            <a:avLst/>
-          </a:prstGeom>
-        </p:spPr>
-      </p:pic>
-      <p:pic>
-        <p:nvPicPr>
-          <p:cNvPr id="107" name="Graphic 106">
-            <a:extLst>
-              <a:ext uri="{FF2B5EF4-FFF2-40B4-BE49-F238E27FC236}">
-                <a16:creationId xmlns:a16="http://schemas.microsoft.com/office/drawing/2014/main" id="{BD091D20-4BD0-E144-881E-CFF31FBF5AE4}"/>
-              </a:ext>
-            </a:extLst>
-          </p:cNvPr>
-          <p:cNvPicPr>
-            <a:picLocks noChangeAspect="1"/>
-          </p:cNvPicPr>
-          <p:nvPr/>
-        </p:nvPicPr>
-        <p:blipFill>
-          <a:blip r:embed="rId7">
-            <a:extLst>
-              <a:ext uri="{28A0092B-C50C-407E-A947-70E740481C1C}">
-                <a14:useLocalDpi xmlns:a14="http://schemas.microsoft.com/office/drawing/2010/main" val="0"/>
-              </a:ext>
-              <a:ext uri="{96DAC541-7B7A-43D3-8B79-37D633B846F1}">
-                <asvg:svgBlip xmlns:asvg="http://schemas.microsoft.com/office/drawing/2016/SVG/main" r:embed="rId8"/>
-              </a:ext>
-            </a:extLst>
-          </a:blip>
-          <a:stretch>
-            <a:fillRect/>
-          </a:stretch>
-        </p:blipFill>
-        <p:spPr>
-          <a:xfrm>
-            <a:off x="6219910" y="3212940"/>
-            <a:ext cx="414427" cy="560036"/>
-          </a:xfrm>
-          <a:prstGeom prst="rect">
-            <a:avLst/>
-          </a:prstGeom>
-        </p:spPr>
-      </p:pic>
-      <p:sp>
-        <p:nvSpPr>
-          <p:cNvPr id="108" name="TextBox 107">
-            <a:extLst>
-              <a:ext uri="{FF2B5EF4-FFF2-40B4-BE49-F238E27FC236}">
-                <a16:creationId xmlns:a16="http://schemas.microsoft.com/office/drawing/2014/main" id="{3EAE9738-6906-6E41-8021-F437458C873A}"/>
-              </a:ext>
-            </a:extLst>
-          </p:cNvPr>
-          <p:cNvSpPr txBox="1"/>
-          <p:nvPr/>
-        </p:nvSpPr>
-        <p:spPr>
-          <a:xfrm>
-            <a:off x="1222391" y="1972801"/>
-            <a:ext cx="4363720" cy="400110"/>
-          </a:xfrm>
-          <a:prstGeom prst="rect">
-            <a:avLst/>
-          </a:prstGeom>
-          <a:noFill/>
-        </p:spPr>
-        <p:txBody>
-          <a:bodyPr wrap="square" rtlCol="0">
-            <a:spAutoFit/>
-          </a:bodyPr>
-          <a:lstStyle/>
-          <a:p>
-            <a:r>
-              <a:rPr lang="en-US" sz="2000" dirty="0">
-                <a:solidFill>
-                  <a:schemeClr val="bg1"/>
-                </a:solidFill>
-              </a:rPr>
-              <a:t>Azure DevOps</a:t>
-            </a:r>
-          </a:p>
-        </p:txBody>
-      </p:sp>
-      <p:sp>
-        <p:nvSpPr>
-          <p:cNvPr id="109" name="TextBox 108">
-            <a:extLst>
-              <a:ext uri="{FF2B5EF4-FFF2-40B4-BE49-F238E27FC236}">
-                <a16:creationId xmlns:a16="http://schemas.microsoft.com/office/drawing/2014/main" id="{FABC9352-B884-EF47-956D-E75340C7ABB0}"/>
-              </a:ext>
-            </a:extLst>
-          </p:cNvPr>
-          <p:cNvSpPr txBox="1"/>
-          <p:nvPr/>
-        </p:nvSpPr>
-        <p:spPr>
-          <a:xfrm>
-            <a:off x="1242711" y="2631699"/>
-            <a:ext cx="4807265" cy="400110"/>
-          </a:xfrm>
-          <a:prstGeom prst="rect">
-            <a:avLst/>
-          </a:prstGeom>
-          <a:noFill/>
-        </p:spPr>
-        <p:txBody>
-          <a:bodyPr wrap="square" rtlCol="0">
-            <a:spAutoFit/>
-          </a:bodyPr>
-          <a:lstStyle/>
-          <a:p>
-            <a:r>
-              <a:rPr lang="en-US" sz="2000" dirty="0">
-                <a:solidFill>
-                  <a:schemeClr val="bg1"/>
-                </a:solidFill>
-              </a:rPr>
-              <a:t>Azure Repos</a:t>
-            </a:r>
-          </a:p>
-        </p:txBody>
-      </p:sp>
-      <p:sp>
-        <p:nvSpPr>
-          <p:cNvPr id="110" name="TextBox 109">
-            <a:extLst>
-              <a:ext uri="{FF2B5EF4-FFF2-40B4-BE49-F238E27FC236}">
-                <a16:creationId xmlns:a16="http://schemas.microsoft.com/office/drawing/2014/main" id="{D4029EF5-23B2-744F-A2BC-B83DCEF141EF}"/>
-              </a:ext>
-            </a:extLst>
-          </p:cNvPr>
-          <p:cNvSpPr txBox="1"/>
-          <p:nvPr/>
-        </p:nvSpPr>
-        <p:spPr>
-          <a:xfrm>
-            <a:off x="1242711" y="3302581"/>
-            <a:ext cx="5725280" cy="400110"/>
-          </a:xfrm>
-          <a:prstGeom prst="rect">
-            <a:avLst/>
-          </a:prstGeom>
-          <a:noFill/>
-        </p:spPr>
-        <p:txBody>
-          <a:bodyPr wrap="square" rtlCol="0">
-            <a:spAutoFit/>
-          </a:bodyPr>
-          <a:lstStyle/>
-          <a:p>
-            <a:r>
-              <a:rPr lang="en-US" sz="2000" dirty="0">
-                <a:solidFill>
-                  <a:schemeClr val="bg1"/>
-                </a:solidFill>
-              </a:rPr>
-              <a:t>Azure DevOps with GitHub</a:t>
-            </a:r>
-          </a:p>
-        </p:txBody>
-      </p:sp>
-      <p:sp>
-        <p:nvSpPr>
-          <p:cNvPr id="111" name="TextBox 110">
-            <a:extLst>
-              <a:ext uri="{FF2B5EF4-FFF2-40B4-BE49-F238E27FC236}">
-                <a16:creationId xmlns:a16="http://schemas.microsoft.com/office/drawing/2014/main" id="{2F698E33-5102-3148-A2C2-2A079B5994E1}"/>
-              </a:ext>
-            </a:extLst>
-          </p:cNvPr>
-          <p:cNvSpPr txBox="1"/>
-          <p:nvPr/>
-        </p:nvSpPr>
-        <p:spPr>
-          <a:xfrm>
-            <a:off x="6850380" y="2637437"/>
-            <a:ext cx="5725280" cy="400110"/>
-          </a:xfrm>
-          <a:prstGeom prst="rect">
-            <a:avLst/>
-          </a:prstGeom>
-          <a:noFill/>
-        </p:spPr>
-        <p:txBody>
-          <a:bodyPr wrap="square" rtlCol="0">
-            <a:spAutoFit/>
-          </a:bodyPr>
-          <a:lstStyle/>
-          <a:p>
-            <a:r>
-              <a:rPr lang="en-US" sz="2000" dirty="0">
-                <a:solidFill>
-                  <a:schemeClr val="bg1"/>
-                </a:solidFill>
-              </a:rPr>
-              <a:t>Azure Web Apps</a:t>
-            </a:r>
-          </a:p>
-        </p:txBody>
-      </p:sp>
-      <p:sp>
-        <p:nvSpPr>
-          <p:cNvPr id="112" name="TextBox 111">
-            <a:extLst>
-              <a:ext uri="{FF2B5EF4-FFF2-40B4-BE49-F238E27FC236}">
-                <a16:creationId xmlns:a16="http://schemas.microsoft.com/office/drawing/2014/main" id="{8B5B08B5-E947-C444-BF2A-F0C66BCCCC14}"/>
-              </a:ext>
-            </a:extLst>
-          </p:cNvPr>
-          <p:cNvSpPr txBox="1"/>
-          <p:nvPr/>
-        </p:nvSpPr>
-        <p:spPr>
-          <a:xfrm>
-            <a:off x="6850380" y="3302581"/>
-            <a:ext cx="5725280" cy="400110"/>
-          </a:xfrm>
-          <a:prstGeom prst="rect">
-            <a:avLst/>
-          </a:prstGeom>
-          <a:noFill/>
-        </p:spPr>
-        <p:txBody>
-          <a:bodyPr wrap="square" rtlCol="0">
-            <a:spAutoFit/>
-          </a:bodyPr>
-          <a:lstStyle/>
-          <a:p>
-            <a:r>
-              <a:rPr lang="en-US" sz="2000" dirty="0">
-                <a:solidFill>
-                  <a:schemeClr val="bg1"/>
-                </a:solidFill>
-              </a:rPr>
-              <a:t>Azure PostreSQL Database</a:t>
-            </a:r>
-          </a:p>
-        </p:txBody>
-      </p:sp>
-      <p:pic>
-        <p:nvPicPr>
-          <p:cNvPr id="5" name="Picture 4">
-            <a:extLst>
-              <a:ext uri="{FF2B5EF4-FFF2-40B4-BE49-F238E27FC236}">
-                <a16:creationId xmlns:a16="http://schemas.microsoft.com/office/drawing/2014/main" id="{20F4A304-3D88-48B1-86B1-09A467C36F9E}"/>
-              </a:ext>
-            </a:extLst>
-          </p:cNvPr>
-          <p:cNvPicPr>
-            <a:picLocks noChangeAspect="1"/>
-          </p:cNvPicPr>
-          <p:nvPr/>
-        </p:nvPicPr>
-        <p:blipFill>
-          <a:blip r:embed="rId9"/>
-          <a:stretch>
-            <a:fillRect/>
-          </a:stretch>
-        </p:blipFill>
-        <p:spPr>
-          <a:xfrm>
-            <a:off x="6184618" y="3212940"/>
-            <a:ext cx="482855" cy="616327"/>
-          </a:xfrm>
-          <a:prstGeom prst="rect">
-            <a:avLst/>
-          </a:prstGeom>
-        </p:spPr>
-      </p:pic>
+            </a:prstGeom>
+            <a:noFill/>
+          </p:spPr>
+          <p:txBody>
+            <a:bodyPr wrap="square" rtlCol="0">
+              <a:spAutoFit/>
+            </a:bodyPr>
+            <a:lstStyle/>
+            <a:p>
+              <a:r>
+                <a:rPr lang="en-US" sz="2000" dirty="0">
+                  <a:solidFill>
+                    <a:schemeClr val="bg1"/>
+                  </a:solidFill>
+                </a:rPr>
+                <a:t>Azure Repos</a:t>
+              </a:r>
+            </a:p>
+          </p:txBody>
+        </p:sp>
+        <p:sp>
+          <p:nvSpPr>
+            <p:cNvPr id="110" name="TextBox 109">
+              <a:extLst>
+                <a:ext uri="{FF2B5EF4-FFF2-40B4-BE49-F238E27FC236}">
+                  <a16:creationId xmlns:a16="http://schemas.microsoft.com/office/drawing/2014/main" id="{D4029EF5-23B2-744F-A2BC-B83DCEF141EF}"/>
+                </a:ext>
+              </a:extLst>
+            </p:cNvPr>
+            <p:cNvSpPr txBox="1"/>
+            <p:nvPr/>
+          </p:nvSpPr>
+          <p:spPr>
+            <a:xfrm>
+              <a:off x="1242711" y="3302581"/>
+              <a:ext cx="5725280" cy="400110"/>
+            </a:xfrm>
+            <a:prstGeom prst="rect">
+              <a:avLst/>
+            </a:prstGeom>
+            <a:noFill/>
+          </p:spPr>
+          <p:txBody>
+            <a:bodyPr wrap="square" rtlCol="0">
+              <a:spAutoFit/>
+            </a:bodyPr>
+            <a:lstStyle/>
+            <a:p>
+              <a:r>
+                <a:rPr lang="en-US" sz="2000" dirty="0">
+                  <a:solidFill>
+                    <a:schemeClr val="bg1"/>
+                  </a:solidFill>
+                </a:rPr>
+                <a:t>Azure DevOps with GitHub</a:t>
+              </a:r>
+            </a:p>
+          </p:txBody>
+        </p:sp>
+        <p:sp>
+          <p:nvSpPr>
+            <p:cNvPr id="111" name="TextBox 110">
+              <a:extLst>
+                <a:ext uri="{FF2B5EF4-FFF2-40B4-BE49-F238E27FC236}">
+                  <a16:creationId xmlns:a16="http://schemas.microsoft.com/office/drawing/2014/main" id="{2F698E33-5102-3148-A2C2-2A079B5994E1}"/>
+                </a:ext>
+              </a:extLst>
+            </p:cNvPr>
+            <p:cNvSpPr txBox="1"/>
+            <p:nvPr/>
+          </p:nvSpPr>
+          <p:spPr>
+            <a:xfrm>
+              <a:off x="6850380" y="2637437"/>
+              <a:ext cx="5725280" cy="400110"/>
+            </a:xfrm>
+            <a:prstGeom prst="rect">
+              <a:avLst/>
+            </a:prstGeom>
+            <a:noFill/>
+          </p:spPr>
+          <p:txBody>
+            <a:bodyPr wrap="square" rtlCol="0">
+              <a:spAutoFit/>
+            </a:bodyPr>
+            <a:lstStyle/>
+            <a:p>
+              <a:r>
+                <a:rPr lang="en-US" sz="2000" dirty="0">
+                  <a:solidFill>
+                    <a:schemeClr val="bg1"/>
+                  </a:solidFill>
+                </a:rPr>
+                <a:t>Azure Web Apps</a:t>
+              </a:r>
+            </a:p>
+          </p:txBody>
+        </p:sp>
+        <p:sp>
+          <p:nvSpPr>
+            <p:cNvPr id="112" name="TextBox 111">
+              <a:extLst>
+                <a:ext uri="{FF2B5EF4-FFF2-40B4-BE49-F238E27FC236}">
+                  <a16:creationId xmlns:a16="http://schemas.microsoft.com/office/drawing/2014/main" id="{8B5B08B5-E947-C444-BF2A-F0C66BCCCC14}"/>
+                </a:ext>
+              </a:extLst>
+            </p:cNvPr>
+            <p:cNvSpPr txBox="1"/>
+            <p:nvPr/>
+          </p:nvSpPr>
+          <p:spPr>
+            <a:xfrm>
+              <a:off x="6850380" y="3302581"/>
+              <a:ext cx="5725280" cy="400110"/>
+            </a:xfrm>
+            <a:prstGeom prst="rect">
+              <a:avLst/>
+            </a:prstGeom>
+            <a:noFill/>
+          </p:spPr>
+          <p:txBody>
+            <a:bodyPr wrap="square" rtlCol="0">
+              <a:spAutoFit/>
+            </a:bodyPr>
+            <a:lstStyle/>
+            <a:p>
+              <a:r>
+                <a:rPr lang="en-US" sz="2000" dirty="0">
+                  <a:solidFill>
+                    <a:schemeClr val="bg1"/>
+                  </a:solidFill>
+                </a:rPr>
+                <a:t>Azure PostreSQL Database</a:t>
+              </a:r>
+            </a:p>
+          </p:txBody>
+        </p:sp>
+        <p:pic>
+          <p:nvPicPr>
+            <p:cNvPr id="5" name="Picture 4">
+              <a:extLst>
+                <a:ext uri="{FF2B5EF4-FFF2-40B4-BE49-F238E27FC236}">
+                  <a16:creationId xmlns:a16="http://schemas.microsoft.com/office/drawing/2014/main" id="{20F4A304-3D88-48B1-86B1-09A467C36F9E}"/>
+                </a:ext>
+              </a:extLst>
+            </p:cNvPr>
+            <p:cNvPicPr>
+              <a:picLocks noChangeAspect="1"/>
+            </p:cNvPicPr>
+            <p:nvPr/>
+          </p:nvPicPr>
+          <p:blipFill>
+            <a:blip r:embed="rId8"/>
+            <a:stretch>
+              <a:fillRect/>
+            </a:stretch>
+          </p:blipFill>
+          <p:spPr>
+            <a:xfrm>
+              <a:off x="6184618" y="3212940"/>
+              <a:ext cx="482855" cy="616327"/>
+            </a:xfrm>
+            <a:prstGeom prst="rect">
+              <a:avLst/>
+            </a:prstGeom>
+          </p:spPr>
+        </p:pic>
+        <p:pic>
+          <p:nvPicPr>
+            <p:cNvPr id="29" name="Graphic 28">
+              <a:extLst>
+                <a:ext uri="{FF2B5EF4-FFF2-40B4-BE49-F238E27FC236}">
+                  <a16:creationId xmlns:a16="http://schemas.microsoft.com/office/drawing/2014/main" id="{A486B245-9119-4532-B782-4F25F4AFE0E4}"/>
+                </a:ext>
+              </a:extLst>
+            </p:cNvPr>
+            <p:cNvPicPr>
+              <a:picLocks noChangeAspect="1"/>
+            </p:cNvPicPr>
+            <p:nvPr/>
+          </p:nvPicPr>
+          <p:blipFill>
+            <a:blip r:embed="rId9">
+              <a:extLst>
+                <a:ext uri="{28A0092B-C50C-407E-A947-70E740481C1C}">
+                  <a14:useLocalDpi xmlns:a14="http://schemas.microsoft.com/office/drawing/2010/main" val="0"/>
+                </a:ext>
+                <a:ext uri="{96DAC541-7B7A-43D3-8B79-37D633B846F1}">
+                  <asvg:svgBlip xmlns:asvg="http://schemas.microsoft.com/office/drawing/2016/SVG/main" r:embed="rId10"/>
+                </a:ext>
+              </a:extLst>
+            </a:blip>
+            <a:stretch>
+              <a:fillRect/>
+            </a:stretch>
+          </p:blipFill>
+          <p:spPr>
+            <a:xfrm>
+              <a:off x="527029" y="1830601"/>
+              <a:ext cx="662009" cy="662009"/>
+            </a:xfrm>
+            <a:prstGeom prst="rect">
+              <a:avLst/>
+            </a:prstGeom>
+          </p:spPr>
+        </p:pic>
+      </p:grpSp>
     </p:spTree>
     <p:extLst>
       <p:ext uri="{BB962C8B-B14F-4D97-AF65-F5344CB8AC3E}">
@@ -20739,10 +20806,10 @@
       </p:sp>
       <p:grpSp>
         <p:nvGrpSpPr>
-          <p:cNvPr id="2" name="Group 1">
+          <p:cNvPr id="4" name="Group 3">
             <a:extLst>
               <a:ext uri="{FF2B5EF4-FFF2-40B4-BE49-F238E27FC236}">
-                <a16:creationId xmlns:a16="http://schemas.microsoft.com/office/drawing/2014/main" id="{D32D0071-4F8B-43B1-9012-8D41CAD828D8}"/>
+                <a16:creationId xmlns:a16="http://schemas.microsoft.com/office/drawing/2014/main" id="{093E62E8-FEAF-4092-B711-0114A34080FC}"/>
               </a:ext>
             </a:extLst>
           </p:cNvPr>
@@ -22485,36 +22552,6 @@
         </p:grpSp>
         <p:pic>
           <p:nvPicPr>
-            <p:cNvPr id="108" name="Picture 107">
-              <a:extLst>
-                <a:ext uri="{FF2B5EF4-FFF2-40B4-BE49-F238E27FC236}">
-                  <a16:creationId xmlns:a16="http://schemas.microsoft.com/office/drawing/2014/main" id="{769E983E-379D-B149-93CA-E1E64476282B}"/>
-                </a:ext>
-              </a:extLst>
-            </p:cNvPr>
-            <p:cNvPicPr>
-              <a:picLocks noChangeAspect="1"/>
-            </p:cNvPicPr>
-            <p:nvPr/>
-          </p:nvPicPr>
-          <p:blipFill>
-            <a:blip r:embed="rId7"/>
-            <a:stretch>
-              <a:fillRect/>
-            </a:stretch>
-          </p:blipFill>
-          <p:spPr>
-            <a:xfrm>
-              <a:off x="5413287" y="2449522"/>
-              <a:ext cx="318430" cy="318430"/>
-            </a:xfrm>
-            <a:prstGeom prst="rect">
-              <a:avLst/>
-            </a:prstGeom>
-          </p:spPr>
-        </p:pic>
-        <p:pic>
-          <p:nvPicPr>
             <p:cNvPr id="142" name="Graphic 141">
               <a:extLst>
                 <a:ext uri="{FF2B5EF4-FFF2-40B4-BE49-F238E27FC236}">
@@ -22528,13 +22565,13 @@
             <p:nvPr/>
           </p:nvPicPr>
           <p:blipFill>
-            <a:blip r:embed="rId8" cstate="print">
+            <a:blip r:embed="rId7" cstate="print">
               <a:extLst>
                 <a:ext uri="{28A0092B-C50C-407E-A947-70E740481C1C}">
                   <a14:useLocalDpi xmlns:a14="http://schemas.microsoft.com/office/drawing/2010/main" val="0"/>
                 </a:ext>
                 <a:ext uri="{96DAC541-7B7A-43D3-8B79-37D633B846F1}">
-                  <asvg:svgBlip xmlns:asvg="http://schemas.microsoft.com/office/drawing/2016/SVG/main" r:embed="rId9"/>
+                  <asvg:svgBlip xmlns:asvg="http://schemas.microsoft.com/office/drawing/2016/SVG/main" r:embed="rId8"/>
                 </a:ext>
               </a:extLst>
             </a:blip>
@@ -22701,13 +22738,13 @@
             <p:nvPr/>
           </p:nvPicPr>
           <p:blipFill>
-            <a:blip r:embed="rId8" cstate="print">
+            <a:blip r:embed="rId7" cstate="print">
               <a:extLst>
                 <a:ext uri="{28A0092B-C50C-407E-A947-70E740481C1C}">
                   <a14:useLocalDpi xmlns:a14="http://schemas.microsoft.com/office/drawing/2010/main" val="0"/>
                 </a:ext>
                 <a:ext uri="{96DAC541-7B7A-43D3-8B79-37D633B846F1}">
-                  <asvg:svgBlip xmlns:asvg="http://schemas.microsoft.com/office/drawing/2016/SVG/main" r:embed="rId9"/>
+                  <asvg:svgBlip xmlns:asvg="http://schemas.microsoft.com/office/drawing/2016/SVG/main" r:embed="rId8"/>
                 </a:ext>
               </a:extLst>
             </a:blip>
@@ -22874,13 +22911,13 @@
             <p:nvPr/>
           </p:nvPicPr>
           <p:blipFill>
-            <a:blip r:embed="rId8" cstate="print">
+            <a:blip r:embed="rId7" cstate="print">
               <a:extLst>
                 <a:ext uri="{28A0092B-C50C-407E-A947-70E740481C1C}">
                   <a14:useLocalDpi xmlns:a14="http://schemas.microsoft.com/office/drawing/2010/main" val="0"/>
                 </a:ext>
                 <a:ext uri="{96DAC541-7B7A-43D3-8B79-37D633B846F1}">
-                  <asvg:svgBlip xmlns:asvg="http://schemas.microsoft.com/office/drawing/2016/SVG/main" r:embed="rId9"/>
+                  <asvg:svgBlip xmlns:asvg="http://schemas.microsoft.com/office/drawing/2016/SVG/main" r:embed="rId8"/>
                 </a:ext>
               </a:extLst>
             </a:blip>
@@ -22913,7 +22950,7 @@
             <p:nvPr/>
           </p:nvPicPr>
           <p:blipFill rotWithShape="1">
-            <a:blip r:embed="rId10"/>
+            <a:blip r:embed="rId9"/>
             <a:srcRect l="3302" t="6466" r="5732" b="6346"/>
             <a:stretch/>
           </p:blipFill>
@@ -22942,7 +22979,7 @@
             <p:nvPr/>
           </p:nvPicPr>
           <p:blipFill rotWithShape="1">
-            <a:blip r:embed="rId11"/>
+            <a:blip r:embed="rId10"/>
             <a:srcRect l="8063" t="5692" r="7576" b="4929"/>
             <a:stretch/>
           </p:blipFill>
@@ -22971,7 +23008,7 @@
             <p:nvPr/>
           </p:nvPicPr>
           <p:blipFill rotWithShape="1">
-            <a:blip r:embed="rId10"/>
+            <a:blip r:embed="rId9"/>
             <a:srcRect l="3302" t="6466" r="5732" b="6346"/>
             <a:stretch/>
           </p:blipFill>
@@ -23000,7 +23037,7 @@
             <p:nvPr/>
           </p:nvPicPr>
           <p:blipFill rotWithShape="1">
-            <a:blip r:embed="rId11"/>
+            <a:blip r:embed="rId10"/>
             <a:srcRect l="8063" t="5692" r="7576" b="4929"/>
             <a:stretch/>
           </p:blipFill>
@@ -23029,7 +23066,7 @@
             <p:nvPr/>
           </p:nvPicPr>
           <p:blipFill rotWithShape="1">
-            <a:blip r:embed="rId10"/>
+            <a:blip r:embed="rId9"/>
             <a:srcRect l="3302" t="6466" r="5732" b="6346"/>
             <a:stretch/>
           </p:blipFill>
@@ -23058,7 +23095,7 @@
             <p:nvPr/>
           </p:nvPicPr>
           <p:blipFill rotWithShape="1">
-            <a:blip r:embed="rId11"/>
+            <a:blip r:embed="rId10"/>
             <a:srcRect l="8063" t="5692" r="7576" b="4929"/>
             <a:stretch/>
           </p:blipFill>
@@ -23087,7 +23124,7 @@
             <p:nvPr/>
           </p:nvPicPr>
           <p:blipFill>
-            <a:blip r:embed="rId12" cstate="print">
+            <a:blip r:embed="rId11" cstate="print">
               <a:extLst>
                 <a:ext uri="{28A0092B-C50C-407E-A947-70E740481C1C}">
                   <a14:useLocalDpi xmlns:a14="http://schemas.microsoft.com/office/drawing/2010/main" val="0"/>
@@ -23110,6 +23147,83 @@
             <a:solidFill>
               <a:schemeClr val="tx1"/>
             </a:solidFill>
+          </p:spPr>
+        </p:pic>
+        <p:pic>
+          <p:nvPicPr>
+            <p:cNvPr id="56" name="Picture 55" descr="A picture containing airplane, fence&#10;&#10;Description automatically generated">
+              <a:extLst>
+                <a:ext uri="{FF2B5EF4-FFF2-40B4-BE49-F238E27FC236}">
+                  <a16:creationId xmlns:a16="http://schemas.microsoft.com/office/drawing/2014/main" id="{90695FBB-0388-419F-B365-A0D5A7A31190}"/>
+                </a:ext>
+              </a:extLst>
+            </p:cNvPr>
+            <p:cNvPicPr>
+              <a:picLocks noChangeAspect="1"/>
+            </p:cNvPicPr>
+            <p:nvPr/>
+          </p:nvPicPr>
+          <p:blipFill rotWithShape="1">
+            <a:blip r:embed="rId12" cstate="print">
+              <a:extLst>
+                <a:ext uri="{28A0092B-C50C-407E-A947-70E740481C1C}">
+                  <a14:useLocalDpi xmlns:a14="http://schemas.microsoft.com/office/drawing/2010/main" val="0"/>
+                </a:ext>
+              </a:extLst>
+            </a:blip>
+            <a:srcRect l="17926" t="17195" r="18365"/>
+            <a:stretch/>
+          </p:blipFill>
+          <p:spPr>
+            <a:xfrm>
+              <a:off x="500040" y="3118401"/>
+              <a:ext cx="529421" cy="537583"/>
+            </a:xfrm>
+            <a:prstGeom prst="rect">
+              <a:avLst/>
+            </a:prstGeom>
+            <a:solidFill>
+              <a:schemeClr val="tx1"/>
+            </a:solidFill>
+          </p:spPr>
+        </p:pic>
+        <p:pic>
+          <p:nvPicPr>
+            <p:cNvPr id="57" name="Graphic 56">
+              <a:extLst>
+                <a:ext uri="{FF2B5EF4-FFF2-40B4-BE49-F238E27FC236}">
+                  <a16:creationId xmlns:a16="http://schemas.microsoft.com/office/drawing/2014/main" id="{44B3A9A3-8B31-40A4-AD22-A9E81EA18842}"/>
+                </a:ext>
+              </a:extLst>
+            </p:cNvPr>
+            <p:cNvPicPr>
+              <a:picLocks noChangeAspect="1"/>
+            </p:cNvPicPr>
+            <p:nvPr/>
+          </p:nvPicPr>
+          <p:blipFill>
+            <a:blip r:embed="rId13">
+              <a:extLst>
+                <a:ext uri="{28A0092B-C50C-407E-A947-70E740481C1C}">
+                  <a14:useLocalDpi xmlns:a14="http://schemas.microsoft.com/office/drawing/2010/main" val="0"/>
+                </a:ext>
+                <a:ext uri="{96DAC541-7B7A-43D3-8B79-37D633B846F1}">
+                  <asvg:svgBlip xmlns:asvg="http://schemas.microsoft.com/office/drawing/2016/SVG/main" r:embed="rId14"/>
+                </a:ext>
+              </a:extLst>
+            </a:blip>
+            <a:stretch>
+              <a:fillRect/>
+            </a:stretch>
+          </p:blipFill>
+          <p:spPr>
+            <a:xfrm>
+              <a:off x="5387928" y="2424163"/>
+              <a:ext cx="369148" cy="369148"/>
+            </a:xfrm>
+            <a:prstGeom prst="rect">
+              <a:avLst/>
+            </a:prstGeom>
           </p:spPr>
         </p:pic>
       </p:grpSp>

--- a/Whiteboard design session/WDS trainer presentation - Continuous delivery in Azure DevOps.pptx
+++ b/Whiteboard design session/WDS trainer presentation - Continuous delivery in Azure DevOps.pptx
@@ -231,7 +231,7 @@
           <a:p>
             <a:fld id="{52A13B17-C506-4D51-BB37-16B365906619}" type="datetimeFigureOut">
               <a:rPr lang="en-US" smtClean="0"/>
-              <a:t>12/6/2019</a:t>
+              <a:t>12/13/2019</a:t>
             </a:fld>
             <a:endParaRPr lang="en-US" dirty="0"/>
           </a:p>
@@ -3237,7 +3237,7 @@
                   <a:prstClr val="black"/>
                 </a:solidFill>
               </a:rPr>
-              <a:t>12/6/2019 2:20 AM</a:t>
+              <a:t>12/13/2019 12:06 PM</a:t>
             </a:fld>
             <a:endParaRPr lang="en-US" dirty="0">
               <a:solidFill>
@@ -20806,10 +20806,10 @@
       </p:sp>
       <p:grpSp>
         <p:nvGrpSpPr>
-          <p:cNvPr id="4" name="Group 3">
+          <p:cNvPr id="106" name="Group 105">
             <a:extLst>
               <a:ext uri="{FF2B5EF4-FFF2-40B4-BE49-F238E27FC236}">
-                <a16:creationId xmlns:a16="http://schemas.microsoft.com/office/drawing/2014/main" id="{093E62E8-FEAF-4092-B711-0114A34080FC}"/>
+                <a16:creationId xmlns:a16="http://schemas.microsoft.com/office/drawing/2014/main" id="{0DC9D6D1-DFD3-4C87-968A-4AE5F51250F3}"/>
               </a:ext>
             </a:extLst>
           </p:cNvPr>
@@ -20819,17 +20819,17 @@
         <p:grpSpPr>
           <a:xfrm>
             <a:off x="340550" y="1958796"/>
-            <a:ext cx="11128289" cy="3164850"/>
+            <a:ext cx="11207386" cy="3164850"/>
             <a:chOff x="340550" y="1958796"/>
-            <a:chExt cx="11128289" cy="3164850"/>
+            <a:chExt cx="11207386" cy="3164850"/>
           </a:xfrm>
         </p:grpSpPr>
         <p:grpSp>
           <p:nvGrpSpPr>
-            <p:cNvPr id="107" name="Alt text group" descr="This diagram moves from left to right with arrows between icons that point in a straight line until the lines fork off to three icons in the Azure group at the far right.&#10;&#10;The Edit code (Visual Studio) icon points to an icon labeled Commit and push local branch to VSTS. This points to four icons that are collectively labeled Visual Studio Team Services. From left to right, they are Create a Pull Request for peer review, Merge to master, Continuous Integration (Build (+tests)), and Continuous Deployment (Release Management). &#10;&#10;The Continuous Deployment icon points at three groups of icons that are collectively labeled Azure and Application Insights. The three groups are development, test, and production, and each group includes App Service icons and Azure SQL icons." title="Preferred solution diagram">
+            <p:cNvPr id="108" name="Alt text group" descr="This diagram moves from left to right with arrows between icons that point in a straight line until the lines fork off to three icons in the Azure group at the far right.&#10;&#10;The Edit code (Visual Studio) icon points to an icon labeled Commit and push local branch to VSTS. This points to four icons that are collectively labeled Visual Studio Team Services. From left to right, they are Create a Pull Request for peer review, Merge to master, Continuous Integration (Build (+tests)), and Continuous Deployment (Release Management). &#10;&#10;The Continuous Deployment icon points at three groups of icons that are collectively labeled Azure and Application Insights. The three groups are development, test, and production, and each group includes App Service icons and Azure SQL icons." title="Preferred solution diagram">
               <a:extLst>
                 <a:ext uri="{FF2B5EF4-FFF2-40B4-BE49-F238E27FC236}">
-                  <a16:creationId xmlns:a16="http://schemas.microsoft.com/office/drawing/2014/main" id="{0E0B3E3D-4F7A-0C4E-B15F-FF4ABC292203}"/>
+                  <a16:creationId xmlns:a16="http://schemas.microsoft.com/office/drawing/2014/main" id="{7097883F-0ECF-412F-B8FE-9723E68D0D62}"/>
                 </a:ext>
               </a:extLst>
             </p:cNvPr>
@@ -20839,17 +20839,17 @@
           <p:grpSpPr>
             <a:xfrm>
               <a:off x="340550" y="1958796"/>
-              <a:ext cx="11128289" cy="3164850"/>
+              <a:ext cx="11197651" cy="3164850"/>
               <a:chOff x="340550" y="1958796"/>
-              <a:chExt cx="11128289" cy="3164850"/>
+              <a:chExt cx="11197651" cy="3164850"/>
             </a:xfrm>
           </p:grpSpPr>
           <p:sp>
             <p:nvSpPr>
-              <p:cNvPr id="109" name="Rectangle 108">
+              <p:cNvPr id="164" name="Rectangle 163">
                 <a:extLst>
                   <a:ext uri="{FF2B5EF4-FFF2-40B4-BE49-F238E27FC236}">
-                    <a16:creationId xmlns:a16="http://schemas.microsoft.com/office/drawing/2014/main" id="{BA66AB8B-0673-E84A-AECA-866A6A6599C2}"/>
+                    <a16:creationId xmlns:a16="http://schemas.microsoft.com/office/drawing/2014/main" id="{15D2DA0E-1381-4B5B-B5DF-458D7B71F61B}"/>
                   </a:ext>
                 </a:extLst>
               </p:cNvPr>
@@ -20859,7 +20859,7 @@
             <p:spPr bwMode="auto">
               <a:xfrm>
                 <a:off x="458786" y="1958796"/>
-                <a:ext cx="11010053" cy="3164850"/>
+                <a:ext cx="11079415" cy="3164850"/>
               </a:xfrm>
               <a:prstGeom prst="rect">
                 <a:avLst/>
@@ -20929,10 +20929,10 @@
           </p:sp>
           <p:sp>
             <p:nvSpPr>
-              <p:cNvPr id="110" name="Rectangle 109">
+              <p:cNvPr id="165" name="Rectangle 164">
                 <a:extLst>
                   <a:ext uri="{FF2B5EF4-FFF2-40B4-BE49-F238E27FC236}">
-                    <a16:creationId xmlns:a16="http://schemas.microsoft.com/office/drawing/2014/main" id="{CFBF312F-AB44-D64F-B33D-D0F72D94C57B}"/>
+                    <a16:creationId xmlns:a16="http://schemas.microsoft.com/office/drawing/2014/main" id="{98F84E33-05E3-460B-A7D2-733872A0AF82}"/>
                   </a:ext>
                 </a:extLst>
               </p:cNvPr>
@@ -21015,10 +21015,10 @@
           </p:sp>
           <p:sp>
             <p:nvSpPr>
-              <p:cNvPr id="111" name="TextBox 110">
+              <p:cNvPr id="166" name="TextBox 165">
                 <a:extLst>
                   <a:ext uri="{FF2B5EF4-FFF2-40B4-BE49-F238E27FC236}">
-                    <a16:creationId xmlns:a16="http://schemas.microsoft.com/office/drawing/2014/main" id="{93CA964F-1C4F-714F-8112-CD0B28E107B9}"/>
+                    <a16:creationId xmlns:a16="http://schemas.microsoft.com/office/drawing/2014/main" id="{67D64572-2E9B-4339-8937-CB25651D91E9}"/>
                   </a:ext>
                 </a:extLst>
               </p:cNvPr>
@@ -21064,10 +21064,10 @@
           </p:sp>
           <p:sp>
             <p:nvSpPr>
-              <p:cNvPr id="112" name="TextBox 111">
+              <p:cNvPr id="167" name="TextBox 166">
                 <a:extLst>
                   <a:ext uri="{FF2B5EF4-FFF2-40B4-BE49-F238E27FC236}">
-                    <a16:creationId xmlns:a16="http://schemas.microsoft.com/office/drawing/2014/main" id="{0B34B5D1-2EBA-6545-AA0A-57989452B198}"/>
+                    <a16:creationId xmlns:a16="http://schemas.microsoft.com/office/drawing/2014/main" id="{E1CF9E12-258D-4F1C-B328-B7ED37D72099}"/>
                   </a:ext>
                 </a:extLst>
               </p:cNvPr>
@@ -21113,10 +21113,10 @@
           </p:sp>
           <p:pic>
             <p:nvPicPr>
-              <p:cNvPr id="113" name="Picture 112">
+              <p:cNvPr id="168" name="Picture 167">
                 <a:extLst>
                   <a:ext uri="{FF2B5EF4-FFF2-40B4-BE49-F238E27FC236}">
-                    <a16:creationId xmlns:a16="http://schemas.microsoft.com/office/drawing/2014/main" id="{68F4B73E-43E8-F844-8AEA-F9A192842095}"/>
+                    <a16:creationId xmlns:a16="http://schemas.microsoft.com/office/drawing/2014/main" id="{A8BA0E7F-D9C7-4051-B9D5-6C4661B2EC81}"/>
                   </a:ext>
                 </a:extLst>
               </p:cNvPr>
@@ -21149,10 +21149,10 @@
           </p:pic>
           <p:pic>
             <p:nvPicPr>
-              <p:cNvPr id="114" name="Picture 113">
+              <p:cNvPr id="169" name="Picture 168">
                 <a:extLst>
                   <a:ext uri="{FF2B5EF4-FFF2-40B4-BE49-F238E27FC236}">
-                    <a16:creationId xmlns:a16="http://schemas.microsoft.com/office/drawing/2014/main" id="{762448C4-363D-6047-A2E2-203102AE997B}"/>
+                    <a16:creationId xmlns:a16="http://schemas.microsoft.com/office/drawing/2014/main" id="{D299DF1C-C3D9-4DF6-A971-133591227390}"/>
                   </a:ext>
                 </a:extLst>
               </p:cNvPr>
@@ -21185,10 +21185,10 @@
           </p:pic>
           <p:sp>
             <p:nvSpPr>
-              <p:cNvPr id="115" name="TextBox 114">
+              <p:cNvPr id="170" name="TextBox 169">
                 <a:extLst>
                   <a:ext uri="{FF2B5EF4-FFF2-40B4-BE49-F238E27FC236}">
-                    <a16:creationId xmlns:a16="http://schemas.microsoft.com/office/drawing/2014/main" id="{68BDDCEB-F0EB-4C41-8BEE-BA09A20E41F9}"/>
+                    <a16:creationId xmlns:a16="http://schemas.microsoft.com/office/drawing/2014/main" id="{C0B7B045-D3B2-48CE-ACDB-3ACE5EEA48B0}"/>
                   </a:ext>
                 </a:extLst>
               </p:cNvPr>
@@ -21234,10 +21234,10 @@
           </p:sp>
           <p:sp>
             <p:nvSpPr>
-              <p:cNvPr id="116" name="Rectangle 115">
+              <p:cNvPr id="171" name="Rectangle 170">
                 <a:extLst>
                   <a:ext uri="{FF2B5EF4-FFF2-40B4-BE49-F238E27FC236}">
-                    <a16:creationId xmlns:a16="http://schemas.microsoft.com/office/drawing/2014/main" id="{06CBDF83-924E-594A-90C8-F6E28292A4C2}"/>
+                    <a16:creationId xmlns:a16="http://schemas.microsoft.com/office/drawing/2014/main" id="{49476C3C-23F8-4081-AAD2-86BF5F1029B2}"/>
                   </a:ext>
                 </a:extLst>
               </p:cNvPr>
@@ -21320,10 +21320,10 @@
           </p:sp>
           <p:sp>
             <p:nvSpPr>
-              <p:cNvPr id="117" name="Rectangle 116">
+              <p:cNvPr id="172" name="Rectangle 171">
                 <a:extLst>
                   <a:ext uri="{FF2B5EF4-FFF2-40B4-BE49-F238E27FC236}">
-                    <a16:creationId xmlns:a16="http://schemas.microsoft.com/office/drawing/2014/main" id="{CCB9C95A-CB21-F646-B177-A1F3A88E39ED}"/>
+                    <a16:creationId xmlns:a16="http://schemas.microsoft.com/office/drawing/2014/main" id="{FE276739-430D-4E7F-B4F9-8917F3F9F879}"/>
                   </a:ext>
                 </a:extLst>
               </p:cNvPr>
@@ -21406,10 +21406,10 @@
           </p:sp>
           <p:sp>
             <p:nvSpPr>
-              <p:cNvPr id="118" name="TextBox 117">
+              <p:cNvPr id="173" name="TextBox 172">
                 <a:extLst>
                   <a:ext uri="{FF2B5EF4-FFF2-40B4-BE49-F238E27FC236}">
-                    <a16:creationId xmlns:a16="http://schemas.microsoft.com/office/drawing/2014/main" id="{04324AB9-FB0D-8E49-BBF1-CD9FEC5351E0}"/>
+                    <a16:creationId xmlns:a16="http://schemas.microsoft.com/office/drawing/2014/main" id="{3B37F7A8-676D-4C2D-9049-0792B58E5AA1}"/>
                   </a:ext>
                 </a:extLst>
               </p:cNvPr>
@@ -21455,10 +21455,10 @@
           </p:sp>
           <p:sp>
             <p:nvSpPr>
-              <p:cNvPr id="119" name="TextBox 118">
+              <p:cNvPr id="174" name="TextBox 173">
                 <a:extLst>
                   <a:ext uri="{FF2B5EF4-FFF2-40B4-BE49-F238E27FC236}">
-                    <a16:creationId xmlns:a16="http://schemas.microsoft.com/office/drawing/2014/main" id="{020D6B72-03D7-3642-9C6F-DEF7FC491459}"/>
+                    <a16:creationId xmlns:a16="http://schemas.microsoft.com/office/drawing/2014/main" id="{89191213-3B6D-40B5-8EE1-C18126E5B913}"/>
                   </a:ext>
                 </a:extLst>
               </p:cNvPr>
@@ -21504,10 +21504,10 @@
           </p:sp>
           <p:cxnSp>
             <p:nvCxnSpPr>
-              <p:cNvPr id="120" name="Straight Arrow Connector 119">
+              <p:cNvPr id="175" name="Straight Arrow Connector 174">
                 <a:extLst>
                   <a:ext uri="{FF2B5EF4-FFF2-40B4-BE49-F238E27FC236}">
-                    <a16:creationId xmlns:a16="http://schemas.microsoft.com/office/drawing/2014/main" id="{13C4BD96-548A-5747-9AB1-791979852F0C}"/>
+                    <a16:creationId xmlns:a16="http://schemas.microsoft.com/office/drawing/2014/main" id="{8D01274B-4CE6-443F-AEBF-D15F5B5A1F4D}"/>
                   </a:ext>
                 </a:extLst>
               </p:cNvPr>
@@ -21551,10 +21551,10 @@
           </p:cxnSp>
           <p:cxnSp>
             <p:nvCxnSpPr>
-              <p:cNvPr id="121" name="Straight Arrow Connector 120">
+              <p:cNvPr id="176" name="Straight Arrow Connector 175">
                 <a:extLst>
                   <a:ext uri="{FF2B5EF4-FFF2-40B4-BE49-F238E27FC236}">
-                    <a16:creationId xmlns:a16="http://schemas.microsoft.com/office/drawing/2014/main" id="{CA044F0C-BFD6-5C47-8910-2AE91F8D7B91}"/>
+                    <a16:creationId xmlns:a16="http://schemas.microsoft.com/office/drawing/2014/main" id="{407839B2-ADCD-42E8-B49B-FF6D5615095D}"/>
                   </a:ext>
                 </a:extLst>
               </p:cNvPr>
@@ -21598,10 +21598,10 @@
           </p:cxnSp>
           <p:grpSp>
             <p:nvGrpSpPr>
-              <p:cNvPr id="122" name="Group 121">
+              <p:cNvPr id="177" name="Group 176">
                 <a:extLst>
                   <a:ext uri="{FF2B5EF4-FFF2-40B4-BE49-F238E27FC236}">
-                    <a16:creationId xmlns:a16="http://schemas.microsoft.com/office/drawing/2014/main" id="{F296204A-09CE-4646-9704-7860F073FB34}"/>
+                    <a16:creationId xmlns:a16="http://schemas.microsoft.com/office/drawing/2014/main" id="{88D2A956-4476-4353-BD73-84331475933C}"/>
                   </a:ext>
                 </a:extLst>
               </p:cNvPr>
@@ -21618,10 +21618,10 @@
             </p:grpSpPr>
             <p:sp>
               <p:nvSpPr>
-                <p:cNvPr id="140" name="TextBox 139">
+                <p:cNvPr id="194" name="TextBox 193">
                   <a:extLst>
                     <a:ext uri="{FF2B5EF4-FFF2-40B4-BE49-F238E27FC236}">
-                      <a16:creationId xmlns:a16="http://schemas.microsoft.com/office/drawing/2014/main" id="{385AE711-173E-AB4D-83C5-B1A0F2356F20}"/>
+                      <a16:creationId xmlns:a16="http://schemas.microsoft.com/office/drawing/2014/main" id="{B97140B6-86AB-4BBB-B1B9-BDE8B057A642}"/>
                     </a:ext>
                   </a:extLst>
                 </p:cNvPr>
@@ -21667,10 +21667,10 @@
             </p:sp>
             <p:pic>
               <p:nvPicPr>
-                <p:cNvPr id="141" name="Picture 140">
+                <p:cNvPr id="195" name="Picture 194">
                   <a:extLst>
                     <a:ext uri="{FF2B5EF4-FFF2-40B4-BE49-F238E27FC236}">
-                      <a16:creationId xmlns:a16="http://schemas.microsoft.com/office/drawing/2014/main" id="{E801E60F-E6C2-F345-8EB8-3AD0041FC5CF}"/>
+                      <a16:creationId xmlns:a16="http://schemas.microsoft.com/office/drawing/2014/main" id="{A51CC931-1A39-42D9-ABD0-D9F568B7F037}"/>
                     </a:ext>
                   </a:extLst>
                 </p:cNvPr>
@@ -21704,10 +21704,10 @@
           </p:grpSp>
           <p:grpSp>
             <p:nvGrpSpPr>
-              <p:cNvPr id="123" name="Group 122">
+              <p:cNvPr id="178" name="Group 177">
                 <a:extLst>
                   <a:ext uri="{FF2B5EF4-FFF2-40B4-BE49-F238E27FC236}">
-                    <a16:creationId xmlns:a16="http://schemas.microsoft.com/office/drawing/2014/main" id="{FC03C19E-4794-3045-B3FC-8AB310E3B005}"/>
+                    <a16:creationId xmlns:a16="http://schemas.microsoft.com/office/drawing/2014/main" id="{C126EF62-5C03-486A-9F21-3E1CCFBDDD27}"/>
                   </a:ext>
                 </a:extLst>
               </p:cNvPr>
@@ -21716,18 +21716,18 @@
             </p:nvGrpSpPr>
             <p:grpSpPr>
               <a:xfrm>
-                <a:off x="8512008" y="2486976"/>
-                <a:ext cx="1387384" cy="970705"/>
-                <a:chOff x="8512008" y="2506028"/>
-                <a:chExt cx="1387384" cy="970705"/>
+                <a:off x="8580588" y="2486976"/>
+                <a:ext cx="1492540" cy="970705"/>
+                <a:chOff x="8580588" y="2506028"/>
+                <a:chExt cx="1492540" cy="970705"/>
               </a:xfrm>
             </p:grpSpPr>
             <p:sp>
               <p:nvSpPr>
-                <p:cNvPr id="136" name="Rectangle 135">
+                <p:cNvPr id="191" name="Rectangle 190">
                   <a:extLst>
                     <a:ext uri="{FF2B5EF4-FFF2-40B4-BE49-F238E27FC236}">
-                      <a16:creationId xmlns:a16="http://schemas.microsoft.com/office/drawing/2014/main" id="{672B437C-3B7F-C94B-BBEF-96B7112AAAD4}"/>
+                      <a16:creationId xmlns:a16="http://schemas.microsoft.com/office/drawing/2014/main" id="{82E49AE3-580E-4D87-9281-F31FC9857BD9}"/>
                     </a:ext>
                   </a:extLst>
                 </p:cNvPr>
@@ -21736,8 +21736,8 @@
               </p:nvSpPr>
               <p:spPr bwMode="auto">
                 <a:xfrm>
-                  <a:off x="8640135" y="2506028"/>
-                  <a:ext cx="1076276" cy="858017"/>
+                  <a:off x="8640133" y="2506028"/>
+                  <a:ext cx="1331045" cy="858017"/>
                 </a:xfrm>
                 <a:prstGeom prst="rect">
                   <a:avLst/>
@@ -21797,17 +21797,17 @@
                       <a:ea typeface="Segoe UI" pitchFamily="34" charset="0"/>
                       <a:cs typeface="Arial" panose="020B0604020202020204" pitchFamily="34" charset="0"/>
                     </a:rPr>
-                    <a:t>development</a:t>
+                    <a:t>DEVELOPMENT</a:t>
                   </a:r>
                 </a:p>
               </p:txBody>
             </p:sp>
             <p:sp>
               <p:nvSpPr>
-                <p:cNvPr id="137" name="TextBox 136">
+                <p:cNvPr id="192" name="TextBox 191">
                   <a:extLst>
                     <a:ext uri="{FF2B5EF4-FFF2-40B4-BE49-F238E27FC236}">
-                      <a16:creationId xmlns:a16="http://schemas.microsoft.com/office/drawing/2014/main" id="{E6A73CFD-60EC-E640-93D8-A1317230A2D6}"/>
+                      <a16:creationId xmlns:a16="http://schemas.microsoft.com/office/drawing/2014/main" id="{2EBC7DC3-1D17-40C5-9786-0FDCB169A62F}"/>
                     </a:ext>
                   </a:extLst>
                 </p:cNvPr>
@@ -21816,7 +21816,7 @@
               </p:nvSpPr>
               <p:spPr>
                 <a:xfrm>
-                  <a:off x="8512008" y="2959668"/>
+                  <a:off x="8580588" y="2959668"/>
                   <a:ext cx="739729" cy="517065"/>
                 </a:xfrm>
                 <a:prstGeom prst="rect">
@@ -21851,48 +21851,12 @@
                 </a:p>
               </p:txBody>
             </p:sp>
-            <p:pic>
-              <p:nvPicPr>
-                <p:cNvPr id="138" name="Picture 137">
+            <p:sp>
+              <p:nvSpPr>
+                <p:cNvPr id="193" name="TextBox 192">
                   <a:extLst>
                     <a:ext uri="{FF2B5EF4-FFF2-40B4-BE49-F238E27FC236}">
-                      <a16:creationId xmlns:a16="http://schemas.microsoft.com/office/drawing/2014/main" id="{E06F0036-7C5B-BD4C-888E-1DDF2CDE2B7D}"/>
-                    </a:ext>
-                  </a:extLst>
-                </p:cNvPr>
-                <p:cNvPicPr>
-                  <a:picLocks noChangeAspect="1"/>
-                </p:cNvPicPr>
-                <p:nvPr/>
-              </p:nvPicPr>
-              <p:blipFill>
-                <a:blip r:embed="rId6" cstate="print">
-                  <a:extLst>
-                    <a:ext uri="{28A0092B-C50C-407E-A947-70E740481C1C}">
-                      <a14:useLocalDpi xmlns:a14="http://schemas.microsoft.com/office/drawing/2010/main" val="0"/>
-                    </a:ext>
-                  </a:extLst>
-                </a:blip>
-                <a:stretch>
-                  <a:fillRect/>
-                </a:stretch>
-              </p:blipFill>
-              <p:spPr>
-                <a:xfrm>
-                  <a:off x="8785077" y="2892169"/>
-                  <a:ext cx="193592" cy="193592"/>
-                </a:xfrm>
-                <a:prstGeom prst="rect">
-                  <a:avLst/>
-                </a:prstGeom>
-              </p:spPr>
-            </p:pic>
-            <p:sp>
-              <p:nvSpPr>
-                <p:cNvPr id="139" name="TextBox 138">
-                  <a:extLst>
-                    <a:ext uri="{FF2B5EF4-FFF2-40B4-BE49-F238E27FC236}">
-                      <a16:creationId xmlns:a16="http://schemas.microsoft.com/office/drawing/2014/main" id="{88C4C932-ED80-9442-BE70-BFEF1FD5AE2F}"/>
+                      <a16:creationId xmlns:a16="http://schemas.microsoft.com/office/drawing/2014/main" id="{327E8F07-421E-4F4F-B932-087DF057D591}"/>
                     </a:ext>
                   </a:extLst>
                 </p:cNvPr>
@@ -21901,7 +21865,7 @@
               </p:nvSpPr>
               <p:spPr>
                 <a:xfrm>
-                  <a:off x="8931273" y="2953869"/>
+                  <a:off x="9105009" y="2953869"/>
                   <a:ext cx="968119" cy="517065"/>
                 </a:xfrm>
                 <a:prstGeom prst="rect">
@@ -21939,10 +21903,10 @@
           </p:grpSp>
           <p:sp>
             <p:nvSpPr>
-              <p:cNvPr id="124" name="Rectangle 123">
+              <p:cNvPr id="179" name="Rectangle 178">
                 <a:extLst>
                   <a:ext uri="{FF2B5EF4-FFF2-40B4-BE49-F238E27FC236}">
-                    <a16:creationId xmlns:a16="http://schemas.microsoft.com/office/drawing/2014/main" id="{FFC33034-E830-E748-9F69-CEF470D31A36}"/>
+                    <a16:creationId xmlns:a16="http://schemas.microsoft.com/office/drawing/2014/main" id="{6EEE4032-9872-4252-A6E2-74C7152C1993}"/>
                   </a:ext>
                 </a:extLst>
               </p:cNvPr>
@@ -21951,8 +21915,8 @@
             </p:nvSpPr>
             <p:spPr bwMode="auto">
               <a:xfrm>
-                <a:off x="10079654" y="3013941"/>
-                <a:ext cx="1076276" cy="858017"/>
+                <a:off x="10079653" y="3013941"/>
+                <a:ext cx="1331045" cy="858017"/>
               </a:xfrm>
               <a:prstGeom prst="rect">
                 <a:avLst/>
@@ -22012,17 +21976,17 @@
                     <a:ea typeface="Segoe UI" pitchFamily="34" charset="0"/>
                     <a:cs typeface="Arial" panose="020B0604020202020204" pitchFamily="34" charset="0"/>
                   </a:rPr>
-                  <a:t>test</a:t>
+                  <a:t>TEST</a:t>
                 </a:r>
               </a:p>
             </p:txBody>
           </p:sp>
           <p:sp>
             <p:nvSpPr>
-              <p:cNvPr id="125" name="Rectangle 124">
+              <p:cNvPr id="180" name="Rectangle 179">
                 <a:extLst>
                   <a:ext uri="{FF2B5EF4-FFF2-40B4-BE49-F238E27FC236}">
-                    <a16:creationId xmlns:a16="http://schemas.microsoft.com/office/drawing/2014/main" id="{ADF97EB3-C2AD-0340-8A10-1931789ED012}"/>
+                    <a16:creationId xmlns:a16="http://schemas.microsoft.com/office/drawing/2014/main" id="{DC056400-D4E2-4016-B745-2B74DA21A64C}"/>
                   </a:ext>
                 </a:extLst>
               </p:cNvPr>
@@ -22031,8 +21995,8 @@
             </p:nvSpPr>
             <p:spPr bwMode="auto">
               <a:xfrm>
-                <a:off x="8643516" y="3561298"/>
-                <a:ext cx="1076276" cy="858017"/>
+                <a:off x="8643514" y="3561298"/>
+                <a:ext cx="1331045" cy="858017"/>
               </a:xfrm>
               <a:prstGeom prst="rect">
                 <a:avLst/>
@@ -22092,17 +22056,17 @@
                     <a:ea typeface="Segoe UI" pitchFamily="34" charset="0"/>
                     <a:cs typeface="Arial" panose="020B0604020202020204" pitchFamily="34" charset="0"/>
                   </a:rPr>
-                  <a:t>production</a:t>
+                  <a:t>PRODUCTION</a:t>
                 </a:r>
               </a:p>
             </p:txBody>
           </p:sp>
           <p:cxnSp>
             <p:nvCxnSpPr>
-              <p:cNvPr id="126" name="Straight Arrow Connector 125">
+              <p:cNvPr id="181" name="Straight Arrow Connector 180">
                 <a:extLst>
                   <a:ext uri="{FF2B5EF4-FFF2-40B4-BE49-F238E27FC236}">
-                    <a16:creationId xmlns:a16="http://schemas.microsoft.com/office/drawing/2014/main" id="{43054157-6D46-7044-8A91-FBF581CEF5CD}"/>
+                    <a16:creationId xmlns:a16="http://schemas.microsoft.com/office/drawing/2014/main" id="{F34A70EE-395D-4844-983A-D9405A7C2569}"/>
                   </a:ext>
                 </a:extLst>
               </p:cNvPr>
@@ -22146,10 +22110,10 @@
           </p:cxnSp>
           <p:cxnSp>
             <p:nvCxnSpPr>
-              <p:cNvPr id="127" name="Straight Arrow Connector 126">
+              <p:cNvPr id="182" name="Straight Arrow Connector 181">
                 <a:extLst>
                   <a:ext uri="{FF2B5EF4-FFF2-40B4-BE49-F238E27FC236}">
-                    <a16:creationId xmlns:a16="http://schemas.microsoft.com/office/drawing/2014/main" id="{26F1770A-8ED8-9744-A27E-9DD41916AACF}"/>
+                    <a16:creationId xmlns:a16="http://schemas.microsoft.com/office/drawing/2014/main" id="{E9E83A4A-8208-4561-8A33-57EC9EC15FFE}"/>
                   </a:ext>
                 </a:extLst>
               </p:cNvPr>
@@ -22193,10 +22157,10 @@
           </p:cxnSp>
           <p:cxnSp>
             <p:nvCxnSpPr>
-              <p:cNvPr id="128" name="Straight Arrow Connector 127">
+              <p:cNvPr id="183" name="Straight Arrow Connector 182">
                 <a:extLst>
                   <a:ext uri="{FF2B5EF4-FFF2-40B4-BE49-F238E27FC236}">
-                    <a16:creationId xmlns:a16="http://schemas.microsoft.com/office/drawing/2014/main" id="{BDC1C9B7-F448-7D49-B14A-52D0647C66BA}"/>
+                    <a16:creationId xmlns:a16="http://schemas.microsoft.com/office/drawing/2014/main" id="{E8BF04C8-E00F-4672-8D55-81D083E995CA}"/>
                   </a:ext>
                 </a:extLst>
               </p:cNvPr>
@@ -22240,10 +22204,10 @@
           </p:cxnSp>
           <p:sp>
             <p:nvSpPr>
-              <p:cNvPr id="129" name="TextBox 128">
+              <p:cNvPr id="184" name="TextBox 183">
                 <a:extLst>
                   <a:ext uri="{FF2B5EF4-FFF2-40B4-BE49-F238E27FC236}">
-                    <a16:creationId xmlns:a16="http://schemas.microsoft.com/office/drawing/2014/main" id="{B1211CE7-B9D1-464A-B942-3F4DE6170644}"/>
+                    <a16:creationId xmlns:a16="http://schemas.microsoft.com/office/drawing/2014/main" id="{DDDEFAE6-D65F-4AA5-A77F-76C661CC497D}"/>
                   </a:ext>
                 </a:extLst>
               </p:cNvPr>
@@ -22289,10 +22253,10 @@
           </p:sp>
           <p:pic>
             <p:nvPicPr>
-              <p:cNvPr id="130" name="Picture 129">
+              <p:cNvPr id="185" name="Picture 184">
                 <a:extLst>
                   <a:ext uri="{FF2B5EF4-FFF2-40B4-BE49-F238E27FC236}">
-                    <a16:creationId xmlns:a16="http://schemas.microsoft.com/office/drawing/2014/main" id="{3BF9DD12-EBA1-A948-B13B-35654247CFFE}"/>
+                    <a16:creationId xmlns:a16="http://schemas.microsoft.com/office/drawing/2014/main" id="{6D2F14C4-1783-4B97-A4B8-0FD72430108E}"/>
                   </a:ext>
                 </a:extLst>
               </p:cNvPr>
@@ -22325,10 +22289,10 @@
           </p:pic>
           <p:sp>
             <p:nvSpPr>
-              <p:cNvPr id="131" name="TextBox 130">
+              <p:cNvPr id="186" name="TextBox 185">
                 <a:extLst>
                   <a:ext uri="{FF2B5EF4-FFF2-40B4-BE49-F238E27FC236}">
-                    <a16:creationId xmlns:a16="http://schemas.microsoft.com/office/drawing/2014/main" id="{04911E64-A563-254F-BA6F-EC2C88DAFA57}"/>
+                    <a16:creationId xmlns:a16="http://schemas.microsoft.com/office/drawing/2014/main" id="{AFF85205-48C3-4DA7-8108-E8D3BDC3D5E8}"/>
                   </a:ext>
                 </a:extLst>
               </p:cNvPr>
@@ -22374,10 +22338,10 @@
           </p:sp>
           <p:pic>
             <p:nvPicPr>
-              <p:cNvPr id="132" name="Picture 131">
+              <p:cNvPr id="187" name="Picture 186">
                 <a:extLst>
                   <a:ext uri="{FF2B5EF4-FFF2-40B4-BE49-F238E27FC236}">
-                    <a16:creationId xmlns:a16="http://schemas.microsoft.com/office/drawing/2014/main" id="{C278C31A-BDCE-3243-9487-347ADF25ECB4}"/>
+                    <a16:creationId xmlns:a16="http://schemas.microsoft.com/office/drawing/2014/main" id="{19D05726-0AE1-48BA-B45D-43F787D2234E}"/>
                   </a:ext>
                 </a:extLst>
               </p:cNvPr>
@@ -22410,10 +22374,10 @@
           </p:pic>
           <p:cxnSp>
             <p:nvCxnSpPr>
-              <p:cNvPr id="133" name="Straight Arrow Connector 132">
+              <p:cNvPr id="188" name="Straight Arrow Connector 187">
                 <a:extLst>
                   <a:ext uri="{FF2B5EF4-FFF2-40B4-BE49-F238E27FC236}">
-                    <a16:creationId xmlns:a16="http://schemas.microsoft.com/office/drawing/2014/main" id="{95B677F0-4370-604D-9A90-46CC6F79C290}"/>
+                    <a16:creationId xmlns:a16="http://schemas.microsoft.com/office/drawing/2014/main" id="{EB338D8F-608A-45F5-8A4C-E5874CACB12E}"/>
                   </a:ext>
                 </a:extLst>
               </p:cNvPr>
@@ -22457,10 +22421,10 @@
           </p:cxnSp>
           <p:cxnSp>
             <p:nvCxnSpPr>
-              <p:cNvPr id="134" name="Straight Arrow Connector 133">
+              <p:cNvPr id="189" name="Straight Arrow Connector 188">
                 <a:extLst>
                   <a:ext uri="{FF2B5EF4-FFF2-40B4-BE49-F238E27FC236}">
-                    <a16:creationId xmlns:a16="http://schemas.microsoft.com/office/drawing/2014/main" id="{2AAE71EA-11D2-EB49-A6C5-ECCCB17E96BF}"/>
+                    <a16:creationId xmlns:a16="http://schemas.microsoft.com/office/drawing/2014/main" id="{BDE849F2-2DA2-4848-B7BF-60D156219A76}"/>
                   </a:ext>
                 </a:extLst>
               </p:cNvPr>
@@ -22504,10 +22468,10 @@
           </p:cxnSp>
           <p:cxnSp>
             <p:nvCxnSpPr>
-              <p:cNvPr id="135" name="Straight Arrow Connector 134">
+              <p:cNvPr id="190" name="Straight Arrow Connector 189">
                 <a:extLst>
                   <a:ext uri="{FF2B5EF4-FFF2-40B4-BE49-F238E27FC236}">
-                    <a16:creationId xmlns:a16="http://schemas.microsoft.com/office/drawing/2014/main" id="{3D7FA432-66EF-324F-B890-05C00407E05E}"/>
+                    <a16:creationId xmlns:a16="http://schemas.microsoft.com/office/drawing/2014/main" id="{9D931397-7639-48D9-8DA9-793592456C72}"/>
                   </a:ext>
                 </a:extLst>
               </p:cNvPr>
@@ -22550,51 +22514,12 @@
             </p:style>
           </p:cxnSp>
         </p:grpSp>
-        <p:pic>
-          <p:nvPicPr>
-            <p:cNvPr id="142" name="Graphic 141">
+        <p:sp>
+          <p:nvSpPr>
+            <p:cNvPr id="151" name="TextBox 150">
               <a:extLst>
                 <a:ext uri="{FF2B5EF4-FFF2-40B4-BE49-F238E27FC236}">
-                  <a16:creationId xmlns:a16="http://schemas.microsoft.com/office/drawing/2014/main" id="{26DBC607-57B7-144F-AA32-C301DEF1C98B}"/>
-                </a:ext>
-              </a:extLst>
-            </p:cNvPr>
-            <p:cNvPicPr>
-              <a:picLocks noChangeAspect="1"/>
-            </p:cNvPicPr>
-            <p:nvPr/>
-          </p:nvPicPr>
-          <p:blipFill>
-            <a:blip r:embed="rId7" cstate="print">
-              <a:extLst>
-                <a:ext uri="{28A0092B-C50C-407E-A947-70E740481C1C}">
-                  <a14:useLocalDpi xmlns:a14="http://schemas.microsoft.com/office/drawing/2010/main" val="0"/>
-                </a:ext>
-                <a:ext uri="{96DAC541-7B7A-43D3-8B79-37D633B846F1}">
-                  <asvg:svgBlip xmlns:asvg="http://schemas.microsoft.com/office/drawing/2016/SVG/main" r:embed="rId8"/>
-                </a:ext>
-              </a:extLst>
-            </a:blip>
-            <a:stretch>
-              <a:fillRect/>
-            </a:stretch>
-          </p:blipFill>
-          <p:spPr>
-            <a:xfrm>
-              <a:off x="9350740" y="2887663"/>
-              <a:ext cx="131621" cy="177866"/>
-            </a:xfrm>
-            <a:prstGeom prst="rect">
-              <a:avLst/>
-            </a:prstGeom>
-          </p:spPr>
-        </p:pic>
-        <p:sp>
-          <p:nvSpPr>
-            <p:cNvPr id="143" name="TextBox 142">
-              <a:extLst>
-                <a:ext uri="{FF2B5EF4-FFF2-40B4-BE49-F238E27FC236}">
-                  <a16:creationId xmlns:a16="http://schemas.microsoft.com/office/drawing/2014/main" id="{36865193-B50F-8847-9878-5B44BFBB44CE}"/>
+                  <a16:creationId xmlns:a16="http://schemas.microsoft.com/office/drawing/2014/main" id="{4C2BF8C8-77DD-4679-87C3-513F4C4DC2F2}"/>
                 </a:ext>
               </a:extLst>
             </p:cNvPr>
@@ -22603,7 +22528,7 @@
           </p:nvSpPr>
           <p:spPr>
             <a:xfrm>
-              <a:off x="8931273" y="4012959"/>
+              <a:off x="9105009" y="4012959"/>
               <a:ext cx="966298" cy="517065"/>
             </a:xfrm>
             <a:prstGeom prst="rect">
@@ -22640,10 +22565,10 @@
         </p:sp>
         <p:sp>
           <p:nvSpPr>
-            <p:cNvPr id="144" name="TextBox 143">
+            <p:cNvPr id="152" name="TextBox 151">
               <a:extLst>
                 <a:ext uri="{FF2B5EF4-FFF2-40B4-BE49-F238E27FC236}">
-                  <a16:creationId xmlns:a16="http://schemas.microsoft.com/office/drawing/2014/main" id="{F46E0045-A5E1-6B41-8826-A38C67B47DAE}"/>
+                  <a16:creationId xmlns:a16="http://schemas.microsoft.com/office/drawing/2014/main" id="{6D53E939-D23C-4CFC-99B0-84D1CAEF51A6}"/>
                 </a:ext>
               </a:extLst>
             </p:cNvPr>
@@ -22652,7 +22577,105 @@
           </p:nvSpPr>
           <p:spPr>
             <a:xfrm>
-              <a:off x="8529682" y="4025488"/>
+              <a:off x="8598262" y="4025488"/>
+              <a:ext cx="739729" cy="517065"/>
+            </a:xfrm>
+            <a:prstGeom prst="rect">
+              <a:avLst/>
+            </a:prstGeom>
+            <a:noFill/>
+          </p:spPr>
+          <p:txBody>
+            <a:bodyPr wrap="square" lIns="182880" tIns="146304" rIns="182880" bIns="146304" rtlCol="0">
+              <a:spAutoFit/>
+            </a:bodyPr>
+            <a:lstStyle/>
+            <a:p>
+              <a:pPr algn="ctr">
+                <a:lnSpc>
+                  <a:spcPct val="90000"/>
+                </a:lnSpc>
+                <a:spcAft>
+                  <a:spcPts val="600"/>
+                </a:spcAft>
+              </a:pPr>
+              <a:r>
+                <a:rPr lang="en-US" sz="800" dirty="0">
+                  <a:solidFill>
+                    <a:schemeClr val="bg1"/>
+                  </a:solidFill>
+                  <a:latin typeface="Arial" panose="020B0604020202020204" pitchFamily="34" charset="0"/>
+                  <a:cs typeface="Arial" panose="020B0604020202020204" pitchFamily="34" charset="0"/>
+                </a:rPr>
+                <a:t>App Service</a:t>
+              </a:r>
+            </a:p>
+          </p:txBody>
+        </p:sp>
+        <p:sp>
+          <p:nvSpPr>
+            <p:cNvPr id="153" name="TextBox 152">
+              <a:extLst>
+                <a:ext uri="{FF2B5EF4-FFF2-40B4-BE49-F238E27FC236}">
+                  <a16:creationId xmlns:a16="http://schemas.microsoft.com/office/drawing/2014/main" id="{0E04A473-BDF1-4CD8-A764-8AC6CBA79994}"/>
+                </a:ext>
+              </a:extLst>
+            </p:cNvPr>
+            <p:cNvSpPr txBox="1"/>
+            <p:nvPr/>
+          </p:nvSpPr>
+          <p:spPr>
+            <a:xfrm>
+              <a:off x="10498603" y="3464056"/>
+              <a:ext cx="1049333" cy="517065"/>
+            </a:xfrm>
+            <a:prstGeom prst="rect">
+              <a:avLst/>
+            </a:prstGeom>
+            <a:noFill/>
+          </p:spPr>
+          <p:txBody>
+            <a:bodyPr wrap="square" lIns="182880" tIns="146304" rIns="182880" bIns="146304" rtlCol="0">
+              <a:spAutoFit/>
+            </a:bodyPr>
+            <a:lstStyle/>
+            <a:p>
+              <a:pPr algn="ctr">
+                <a:lnSpc>
+                  <a:spcPct val="90000"/>
+                </a:lnSpc>
+                <a:spcAft>
+                  <a:spcPts val="600"/>
+                </a:spcAft>
+              </a:pPr>
+              <a:r>
+                <a:rPr lang="en-US" sz="800" dirty="0">
+                  <a:solidFill>
+                    <a:schemeClr val="bg1"/>
+                  </a:solidFill>
+                  <a:latin typeface="Arial" panose="020B0604020202020204" pitchFamily="34" charset="0"/>
+                  <a:cs typeface="Arial" panose="020B0604020202020204" pitchFamily="34" charset="0"/>
+                </a:rPr>
+                <a:t>Azure PostgreSQL</a:t>
+              </a:r>
+            </a:p>
+          </p:txBody>
+        </p:sp>
+        <p:sp>
+          <p:nvSpPr>
+            <p:cNvPr id="154" name="TextBox 153">
+              <a:extLst>
+                <a:ext uri="{FF2B5EF4-FFF2-40B4-BE49-F238E27FC236}">
+                  <a16:creationId xmlns:a16="http://schemas.microsoft.com/office/drawing/2014/main" id="{9F46FC12-ACC4-40B6-949C-7400F36DA495}"/>
+                </a:ext>
+              </a:extLst>
+            </p:cNvPr>
+            <p:cNvSpPr txBox="1"/>
+            <p:nvPr/>
+          </p:nvSpPr>
+          <p:spPr>
+            <a:xfrm>
+              <a:off x="10039759" y="3470529"/>
               <a:ext cx="739729" cy="517065"/>
             </a:xfrm>
             <a:prstGeom prst="rect">
@@ -22689,258 +22712,10 @@
         </p:sp>
         <p:pic>
           <p:nvPicPr>
-            <p:cNvPr id="145" name="Picture 144">
+            <p:cNvPr id="155" name="Picture 154">
               <a:extLst>
                 <a:ext uri="{FF2B5EF4-FFF2-40B4-BE49-F238E27FC236}">
-                  <a16:creationId xmlns:a16="http://schemas.microsoft.com/office/drawing/2014/main" id="{4B963048-4005-FD42-9651-4D375A555B16}"/>
-                </a:ext>
-              </a:extLst>
-            </p:cNvPr>
-            <p:cNvPicPr>
-              <a:picLocks noChangeAspect="1"/>
-            </p:cNvPicPr>
-            <p:nvPr/>
-          </p:nvPicPr>
-          <p:blipFill>
-            <a:blip r:embed="rId6" cstate="print">
-              <a:extLst>
-                <a:ext uri="{28A0092B-C50C-407E-A947-70E740481C1C}">
-                  <a14:useLocalDpi xmlns:a14="http://schemas.microsoft.com/office/drawing/2010/main" val="0"/>
-                </a:ext>
-              </a:extLst>
-            </a:blip>
-            <a:stretch>
-              <a:fillRect/>
-            </a:stretch>
-          </p:blipFill>
-          <p:spPr>
-            <a:xfrm>
-              <a:off x="8821295" y="3956979"/>
-              <a:ext cx="193592" cy="193592"/>
-            </a:xfrm>
-            <a:prstGeom prst="rect">
-              <a:avLst/>
-            </a:prstGeom>
-          </p:spPr>
-        </p:pic>
-        <p:pic>
-          <p:nvPicPr>
-            <p:cNvPr id="146" name="Graphic 145">
-              <a:extLst>
-                <a:ext uri="{FF2B5EF4-FFF2-40B4-BE49-F238E27FC236}">
-                  <a16:creationId xmlns:a16="http://schemas.microsoft.com/office/drawing/2014/main" id="{A29A7840-1936-A445-A6F5-CFBFF1C93CAD}"/>
-                </a:ext>
-              </a:extLst>
-            </p:cNvPr>
-            <p:cNvPicPr>
-              <a:picLocks noChangeAspect="1"/>
-            </p:cNvPicPr>
-            <p:nvPr/>
-          </p:nvPicPr>
-          <p:blipFill>
-            <a:blip r:embed="rId7" cstate="print">
-              <a:extLst>
-                <a:ext uri="{28A0092B-C50C-407E-A947-70E740481C1C}">
-                  <a14:useLocalDpi xmlns:a14="http://schemas.microsoft.com/office/drawing/2010/main" val="0"/>
-                </a:ext>
-                <a:ext uri="{96DAC541-7B7A-43D3-8B79-37D633B846F1}">
-                  <asvg:svgBlip xmlns:asvg="http://schemas.microsoft.com/office/drawing/2016/SVG/main" r:embed="rId8"/>
-                </a:ext>
-              </a:extLst>
-            </a:blip>
-            <a:stretch>
-              <a:fillRect/>
-            </a:stretch>
-          </p:blipFill>
-          <p:spPr>
-            <a:xfrm>
-              <a:off x="9365330" y="3949315"/>
-              <a:ext cx="131621" cy="177866"/>
-            </a:xfrm>
-            <a:prstGeom prst="rect">
-              <a:avLst/>
-            </a:prstGeom>
-          </p:spPr>
-        </p:pic>
-        <p:sp>
-          <p:nvSpPr>
-            <p:cNvPr id="147" name="TextBox 146">
-              <a:extLst>
-                <a:ext uri="{FF2B5EF4-FFF2-40B4-BE49-F238E27FC236}">
-                  <a16:creationId xmlns:a16="http://schemas.microsoft.com/office/drawing/2014/main" id="{3112BBED-1814-E44E-AFBA-379210019284}"/>
-                </a:ext>
-              </a:extLst>
-            </p:cNvPr>
-            <p:cNvSpPr txBox="1"/>
-            <p:nvPr/>
-          </p:nvSpPr>
-          <p:spPr>
-            <a:xfrm>
-              <a:off x="10324867" y="3464056"/>
-              <a:ext cx="1049333" cy="517065"/>
-            </a:xfrm>
-            <a:prstGeom prst="rect">
-              <a:avLst/>
-            </a:prstGeom>
-            <a:noFill/>
-          </p:spPr>
-          <p:txBody>
-            <a:bodyPr wrap="square" lIns="182880" tIns="146304" rIns="182880" bIns="146304" rtlCol="0">
-              <a:spAutoFit/>
-            </a:bodyPr>
-            <a:lstStyle/>
-            <a:p>
-              <a:pPr algn="ctr">
-                <a:lnSpc>
-                  <a:spcPct val="90000"/>
-                </a:lnSpc>
-                <a:spcAft>
-                  <a:spcPts val="600"/>
-                </a:spcAft>
-              </a:pPr>
-              <a:r>
-                <a:rPr lang="en-US" sz="800" dirty="0">
-                  <a:solidFill>
-                    <a:schemeClr val="bg1"/>
-                  </a:solidFill>
-                  <a:latin typeface="Arial" panose="020B0604020202020204" pitchFamily="34" charset="0"/>
-                  <a:cs typeface="Arial" panose="020B0604020202020204" pitchFamily="34" charset="0"/>
-                </a:rPr>
-                <a:t>Azure PostgreSQL</a:t>
-              </a:r>
-            </a:p>
-          </p:txBody>
-        </p:sp>
-        <p:sp>
-          <p:nvSpPr>
-            <p:cNvPr id="148" name="TextBox 147">
-              <a:extLst>
-                <a:ext uri="{FF2B5EF4-FFF2-40B4-BE49-F238E27FC236}">
-                  <a16:creationId xmlns:a16="http://schemas.microsoft.com/office/drawing/2014/main" id="{7CEA8FCB-32F3-EA4A-93E8-E7CCA68D947B}"/>
-                </a:ext>
-              </a:extLst>
-            </p:cNvPr>
-            <p:cNvSpPr txBox="1"/>
-            <p:nvPr/>
-          </p:nvSpPr>
-          <p:spPr>
-            <a:xfrm>
-              <a:off x="9971179" y="3470529"/>
-              <a:ext cx="739729" cy="517065"/>
-            </a:xfrm>
-            <a:prstGeom prst="rect">
-              <a:avLst/>
-            </a:prstGeom>
-            <a:noFill/>
-          </p:spPr>
-          <p:txBody>
-            <a:bodyPr wrap="square" lIns="182880" tIns="146304" rIns="182880" bIns="146304" rtlCol="0">
-              <a:spAutoFit/>
-            </a:bodyPr>
-            <a:lstStyle/>
-            <a:p>
-              <a:pPr algn="ctr">
-                <a:lnSpc>
-                  <a:spcPct val="90000"/>
-                </a:lnSpc>
-                <a:spcAft>
-                  <a:spcPts val="600"/>
-                </a:spcAft>
-              </a:pPr>
-              <a:r>
-                <a:rPr lang="en-US" sz="800" dirty="0">
-                  <a:solidFill>
-                    <a:schemeClr val="bg1"/>
-                  </a:solidFill>
-                  <a:latin typeface="Arial" panose="020B0604020202020204" pitchFamily="34" charset="0"/>
-                  <a:cs typeface="Arial" panose="020B0604020202020204" pitchFamily="34" charset="0"/>
-                </a:rPr>
-                <a:t>App Service</a:t>
-              </a:r>
-            </a:p>
-          </p:txBody>
-        </p:sp>
-        <p:pic>
-          <p:nvPicPr>
-            <p:cNvPr id="149" name="Picture 148">
-              <a:extLst>
-                <a:ext uri="{FF2B5EF4-FFF2-40B4-BE49-F238E27FC236}">
-                  <a16:creationId xmlns:a16="http://schemas.microsoft.com/office/drawing/2014/main" id="{7092B6CE-B30F-D946-8CB9-21195B2A938E}"/>
-                </a:ext>
-              </a:extLst>
-            </p:cNvPr>
-            <p:cNvPicPr>
-              <a:picLocks noChangeAspect="1"/>
-            </p:cNvPicPr>
-            <p:nvPr/>
-          </p:nvPicPr>
-          <p:blipFill>
-            <a:blip r:embed="rId6" cstate="print">
-              <a:extLst>
-                <a:ext uri="{28A0092B-C50C-407E-A947-70E740481C1C}">
-                  <a14:useLocalDpi xmlns:a14="http://schemas.microsoft.com/office/drawing/2010/main" val="0"/>
-                </a:ext>
-              </a:extLst>
-            </a:blip>
-            <a:stretch>
-              <a:fillRect/>
-            </a:stretch>
-          </p:blipFill>
-          <p:spPr>
-            <a:xfrm>
-              <a:off x="10251882" y="3400082"/>
-              <a:ext cx="193592" cy="193592"/>
-            </a:xfrm>
-            <a:prstGeom prst="rect">
-              <a:avLst/>
-            </a:prstGeom>
-          </p:spPr>
-        </p:pic>
-        <p:pic>
-          <p:nvPicPr>
-            <p:cNvPr id="150" name="Graphic 149">
-              <a:extLst>
-                <a:ext uri="{FF2B5EF4-FFF2-40B4-BE49-F238E27FC236}">
-                  <a16:creationId xmlns:a16="http://schemas.microsoft.com/office/drawing/2014/main" id="{905B2035-5D37-FD4D-BDF3-83D98664314A}"/>
-                </a:ext>
-              </a:extLst>
-            </p:cNvPr>
-            <p:cNvPicPr>
-              <a:picLocks noChangeAspect="1"/>
-            </p:cNvPicPr>
-            <p:nvPr/>
-          </p:nvPicPr>
-          <p:blipFill>
-            <a:blip r:embed="rId7" cstate="print">
-              <a:extLst>
-                <a:ext uri="{28A0092B-C50C-407E-A947-70E740481C1C}">
-                  <a14:useLocalDpi xmlns:a14="http://schemas.microsoft.com/office/drawing/2010/main" val="0"/>
-                </a:ext>
-                <a:ext uri="{96DAC541-7B7A-43D3-8B79-37D633B846F1}">
-                  <asvg:svgBlip xmlns:asvg="http://schemas.microsoft.com/office/drawing/2016/SVG/main" r:embed="rId8"/>
-                </a:ext>
-              </a:extLst>
-            </a:blip>
-            <a:stretch>
-              <a:fillRect/>
-            </a:stretch>
-          </p:blipFill>
-          <p:spPr>
-            <a:xfrm>
-              <a:off x="10790321" y="3410680"/>
-              <a:ext cx="131621" cy="177866"/>
-            </a:xfrm>
-            <a:prstGeom prst="rect">
-              <a:avLst/>
-            </a:prstGeom>
-          </p:spPr>
-        </p:pic>
-        <p:pic>
-          <p:nvPicPr>
-            <p:cNvPr id="48" name="Picture 47">
-              <a:extLst>
-                <a:ext uri="{FF2B5EF4-FFF2-40B4-BE49-F238E27FC236}">
-                  <a16:creationId xmlns:a16="http://schemas.microsoft.com/office/drawing/2014/main" id="{A6F2AD7D-41E6-4AA4-9E4F-F10307A8CF87}"/>
+                  <a16:creationId xmlns:a16="http://schemas.microsoft.com/office/drawing/2014/main" id="{B2D5F433-A422-4EC3-BE36-A7294D86A662}"/>
                 </a:ext>
               </a:extLst>
             </p:cNvPr>
@@ -22950,13 +22725,13 @@
             <p:nvPr/>
           </p:nvPicPr>
           <p:blipFill rotWithShape="1">
-            <a:blip r:embed="rId9"/>
+            <a:blip r:embed="rId6"/>
             <a:srcRect l="3302" t="6466" r="5732" b="6346"/>
             <a:stretch/>
           </p:blipFill>
           <p:spPr>
             <a:xfrm>
-              <a:off x="8786711" y="2875298"/>
+              <a:off x="8855291" y="2875298"/>
               <a:ext cx="191958" cy="190661"/>
             </a:xfrm>
             <a:prstGeom prst="rect">
@@ -22966,10 +22741,10 @@
         </p:pic>
         <p:pic>
           <p:nvPicPr>
-            <p:cNvPr id="49" name="Picture 48">
+            <p:cNvPr id="156" name="Picture 155">
               <a:extLst>
                 <a:ext uri="{FF2B5EF4-FFF2-40B4-BE49-F238E27FC236}">
-                  <a16:creationId xmlns:a16="http://schemas.microsoft.com/office/drawing/2014/main" id="{4BD78F7D-9809-4AAF-839B-23FD97DE071C}"/>
+                  <a16:creationId xmlns:a16="http://schemas.microsoft.com/office/drawing/2014/main" id="{DF4A35D8-D569-4F30-A28F-5B9473B5BF99}"/>
                 </a:ext>
               </a:extLst>
             </p:cNvPr>
@@ -22979,13 +22754,13 @@
             <p:nvPr/>
           </p:nvPicPr>
           <p:blipFill rotWithShape="1">
-            <a:blip r:embed="rId10"/>
+            <a:blip r:embed="rId7"/>
             <a:srcRect l="8063" t="5692" r="7576" b="4929"/>
             <a:stretch/>
           </p:blipFill>
           <p:spPr>
             <a:xfrm>
-              <a:off x="9350740" y="2887663"/>
+              <a:off x="9524476" y="2887663"/>
               <a:ext cx="131524" cy="177866"/>
             </a:xfrm>
             <a:prstGeom prst="rect">
@@ -22995,10 +22770,10 @@
         </p:pic>
         <p:pic>
           <p:nvPicPr>
-            <p:cNvPr id="52" name="Picture 51">
+            <p:cNvPr id="157" name="Picture 156">
               <a:extLst>
                 <a:ext uri="{FF2B5EF4-FFF2-40B4-BE49-F238E27FC236}">
-                  <a16:creationId xmlns:a16="http://schemas.microsoft.com/office/drawing/2014/main" id="{790AB284-ADDC-4395-8C49-DFE732D1A9B0}"/>
+                  <a16:creationId xmlns:a16="http://schemas.microsoft.com/office/drawing/2014/main" id="{B29B0ED4-2A2C-4F88-A3FC-8406AAB87590}"/>
                 </a:ext>
               </a:extLst>
             </p:cNvPr>
@@ -23008,13 +22783,13 @@
             <p:nvPr/>
           </p:nvPicPr>
           <p:blipFill rotWithShape="1">
-            <a:blip r:embed="rId9"/>
+            <a:blip r:embed="rId6"/>
             <a:srcRect l="3302" t="6466" r="5732" b="6346"/>
             <a:stretch/>
           </p:blipFill>
           <p:spPr>
             <a:xfrm>
-              <a:off x="8821198" y="3956686"/>
+              <a:off x="8889778" y="3956686"/>
               <a:ext cx="191958" cy="190661"/>
             </a:xfrm>
             <a:prstGeom prst="rect">
@@ -23024,10 +22799,10 @@
         </p:pic>
         <p:pic>
           <p:nvPicPr>
-            <p:cNvPr id="53" name="Picture 52">
+            <p:cNvPr id="158" name="Picture 157">
               <a:extLst>
                 <a:ext uri="{FF2B5EF4-FFF2-40B4-BE49-F238E27FC236}">
-                  <a16:creationId xmlns:a16="http://schemas.microsoft.com/office/drawing/2014/main" id="{6F61E858-D378-4ADB-B73F-7002CA4114B6}"/>
+                  <a16:creationId xmlns:a16="http://schemas.microsoft.com/office/drawing/2014/main" id="{9293EE3E-561B-441E-AAFE-205B7812C07E}"/>
                 </a:ext>
               </a:extLst>
             </p:cNvPr>
@@ -23037,13 +22812,13 @@
             <p:nvPr/>
           </p:nvPicPr>
           <p:blipFill rotWithShape="1">
-            <a:blip r:embed="rId10"/>
+            <a:blip r:embed="rId7"/>
             <a:srcRect l="8063" t="5692" r="7576" b="4929"/>
             <a:stretch/>
           </p:blipFill>
           <p:spPr>
             <a:xfrm>
-              <a:off x="9365330" y="3956979"/>
+              <a:off x="9539066" y="3956979"/>
               <a:ext cx="131524" cy="177866"/>
             </a:xfrm>
             <a:prstGeom prst="rect">
@@ -23053,10 +22828,10 @@
         </p:pic>
         <p:pic>
           <p:nvPicPr>
-            <p:cNvPr id="54" name="Picture 53">
+            <p:cNvPr id="159" name="Picture 158">
               <a:extLst>
                 <a:ext uri="{FF2B5EF4-FFF2-40B4-BE49-F238E27FC236}">
-                  <a16:creationId xmlns:a16="http://schemas.microsoft.com/office/drawing/2014/main" id="{F22B5599-72D3-4BB3-9F6F-DDA77B3DB932}"/>
+                  <a16:creationId xmlns:a16="http://schemas.microsoft.com/office/drawing/2014/main" id="{3A2DFC04-55FF-477D-A5EE-472A74623C5A}"/>
                 </a:ext>
               </a:extLst>
             </p:cNvPr>
@@ -23066,13 +22841,13 @@
             <p:nvPr/>
           </p:nvPicPr>
           <p:blipFill rotWithShape="1">
-            <a:blip r:embed="rId9"/>
+            <a:blip r:embed="rId6"/>
             <a:srcRect l="3302" t="6466" r="5732" b="6346"/>
             <a:stretch/>
           </p:blipFill>
           <p:spPr>
             <a:xfrm>
-              <a:off x="10254430" y="3401547"/>
+              <a:off x="10323010" y="3401547"/>
               <a:ext cx="191958" cy="190661"/>
             </a:xfrm>
             <a:prstGeom prst="rect">
@@ -23082,10 +22857,10 @@
         </p:pic>
         <p:pic>
           <p:nvPicPr>
-            <p:cNvPr id="55" name="Picture 54">
+            <p:cNvPr id="160" name="Picture 159">
               <a:extLst>
                 <a:ext uri="{FF2B5EF4-FFF2-40B4-BE49-F238E27FC236}">
-                  <a16:creationId xmlns:a16="http://schemas.microsoft.com/office/drawing/2014/main" id="{8CBA2556-4EC4-4D18-AB5A-2B7B4622FF86}"/>
+                  <a16:creationId xmlns:a16="http://schemas.microsoft.com/office/drawing/2014/main" id="{66D81A37-E65E-465A-B6C5-3986698290E5}"/>
                 </a:ext>
               </a:extLst>
             </p:cNvPr>
@@ -23095,13 +22870,13 @@
             <p:nvPr/>
           </p:nvPicPr>
           <p:blipFill rotWithShape="1">
-            <a:blip r:embed="rId10"/>
+            <a:blip r:embed="rId7"/>
             <a:srcRect l="8063" t="5692" r="7576" b="4929"/>
             <a:stretch/>
           </p:blipFill>
           <p:spPr>
             <a:xfrm>
-              <a:off x="10791081" y="3411868"/>
+              <a:off x="10964817" y="3411868"/>
               <a:ext cx="131524" cy="177866"/>
             </a:xfrm>
             <a:prstGeom prst="rect">
@@ -23111,10 +22886,10 @@
         </p:pic>
         <p:pic>
           <p:nvPicPr>
-            <p:cNvPr id="1026" name="Picture 2" descr="See the source image">
+            <p:cNvPr id="161" name="Picture 2" descr="See the source image">
               <a:extLst>
                 <a:ext uri="{FF2B5EF4-FFF2-40B4-BE49-F238E27FC236}">
-                  <a16:creationId xmlns:a16="http://schemas.microsoft.com/office/drawing/2014/main" id="{3F43361F-CBBE-4CFD-BF1A-EF55A3BF6BB0}"/>
+                  <a16:creationId xmlns:a16="http://schemas.microsoft.com/office/drawing/2014/main" id="{46E14383-BA60-42C8-9E33-97C8A7CAAE40}"/>
                 </a:ext>
               </a:extLst>
             </p:cNvPr>
@@ -23124,7 +22899,7 @@
             <p:nvPr/>
           </p:nvPicPr>
           <p:blipFill>
-            <a:blip r:embed="rId11" cstate="print">
+            <a:blip r:embed="rId8" cstate="print">
               <a:extLst>
                 <a:ext uri="{28A0092B-C50C-407E-A947-70E740481C1C}">
                   <a14:useLocalDpi xmlns:a14="http://schemas.microsoft.com/office/drawing/2010/main" val="0"/>
@@ -23151,10 +22926,10 @@
         </p:pic>
         <p:pic>
           <p:nvPicPr>
-            <p:cNvPr id="56" name="Picture 55" descr="A picture containing airplane, fence&#10;&#10;Description automatically generated">
+            <p:cNvPr id="162" name="Picture 161" descr="A picture containing airplane, fence&#10;&#10;Description automatically generated">
               <a:extLst>
                 <a:ext uri="{FF2B5EF4-FFF2-40B4-BE49-F238E27FC236}">
-                  <a16:creationId xmlns:a16="http://schemas.microsoft.com/office/drawing/2014/main" id="{90695FBB-0388-419F-B365-A0D5A7A31190}"/>
+                  <a16:creationId xmlns:a16="http://schemas.microsoft.com/office/drawing/2014/main" id="{986F0685-83AD-46C3-B0DD-1B184533EA26}"/>
                 </a:ext>
               </a:extLst>
             </p:cNvPr>
@@ -23164,7 +22939,7 @@
             <p:nvPr/>
           </p:nvPicPr>
           <p:blipFill rotWithShape="1">
-            <a:blip r:embed="rId12" cstate="print">
+            <a:blip r:embed="rId9" cstate="print">
               <a:extLst>
                 <a:ext uri="{28A0092B-C50C-407E-A947-70E740481C1C}">
                   <a14:useLocalDpi xmlns:a14="http://schemas.microsoft.com/office/drawing/2010/main" val="0"/>
@@ -23189,10 +22964,10 @@
         </p:pic>
         <p:pic>
           <p:nvPicPr>
-            <p:cNvPr id="57" name="Graphic 56">
+            <p:cNvPr id="163" name="Graphic 162">
               <a:extLst>
                 <a:ext uri="{FF2B5EF4-FFF2-40B4-BE49-F238E27FC236}">
-                  <a16:creationId xmlns:a16="http://schemas.microsoft.com/office/drawing/2014/main" id="{44B3A9A3-8B31-40A4-AD22-A9E81EA18842}"/>
+                  <a16:creationId xmlns:a16="http://schemas.microsoft.com/office/drawing/2014/main" id="{C1DD6313-7D9C-44AD-AD62-BE3A2139E68D}"/>
                 </a:ext>
               </a:extLst>
             </p:cNvPr>
@@ -23202,13 +22977,13 @@
             <p:nvPr/>
           </p:nvPicPr>
           <p:blipFill>
-            <a:blip r:embed="rId13">
+            <a:blip r:embed="rId10">
               <a:extLst>
                 <a:ext uri="{28A0092B-C50C-407E-A947-70E740481C1C}">
                   <a14:useLocalDpi xmlns:a14="http://schemas.microsoft.com/office/drawing/2010/main" val="0"/>
                 </a:ext>
                 <a:ext uri="{96DAC541-7B7A-43D3-8B79-37D633B846F1}">
-                  <asvg:svgBlip xmlns:asvg="http://schemas.microsoft.com/office/drawing/2016/SVG/main" r:embed="rId14"/>
+                  <asvg:svgBlip xmlns:asvg="http://schemas.microsoft.com/office/drawing/2016/SVG/main" r:embed="rId11"/>
                 </a:ext>
               </a:extLst>
             </a:blip>
